--- a/졸업 논문/그림모음.pptx
+++ b/졸업 논문/그림모음.pptx
@@ -105,6 +105,11 @@
       </a:defRPr>
     </a:lvl9pPr>
   </p:defaultTextStyle>
+  <p:extLst>
+    <p:ext uri="{EFAFB233-063F-42B5-8137-9DF3F51BA10A}">
+      <p15:sldGuideLst xmlns:p15="http://schemas.microsoft.com/office/powerpoint/2012/main"/>
+    </p:ext>
+  </p:extLst>
 </p:presentation>
 </file>
 
@@ -255,7 +260,7 @@
           <a:p>
             <a:fld id="{1E28F0D3-E3FD-49FD-8E82-3F8837207BDD}" type="datetimeFigureOut">
               <a:rPr lang="ko-KR" altLang="en-US" smtClean="0"/>
-              <a:t>2024-02-14</a:t>
+              <a:t>2024-02-19</a:t>
             </a:fld>
             <a:endParaRPr lang="ko-KR" altLang="en-US"/>
           </a:p>
@@ -453,7 +458,7 @@
           <a:p>
             <a:fld id="{1E28F0D3-E3FD-49FD-8E82-3F8837207BDD}" type="datetimeFigureOut">
               <a:rPr lang="ko-KR" altLang="en-US" smtClean="0"/>
-              <a:t>2024-02-14</a:t>
+              <a:t>2024-02-19</a:t>
             </a:fld>
             <a:endParaRPr lang="ko-KR" altLang="en-US"/>
           </a:p>
@@ -661,7 +666,7 @@
           <a:p>
             <a:fld id="{1E28F0D3-E3FD-49FD-8E82-3F8837207BDD}" type="datetimeFigureOut">
               <a:rPr lang="ko-KR" altLang="en-US" smtClean="0"/>
-              <a:t>2024-02-14</a:t>
+              <a:t>2024-02-19</a:t>
             </a:fld>
             <a:endParaRPr lang="ko-KR" altLang="en-US"/>
           </a:p>
@@ -859,7 +864,7 @@
           <a:p>
             <a:fld id="{1E28F0D3-E3FD-49FD-8E82-3F8837207BDD}" type="datetimeFigureOut">
               <a:rPr lang="ko-KR" altLang="en-US" smtClean="0"/>
-              <a:t>2024-02-14</a:t>
+              <a:t>2024-02-19</a:t>
             </a:fld>
             <a:endParaRPr lang="ko-KR" altLang="en-US"/>
           </a:p>
@@ -1134,7 +1139,7 @@
           <a:p>
             <a:fld id="{1E28F0D3-E3FD-49FD-8E82-3F8837207BDD}" type="datetimeFigureOut">
               <a:rPr lang="ko-KR" altLang="en-US" smtClean="0"/>
-              <a:t>2024-02-14</a:t>
+              <a:t>2024-02-19</a:t>
             </a:fld>
             <a:endParaRPr lang="ko-KR" altLang="en-US"/>
           </a:p>
@@ -1399,7 +1404,7 @@
           <a:p>
             <a:fld id="{1E28F0D3-E3FD-49FD-8E82-3F8837207BDD}" type="datetimeFigureOut">
               <a:rPr lang="ko-KR" altLang="en-US" smtClean="0"/>
-              <a:t>2024-02-14</a:t>
+              <a:t>2024-02-19</a:t>
             </a:fld>
             <a:endParaRPr lang="ko-KR" altLang="en-US"/>
           </a:p>
@@ -1811,7 +1816,7 @@
           <a:p>
             <a:fld id="{1E28F0D3-E3FD-49FD-8E82-3F8837207BDD}" type="datetimeFigureOut">
               <a:rPr lang="ko-KR" altLang="en-US" smtClean="0"/>
-              <a:t>2024-02-14</a:t>
+              <a:t>2024-02-19</a:t>
             </a:fld>
             <a:endParaRPr lang="ko-KR" altLang="en-US"/>
           </a:p>
@@ -1952,7 +1957,7 @@
           <a:p>
             <a:fld id="{1E28F0D3-E3FD-49FD-8E82-3F8837207BDD}" type="datetimeFigureOut">
               <a:rPr lang="ko-KR" altLang="en-US" smtClean="0"/>
-              <a:t>2024-02-14</a:t>
+              <a:t>2024-02-19</a:t>
             </a:fld>
             <a:endParaRPr lang="ko-KR" altLang="en-US"/>
           </a:p>
@@ -2065,7 +2070,7 @@
           <a:p>
             <a:fld id="{1E28F0D3-E3FD-49FD-8E82-3F8837207BDD}" type="datetimeFigureOut">
               <a:rPr lang="ko-KR" altLang="en-US" smtClean="0"/>
-              <a:t>2024-02-14</a:t>
+              <a:t>2024-02-19</a:t>
             </a:fld>
             <a:endParaRPr lang="ko-KR" altLang="en-US"/>
           </a:p>
@@ -2376,7 +2381,7 @@
           <a:p>
             <a:fld id="{1E28F0D3-E3FD-49FD-8E82-3F8837207BDD}" type="datetimeFigureOut">
               <a:rPr lang="ko-KR" altLang="en-US" smtClean="0"/>
-              <a:t>2024-02-14</a:t>
+              <a:t>2024-02-19</a:t>
             </a:fld>
             <a:endParaRPr lang="ko-KR" altLang="en-US"/>
           </a:p>
@@ -2664,7 +2669,7 @@
           <a:p>
             <a:fld id="{1E28F0D3-E3FD-49FD-8E82-3F8837207BDD}" type="datetimeFigureOut">
               <a:rPr lang="ko-KR" altLang="en-US" smtClean="0"/>
-              <a:t>2024-02-14</a:t>
+              <a:t>2024-02-19</a:t>
             </a:fld>
             <a:endParaRPr lang="ko-KR" altLang="en-US"/>
           </a:p>
@@ -2905,7 +2910,7 @@
           <a:p>
             <a:fld id="{1E28F0D3-E3FD-49FD-8E82-3F8837207BDD}" type="datetimeFigureOut">
               <a:rPr lang="ko-KR" altLang="en-US" smtClean="0"/>
-              <a:t>2024-02-14</a:t>
+              <a:t>2024-02-19</a:t>
             </a:fld>
             <a:endParaRPr lang="ko-KR" altLang="en-US"/>
           </a:p>
@@ -3404,10 +3409,10 @@
       </p:grpSpPr>
       <p:grpSp>
         <p:nvGrpSpPr>
-          <p:cNvPr id="163" name="그룹 162">
+          <p:cNvPr id="4" name="그룹 3">
             <a:extLst>
               <a:ext uri="{FF2B5EF4-FFF2-40B4-BE49-F238E27FC236}">
-                <a16:creationId xmlns:a16="http://schemas.microsoft.com/office/drawing/2014/main" id="{C36DD15E-7616-1DE6-259E-43955F912F18}"/>
+                <a16:creationId xmlns:a16="http://schemas.microsoft.com/office/drawing/2014/main" id="{9ED4E3E3-8449-3D93-BA0E-80817AE293E6}"/>
               </a:ext>
             </a:extLst>
           </p:cNvPr>
@@ -3424,10 +3429,10 @@
         </p:grpSpPr>
         <p:grpSp>
           <p:nvGrpSpPr>
-            <p:cNvPr id="59" name="그룹 58">
+            <p:cNvPr id="55" name="그룹 54">
               <a:extLst>
                 <a:ext uri="{FF2B5EF4-FFF2-40B4-BE49-F238E27FC236}">
-                  <a16:creationId xmlns:a16="http://schemas.microsoft.com/office/drawing/2014/main" id="{520F960E-A494-735D-3A44-8B7FD1FA340B}"/>
+                  <a16:creationId xmlns:a16="http://schemas.microsoft.com/office/drawing/2014/main" id="{AC712EAC-1499-690F-8759-4A7D039908DA}"/>
                 </a:ext>
               </a:extLst>
             </p:cNvPr>
@@ -3444,10 +3449,10 @@
           </p:grpSpPr>
           <p:grpSp>
             <p:nvGrpSpPr>
-              <p:cNvPr id="55" name="그룹 54">
+              <p:cNvPr id="50" name="그룹 49">
                 <a:extLst>
                   <a:ext uri="{FF2B5EF4-FFF2-40B4-BE49-F238E27FC236}">
-                    <a16:creationId xmlns:a16="http://schemas.microsoft.com/office/drawing/2014/main" id="{AC712EAC-1499-690F-8759-4A7D039908DA}"/>
+                    <a16:creationId xmlns:a16="http://schemas.microsoft.com/office/drawing/2014/main" id="{C9C11528-CA94-01A1-910C-A200FD957780}"/>
                   </a:ext>
                 </a:extLst>
               </p:cNvPr>
@@ -3462,12 +3467,61 @@
                 <a:chExt cx="6510989" cy="3186732"/>
               </a:xfrm>
             </p:grpSpPr>
+            <p:sp>
+              <p:nvSpPr>
+                <p:cNvPr id="44" name="사각형: 둥근 위쪽 모서리 43">
+                  <a:extLst>
+                    <a:ext uri="{FF2B5EF4-FFF2-40B4-BE49-F238E27FC236}">
+                      <a16:creationId xmlns:a16="http://schemas.microsoft.com/office/drawing/2014/main" id="{DBBBEB06-0EC1-EA24-924E-141B80DF1593}"/>
+                    </a:ext>
+                  </a:extLst>
+                </p:cNvPr>
+                <p:cNvSpPr/>
+                <p:nvPr/>
+              </p:nvSpPr>
+              <p:spPr>
+                <a:xfrm rot="5400000">
+                  <a:off x="3986301" y="-223544"/>
+                  <a:ext cx="3167063" cy="6510989"/>
+                </a:xfrm>
+                <a:prstGeom prst="round2SameRect">
+                  <a:avLst/>
+                </a:prstGeom>
+                <a:solidFill>
+                  <a:schemeClr val="bg1"/>
+                </a:solidFill>
+              </p:spPr>
+              <p:style>
+                <a:lnRef idx="2">
+                  <a:schemeClr val="accent1">
+                    <a:shade val="15000"/>
+                  </a:schemeClr>
+                </a:lnRef>
+                <a:fillRef idx="1">
+                  <a:schemeClr val="accent1"/>
+                </a:fillRef>
+                <a:effectRef idx="0">
+                  <a:schemeClr val="accent1"/>
+                </a:effectRef>
+                <a:fontRef idx="minor">
+                  <a:schemeClr val="lt1"/>
+                </a:fontRef>
+              </p:style>
+              <p:txBody>
+                <a:bodyPr rtlCol="0" anchor="ctr"/>
+                <a:lstStyle/>
+                <a:p>
+                  <a:pPr algn="ctr"/>
+                  <a:endParaRPr lang="ko-KR" altLang="en-US" dirty="0"/>
+                </a:p>
+              </p:txBody>
+            </p:sp>
             <p:grpSp>
               <p:nvGrpSpPr>
-                <p:cNvPr id="50" name="그룹 49">
+                <p:cNvPr id="22" name="그룹 21">
                   <a:extLst>
                     <a:ext uri="{FF2B5EF4-FFF2-40B4-BE49-F238E27FC236}">
-                      <a16:creationId xmlns:a16="http://schemas.microsoft.com/office/drawing/2014/main" id="{C9C11528-CA94-01A1-910C-A200FD957780}"/>
+                      <a16:creationId xmlns:a16="http://schemas.microsoft.com/office/drawing/2014/main" id="{2A7B3C4C-E5AD-6906-43A4-95EBA46A460D}"/>
                     </a:ext>
                   </a:extLst>
                 </p:cNvPr>
@@ -3476,18 +3530,18 @@
               </p:nvGrpSpPr>
               <p:grpSpPr>
                 <a:xfrm>
-                  <a:off x="2314338" y="1428750"/>
-                  <a:ext cx="6510989" cy="3186732"/>
-                  <a:chOff x="2314338" y="1428750"/>
-                  <a:chExt cx="6510989" cy="3186732"/>
+                  <a:off x="2730971" y="1844341"/>
+                  <a:ext cx="1644179" cy="738600"/>
+                  <a:chOff x="2730971" y="1844341"/>
+                  <a:chExt cx="1644179" cy="738600"/>
                 </a:xfrm>
               </p:grpSpPr>
               <p:sp>
                 <p:nvSpPr>
-                  <p:cNvPr id="44" name="사각형: 둥근 위쪽 모서리 43">
+                  <p:cNvPr id="5" name="직사각형 4">
                     <a:extLst>
                       <a:ext uri="{FF2B5EF4-FFF2-40B4-BE49-F238E27FC236}">
-                        <a16:creationId xmlns:a16="http://schemas.microsoft.com/office/drawing/2014/main" id="{DBBBEB06-0EC1-EA24-924E-141B80DF1593}"/>
+                        <a16:creationId xmlns:a16="http://schemas.microsoft.com/office/drawing/2014/main" id="{502D4DC1-E08E-8EB0-A3AD-03A83B58A101}"/>
                       </a:ext>
                     </a:extLst>
                   </p:cNvPr>
@@ -3495,15 +3549,943 @@
                   <p:nvPr/>
                 </p:nvSpPr>
                 <p:spPr>
-                  <a:xfrm rot="5400000">
-                    <a:off x="3986301" y="-223544"/>
-                    <a:ext cx="3167063" cy="6510989"/>
+                  <a:xfrm>
+                    <a:off x="2730971" y="2059567"/>
+                    <a:ext cx="1431758" cy="523374"/>
                   </a:xfrm>
-                  <a:prstGeom prst="round2SameRect">
+                  <a:prstGeom prst="rect">
                     <a:avLst/>
                   </a:prstGeom>
                   <a:solidFill>
-                    <a:schemeClr val="bg1"/>
+                    <a:schemeClr val="bg2"/>
+                  </a:solidFill>
+                </p:spPr>
+                <p:style>
+                  <a:lnRef idx="2">
+                    <a:schemeClr val="accent1">
+                      <a:shade val="15000"/>
+                    </a:schemeClr>
+                  </a:lnRef>
+                  <a:fillRef idx="1">
+                    <a:schemeClr val="accent1"/>
+                  </a:fillRef>
+                  <a:effectRef idx="0">
+                    <a:schemeClr val="accent1"/>
+                  </a:effectRef>
+                  <a:fontRef idx="minor">
+                    <a:schemeClr val="lt1"/>
+                  </a:fontRef>
+                </p:style>
+                <p:txBody>
+                  <a:bodyPr rtlCol="0" anchor="ctr"/>
+                  <a:lstStyle/>
+                  <a:p>
+                    <a:pPr algn="ctr"/>
+                    <a:endParaRPr lang="ko-KR" altLang="en-US"/>
+                  </a:p>
+                </p:txBody>
+              </p:sp>
+              <p:cxnSp>
+                <p:nvCxnSpPr>
+                  <p:cNvPr id="9" name="직선 화살표 연결선 8">
+                    <a:extLst>
+                      <a:ext uri="{FF2B5EF4-FFF2-40B4-BE49-F238E27FC236}">
+                        <a16:creationId xmlns:a16="http://schemas.microsoft.com/office/drawing/2014/main" id="{34EA55F2-C619-00C6-27F9-C9CE8E6AF614}"/>
+                      </a:ext>
+                    </a:extLst>
+                  </p:cNvPr>
+                  <p:cNvCxnSpPr>
+                    <a:cxnSpLocks/>
+                  </p:cNvCxnSpPr>
+                  <p:nvPr/>
+                </p:nvCxnSpPr>
+                <p:spPr>
+                  <a:xfrm>
+                    <a:off x="3443037" y="2313071"/>
+                    <a:ext cx="932113" cy="0"/>
+                  </a:xfrm>
+                  <a:prstGeom prst="straightConnector1">
+                    <a:avLst/>
+                  </a:prstGeom>
+                  <a:ln>
+                    <a:tailEnd type="triangle"/>
+                  </a:ln>
+                </p:spPr>
+                <p:style>
+                  <a:lnRef idx="2">
+                    <a:schemeClr val="dk1"/>
+                  </a:lnRef>
+                  <a:fillRef idx="0">
+                    <a:schemeClr val="dk1"/>
+                  </a:fillRef>
+                  <a:effectRef idx="1">
+                    <a:schemeClr val="dk1"/>
+                  </a:effectRef>
+                  <a:fontRef idx="minor">
+                    <a:schemeClr val="tx1"/>
+                  </a:fontRef>
+                </p:style>
+              </p:cxnSp>
+              <p:cxnSp>
+                <p:nvCxnSpPr>
+                  <p:cNvPr id="13" name="직선 화살표 연결선 12">
+                    <a:extLst>
+                      <a:ext uri="{FF2B5EF4-FFF2-40B4-BE49-F238E27FC236}">
+                        <a16:creationId xmlns:a16="http://schemas.microsoft.com/office/drawing/2014/main" id="{138797F0-F614-6FFD-68F7-587633323284}"/>
+                      </a:ext>
+                    </a:extLst>
+                  </p:cNvPr>
+                  <p:cNvCxnSpPr>
+                    <a:cxnSpLocks/>
+                  </p:cNvCxnSpPr>
+                  <p:nvPr/>
+                </p:nvCxnSpPr>
+                <p:spPr>
+                  <a:xfrm flipV="1">
+                    <a:off x="3443037" y="1844341"/>
+                    <a:ext cx="0" cy="468730"/>
+                  </a:xfrm>
+                  <a:prstGeom prst="straightConnector1">
+                    <a:avLst/>
+                  </a:prstGeom>
+                  <a:ln>
+                    <a:tailEnd type="triangle"/>
+                  </a:ln>
+                </p:spPr>
+                <p:style>
+                  <a:lnRef idx="2">
+                    <a:schemeClr val="dk1"/>
+                  </a:lnRef>
+                  <a:fillRef idx="0">
+                    <a:schemeClr val="dk1"/>
+                  </a:fillRef>
+                  <a:effectRef idx="1">
+                    <a:schemeClr val="dk1"/>
+                  </a:effectRef>
+                  <a:fontRef idx="minor">
+                    <a:schemeClr val="tx1"/>
+                  </a:fontRef>
+                </p:style>
+              </p:cxnSp>
+              <p:sp>
+                <p:nvSpPr>
+                  <p:cNvPr id="18" name="화살표: 아래로 구부러짐 17">
+                    <a:extLst>
+                      <a:ext uri="{FF2B5EF4-FFF2-40B4-BE49-F238E27FC236}">
+                        <a16:creationId xmlns:a16="http://schemas.microsoft.com/office/drawing/2014/main" id="{334FAD92-3D06-6FA6-EE22-4CBA446A5CC4}"/>
+                      </a:ext>
+                    </a:extLst>
+                  </p:cNvPr>
+                  <p:cNvSpPr/>
+                  <p:nvPr/>
+                </p:nvSpPr>
+                <p:spPr>
+                  <a:xfrm rot="904786" flipH="1">
+                    <a:off x="3141609" y="2125747"/>
+                    <a:ext cx="602853" cy="235618"/>
+                  </a:xfrm>
+                  <a:prstGeom prst="curvedDownArrow">
+                    <a:avLst>
+                      <a:gd name="adj1" fmla="val 8315"/>
+                      <a:gd name="adj2" fmla="val 23162"/>
+                      <a:gd name="adj3" fmla="val 19792"/>
+                    </a:avLst>
+                  </a:prstGeom>
+                </p:spPr>
+                <p:style>
+                  <a:lnRef idx="2">
+                    <a:schemeClr val="dk1">
+                      <a:shade val="15000"/>
+                    </a:schemeClr>
+                  </a:lnRef>
+                  <a:fillRef idx="1">
+                    <a:schemeClr val="dk1"/>
+                  </a:fillRef>
+                  <a:effectRef idx="0">
+                    <a:schemeClr val="dk1"/>
+                  </a:effectRef>
+                  <a:fontRef idx="minor">
+                    <a:schemeClr val="lt1"/>
+                  </a:fontRef>
+                </p:style>
+                <p:txBody>
+                  <a:bodyPr rtlCol="0" anchor="ctr"/>
+                  <a:lstStyle/>
+                  <a:p>
+                    <a:pPr algn="ctr"/>
+                    <a:endParaRPr lang="ko-KR" altLang="en-US">
+                      <a:ln w="0"/>
+                      <a:solidFill>
+                        <a:schemeClr val="tx1"/>
+                      </a:solidFill>
+                      <a:effectLst>
+                        <a:outerShdw blurRad="38100" dist="19050" dir="2700000" algn="tl" rotWithShape="0">
+                          <a:schemeClr val="dk1">
+                            <a:alpha val="40000"/>
+                          </a:schemeClr>
+                        </a:outerShdw>
+                      </a:effectLst>
+                    </a:endParaRPr>
+                  </a:p>
+                </p:txBody>
+              </p:sp>
+            </p:grpSp>
+            <p:sp>
+              <p:nvSpPr>
+                <p:cNvPr id="19" name="TextBox 18">
+                  <a:extLst>
+                    <a:ext uri="{FF2B5EF4-FFF2-40B4-BE49-F238E27FC236}">
+                      <a16:creationId xmlns:a16="http://schemas.microsoft.com/office/drawing/2014/main" id="{93E973EF-679F-ED7D-790F-9C3F2511608B}"/>
+                    </a:ext>
+                  </a:extLst>
+                </p:cNvPr>
+                <p:cNvSpPr txBox="1"/>
+                <p:nvPr/>
+              </p:nvSpPr>
+              <p:spPr>
+                <a:xfrm>
+                  <a:off x="5376863" y="1428750"/>
+                  <a:ext cx="184731" cy="369332"/>
+                </a:xfrm>
+                <a:prstGeom prst="rect">
+                  <a:avLst/>
+                </a:prstGeom>
+                <a:noFill/>
+              </p:spPr>
+              <p:txBody>
+                <a:bodyPr wrap="none" rtlCol="0">
+                  <a:spAutoFit/>
+                </a:bodyPr>
+                <a:lstStyle/>
+                <a:p>
+                  <a:endParaRPr lang="ko-KR" altLang="en-US" dirty="0"/>
+                </a:p>
+              </p:txBody>
+            </p:sp>
+            <mc:AlternateContent xmlns:mc="http://schemas.openxmlformats.org/markup-compatibility/2006" xmlns:a14="http://schemas.microsoft.com/office/drawing/2010/main">
+              <mc:Choice Requires="a14">
+                <p:sp>
+                  <p:nvSpPr>
+                    <p:cNvPr id="20" name="TextBox 19">
+                      <a:extLst>
+                        <a:ext uri="{FF2B5EF4-FFF2-40B4-BE49-F238E27FC236}">
+                          <a16:creationId xmlns:a16="http://schemas.microsoft.com/office/drawing/2014/main" id="{6FC8A76B-E8DB-8D05-AC93-1800051C053C}"/>
+                        </a:ext>
+                      </a:extLst>
+                    </p:cNvPr>
+                    <p:cNvSpPr txBox="1"/>
+                    <p:nvPr/>
+                  </p:nvSpPr>
+                  <p:spPr>
+                    <a:xfrm>
+                      <a:off x="4405346" y="2213049"/>
+                      <a:ext cx="367537" cy="192873"/>
+                    </a:xfrm>
+                    <a:prstGeom prst="rect">
+                      <a:avLst/>
+                    </a:prstGeom>
+                    <a:noFill/>
+                  </p:spPr>
+                  <p:txBody>
+                    <a:bodyPr wrap="none" lIns="0" tIns="0" rIns="0" bIns="0" rtlCol="0">
+                      <a:spAutoFit/>
+                    </a:bodyPr>
+                    <a:lstStyle/>
+                    <a:p>
+                      <a:pPr/>
+                      <a14:m>
+                        <m:oMathPara xmlns:m="http://schemas.openxmlformats.org/officeDocument/2006/math">
+                          <m:oMathParaPr>
+                            <m:jc m:val="centerGroup"/>
+                          </m:oMathParaPr>
+                          <m:oMath xmlns:m="http://schemas.openxmlformats.org/officeDocument/2006/math">
+                            <m:sSub>
+                              <m:sSubPr>
+                                <m:ctrlPr>
+                                  <a:rPr lang="en-US" altLang="ko-KR" sz="1200" b="0" i="1" smtClean="0">
+                                    <a:latin typeface="Cambria Math" panose="02040503050406030204" pitchFamily="18" charset="0"/>
+                                  </a:rPr>
+                                </m:ctrlPr>
+                              </m:sSubPr>
+                              <m:e>
+                                <m:r>
+                                  <a:rPr lang="en-US" altLang="ko-KR" sz="1200" b="0" i="1" smtClean="0">
+                                    <a:latin typeface="Cambria Math" panose="02040503050406030204" pitchFamily="18" charset="0"/>
+                                  </a:rPr>
+                                  <m:t>𝐹</m:t>
+                                </m:r>
+                              </m:e>
+                              <m:sub>
+                                <m:r>
+                                  <a:rPr lang="en-US" altLang="ko-KR" sz="1200" b="0" i="1" smtClean="0">
+                                    <a:latin typeface="Cambria Math" panose="02040503050406030204" pitchFamily="18" charset="0"/>
+                                  </a:rPr>
+                                  <m:t>𝑥</m:t>
+                                </m:r>
+                                <m:r>
+                                  <a:rPr lang="en-US" altLang="ko-KR" sz="1200" b="0" i="1" smtClean="0">
+                                    <a:latin typeface="Cambria Math" panose="02040503050406030204" pitchFamily="18" charset="0"/>
+                                  </a:rPr>
+                                  <m:t>,</m:t>
+                                </m:r>
+                                <m:r>
+                                  <a:rPr lang="en-US" altLang="ko-KR" sz="1200" b="0" i="1" smtClean="0">
+                                    <a:latin typeface="Cambria Math" panose="02040503050406030204" pitchFamily="18" charset="0"/>
+                                  </a:rPr>
+                                  <m:t>𝑅𝐿</m:t>
+                                </m:r>
+                              </m:sub>
+                            </m:sSub>
+                          </m:oMath>
+                        </m:oMathPara>
+                      </a14:m>
+                      <a:endParaRPr lang="ko-KR" altLang="en-US" sz="1200" dirty="0"/>
+                    </a:p>
+                  </p:txBody>
+                </p:sp>
+              </mc:Choice>
+              <mc:Fallback xmlns="">
+                <p:sp>
+                  <p:nvSpPr>
+                    <p:cNvPr id="20" name="TextBox 19">
+                      <a:extLst>
+                        <a:ext uri="{FF2B5EF4-FFF2-40B4-BE49-F238E27FC236}">
+                          <a16:creationId xmlns:a16="http://schemas.microsoft.com/office/drawing/2014/main" id="{6FC8A76B-E8DB-8D05-AC93-1800051C053C}"/>
+                        </a:ext>
+                      </a:extLst>
+                    </p:cNvPr>
+                    <p:cNvSpPr txBox="1">
+                      <a:spLocks noRot="1" noChangeAspect="1" noMove="1" noResize="1" noEditPoints="1" noAdjustHandles="1" noChangeArrowheads="1" noChangeShapeType="1" noTextEdit="1"/>
+                    </p:cNvSpPr>
+                    <p:nvPr/>
+                  </p:nvSpPr>
+                  <p:spPr>
+                    <a:xfrm>
+                      <a:off x="4405346" y="2213049"/>
+                      <a:ext cx="367537" cy="192873"/>
+                    </a:xfrm>
+                    <a:prstGeom prst="rect">
+                      <a:avLst/>
+                    </a:prstGeom>
+                    <a:blipFill>
+                      <a:blip r:embed="rId2"/>
+                      <a:stretch>
+                        <a:fillRect l="-6667" b="-9375"/>
+                      </a:stretch>
+                    </a:blipFill>
+                  </p:spPr>
+                  <p:txBody>
+                    <a:bodyPr/>
+                    <a:lstStyle/>
+                    <a:p>
+                      <a:r>
+                        <a:rPr lang="ko-KR" altLang="en-US">
+                          <a:noFill/>
+                        </a:rPr>
+                        <a:t> </a:t>
+                      </a:r>
+                    </a:p>
+                  </p:txBody>
+                </p:sp>
+              </mc:Fallback>
+            </mc:AlternateContent>
+            <mc:AlternateContent xmlns:mc="http://schemas.openxmlformats.org/markup-compatibility/2006" xmlns:a14="http://schemas.microsoft.com/office/drawing/2010/main">
+              <mc:Choice Requires="a14">
+                <p:sp>
+                  <p:nvSpPr>
+                    <p:cNvPr id="21" name="TextBox 20">
+                      <a:extLst>
+                        <a:ext uri="{FF2B5EF4-FFF2-40B4-BE49-F238E27FC236}">
+                          <a16:creationId xmlns:a16="http://schemas.microsoft.com/office/drawing/2014/main" id="{BC1F2BDC-7024-002D-A744-B22018A5E473}"/>
+                        </a:ext>
+                      </a:extLst>
+                    </p:cNvPr>
+                    <p:cNvSpPr txBox="1"/>
+                    <p:nvPr/>
+                  </p:nvSpPr>
+                  <p:spPr>
+                    <a:xfrm>
+                      <a:off x="3256990" y="1605146"/>
+                      <a:ext cx="372089" cy="199285"/>
+                    </a:xfrm>
+                    <a:prstGeom prst="rect">
+                      <a:avLst/>
+                    </a:prstGeom>
+                    <a:noFill/>
+                  </p:spPr>
+                  <p:txBody>
+                    <a:bodyPr wrap="none" lIns="0" tIns="0" rIns="0" bIns="0" rtlCol="0">
+                      <a:spAutoFit/>
+                    </a:bodyPr>
+                    <a:lstStyle/>
+                    <a:p>
+                      <a:pPr/>
+                      <a14:m>
+                        <m:oMathPara xmlns:m="http://schemas.openxmlformats.org/officeDocument/2006/math">
+                          <m:oMathParaPr>
+                            <m:jc m:val="centerGroup"/>
+                          </m:oMathParaPr>
+                          <m:oMath xmlns:m="http://schemas.openxmlformats.org/officeDocument/2006/math">
+                            <m:sSub>
+                              <m:sSubPr>
+                                <m:ctrlPr>
+                                  <a:rPr lang="en-US" altLang="ko-KR" sz="1200" b="0" i="1" smtClean="0">
+                                    <a:latin typeface="Cambria Math" panose="02040503050406030204" pitchFamily="18" charset="0"/>
+                                  </a:rPr>
+                                </m:ctrlPr>
+                              </m:sSubPr>
+                              <m:e>
+                                <m:r>
+                                  <a:rPr lang="en-US" altLang="ko-KR" sz="1200" b="0" i="1" smtClean="0">
+                                    <a:latin typeface="Cambria Math" panose="02040503050406030204" pitchFamily="18" charset="0"/>
+                                  </a:rPr>
+                                  <m:t>𝐹</m:t>
+                                </m:r>
+                              </m:e>
+                              <m:sub>
+                                <m:r>
+                                  <a:rPr lang="en-US" altLang="ko-KR" sz="1200" b="0" i="1" smtClean="0">
+                                    <a:latin typeface="Cambria Math" panose="02040503050406030204" pitchFamily="18" charset="0"/>
+                                  </a:rPr>
+                                  <m:t>𝑦</m:t>
+                                </m:r>
+                                <m:r>
+                                  <a:rPr lang="en-US" altLang="ko-KR" sz="1200" b="0" i="1" smtClean="0">
+                                    <a:latin typeface="Cambria Math" panose="02040503050406030204" pitchFamily="18" charset="0"/>
+                                  </a:rPr>
+                                  <m:t>,</m:t>
+                                </m:r>
+                                <m:r>
+                                  <a:rPr lang="en-US" altLang="ko-KR" sz="1200" b="0" i="1" smtClean="0">
+                                    <a:latin typeface="Cambria Math" panose="02040503050406030204" pitchFamily="18" charset="0"/>
+                                  </a:rPr>
+                                  <m:t>𝑅𝐿</m:t>
+                                </m:r>
+                              </m:sub>
+                            </m:sSub>
+                          </m:oMath>
+                        </m:oMathPara>
+                      </a14:m>
+                      <a:endParaRPr lang="ko-KR" altLang="en-US" sz="1200" dirty="0"/>
+                    </a:p>
+                  </p:txBody>
+                </p:sp>
+              </mc:Choice>
+              <mc:Fallback xmlns="">
+                <p:sp>
+                  <p:nvSpPr>
+                    <p:cNvPr id="21" name="TextBox 20">
+                      <a:extLst>
+                        <a:ext uri="{FF2B5EF4-FFF2-40B4-BE49-F238E27FC236}">
+                          <a16:creationId xmlns:a16="http://schemas.microsoft.com/office/drawing/2014/main" id="{BC1F2BDC-7024-002D-A744-B22018A5E473}"/>
+                        </a:ext>
+                      </a:extLst>
+                    </p:cNvPr>
+                    <p:cNvSpPr txBox="1">
+                      <a:spLocks noRot="1" noChangeAspect="1" noMove="1" noResize="1" noEditPoints="1" noAdjustHandles="1" noChangeArrowheads="1" noChangeShapeType="1" noTextEdit="1"/>
+                    </p:cNvSpPr>
+                    <p:nvPr/>
+                  </p:nvSpPr>
+                  <p:spPr>
+                    <a:xfrm>
+                      <a:off x="3256990" y="1605146"/>
+                      <a:ext cx="372089" cy="199285"/>
+                    </a:xfrm>
+                    <a:prstGeom prst="rect">
+                      <a:avLst/>
+                    </a:prstGeom>
+                    <a:blipFill>
+                      <a:blip r:embed="rId3"/>
+                      <a:stretch>
+                        <a:fillRect l="-6557" b="-21212"/>
+                      </a:stretch>
+                    </a:blipFill>
+                  </p:spPr>
+                  <p:txBody>
+                    <a:bodyPr/>
+                    <a:lstStyle/>
+                    <a:p>
+                      <a:r>
+                        <a:rPr lang="ko-KR" altLang="en-US">
+                          <a:noFill/>
+                        </a:rPr>
+                        <a:t> </a:t>
+                      </a:r>
+                    </a:p>
+                  </p:txBody>
+                </p:sp>
+              </mc:Fallback>
+            </mc:AlternateContent>
+            <p:grpSp>
+              <p:nvGrpSpPr>
+                <p:cNvPr id="23" name="그룹 22">
+                  <a:extLst>
+                    <a:ext uri="{FF2B5EF4-FFF2-40B4-BE49-F238E27FC236}">
+                      <a16:creationId xmlns:a16="http://schemas.microsoft.com/office/drawing/2014/main" id="{818DDCEC-24F5-845D-5222-7BB8B48389A3}"/>
+                    </a:ext>
+                  </a:extLst>
+                </p:cNvPr>
+                <p:cNvGrpSpPr/>
+                <p:nvPr/>
+              </p:nvGrpSpPr>
+              <p:grpSpPr>
+                <a:xfrm rot="20995145">
+                  <a:off x="6764264" y="1785259"/>
+                  <a:ext cx="1644179" cy="738600"/>
+                  <a:chOff x="2730971" y="1844341"/>
+                  <a:chExt cx="1644179" cy="738600"/>
+                </a:xfrm>
+              </p:grpSpPr>
+              <p:sp>
+                <p:nvSpPr>
+                  <p:cNvPr id="24" name="직사각형 23">
+                    <a:extLst>
+                      <a:ext uri="{FF2B5EF4-FFF2-40B4-BE49-F238E27FC236}">
+                        <a16:creationId xmlns:a16="http://schemas.microsoft.com/office/drawing/2014/main" id="{9E059D26-4034-FA5A-4963-B8A80767127D}"/>
+                      </a:ext>
+                    </a:extLst>
+                  </p:cNvPr>
+                  <p:cNvSpPr/>
+                  <p:nvPr/>
+                </p:nvSpPr>
+                <p:spPr>
+                  <a:xfrm>
+                    <a:off x="2730971" y="2059567"/>
+                    <a:ext cx="1431758" cy="523374"/>
+                  </a:xfrm>
+                  <a:prstGeom prst="rect">
+                    <a:avLst/>
+                  </a:prstGeom>
+                  <a:solidFill>
+                    <a:schemeClr val="bg2"/>
+                  </a:solidFill>
+                </p:spPr>
+                <p:style>
+                  <a:lnRef idx="2">
+                    <a:schemeClr val="accent1">
+                      <a:shade val="15000"/>
+                    </a:schemeClr>
+                  </a:lnRef>
+                  <a:fillRef idx="1">
+                    <a:schemeClr val="accent1"/>
+                  </a:fillRef>
+                  <a:effectRef idx="0">
+                    <a:schemeClr val="accent1"/>
+                  </a:effectRef>
+                  <a:fontRef idx="minor">
+                    <a:schemeClr val="lt1"/>
+                  </a:fontRef>
+                </p:style>
+                <p:txBody>
+                  <a:bodyPr rtlCol="0" anchor="ctr"/>
+                  <a:lstStyle/>
+                  <a:p>
+                    <a:pPr algn="ctr"/>
+                    <a:endParaRPr lang="ko-KR" altLang="en-US"/>
+                  </a:p>
+                </p:txBody>
+              </p:sp>
+              <p:cxnSp>
+                <p:nvCxnSpPr>
+                  <p:cNvPr id="25" name="직선 화살표 연결선 24">
+                    <a:extLst>
+                      <a:ext uri="{FF2B5EF4-FFF2-40B4-BE49-F238E27FC236}">
+                        <a16:creationId xmlns:a16="http://schemas.microsoft.com/office/drawing/2014/main" id="{F467F91A-CAA4-AE74-65F8-E0FF17D286EF}"/>
+                      </a:ext>
+                    </a:extLst>
+                  </p:cNvPr>
+                  <p:cNvCxnSpPr>
+                    <a:cxnSpLocks/>
+                  </p:cNvCxnSpPr>
+                  <p:nvPr/>
+                </p:nvCxnSpPr>
+                <p:spPr>
+                  <a:xfrm>
+                    <a:off x="3443037" y="2313071"/>
+                    <a:ext cx="932113" cy="0"/>
+                  </a:xfrm>
+                  <a:prstGeom prst="straightConnector1">
+                    <a:avLst/>
+                  </a:prstGeom>
+                  <a:ln>
+                    <a:tailEnd type="triangle"/>
+                  </a:ln>
+                </p:spPr>
+                <p:style>
+                  <a:lnRef idx="2">
+                    <a:schemeClr val="dk1"/>
+                  </a:lnRef>
+                  <a:fillRef idx="0">
+                    <a:schemeClr val="dk1"/>
+                  </a:fillRef>
+                  <a:effectRef idx="1">
+                    <a:schemeClr val="dk1"/>
+                  </a:effectRef>
+                  <a:fontRef idx="minor">
+                    <a:schemeClr val="tx1"/>
+                  </a:fontRef>
+                </p:style>
+              </p:cxnSp>
+              <p:cxnSp>
+                <p:nvCxnSpPr>
+                  <p:cNvPr id="26" name="직선 화살표 연결선 25">
+                    <a:extLst>
+                      <a:ext uri="{FF2B5EF4-FFF2-40B4-BE49-F238E27FC236}">
+                        <a16:creationId xmlns:a16="http://schemas.microsoft.com/office/drawing/2014/main" id="{2D25A704-5FF0-0E95-92B4-10B7F28D3916}"/>
+                      </a:ext>
+                    </a:extLst>
+                  </p:cNvPr>
+                  <p:cNvCxnSpPr>
+                    <a:cxnSpLocks/>
+                  </p:cNvCxnSpPr>
+                  <p:nvPr/>
+                </p:nvCxnSpPr>
+                <p:spPr>
+                  <a:xfrm flipV="1">
+                    <a:off x="3443037" y="1844341"/>
+                    <a:ext cx="0" cy="468730"/>
+                  </a:xfrm>
+                  <a:prstGeom prst="straightConnector1">
+                    <a:avLst/>
+                  </a:prstGeom>
+                  <a:ln>
+                    <a:tailEnd type="triangle"/>
+                  </a:ln>
+                </p:spPr>
+                <p:style>
+                  <a:lnRef idx="2">
+                    <a:schemeClr val="dk1"/>
+                  </a:lnRef>
+                  <a:fillRef idx="0">
+                    <a:schemeClr val="dk1"/>
+                  </a:fillRef>
+                  <a:effectRef idx="1">
+                    <a:schemeClr val="dk1"/>
+                  </a:effectRef>
+                  <a:fontRef idx="minor">
+                    <a:schemeClr val="tx1"/>
+                  </a:fontRef>
+                </p:style>
+              </p:cxnSp>
+              <p:sp>
+                <p:nvSpPr>
+                  <p:cNvPr id="27" name="화살표: 아래로 구부러짐 26">
+                    <a:extLst>
+                      <a:ext uri="{FF2B5EF4-FFF2-40B4-BE49-F238E27FC236}">
+                        <a16:creationId xmlns:a16="http://schemas.microsoft.com/office/drawing/2014/main" id="{8F7AB64B-7742-5340-5B68-1D987608DB95}"/>
+                      </a:ext>
+                    </a:extLst>
+                  </p:cNvPr>
+                  <p:cNvSpPr/>
+                  <p:nvPr/>
+                </p:nvSpPr>
+                <p:spPr>
+                  <a:xfrm rot="2114496" flipH="1">
+                    <a:off x="3141609" y="2125747"/>
+                    <a:ext cx="602853" cy="235618"/>
+                  </a:xfrm>
+                  <a:prstGeom prst="curvedDownArrow">
+                    <a:avLst>
+                      <a:gd name="adj1" fmla="val 8315"/>
+                      <a:gd name="adj2" fmla="val 23162"/>
+                      <a:gd name="adj3" fmla="val 19792"/>
+                    </a:avLst>
+                  </a:prstGeom>
+                </p:spPr>
+                <p:style>
+                  <a:lnRef idx="2">
+                    <a:schemeClr val="dk1">
+                      <a:shade val="15000"/>
+                    </a:schemeClr>
+                  </a:lnRef>
+                  <a:fillRef idx="1">
+                    <a:schemeClr val="dk1"/>
+                  </a:fillRef>
+                  <a:effectRef idx="0">
+                    <a:schemeClr val="dk1"/>
+                  </a:effectRef>
+                  <a:fontRef idx="minor">
+                    <a:schemeClr val="lt1"/>
+                  </a:fontRef>
+                </p:style>
+                <p:txBody>
+                  <a:bodyPr rtlCol="0" anchor="ctr"/>
+                  <a:lstStyle/>
+                  <a:p>
+                    <a:pPr algn="ctr"/>
+                    <a:endParaRPr lang="ko-KR" altLang="en-US" dirty="0">
+                      <a:ln w="0"/>
+                      <a:solidFill>
+                        <a:schemeClr val="tx1"/>
+                      </a:solidFill>
+                      <a:effectLst>
+                        <a:outerShdw blurRad="38100" dist="19050" dir="2700000" algn="tl" rotWithShape="0">
+                          <a:schemeClr val="dk1">
+                            <a:alpha val="40000"/>
+                          </a:schemeClr>
+                        </a:outerShdw>
+                      </a:effectLst>
+                    </a:endParaRPr>
+                  </a:p>
+                </p:txBody>
+              </p:sp>
+            </p:grpSp>
+            <p:grpSp>
+              <p:nvGrpSpPr>
+                <p:cNvPr id="33" name="그룹 32">
+                  <a:extLst>
+                    <a:ext uri="{FF2B5EF4-FFF2-40B4-BE49-F238E27FC236}">
+                      <a16:creationId xmlns:a16="http://schemas.microsoft.com/office/drawing/2014/main" id="{DF6D4E20-EDA5-4970-514B-5149A41FD9B9}"/>
+                    </a:ext>
+                  </a:extLst>
+                </p:cNvPr>
+                <p:cNvGrpSpPr/>
+                <p:nvPr/>
+              </p:nvGrpSpPr>
+              <p:grpSpPr>
+                <a:xfrm>
+                  <a:off x="2730971" y="3528601"/>
+                  <a:ext cx="1644179" cy="738600"/>
+                  <a:chOff x="2730971" y="1844341"/>
+                  <a:chExt cx="1644179" cy="738600"/>
+                </a:xfrm>
+              </p:grpSpPr>
+              <p:sp>
+                <p:nvSpPr>
+                  <p:cNvPr id="34" name="직사각형 33">
+                    <a:extLst>
+                      <a:ext uri="{FF2B5EF4-FFF2-40B4-BE49-F238E27FC236}">
+                        <a16:creationId xmlns:a16="http://schemas.microsoft.com/office/drawing/2014/main" id="{45C61FE5-117F-850A-A632-B4D373F61482}"/>
+                      </a:ext>
+                    </a:extLst>
+                  </p:cNvPr>
+                  <p:cNvSpPr/>
+                  <p:nvPr/>
+                </p:nvSpPr>
+                <p:spPr>
+                  <a:xfrm>
+                    <a:off x="2730971" y="2059567"/>
+                    <a:ext cx="1431758" cy="523374"/>
+                  </a:xfrm>
+                  <a:prstGeom prst="rect">
+                    <a:avLst/>
+                  </a:prstGeom>
+                  <a:solidFill>
+                    <a:schemeClr val="bg2"/>
+                  </a:solidFill>
+                </p:spPr>
+                <p:style>
+                  <a:lnRef idx="2">
+                    <a:schemeClr val="accent1">
+                      <a:shade val="15000"/>
+                    </a:schemeClr>
+                  </a:lnRef>
+                  <a:fillRef idx="1">
+                    <a:schemeClr val="accent1"/>
+                  </a:fillRef>
+                  <a:effectRef idx="0">
+                    <a:schemeClr val="accent1"/>
+                  </a:effectRef>
+                  <a:fontRef idx="minor">
+                    <a:schemeClr val="lt1"/>
+                  </a:fontRef>
+                </p:style>
+                <p:txBody>
+                  <a:bodyPr rtlCol="0" anchor="ctr"/>
+                  <a:lstStyle/>
+                  <a:p>
+                    <a:pPr algn="ctr"/>
+                    <a:endParaRPr lang="ko-KR" altLang="en-US"/>
+                  </a:p>
+                </p:txBody>
+              </p:sp>
+              <p:cxnSp>
+                <p:nvCxnSpPr>
+                  <p:cNvPr id="35" name="직선 화살표 연결선 34">
+                    <a:extLst>
+                      <a:ext uri="{FF2B5EF4-FFF2-40B4-BE49-F238E27FC236}">
+                        <a16:creationId xmlns:a16="http://schemas.microsoft.com/office/drawing/2014/main" id="{8060007E-4C4D-F765-3B82-ABC01C0F8F7B}"/>
+                      </a:ext>
+                    </a:extLst>
+                  </p:cNvPr>
+                  <p:cNvCxnSpPr>
+                    <a:cxnSpLocks/>
+                  </p:cNvCxnSpPr>
+                  <p:nvPr/>
+                </p:nvCxnSpPr>
+                <p:spPr>
+                  <a:xfrm>
+                    <a:off x="3443037" y="2313071"/>
+                    <a:ext cx="932113" cy="0"/>
+                  </a:xfrm>
+                  <a:prstGeom prst="straightConnector1">
+                    <a:avLst/>
+                  </a:prstGeom>
+                  <a:ln>
+                    <a:tailEnd type="triangle"/>
+                  </a:ln>
+                </p:spPr>
+                <p:style>
+                  <a:lnRef idx="2">
+                    <a:schemeClr val="dk1"/>
+                  </a:lnRef>
+                  <a:fillRef idx="0">
+                    <a:schemeClr val="dk1"/>
+                  </a:fillRef>
+                  <a:effectRef idx="1">
+                    <a:schemeClr val="dk1"/>
+                  </a:effectRef>
+                  <a:fontRef idx="minor">
+                    <a:schemeClr val="tx1"/>
+                  </a:fontRef>
+                </p:style>
+              </p:cxnSp>
+              <p:cxnSp>
+                <p:nvCxnSpPr>
+                  <p:cNvPr id="36" name="직선 화살표 연결선 35">
+                    <a:extLst>
+                      <a:ext uri="{FF2B5EF4-FFF2-40B4-BE49-F238E27FC236}">
+                        <a16:creationId xmlns:a16="http://schemas.microsoft.com/office/drawing/2014/main" id="{0226DA43-13EB-552F-8D2A-0C70B11A91A2}"/>
+                      </a:ext>
+                    </a:extLst>
+                  </p:cNvPr>
+                  <p:cNvCxnSpPr>
+                    <a:cxnSpLocks/>
+                  </p:cNvCxnSpPr>
+                  <p:nvPr/>
+                </p:nvCxnSpPr>
+                <p:spPr>
+                  <a:xfrm flipV="1">
+                    <a:off x="3443037" y="1844341"/>
+                    <a:ext cx="0" cy="468730"/>
+                  </a:xfrm>
+                  <a:prstGeom prst="straightConnector1">
+                    <a:avLst/>
+                  </a:prstGeom>
+                  <a:ln>
+                    <a:tailEnd type="triangle"/>
+                  </a:ln>
+                </p:spPr>
+                <p:style>
+                  <a:lnRef idx="2">
+                    <a:schemeClr val="dk1"/>
+                  </a:lnRef>
+                  <a:fillRef idx="0">
+                    <a:schemeClr val="dk1"/>
+                  </a:fillRef>
+                  <a:effectRef idx="1">
+                    <a:schemeClr val="dk1"/>
+                  </a:effectRef>
+                  <a:fontRef idx="minor">
+                    <a:schemeClr val="tx1"/>
+                  </a:fontRef>
+                </p:style>
+              </p:cxnSp>
+              <p:sp>
+                <p:nvSpPr>
+                  <p:cNvPr id="37" name="화살표: 아래로 구부러짐 36">
+                    <a:extLst>
+                      <a:ext uri="{FF2B5EF4-FFF2-40B4-BE49-F238E27FC236}">
+                        <a16:creationId xmlns:a16="http://schemas.microsoft.com/office/drawing/2014/main" id="{DF723C00-3ECE-CE3B-4F8B-1B1D223FDF0F}"/>
+                      </a:ext>
+                    </a:extLst>
+                  </p:cNvPr>
+                  <p:cNvSpPr/>
+                  <p:nvPr/>
+                </p:nvSpPr>
+                <p:spPr>
+                  <a:xfrm rot="904786" flipH="1">
+                    <a:off x="3141609" y="2125747"/>
+                    <a:ext cx="602853" cy="235618"/>
+                  </a:xfrm>
+                  <a:prstGeom prst="curvedDownArrow">
+                    <a:avLst>
+                      <a:gd name="adj1" fmla="val 8315"/>
+                      <a:gd name="adj2" fmla="val 23162"/>
+                      <a:gd name="adj3" fmla="val 19792"/>
+                    </a:avLst>
+                  </a:prstGeom>
+                </p:spPr>
+                <p:style>
+                  <a:lnRef idx="2">
+                    <a:schemeClr val="dk1">
+                      <a:shade val="15000"/>
+                    </a:schemeClr>
+                  </a:lnRef>
+                  <a:fillRef idx="1">
+                    <a:schemeClr val="dk1"/>
+                  </a:fillRef>
+                  <a:effectRef idx="0">
+                    <a:schemeClr val="dk1"/>
+                  </a:effectRef>
+                  <a:fontRef idx="minor">
+                    <a:schemeClr val="lt1"/>
+                  </a:fontRef>
+                </p:style>
+                <p:txBody>
+                  <a:bodyPr rtlCol="0" anchor="ctr"/>
+                  <a:lstStyle/>
+                  <a:p>
+                    <a:pPr algn="ctr"/>
+                    <a:endParaRPr lang="ko-KR" altLang="en-US">
+                      <a:ln w="0"/>
+                      <a:solidFill>
+                        <a:schemeClr val="tx1"/>
+                      </a:solidFill>
+                      <a:effectLst>
+                        <a:outerShdw blurRad="38100" dist="19050" dir="2700000" algn="tl" rotWithShape="0">
+                          <a:schemeClr val="dk1">
+                            <a:alpha val="40000"/>
+                          </a:schemeClr>
+                        </a:outerShdw>
+                      </a:effectLst>
+                    </a:endParaRPr>
+                  </a:p>
+                </p:txBody>
+              </p:sp>
+            </p:grpSp>
+            <p:grpSp>
+              <p:nvGrpSpPr>
+                <p:cNvPr id="45" name="그룹 44">
+                  <a:extLst>
+                    <a:ext uri="{FF2B5EF4-FFF2-40B4-BE49-F238E27FC236}">
+                      <a16:creationId xmlns:a16="http://schemas.microsoft.com/office/drawing/2014/main" id="{8382AC46-B182-DCE6-6822-71C2F6D9C06F}"/>
+                    </a:ext>
+                  </a:extLst>
+                </p:cNvPr>
+                <p:cNvGrpSpPr/>
+                <p:nvPr/>
+              </p:nvGrpSpPr>
+              <p:grpSpPr>
+                <a:xfrm rot="20995145">
+                  <a:off x="6801938" y="3393666"/>
+                  <a:ext cx="1644179" cy="738600"/>
+                  <a:chOff x="2730971" y="1844341"/>
+                  <a:chExt cx="1644179" cy="738600"/>
+                </a:xfrm>
+              </p:grpSpPr>
+              <p:sp>
+                <p:nvSpPr>
+                  <p:cNvPr id="46" name="직사각형 45">
+                    <a:extLst>
+                      <a:ext uri="{FF2B5EF4-FFF2-40B4-BE49-F238E27FC236}">
+                        <a16:creationId xmlns:a16="http://schemas.microsoft.com/office/drawing/2014/main" id="{0C0104EE-E6DB-3D2C-CFA8-62F4A60A21BE}"/>
+                      </a:ext>
+                    </a:extLst>
+                  </p:cNvPr>
+                  <p:cNvSpPr/>
+                  <p:nvPr/>
+                </p:nvSpPr>
+                <p:spPr>
+                  <a:xfrm>
+                    <a:off x="2730971" y="2059567"/>
+                    <a:ext cx="1431758" cy="523374"/>
+                  </a:xfrm>
+                  <a:prstGeom prst="rect">
+                    <a:avLst/>
+                  </a:prstGeom>
+                  <a:solidFill>
+                    <a:schemeClr val="bg2"/>
                   </a:solidFill>
                 </p:spPr>
                 <p:style>
@@ -3531,1308 +4513,158 @@
                   </a:p>
                 </p:txBody>
               </p:sp>
-              <p:grpSp>
-                <p:nvGrpSpPr>
-                  <p:cNvPr id="22" name="그룹 21">
+              <p:cxnSp>
+                <p:nvCxnSpPr>
+                  <p:cNvPr id="47" name="직선 화살표 연결선 46">
                     <a:extLst>
                       <a:ext uri="{FF2B5EF4-FFF2-40B4-BE49-F238E27FC236}">
-                        <a16:creationId xmlns:a16="http://schemas.microsoft.com/office/drawing/2014/main" id="{2A7B3C4C-E5AD-6906-43A4-95EBA46A460D}"/>
+                        <a16:creationId xmlns:a16="http://schemas.microsoft.com/office/drawing/2014/main" id="{CB72CD36-65E1-38D9-97FD-D2A9E11670FB}"/>
                       </a:ext>
                     </a:extLst>
                   </p:cNvPr>
-                  <p:cNvGrpSpPr/>
+                  <p:cNvCxnSpPr>
+                    <a:cxnSpLocks/>
+                  </p:cNvCxnSpPr>
                   <p:nvPr/>
-                </p:nvGrpSpPr>
-                <p:grpSpPr>
+                </p:nvCxnSpPr>
+                <p:spPr>
                   <a:xfrm>
-                    <a:off x="2730971" y="1844341"/>
-                    <a:ext cx="1644179" cy="738600"/>
-                    <a:chOff x="2730971" y="1844341"/>
-                    <a:chExt cx="1644179" cy="738600"/>
+                    <a:off x="3443037" y="2313071"/>
+                    <a:ext cx="932113" cy="0"/>
                   </a:xfrm>
-                </p:grpSpPr>
-                <p:sp>
-                  <p:nvSpPr>
-                    <p:cNvPr id="5" name="직사각형 4">
-                      <a:extLst>
-                        <a:ext uri="{FF2B5EF4-FFF2-40B4-BE49-F238E27FC236}">
-                          <a16:creationId xmlns:a16="http://schemas.microsoft.com/office/drawing/2014/main" id="{502D4DC1-E08E-8EB0-A3AD-03A83B58A101}"/>
-                        </a:ext>
-                      </a:extLst>
-                    </p:cNvPr>
-                    <p:cNvSpPr/>
-                    <p:nvPr/>
-                  </p:nvSpPr>
-                  <p:spPr>
-                    <a:xfrm>
-                      <a:off x="2730971" y="2059567"/>
-                      <a:ext cx="1431758" cy="523374"/>
-                    </a:xfrm>
-                    <a:prstGeom prst="rect">
-                      <a:avLst/>
-                    </a:prstGeom>
-                    <a:solidFill>
-                      <a:schemeClr val="bg1"/>
-                    </a:solidFill>
-                  </p:spPr>
-                  <p:style>
-                    <a:lnRef idx="2">
-                      <a:schemeClr val="accent1">
-                        <a:shade val="15000"/>
-                      </a:schemeClr>
-                    </a:lnRef>
-                    <a:fillRef idx="1">
-                      <a:schemeClr val="accent1"/>
-                    </a:fillRef>
-                    <a:effectRef idx="0">
-                      <a:schemeClr val="accent1"/>
-                    </a:effectRef>
-                    <a:fontRef idx="minor">
-                      <a:schemeClr val="lt1"/>
-                    </a:fontRef>
-                  </p:style>
-                  <p:txBody>
-                    <a:bodyPr rtlCol="0" anchor="ctr"/>
-                    <a:lstStyle/>
-                    <a:p>
-                      <a:pPr algn="ctr"/>
-                      <a:endParaRPr lang="ko-KR" altLang="en-US"/>
-                    </a:p>
-                  </p:txBody>
-                </p:sp>
-                <p:cxnSp>
-                  <p:nvCxnSpPr>
-                    <p:cNvPr id="9" name="직선 화살표 연결선 8">
-                      <a:extLst>
-                        <a:ext uri="{FF2B5EF4-FFF2-40B4-BE49-F238E27FC236}">
-                          <a16:creationId xmlns:a16="http://schemas.microsoft.com/office/drawing/2014/main" id="{34EA55F2-C619-00C6-27F9-C9CE8E6AF614}"/>
-                        </a:ext>
-                      </a:extLst>
-                    </p:cNvPr>
-                    <p:cNvCxnSpPr>
-                      <a:cxnSpLocks/>
-                    </p:cNvCxnSpPr>
-                    <p:nvPr/>
-                  </p:nvCxnSpPr>
-                  <p:spPr>
-                    <a:xfrm>
-                      <a:off x="3443037" y="2313071"/>
-                      <a:ext cx="932113" cy="0"/>
-                    </a:xfrm>
-                    <a:prstGeom prst="straightConnector1">
-                      <a:avLst/>
-                    </a:prstGeom>
-                    <a:ln>
-                      <a:tailEnd type="triangle"/>
-                    </a:ln>
-                  </p:spPr>
-                  <p:style>
-                    <a:lnRef idx="2">
-                      <a:schemeClr val="dk1"/>
-                    </a:lnRef>
-                    <a:fillRef idx="0">
-                      <a:schemeClr val="dk1"/>
-                    </a:fillRef>
-                    <a:effectRef idx="1">
-                      <a:schemeClr val="dk1"/>
-                    </a:effectRef>
-                    <a:fontRef idx="minor">
-                      <a:schemeClr val="tx1"/>
-                    </a:fontRef>
-                  </p:style>
-                </p:cxnSp>
-                <p:cxnSp>
-                  <p:nvCxnSpPr>
-                    <p:cNvPr id="13" name="직선 화살표 연결선 12">
-                      <a:extLst>
-                        <a:ext uri="{FF2B5EF4-FFF2-40B4-BE49-F238E27FC236}">
-                          <a16:creationId xmlns:a16="http://schemas.microsoft.com/office/drawing/2014/main" id="{138797F0-F614-6FFD-68F7-587633323284}"/>
-                        </a:ext>
-                      </a:extLst>
-                    </p:cNvPr>
-                    <p:cNvCxnSpPr>
-                      <a:cxnSpLocks/>
-                    </p:cNvCxnSpPr>
-                    <p:nvPr/>
-                  </p:nvCxnSpPr>
-                  <p:spPr>
-                    <a:xfrm flipV="1">
-                      <a:off x="3443037" y="1844341"/>
-                      <a:ext cx="0" cy="468730"/>
-                    </a:xfrm>
-                    <a:prstGeom prst="straightConnector1">
-                      <a:avLst/>
-                    </a:prstGeom>
-                    <a:ln>
-                      <a:tailEnd type="triangle"/>
-                    </a:ln>
-                  </p:spPr>
-                  <p:style>
-                    <a:lnRef idx="2">
-                      <a:schemeClr val="dk1"/>
-                    </a:lnRef>
-                    <a:fillRef idx="0">
-                      <a:schemeClr val="dk1"/>
-                    </a:fillRef>
-                    <a:effectRef idx="1">
-                      <a:schemeClr val="dk1"/>
-                    </a:effectRef>
-                    <a:fontRef idx="minor">
-                      <a:schemeClr val="tx1"/>
-                    </a:fontRef>
-                  </p:style>
-                </p:cxnSp>
-                <p:sp>
-                  <p:nvSpPr>
-                    <p:cNvPr id="18" name="화살표: 아래로 구부러짐 17">
-                      <a:extLst>
-                        <a:ext uri="{FF2B5EF4-FFF2-40B4-BE49-F238E27FC236}">
-                          <a16:creationId xmlns:a16="http://schemas.microsoft.com/office/drawing/2014/main" id="{334FAD92-3D06-6FA6-EE22-4CBA446A5CC4}"/>
-                        </a:ext>
-                      </a:extLst>
-                    </p:cNvPr>
-                    <p:cNvSpPr/>
-                    <p:nvPr/>
-                  </p:nvSpPr>
-                  <p:spPr>
-                    <a:xfrm rot="904786" flipH="1">
-                      <a:off x="3141609" y="2125747"/>
-                      <a:ext cx="602853" cy="235618"/>
-                    </a:xfrm>
-                    <a:prstGeom prst="curvedDownArrow">
-                      <a:avLst>
-                        <a:gd name="adj1" fmla="val 8315"/>
-                        <a:gd name="adj2" fmla="val 23162"/>
-                        <a:gd name="adj3" fmla="val 19792"/>
-                      </a:avLst>
-                    </a:prstGeom>
-                  </p:spPr>
-                  <p:style>
-                    <a:lnRef idx="2">
-                      <a:schemeClr val="dk1">
-                        <a:shade val="15000"/>
-                      </a:schemeClr>
-                    </a:lnRef>
-                    <a:fillRef idx="1">
-                      <a:schemeClr val="dk1"/>
-                    </a:fillRef>
-                    <a:effectRef idx="0">
-                      <a:schemeClr val="dk1"/>
-                    </a:effectRef>
-                    <a:fontRef idx="minor">
-                      <a:schemeClr val="lt1"/>
-                    </a:fontRef>
-                  </p:style>
-                  <p:txBody>
-                    <a:bodyPr rtlCol="0" anchor="ctr"/>
-                    <a:lstStyle/>
-                    <a:p>
-                      <a:pPr algn="ctr"/>
-                      <a:endParaRPr lang="ko-KR" altLang="en-US">
-                        <a:ln w="0"/>
-                        <a:solidFill>
-                          <a:schemeClr val="tx1"/>
-                        </a:solidFill>
-                        <a:effectLst>
-                          <a:outerShdw blurRad="38100" dist="19050" dir="2700000" algn="tl" rotWithShape="0">
-                            <a:schemeClr val="dk1">
-                              <a:alpha val="40000"/>
-                            </a:schemeClr>
-                          </a:outerShdw>
-                        </a:effectLst>
-                      </a:endParaRPr>
-                    </a:p>
-                  </p:txBody>
-                </p:sp>
-              </p:grpSp>
-              <p:sp>
-                <p:nvSpPr>
-                  <p:cNvPr id="19" name="TextBox 18">
+                  <a:prstGeom prst="straightConnector1">
+                    <a:avLst/>
+                  </a:prstGeom>
+                  <a:ln>
+                    <a:tailEnd type="triangle"/>
+                  </a:ln>
+                </p:spPr>
+                <p:style>
+                  <a:lnRef idx="2">
+                    <a:schemeClr val="dk1"/>
+                  </a:lnRef>
+                  <a:fillRef idx="0">
+                    <a:schemeClr val="dk1"/>
+                  </a:fillRef>
+                  <a:effectRef idx="1">
+                    <a:schemeClr val="dk1"/>
+                  </a:effectRef>
+                  <a:fontRef idx="minor">
+                    <a:schemeClr val="tx1"/>
+                  </a:fontRef>
+                </p:style>
+              </p:cxnSp>
+              <p:cxnSp>
+                <p:nvCxnSpPr>
+                  <p:cNvPr id="48" name="직선 화살표 연결선 47">
                     <a:extLst>
                       <a:ext uri="{FF2B5EF4-FFF2-40B4-BE49-F238E27FC236}">
-                        <a16:creationId xmlns:a16="http://schemas.microsoft.com/office/drawing/2014/main" id="{93E973EF-679F-ED7D-790F-9C3F2511608B}"/>
+                        <a16:creationId xmlns:a16="http://schemas.microsoft.com/office/drawing/2014/main" id="{791596D9-79B0-0534-ABC6-726D3357A44F}"/>
                       </a:ext>
                     </a:extLst>
                   </p:cNvPr>
-                  <p:cNvSpPr txBox="1"/>
+                  <p:cNvCxnSpPr>
+                    <a:cxnSpLocks/>
+                  </p:cNvCxnSpPr>
+                  <p:nvPr/>
+                </p:nvCxnSpPr>
+                <p:spPr>
+                  <a:xfrm flipV="1">
+                    <a:off x="3443037" y="1844341"/>
+                    <a:ext cx="0" cy="468730"/>
+                  </a:xfrm>
+                  <a:prstGeom prst="straightConnector1">
+                    <a:avLst/>
+                  </a:prstGeom>
+                  <a:ln>
+                    <a:tailEnd type="triangle"/>
+                  </a:ln>
+                </p:spPr>
+                <p:style>
+                  <a:lnRef idx="2">
+                    <a:schemeClr val="dk1"/>
+                  </a:lnRef>
+                  <a:fillRef idx="0">
+                    <a:schemeClr val="dk1"/>
+                  </a:fillRef>
+                  <a:effectRef idx="1">
+                    <a:schemeClr val="dk1"/>
+                  </a:effectRef>
+                  <a:fontRef idx="minor">
+                    <a:schemeClr val="tx1"/>
+                  </a:fontRef>
+                </p:style>
+              </p:cxnSp>
+              <p:sp>
+                <p:nvSpPr>
+                  <p:cNvPr id="49" name="화살표: 아래로 구부러짐 48">
+                    <a:extLst>
+                      <a:ext uri="{FF2B5EF4-FFF2-40B4-BE49-F238E27FC236}">
+                        <a16:creationId xmlns:a16="http://schemas.microsoft.com/office/drawing/2014/main" id="{E031CEEE-E71F-0232-D98F-7DAC9CED7B59}"/>
+                      </a:ext>
+                    </a:extLst>
+                  </p:cNvPr>
+                  <p:cNvSpPr/>
                   <p:nvPr/>
                 </p:nvSpPr>
                 <p:spPr>
-                  <a:xfrm>
-                    <a:off x="5376863" y="1428750"/>
-                    <a:ext cx="184731" cy="369332"/>
+                  <a:xfrm rot="2114496" flipH="1">
+                    <a:off x="3141609" y="2125747"/>
+                    <a:ext cx="602853" cy="235618"/>
                   </a:xfrm>
-                  <a:prstGeom prst="rect">
-                    <a:avLst/>
+                  <a:prstGeom prst="curvedDownArrow">
+                    <a:avLst>
+                      <a:gd name="adj1" fmla="val 8315"/>
+                      <a:gd name="adj2" fmla="val 23162"/>
+                      <a:gd name="adj3" fmla="val 19792"/>
+                    </a:avLst>
                   </a:prstGeom>
-                  <a:noFill/>
                 </p:spPr>
+                <p:style>
+                  <a:lnRef idx="2">
+                    <a:schemeClr val="dk1">
+                      <a:shade val="15000"/>
+                    </a:schemeClr>
+                  </a:lnRef>
+                  <a:fillRef idx="1">
+                    <a:schemeClr val="dk1"/>
+                  </a:fillRef>
+                  <a:effectRef idx="0">
+                    <a:schemeClr val="dk1"/>
+                  </a:effectRef>
+                  <a:fontRef idx="minor">
+                    <a:schemeClr val="lt1"/>
+                  </a:fontRef>
+                </p:style>
                 <p:txBody>
-                  <a:bodyPr wrap="none" rtlCol="0">
-                    <a:spAutoFit/>
-                  </a:bodyPr>
+                  <a:bodyPr rtlCol="0" anchor="ctr"/>
                   <a:lstStyle/>
                   <a:p>
-                    <a:endParaRPr lang="ko-KR" altLang="en-US" dirty="0"/>
+                    <a:pPr algn="ctr"/>
+                    <a:endParaRPr lang="ko-KR" altLang="en-US">
+                      <a:ln w="0"/>
+                      <a:solidFill>
+                        <a:schemeClr val="tx1"/>
+                      </a:solidFill>
+                      <a:effectLst>
+                        <a:outerShdw blurRad="38100" dist="19050" dir="2700000" algn="tl" rotWithShape="0">
+                          <a:schemeClr val="dk1">
+                            <a:alpha val="40000"/>
+                          </a:schemeClr>
+                        </a:outerShdw>
+                      </a:effectLst>
+                    </a:endParaRPr>
                   </a:p>
                 </p:txBody>
               </p:sp>
-              <mc:AlternateContent xmlns:mc="http://schemas.openxmlformats.org/markup-compatibility/2006">
-                <mc:Choice xmlns:a14="http://schemas.microsoft.com/office/drawing/2010/main" Requires="a14">
-                  <p:sp>
-                    <p:nvSpPr>
-                      <p:cNvPr id="20" name="TextBox 19">
-                        <a:extLst>
-                          <a:ext uri="{FF2B5EF4-FFF2-40B4-BE49-F238E27FC236}">
-                            <a16:creationId xmlns:a16="http://schemas.microsoft.com/office/drawing/2014/main" id="{6FC8A76B-E8DB-8D05-AC93-1800051C053C}"/>
-                          </a:ext>
-                        </a:extLst>
-                      </p:cNvPr>
-                      <p:cNvSpPr txBox="1"/>
-                      <p:nvPr/>
-                    </p:nvSpPr>
-                    <p:spPr>
-                      <a:xfrm>
-                        <a:off x="4405346" y="2213049"/>
-                        <a:ext cx="367537" cy="192873"/>
-                      </a:xfrm>
-                      <a:prstGeom prst="rect">
-                        <a:avLst/>
-                      </a:prstGeom>
-                      <a:noFill/>
-                    </p:spPr>
-                    <p:txBody>
-                      <a:bodyPr wrap="none" lIns="0" tIns="0" rIns="0" bIns="0" rtlCol="0">
-                        <a:spAutoFit/>
-                      </a:bodyPr>
-                      <a:lstStyle/>
-                      <a:p>
-                        <a14:m>
-                          <m:oMathPara xmlns:m="http://schemas.openxmlformats.org/officeDocument/2006/math">
-                            <m:oMathParaPr>
-                              <m:jc m:val="centerGroup"/>
-                            </m:oMathParaPr>
-                            <m:oMath xmlns:m="http://schemas.openxmlformats.org/officeDocument/2006/math">
-                              <m:sSub>
-                                <m:sSubPr>
-                                  <m:ctrlPr>
-                                    <a:rPr lang="en-US" altLang="ko-KR" sz="1200" b="0" i="1" smtClean="0">
-                                      <a:latin typeface="Cambria Math" panose="02040503050406030204" pitchFamily="18" charset="0"/>
-                                    </a:rPr>
-                                  </m:ctrlPr>
-                                </m:sSubPr>
-                                <m:e>
-                                  <m:r>
-                                    <a:rPr lang="en-US" altLang="ko-KR" sz="1200" b="0" i="1" smtClean="0">
-                                      <a:latin typeface="Cambria Math" panose="02040503050406030204" pitchFamily="18" charset="0"/>
-                                    </a:rPr>
-                                    <m:t>𝐹</m:t>
-                                  </m:r>
-                                </m:e>
-                                <m:sub>
-                                  <m:r>
-                                    <a:rPr lang="en-US" altLang="ko-KR" sz="1200" b="0" i="1" smtClean="0">
-                                      <a:latin typeface="Cambria Math" panose="02040503050406030204" pitchFamily="18" charset="0"/>
-                                    </a:rPr>
-                                    <m:t>𝑥</m:t>
-                                  </m:r>
-                                  <m:r>
-                                    <a:rPr lang="en-US" altLang="ko-KR" sz="1200" b="0" i="1" smtClean="0">
-                                      <a:latin typeface="Cambria Math" panose="02040503050406030204" pitchFamily="18" charset="0"/>
-                                    </a:rPr>
-                                    <m:t>,</m:t>
-                                  </m:r>
-                                  <m:r>
-                                    <a:rPr lang="en-US" altLang="ko-KR" sz="1200" b="0" i="1" smtClean="0">
-                                      <a:latin typeface="Cambria Math" panose="02040503050406030204" pitchFamily="18" charset="0"/>
-                                    </a:rPr>
-                                    <m:t>𝑅𝐿</m:t>
-                                  </m:r>
-                                </m:sub>
-                              </m:sSub>
-                            </m:oMath>
-                          </m:oMathPara>
-                        </a14:m>
-                        <a:endParaRPr lang="ko-KR" altLang="en-US" sz="1200" dirty="0"/>
-                      </a:p>
-                    </p:txBody>
-                  </p:sp>
-                </mc:Choice>
-                <mc:Fallback>
-                  <p:sp>
-                    <p:nvSpPr>
-                      <p:cNvPr id="20" name="TextBox 19">
-                        <a:extLst>
-                          <a:ext uri="{FF2B5EF4-FFF2-40B4-BE49-F238E27FC236}">
-                            <a16:creationId xmlns:a16="http://schemas.microsoft.com/office/drawing/2014/main" id="{6FC8A76B-E8DB-8D05-AC93-1800051C053C}"/>
-                          </a:ext>
-                        </a:extLst>
-                      </p:cNvPr>
-                      <p:cNvSpPr txBox="1">
-                        <a:spLocks noRot="1" noChangeAspect="1" noMove="1" noResize="1" noEditPoints="1" noAdjustHandles="1" noChangeArrowheads="1" noChangeShapeType="1" noTextEdit="1"/>
-                      </p:cNvSpPr>
-                      <p:nvPr/>
-                    </p:nvSpPr>
-                    <p:spPr>
-                      <a:xfrm>
-                        <a:off x="4405346" y="2213049"/>
-                        <a:ext cx="367537" cy="192873"/>
-                      </a:xfrm>
-                      <a:prstGeom prst="rect">
-                        <a:avLst/>
-                      </a:prstGeom>
-                      <a:blipFill>
-                        <a:blip r:embed="rId2"/>
-                        <a:stretch>
-                          <a:fillRect l="-6667" b="-9375"/>
-                        </a:stretch>
-                      </a:blipFill>
-                    </p:spPr>
-                    <p:txBody>
-                      <a:bodyPr/>
-                      <a:lstStyle/>
-                      <a:p>
-                        <a:r>
-                          <a:rPr lang="ko-KR" altLang="en-US">
-                            <a:noFill/>
-                          </a:rPr>
-                          <a:t> </a:t>
-                        </a:r>
-                      </a:p>
-                    </p:txBody>
-                  </p:sp>
-                </mc:Fallback>
-              </mc:AlternateContent>
-              <mc:AlternateContent xmlns:mc="http://schemas.openxmlformats.org/markup-compatibility/2006">
-                <mc:Choice xmlns:a14="http://schemas.microsoft.com/office/drawing/2010/main" Requires="a14">
-                  <p:sp>
-                    <p:nvSpPr>
-                      <p:cNvPr id="21" name="TextBox 20">
-                        <a:extLst>
-                          <a:ext uri="{FF2B5EF4-FFF2-40B4-BE49-F238E27FC236}">
-                            <a16:creationId xmlns:a16="http://schemas.microsoft.com/office/drawing/2014/main" id="{BC1F2BDC-7024-002D-A744-B22018A5E473}"/>
-                          </a:ext>
-                        </a:extLst>
-                      </p:cNvPr>
-                      <p:cNvSpPr txBox="1"/>
-                      <p:nvPr/>
-                    </p:nvSpPr>
-                    <p:spPr>
-                      <a:xfrm>
-                        <a:off x="3256990" y="1605146"/>
-                        <a:ext cx="372089" cy="199285"/>
-                      </a:xfrm>
-                      <a:prstGeom prst="rect">
-                        <a:avLst/>
-                      </a:prstGeom>
-                      <a:noFill/>
-                    </p:spPr>
-                    <p:txBody>
-                      <a:bodyPr wrap="none" lIns="0" tIns="0" rIns="0" bIns="0" rtlCol="0">
-                        <a:spAutoFit/>
-                      </a:bodyPr>
-                      <a:lstStyle/>
-                      <a:p>
-                        <a14:m>
-                          <m:oMathPara xmlns:m="http://schemas.openxmlformats.org/officeDocument/2006/math">
-                            <m:oMathParaPr>
-                              <m:jc m:val="centerGroup"/>
-                            </m:oMathParaPr>
-                            <m:oMath xmlns:m="http://schemas.openxmlformats.org/officeDocument/2006/math">
-                              <m:sSub>
-                                <m:sSubPr>
-                                  <m:ctrlPr>
-                                    <a:rPr lang="en-US" altLang="ko-KR" sz="1200" b="0" i="1" smtClean="0">
-                                      <a:latin typeface="Cambria Math" panose="02040503050406030204" pitchFamily="18" charset="0"/>
-                                    </a:rPr>
-                                  </m:ctrlPr>
-                                </m:sSubPr>
-                                <m:e>
-                                  <m:r>
-                                    <a:rPr lang="en-US" altLang="ko-KR" sz="1200" b="0" i="1" smtClean="0">
-                                      <a:latin typeface="Cambria Math" panose="02040503050406030204" pitchFamily="18" charset="0"/>
-                                    </a:rPr>
-                                    <m:t>𝐹</m:t>
-                                  </m:r>
-                                </m:e>
-                                <m:sub>
-                                  <m:r>
-                                    <a:rPr lang="en-US" altLang="ko-KR" sz="1200" b="0" i="1" smtClean="0">
-                                      <a:latin typeface="Cambria Math" panose="02040503050406030204" pitchFamily="18" charset="0"/>
-                                    </a:rPr>
-                                    <m:t>𝑦</m:t>
-                                  </m:r>
-                                  <m:r>
-                                    <a:rPr lang="en-US" altLang="ko-KR" sz="1200" b="0" i="1" smtClean="0">
-                                      <a:latin typeface="Cambria Math" panose="02040503050406030204" pitchFamily="18" charset="0"/>
-                                    </a:rPr>
-                                    <m:t>,</m:t>
-                                  </m:r>
-                                  <m:r>
-                                    <a:rPr lang="en-US" altLang="ko-KR" sz="1200" b="0" i="1" smtClean="0">
-                                      <a:latin typeface="Cambria Math" panose="02040503050406030204" pitchFamily="18" charset="0"/>
-                                    </a:rPr>
-                                    <m:t>𝑅𝐿</m:t>
-                                  </m:r>
-                                </m:sub>
-                              </m:sSub>
-                            </m:oMath>
-                          </m:oMathPara>
-                        </a14:m>
-                        <a:endParaRPr lang="ko-KR" altLang="en-US" sz="1200" dirty="0"/>
-                      </a:p>
-                    </p:txBody>
-                  </p:sp>
-                </mc:Choice>
-                <mc:Fallback>
-                  <p:sp>
-                    <p:nvSpPr>
-                      <p:cNvPr id="21" name="TextBox 20">
-                        <a:extLst>
-                          <a:ext uri="{FF2B5EF4-FFF2-40B4-BE49-F238E27FC236}">
-                            <a16:creationId xmlns:a16="http://schemas.microsoft.com/office/drawing/2014/main" id="{BC1F2BDC-7024-002D-A744-B22018A5E473}"/>
-                          </a:ext>
-                        </a:extLst>
-                      </p:cNvPr>
-                      <p:cNvSpPr txBox="1">
-                        <a:spLocks noRot="1" noChangeAspect="1" noMove="1" noResize="1" noEditPoints="1" noAdjustHandles="1" noChangeArrowheads="1" noChangeShapeType="1" noTextEdit="1"/>
-                      </p:cNvSpPr>
-                      <p:nvPr/>
-                    </p:nvSpPr>
-                    <p:spPr>
-                      <a:xfrm>
-                        <a:off x="3256990" y="1605146"/>
-                        <a:ext cx="372089" cy="199285"/>
-                      </a:xfrm>
-                      <a:prstGeom prst="rect">
-                        <a:avLst/>
-                      </a:prstGeom>
-                      <a:blipFill>
-                        <a:blip r:embed="rId3"/>
-                        <a:stretch>
-                          <a:fillRect l="-6557" b="-21212"/>
-                        </a:stretch>
-                      </a:blipFill>
-                    </p:spPr>
-                    <p:txBody>
-                      <a:bodyPr/>
-                      <a:lstStyle/>
-                      <a:p>
-                        <a:r>
-                          <a:rPr lang="ko-KR" altLang="en-US">
-                            <a:noFill/>
-                          </a:rPr>
-                          <a:t> </a:t>
-                        </a:r>
-                      </a:p>
-                    </p:txBody>
-                  </p:sp>
-                </mc:Fallback>
-              </mc:AlternateContent>
-              <p:grpSp>
-                <p:nvGrpSpPr>
-                  <p:cNvPr id="23" name="그룹 22">
-                    <a:extLst>
-                      <a:ext uri="{FF2B5EF4-FFF2-40B4-BE49-F238E27FC236}">
-                        <a16:creationId xmlns:a16="http://schemas.microsoft.com/office/drawing/2014/main" id="{818DDCEC-24F5-845D-5222-7BB8B48389A3}"/>
-                      </a:ext>
-                    </a:extLst>
-                  </p:cNvPr>
-                  <p:cNvGrpSpPr/>
-                  <p:nvPr/>
-                </p:nvGrpSpPr>
-                <p:grpSpPr>
-                  <a:xfrm rot="20995145">
-                    <a:off x="6764264" y="1785259"/>
-                    <a:ext cx="1644179" cy="738600"/>
-                    <a:chOff x="2730971" y="1844341"/>
-                    <a:chExt cx="1644179" cy="738600"/>
-                  </a:xfrm>
-                </p:grpSpPr>
-                <p:sp>
-                  <p:nvSpPr>
-                    <p:cNvPr id="24" name="직사각형 23">
-                      <a:extLst>
-                        <a:ext uri="{FF2B5EF4-FFF2-40B4-BE49-F238E27FC236}">
-                          <a16:creationId xmlns:a16="http://schemas.microsoft.com/office/drawing/2014/main" id="{9E059D26-4034-FA5A-4963-B8A80767127D}"/>
-                        </a:ext>
-                      </a:extLst>
-                    </p:cNvPr>
-                    <p:cNvSpPr/>
-                    <p:nvPr/>
-                  </p:nvSpPr>
-                  <p:spPr>
-                    <a:xfrm>
-                      <a:off x="2730971" y="2059567"/>
-                      <a:ext cx="1431758" cy="523374"/>
-                    </a:xfrm>
-                    <a:prstGeom prst="rect">
-                      <a:avLst/>
-                    </a:prstGeom>
-                    <a:solidFill>
-                      <a:schemeClr val="bg1"/>
-                    </a:solidFill>
-                  </p:spPr>
-                  <p:style>
-                    <a:lnRef idx="2">
-                      <a:schemeClr val="accent1">
-                        <a:shade val="15000"/>
-                      </a:schemeClr>
-                    </a:lnRef>
-                    <a:fillRef idx="1">
-                      <a:schemeClr val="accent1"/>
-                    </a:fillRef>
-                    <a:effectRef idx="0">
-                      <a:schemeClr val="accent1"/>
-                    </a:effectRef>
-                    <a:fontRef idx="minor">
-                      <a:schemeClr val="lt1"/>
-                    </a:fontRef>
-                  </p:style>
-                  <p:txBody>
-                    <a:bodyPr rtlCol="0" anchor="ctr"/>
-                    <a:lstStyle/>
-                    <a:p>
-                      <a:pPr algn="ctr"/>
-                      <a:endParaRPr lang="ko-KR" altLang="en-US"/>
-                    </a:p>
-                  </p:txBody>
-                </p:sp>
-                <p:cxnSp>
-                  <p:nvCxnSpPr>
-                    <p:cNvPr id="25" name="직선 화살표 연결선 24">
-                      <a:extLst>
-                        <a:ext uri="{FF2B5EF4-FFF2-40B4-BE49-F238E27FC236}">
-                          <a16:creationId xmlns:a16="http://schemas.microsoft.com/office/drawing/2014/main" id="{F467F91A-CAA4-AE74-65F8-E0FF17D286EF}"/>
-                        </a:ext>
-                      </a:extLst>
-                    </p:cNvPr>
-                    <p:cNvCxnSpPr>
-                      <a:cxnSpLocks/>
-                    </p:cNvCxnSpPr>
-                    <p:nvPr/>
-                  </p:nvCxnSpPr>
-                  <p:spPr>
-                    <a:xfrm>
-                      <a:off x="3443037" y="2313071"/>
-                      <a:ext cx="932113" cy="0"/>
-                    </a:xfrm>
-                    <a:prstGeom prst="straightConnector1">
-                      <a:avLst/>
-                    </a:prstGeom>
-                    <a:ln>
-                      <a:tailEnd type="triangle"/>
-                    </a:ln>
-                  </p:spPr>
-                  <p:style>
-                    <a:lnRef idx="2">
-                      <a:schemeClr val="dk1"/>
-                    </a:lnRef>
-                    <a:fillRef idx="0">
-                      <a:schemeClr val="dk1"/>
-                    </a:fillRef>
-                    <a:effectRef idx="1">
-                      <a:schemeClr val="dk1"/>
-                    </a:effectRef>
-                    <a:fontRef idx="minor">
-                      <a:schemeClr val="tx1"/>
-                    </a:fontRef>
-                  </p:style>
-                </p:cxnSp>
-                <p:cxnSp>
-                  <p:nvCxnSpPr>
-                    <p:cNvPr id="26" name="직선 화살표 연결선 25">
-                      <a:extLst>
-                        <a:ext uri="{FF2B5EF4-FFF2-40B4-BE49-F238E27FC236}">
-                          <a16:creationId xmlns:a16="http://schemas.microsoft.com/office/drawing/2014/main" id="{2D25A704-5FF0-0E95-92B4-10B7F28D3916}"/>
-                        </a:ext>
-                      </a:extLst>
-                    </p:cNvPr>
-                    <p:cNvCxnSpPr>
-                      <a:cxnSpLocks/>
-                    </p:cNvCxnSpPr>
-                    <p:nvPr/>
-                  </p:nvCxnSpPr>
-                  <p:spPr>
-                    <a:xfrm flipV="1">
-                      <a:off x="3443037" y="1844341"/>
-                      <a:ext cx="0" cy="468730"/>
-                    </a:xfrm>
-                    <a:prstGeom prst="straightConnector1">
-                      <a:avLst/>
-                    </a:prstGeom>
-                    <a:ln>
-                      <a:tailEnd type="triangle"/>
-                    </a:ln>
-                  </p:spPr>
-                  <p:style>
-                    <a:lnRef idx="2">
-                      <a:schemeClr val="dk1"/>
-                    </a:lnRef>
-                    <a:fillRef idx="0">
-                      <a:schemeClr val="dk1"/>
-                    </a:fillRef>
-                    <a:effectRef idx="1">
-                      <a:schemeClr val="dk1"/>
-                    </a:effectRef>
-                    <a:fontRef idx="minor">
-                      <a:schemeClr val="tx1"/>
-                    </a:fontRef>
-                  </p:style>
-                </p:cxnSp>
-                <p:sp>
-                  <p:nvSpPr>
-                    <p:cNvPr id="27" name="화살표: 아래로 구부러짐 26">
-                      <a:extLst>
-                        <a:ext uri="{FF2B5EF4-FFF2-40B4-BE49-F238E27FC236}">
-                          <a16:creationId xmlns:a16="http://schemas.microsoft.com/office/drawing/2014/main" id="{8F7AB64B-7742-5340-5B68-1D987608DB95}"/>
-                        </a:ext>
-                      </a:extLst>
-                    </p:cNvPr>
-                    <p:cNvSpPr/>
-                    <p:nvPr/>
-                  </p:nvSpPr>
-                  <p:spPr>
-                    <a:xfrm rot="2114496" flipH="1">
-                      <a:off x="3141609" y="2125747"/>
-                      <a:ext cx="602853" cy="235618"/>
-                    </a:xfrm>
-                    <a:prstGeom prst="curvedDownArrow">
-                      <a:avLst>
-                        <a:gd name="adj1" fmla="val 8315"/>
-                        <a:gd name="adj2" fmla="val 23162"/>
-                        <a:gd name="adj3" fmla="val 19792"/>
-                      </a:avLst>
-                    </a:prstGeom>
-                  </p:spPr>
-                  <p:style>
-                    <a:lnRef idx="2">
-                      <a:schemeClr val="dk1">
-                        <a:shade val="15000"/>
-                      </a:schemeClr>
-                    </a:lnRef>
-                    <a:fillRef idx="1">
-                      <a:schemeClr val="dk1"/>
-                    </a:fillRef>
-                    <a:effectRef idx="0">
-                      <a:schemeClr val="dk1"/>
-                    </a:effectRef>
-                    <a:fontRef idx="minor">
-                      <a:schemeClr val="lt1"/>
-                    </a:fontRef>
-                  </p:style>
-                  <p:txBody>
-                    <a:bodyPr rtlCol="0" anchor="ctr"/>
-                    <a:lstStyle/>
-                    <a:p>
-                      <a:pPr algn="ctr"/>
-                      <a:endParaRPr lang="ko-KR" altLang="en-US" dirty="0">
-                        <a:ln w="0"/>
-                        <a:solidFill>
-                          <a:schemeClr val="tx1"/>
-                        </a:solidFill>
-                        <a:effectLst>
-                          <a:outerShdw blurRad="38100" dist="19050" dir="2700000" algn="tl" rotWithShape="0">
-                            <a:schemeClr val="dk1">
-                              <a:alpha val="40000"/>
-                            </a:schemeClr>
-                          </a:outerShdw>
-                        </a:effectLst>
-                      </a:endParaRPr>
-                    </a:p>
-                  </p:txBody>
-                </p:sp>
-              </p:grpSp>
-              <p:grpSp>
-                <p:nvGrpSpPr>
-                  <p:cNvPr id="33" name="그룹 32">
-                    <a:extLst>
-                      <a:ext uri="{FF2B5EF4-FFF2-40B4-BE49-F238E27FC236}">
-                        <a16:creationId xmlns:a16="http://schemas.microsoft.com/office/drawing/2014/main" id="{DF6D4E20-EDA5-4970-514B-5149A41FD9B9}"/>
-                      </a:ext>
-                    </a:extLst>
-                  </p:cNvPr>
-                  <p:cNvGrpSpPr/>
-                  <p:nvPr/>
-                </p:nvGrpSpPr>
-                <p:grpSpPr>
-                  <a:xfrm>
-                    <a:off x="2730971" y="3528601"/>
-                    <a:ext cx="1644179" cy="738600"/>
-                    <a:chOff x="2730971" y="1844341"/>
-                    <a:chExt cx="1644179" cy="738600"/>
-                  </a:xfrm>
-                </p:grpSpPr>
-                <p:sp>
-                  <p:nvSpPr>
-                    <p:cNvPr id="34" name="직사각형 33">
-                      <a:extLst>
-                        <a:ext uri="{FF2B5EF4-FFF2-40B4-BE49-F238E27FC236}">
-                          <a16:creationId xmlns:a16="http://schemas.microsoft.com/office/drawing/2014/main" id="{45C61FE5-117F-850A-A632-B4D373F61482}"/>
-                        </a:ext>
-                      </a:extLst>
-                    </p:cNvPr>
-                    <p:cNvSpPr/>
-                    <p:nvPr/>
-                  </p:nvSpPr>
-                  <p:spPr>
-                    <a:xfrm>
-                      <a:off x="2730971" y="2059567"/>
-                      <a:ext cx="1431758" cy="523374"/>
-                    </a:xfrm>
-                    <a:prstGeom prst="rect">
-                      <a:avLst/>
-                    </a:prstGeom>
-                    <a:solidFill>
-                      <a:schemeClr val="bg1"/>
-                    </a:solidFill>
-                  </p:spPr>
-                  <p:style>
-                    <a:lnRef idx="2">
-                      <a:schemeClr val="accent1">
-                        <a:shade val="15000"/>
-                      </a:schemeClr>
-                    </a:lnRef>
-                    <a:fillRef idx="1">
-                      <a:schemeClr val="accent1"/>
-                    </a:fillRef>
-                    <a:effectRef idx="0">
-                      <a:schemeClr val="accent1"/>
-                    </a:effectRef>
-                    <a:fontRef idx="minor">
-                      <a:schemeClr val="lt1"/>
-                    </a:fontRef>
-                  </p:style>
-                  <p:txBody>
-                    <a:bodyPr rtlCol="0" anchor="ctr"/>
-                    <a:lstStyle/>
-                    <a:p>
-                      <a:pPr algn="ctr"/>
-                      <a:endParaRPr lang="ko-KR" altLang="en-US"/>
-                    </a:p>
-                  </p:txBody>
-                </p:sp>
-                <p:cxnSp>
-                  <p:nvCxnSpPr>
-                    <p:cNvPr id="35" name="직선 화살표 연결선 34">
-                      <a:extLst>
-                        <a:ext uri="{FF2B5EF4-FFF2-40B4-BE49-F238E27FC236}">
-                          <a16:creationId xmlns:a16="http://schemas.microsoft.com/office/drawing/2014/main" id="{8060007E-4C4D-F765-3B82-ABC01C0F8F7B}"/>
-                        </a:ext>
-                      </a:extLst>
-                    </p:cNvPr>
-                    <p:cNvCxnSpPr>
-                      <a:cxnSpLocks/>
-                    </p:cNvCxnSpPr>
-                    <p:nvPr/>
-                  </p:nvCxnSpPr>
-                  <p:spPr>
-                    <a:xfrm>
-                      <a:off x="3443037" y="2313071"/>
-                      <a:ext cx="932113" cy="0"/>
-                    </a:xfrm>
-                    <a:prstGeom prst="straightConnector1">
-                      <a:avLst/>
-                    </a:prstGeom>
-                    <a:ln>
-                      <a:tailEnd type="triangle"/>
-                    </a:ln>
-                  </p:spPr>
-                  <p:style>
-                    <a:lnRef idx="2">
-                      <a:schemeClr val="dk1"/>
-                    </a:lnRef>
-                    <a:fillRef idx="0">
-                      <a:schemeClr val="dk1"/>
-                    </a:fillRef>
-                    <a:effectRef idx="1">
-                      <a:schemeClr val="dk1"/>
-                    </a:effectRef>
-                    <a:fontRef idx="minor">
-                      <a:schemeClr val="tx1"/>
-                    </a:fontRef>
-                  </p:style>
-                </p:cxnSp>
-                <p:cxnSp>
-                  <p:nvCxnSpPr>
-                    <p:cNvPr id="36" name="직선 화살표 연결선 35">
-                      <a:extLst>
-                        <a:ext uri="{FF2B5EF4-FFF2-40B4-BE49-F238E27FC236}">
-                          <a16:creationId xmlns:a16="http://schemas.microsoft.com/office/drawing/2014/main" id="{0226DA43-13EB-552F-8D2A-0C70B11A91A2}"/>
-                        </a:ext>
-                      </a:extLst>
-                    </p:cNvPr>
-                    <p:cNvCxnSpPr>
-                      <a:cxnSpLocks/>
-                    </p:cNvCxnSpPr>
-                    <p:nvPr/>
-                  </p:nvCxnSpPr>
-                  <p:spPr>
-                    <a:xfrm flipV="1">
-                      <a:off x="3443037" y="1844341"/>
-                      <a:ext cx="0" cy="468730"/>
-                    </a:xfrm>
-                    <a:prstGeom prst="straightConnector1">
-                      <a:avLst/>
-                    </a:prstGeom>
-                    <a:ln>
-                      <a:tailEnd type="triangle"/>
-                    </a:ln>
-                  </p:spPr>
-                  <p:style>
-                    <a:lnRef idx="2">
-                      <a:schemeClr val="dk1"/>
-                    </a:lnRef>
-                    <a:fillRef idx="0">
-                      <a:schemeClr val="dk1"/>
-                    </a:fillRef>
-                    <a:effectRef idx="1">
-                      <a:schemeClr val="dk1"/>
-                    </a:effectRef>
-                    <a:fontRef idx="minor">
-                      <a:schemeClr val="tx1"/>
-                    </a:fontRef>
-                  </p:style>
-                </p:cxnSp>
-                <p:sp>
-                  <p:nvSpPr>
-                    <p:cNvPr id="37" name="화살표: 아래로 구부러짐 36">
-                      <a:extLst>
-                        <a:ext uri="{FF2B5EF4-FFF2-40B4-BE49-F238E27FC236}">
-                          <a16:creationId xmlns:a16="http://schemas.microsoft.com/office/drawing/2014/main" id="{DF723C00-3ECE-CE3B-4F8B-1B1D223FDF0F}"/>
-                        </a:ext>
-                      </a:extLst>
-                    </p:cNvPr>
-                    <p:cNvSpPr/>
-                    <p:nvPr/>
-                  </p:nvSpPr>
-                  <p:spPr>
-                    <a:xfrm rot="904786" flipH="1">
-                      <a:off x="3141609" y="2125747"/>
-                      <a:ext cx="602853" cy="235618"/>
-                    </a:xfrm>
-                    <a:prstGeom prst="curvedDownArrow">
-                      <a:avLst>
-                        <a:gd name="adj1" fmla="val 8315"/>
-                        <a:gd name="adj2" fmla="val 23162"/>
-                        <a:gd name="adj3" fmla="val 19792"/>
-                      </a:avLst>
-                    </a:prstGeom>
-                  </p:spPr>
-                  <p:style>
-                    <a:lnRef idx="2">
-                      <a:schemeClr val="dk1">
-                        <a:shade val="15000"/>
-                      </a:schemeClr>
-                    </a:lnRef>
-                    <a:fillRef idx="1">
-                      <a:schemeClr val="dk1"/>
-                    </a:fillRef>
-                    <a:effectRef idx="0">
-                      <a:schemeClr val="dk1"/>
-                    </a:effectRef>
-                    <a:fontRef idx="minor">
-                      <a:schemeClr val="lt1"/>
-                    </a:fontRef>
-                  </p:style>
-                  <p:txBody>
-                    <a:bodyPr rtlCol="0" anchor="ctr"/>
-                    <a:lstStyle/>
-                    <a:p>
-                      <a:pPr algn="ctr"/>
-                      <a:endParaRPr lang="ko-KR" altLang="en-US">
-                        <a:ln w="0"/>
-                        <a:solidFill>
-                          <a:schemeClr val="tx1"/>
-                        </a:solidFill>
-                        <a:effectLst>
-                          <a:outerShdw blurRad="38100" dist="19050" dir="2700000" algn="tl" rotWithShape="0">
-                            <a:schemeClr val="dk1">
-                              <a:alpha val="40000"/>
-                            </a:schemeClr>
-                          </a:outerShdw>
-                        </a:effectLst>
-                      </a:endParaRPr>
-                    </a:p>
-                  </p:txBody>
-                </p:sp>
-              </p:grpSp>
-              <p:grpSp>
-                <p:nvGrpSpPr>
-                  <p:cNvPr id="45" name="그룹 44">
-                    <a:extLst>
-                      <a:ext uri="{FF2B5EF4-FFF2-40B4-BE49-F238E27FC236}">
-                        <a16:creationId xmlns:a16="http://schemas.microsoft.com/office/drawing/2014/main" id="{8382AC46-B182-DCE6-6822-71C2F6D9C06F}"/>
-                      </a:ext>
-                    </a:extLst>
-                  </p:cNvPr>
-                  <p:cNvGrpSpPr/>
-                  <p:nvPr/>
-                </p:nvGrpSpPr>
-                <p:grpSpPr>
-                  <a:xfrm rot="20995145">
-                    <a:off x="6801938" y="3393666"/>
-                    <a:ext cx="1644179" cy="738600"/>
-                    <a:chOff x="2730971" y="1844341"/>
-                    <a:chExt cx="1644179" cy="738600"/>
-                  </a:xfrm>
-                </p:grpSpPr>
-                <p:sp>
-                  <p:nvSpPr>
-                    <p:cNvPr id="46" name="직사각형 45">
-                      <a:extLst>
-                        <a:ext uri="{FF2B5EF4-FFF2-40B4-BE49-F238E27FC236}">
-                          <a16:creationId xmlns:a16="http://schemas.microsoft.com/office/drawing/2014/main" id="{0C0104EE-E6DB-3D2C-CFA8-62F4A60A21BE}"/>
-                        </a:ext>
-                      </a:extLst>
-                    </p:cNvPr>
-                    <p:cNvSpPr/>
-                    <p:nvPr/>
-                  </p:nvSpPr>
-                  <p:spPr>
-                    <a:xfrm>
-                      <a:off x="2730971" y="2059567"/>
-                      <a:ext cx="1431758" cy="523374"/>
-                    </a:xfrm>
-                    <a:prstGeom prst="rect">
-                      <a:avLst/>
-                    </a:prstGeom>
-                    <a:solidFill>
-                      <a:schemeClr val="bg1"/>
-                    </a:solidFill>
-                  </p:spPr>
-                  <p:style>
-                    <a:lnRef idx="2">
-                      <a:schemeClr val="accent1">
-                        <a:shade val="15000"/>
-                      </a:schemeClr>
-                    </a:lnRef>
-                    <a:fillRef idx="1">
-                      <a:schemeClr val="accent1"/>
-                    </a:fillRef>
-                    <a:effectRef idx="0">
-                      <a:schemeClr val="accent1"/>
-                    </a:effectRef>
-                    <a:fontRef idx="minor">
-                      <a:schemeClr val="lt1"/>
-                    </a:fontRef>
-                  </p:style>
-                  <p:txBody>
-                    <a:bodyPr rtlCol="0" anchor="ctr"/>
-                    <a:lstStyle/>
-                    <a:p>
-                      <a:pPr algn="ctr"/>
-                      <a:endParaRPr lang="ko-KR" altLang="en-US" dirty="0"/>
-                    </a:p>
-                  </p:txBody>
-                </p:sp>
-                <p:cxnSp>
-                  <p:nvCxnSpPr>
-                    <p:cNvPr id="47" name="직선 화살표 연결선 46">
-                      <a:extLst>
-                        <a:ext uri="{FF2B5EF4-FFF2-40B4-BE49-F238E27FC236}">
-                          <a16:creationId xmlns:a16="http://schemas.microsoft.com/office/drawing/2014/main" id="{CB72CD36-65E1-38D9-97FD-D2A9E11670FB}"/>
-                        </a:ext>
-                      </a:extLst>
-                    </p:cNvPr>
-                    <p:cNvCxnSpPr>
-                      <a:cxnSpLocks/>
-                    </p:cNvCxnSpPr>
-                    <p:nvPr/>
-                  </p:nvCxnSpPr>
-                  <p:spPr>
-                    <a:xfrm>
-                      <a:off x="3443037" y="2313071"/>
-                      <a:ext cx="932113" cy="0"/>
-                    </a:xfrm>
-                    <a:prstGeom prst="straightConnector1">
-                      <a:avLst/>
-                    </a:prstGeom>
-                    <a:ln>
-                      <a:tailEnd type="triangle"/>
-                    </a:ln>
-                  </p:spPr>
-                  <p:style>
-                    <a:lnRef idx="2">
-                      <a:schemeClr val="dk1"/>
-                    </a:lnRef>
-                    <a:fillRef idx="0">
-                      <a:schemeClr val="dk1"/>
-                    </a:fillRef>
-                    <a:effectRef idx="1">
-                      <a:schemeClr val="dk1"/>
-                    </a:effectRef>
-                    <a:fontRef idx="minor">
-                      <a:schemeClr val="tx1"/>
-                    </a:fontRef>
-                  </p:style>
-                </p:cxnSp>
-                <p:cxnSp>
-                  <p:nvCxnSpPr>
-                    <p:cNvPr id="48" name="직선 화살표 연결선 47">
-                      <a:extLst>
-                        <a:ext uri="{FF2B5EF4-FFF2-40B4-BE49-F238E27FC236}">
-                          <a16:creationId xmlns:a16="http://schemas.microsoft.com/office/drawing/2014/main" id="{791596D9-79B0-0534-ABC6-726D3357A44F}"/>
-                        </a:ext>
-                      </a:extLst>
-                    </p:cNvPr>
-                    <p:cNvCxnSpPr>
-                      <a:cxnSpLocks/>
-                    </p:cNvCxnSpPr>
-                    <p:nvPr/>
-                  </p:nvCxnSpPr>
-                  <p:spPr>
-                    <a:xfrm flipV="1">
-                      <a:off x="3443037" y="1844341"/>
-                      <a:ext cx="0" cy="468730"/>
-                    </a:xfrm>
-                    <a:prstGeom prst="straightConnector1">
-                      <a:avLst/>
-                    </a:prstGeom>
-                    <a:ln>
-                      <a:tailEnd type="triangle"/>
-                    </a:ln>
-                  </p:spPr>
-                  <p:style>
-                    <a:lnRef idx="2">
-                      <a:schemeClr val="dk1"/>
-                    </a:lnRef>
-                    <a:fillRef idx="0">
-                      <a:schemeClr val="dk1"/>
-                    </a:fillRef>
-                    <a:effectRef idx="1">
-                      <a:schemeClr val="dk1"/>
-                    </a:effectRef>
-                    <a:fontRef idx="minor">
-                      <a:schemeClr val="tx1"/>
-                    </a:fontRef>
-                  </p:style>
-                </p:cxnSp>
-                <p:sp>
-                  <p:nvSpPr>
-                    <p:cNvPr id="49" name="화살표: 아래로 구부러짐 48">
-                      <a:extLst>
-                        <a:ext uri="{FF2B5EF4-FFF2-40B4-BE49-F238E27FC236}">
-                          <a16:creationId xmlns:a16="http://schemas.microsoft.com/office/drawing/2014/main" id="{E031CEEE-E71F-0232-D98F-7DAC9CED7B59}"/>
-                        </a:ext>
-                      </a:extLst>
-                    </p:cNvPr>
-                    <p:cNvSpPr/>
-                    <p:nvPr/>
-                  </p:nvSpPr>
-                  <p:spPr>
-                    <a:xfrm rot="2114496" flipH="1">
-                      <a:off x="3141609" y="2125747"/>
-                      <a:ext cx="602853" cy="235618"/>
-                    </a:xfrm>
-                    <a:prstGeom prst="curvedDownArrow">
-                      <a:avLst>
-                        <a:gd name="adj1" fmla="val 8315"/>
-                        <a:gd name="adj2" fmla="val 23162"/>
-                        <a:gd name="adj3" fmla="val 19792"/>
-                      </a:avLst>
-                    </a:prstGeom>
-                  </p:spPr>
-                  <p:style>
-                    <a:lnRef idx="2">
-                      <a:schemeClr val="dk1">
-                        <a:shade val="15000"/>
-                      </a:schemeClr>
-                    </a:lnRef>
-                    <a:fillRef idx="1">
-                      <a:schemeClr val="dk1"/>
-                    </a:fillRef>
-                    <a:effectRef idx="0">
-                      <a:schemeClr val="dk1"/>
-                    </a:effectRef>
-                    <a:fontRef idx="minor">
-                      <a:schemeClr val="lt1"/>
-                    </a:fontRef>
-                  </p:style>
-                  <p:txBody>
-                    <a:bodyPr rtlCol="0" anchor="ctr"/>
-                    <a:lstStyle/>
-                    <a:p>
-                      <a:pPr algn="ctr"/>
-                      <a:endParaRPr lang="ko-KR" altLang="en-US">
-                        <a:ln w="0"/>
-                        <a:solidFill>
-                          <a:schemeClr val="tx1"/>
-                        </a:solidFill>
-                        <a:effectLst>
-                          <a:outerShdw blurRad="38100" dist="19050" dir="2700000" algn="tl" rotWithShape="0">
-                            <a:schemeClr val="dk1">
-                              <a:alpha val="40000"/>
-                            </a:schemeClr>
-                          </a:outerShdw>
-                        </a:effectLst>
-                      </a:endParaRPr>
-                    </a:p>
-                  </p:txBody>
-                </p:sp>
-              </p:grpSp>
             </p:grpSp>
-            <p:cxnSp>
-              <p:nvCxnSpPr>
-                <p:cNvPr id="52" name="직선 화살표 연결선 51">
-                  <a:extLst>
-                    <a:ext uri="{FF2B5EF4-FFF2-40B4-BE49-F238E27FC236}">
-                      <a16:creationId xmlns:a16="http://schemas.microsoft.com/office/drawing/2014/main" id="{61E40789-18EC-A614-C5A7-3656FD7DCD76}"/>
-                    </a:ext>
-                  </a:extLst>
-                </p:cNvPr>
-                <p:cNvCxnSpPr>
-                  <a:cxnSpLocks/>
-                </p:cNvCxnSpPr>
-                <p:nvPr/>
-              </p:nvCxnSpPr>
-              <p:spPr>
-                <a:xfrm flipV="1">
-                  <a:off x="7483263" y="2252843"/>
-                  <a:ext cx="943479" cy="21250"/>
-                </a:xfrm>
-                <a:prstGeom prst="straightConnector1">
-                  <a:avLst/>
-                </a:prstGeom>
-                <a:ln>
-                  <a:prstDash val="sysDash"/>
-                  <a:tailEnd type="triangle"/>
-                </a:ln>
-              </p:spPr>
-              <p:style>
-                <a:lnRef idx="2">
-                  <a:schemeClr val="dk1"/>
-                </a:lnRef>
-                <a:fillRef idx="0">
-                  <a:schemeClr val="dk1"/>
-                </a:fillRef>
-                <a:effectRef idx="1">
-                  <a:schemeClr val="dk1"/>
-                </a:effectRef>
-                <a:fontRef idx="minor">
-                  <a:schemeClr val="tx1"/>
-                </a:fontRef>
-              </p:style>
-            </p:cxnSp>
-            <p:cxnSp>
-              <p:nvCxnSpPr>
-                <p:cNvPr id="54" name="직선 화살표 연결선 53">
-                  <a:extLst>
-                    <a:ext uri="{FF2B5EF4-FFF2-40B4-BE49-F238E27FC236}">
-                      <a16:creationId xmlns:a16="http://schemas.microsoft.com/office/drawing/2014/main" id="{A376CB41-48C2-8AAD-C79C-6AA6824A7868}"/>
-                    </a:ext>
-                  </a:extLst>
-                </p:cNvPr>
-                <p:cNvCxnSpPr>
-                  <a:cxnSpLocks/>
-                </p:cNvCxnSpPr>
-                <p:nvPr/>
-              </p:nvCxnSpPr>
-              <p:spPr>
-                <a:xfrm flipV="1">
-                  <a:off x="7520937" y="3886605"/>
-                  <a:ext cx="942359" cy="4140"/>
-                </a:xfrm>
-                <a:prstGeom prst="straightConnector1">
-                  <a:avLst/>
-                </a:prstGeom>
-                <a:ln>
-                  <a:prstDash val="sysDash"/>
-                  <a:tailEnd type="triangle"/>
-                </a:ln>
-              </p:spPr>
-              <p:style>
-                <a:lnRef idx="2">
-                  <a:schemeClr val="dk1"/>
-                </a:lnRef>
-                <a:fillRef idx="0">
-                  <a:schemeClr val="dk1"/>
-                </a:fillRef>
-                <a:effectRef idx="1">
-                  <a:schemeClr val="dk1"/>
-                </a:effectRef>
-                <a:fontRef idx="minor">
-                  <a:schemeClr val="tx1"/>
-                </a:fontRef>
-              </p:style>
-            </p:cxnSp>
           </p:grpSp>
-          <p:sp>
-            <p:nvSpPr>
-              <p:cNvPr id="58" name="순서도: 가산 접합 57">
+          <p:cxnSp>
+            <p:nvCxnSpPr>
+              <p:cNvPr id="52" name="직선 화살표 연결선 51">
                 <a:extLst>
                   <a:ext uri="{FF2B5EF4-FFF2-40B4-BE49-F238E27FC236}">
-                    <a16:creationId xmlns:a16="http://schemas.microsoft.com/office/drawing/2014/main" id="{B46A095F-3BCF-BAC2-4D4B-AF50D9C1842F}"/>
-                  </a:ext>
-                </a:extLst>
-              </p:cNvPr>
-              <p:cNvSpPr/>
-              <p:nvPr/>
-            </p:nvSpPr>
-            <p:spPr>
-              <a:xfrm>
-                <a:off x="5305779" y="2966682"/>
-                <a:ext cx="326897" cy="327747"/>
-              </a:xfrm>
-              <a:prstGeom prst="flowChartSummingJunction">
-                <a:avLst/>
-              </a:prstGeom>
-              <a:solidFill>
-                <a:schemeClr val="bg1"/>
-              </a:solidFill>
-            </p:spPr>
-            <p:style>
-              <a:lnRef idx="2">
-                <a:schemeClr val="dk1">
-                  <a:shade val="15000"/>
-                </a:schemeClr>
-              </a:lnRef>
-              <a:fillRef idx="1">
-                <a:schemeClr val="dk1"/>
-              </a:fillRef>
-              <a:effectRef idx="0">
-                <a:schemeClr val="dk1"/>
-              </a:effectRef>
-              <a:fontRef idx="minor">
-                <a:schemeClr val="lt1"/>
-              </a:fontRef>
-            </p:style>
-            <p:txBody>
-              <a:bodyPr rtlCol="0" anchor="ctr"/>
-              <a:lstStyle/>
-              <a:p>
-                <a:pPr algn="ctr"/>
-                <a:endParaRPr lang="ko-KR" altLang="en-US"/>
-              </a:p>
-            </p:txBody>
-          </p:sp>
-        </p:grpSp>
-        <p:grpSp>
-          <p:nvGrpSpPr>
-            <p:cNvPr id="60" name="그룹 59">
-              <a:extLst>
-                <a:ext uri="{FF2B5EF4-FFF2-40B4-BE49-F238E27FC236}">
-                  <a16:creationId xmlns:a16="http://schemas.microsoft.com/office/drawing/2014/main" id="{69E5F564-32CF-FF7B-D0AB-3A4E03244134}"/>
-                </a:ext>
-              </a:extLst>
-            </p:cNvPr>
-            <p:cNvGrpSpPr/>
-            <p:nvPr/>
-          </p:nvGrpSpPr>
-          <p:grpSpPr>
-            <a:xfrm>
-              <a:off x="5469227" y="2662056"/>
-              <a:ext cx="932113" cy="468730"/>
-              <a:chOff x="6052131" y="2661826"/>
-              <a:chExt cx="932113" cy="468730"/>
-            </a:xfrm>
-          </p:grpSpPr>
-          <p:cxnSp>
-            <p:nvCxnSpPr>
-              <p:cNvPr id="56" name="직선 화살표 연결선 55">
-                <a:extLst>
-                  <a:ext uri="{FF2B5EF4-FFF2-40B4-BE49-F238E27FC236}">
-                    <a16:creationId xmlns:a16="http://schemas.microsoft.com/office/drawing/2014/main" id="{2C92185A-4E1D-5D0E-3C8C-DAAEEE2FA874}"/>
+                    <a16:creationId xmlns:a16="http://schemas.microsoft.com/office/drawing/2014/main" id="{61E40789-18EC-A614-C5A7-3656FD7DCD76}"/>
                   </a:ext>
                 </a:extLst>
               </p:cNvPr>
@@ -4842,14 +4674,15 @@
               <p:nvPr/>
             </p:nvCxnSpPr>
             <p:spPr>
-              <a:xfrm>
-                <a:off x="6052131" y="3130556"/>
-                <a:ext cx="932113" cy="0"/>
+              <a:xfrm flipV="1">
+                <a:off x="7483263" y="2252843"/>
+                <a:ext cx="943479" cy="21250"/>
               </a:xfrm>
               <a:prstGeom prst="straightConnector1">
                 <a:avLst/>
               </a:prstGeom>
               <a:ln>
+                <a:prstDash val="sysDash"/>
                 <a:tailEnd type="triangle"/>
               </a:ln>
             </p:spPr>
@@ -4870,10 +4703,10 @@
           </p:cxnSp>
           <p:cxnSp>
             <p:nvCxnSpPr>
-              <p:cNvPr id="57" name="직선 화살표 연결선 56">
+              <p:cNvPr id="54" name="직선 화살표 연결선 53">
                 <a:extLst>
                   <a:ext uri="{FF2B5EF4-FFF2-40B4-BE49-F238E27FC236}">
-                    <a16:creationId xmlns:a16="http://schemas.microsoft.com/office/drawing/2014/main" id="{24FCA80F-86E5-6F39-09FD-55A05608CBC0}"/>
+                    <a16:creationId xmlns:a16="http://schemas.microsoft.com/office/drawing/2014/main" id="{A376CB41-48C2-8AAD-C79C-6AA6824A7868}"/>
                   </a:ext>
                 </a:extLst>
               </p:cNvPr>
@@ -4884,13 +4717,14 @@
             </p:nvCxnSpPr>
             <p:spPr>
               <a:xfrm flipV="1">
-                <a:off x="6052131" y="2661826"/>
-                <a:ext cx="0" cy="468730"/>
+                <a:off x="7520937" y="3886605"/>
+                <a:ext cx="942359" cy="4140"/>
               </a:xfrm>
               <a:prstGeom prst="straightConnector1">
                 <a:avLst/>
               </a:prstGeom>
               <a:ln>
+                <a:prstDash val="sysDash"/>
                 <a:tailEnd type="triangle"/>
               </a:ln>
             </p:spPr>
@@ -4940,6 +4774,7 @@
                 </a:bodyPr>
                 <a:lstStyle/>
                 <a:p>
+                  <a:pPr/>
                   <a14:m>
                     <m:oMathPara xmlns:m="http://schemas.openxmlformats.org/officeDocument/2006/math">
                       <m:oMathParaPr>
@@ -5066,6 +4901,7 @@
                 </a:bodyPr>
                 <a:lstStyle/>
                 <a:p>
+                  <a:pPr/>
                   <a14:m>
                     <m:oMathPara xmlns:m="http://schemas.openxmlformats.org/officeDocument/2006/math">
                       <m:oMathParaPr>
@@ -5192,6 +5028,7 @@
                 </a:bodyPr>
                 <a:lstStyle/>
                 <a:p>
+                  <a:pPr/>
                   <a14:m>
                     <m:oMathPara xmlns:m="http://schemas.openxmlformats.org/officeDocument/2006/math">
                       <m:oMathParaPr>
@@ -5318,6 +5155,7 @@
                 </a:bodyPr>
                 <a:lstStyle/>
                 <a:p>
+                  <a:pPr/>
                   <a14:m>
                     <m:oMathPara xmlns:m="http://schemas.openxmlformats.org/officeDocument/2006/math">
                       <m:oMathParaPr>
@@ -5444,6 +5282,7 @@
                 </a:bodyPr>
                 <a:lstStyle/>
                 <a:p>
+                  <a:pPr/>
                   <a14:m>
                     <m:oMathPara xmlns:m="http://schemas.openxmlformats.org/officeDocument/2006/math">
                       <m:oMathParaPr>
@@ -5570,6 +5409,7 @@
                 </a:bodyPr>
                 <a:lstStyle/>
                 <a:p>
+                  <a:pPr/>
                   <a14:m>
                     <m:oMathPara xmlns:m="http://schemas.openxmlformats.org/officeDocument/2006/math">
                       <m:oMathParaPr>
@@ -5696,6 +5536,7 @@
                 </a:bodyPr>
                 <a:lstStyle/>
                 <a:p>
+                  <a:pPr/>
                   <a14:m>
                     <m:oMathPara xmlns:m="http://schemas.openxmlformats.org/officeDocument/2006/math">
                       <m:oMathParaPr>
@@ -5791,6 +5632,7 @@
                 </a:bodyPr>
                 <a:lstStyle/>
                 <a:p>
+                  <a:pPr/>
                   <a14:m>
                     <m:oMathPara xmlns:m="http://schemas.openxmlformats.org/officeDocument/2006/math">
                       <m:oMathParaPr>
@@ -5948,6 +5790,7 @@
                 </a:bodyPr>
                 <a:lstStyle/>
                 <a:p>
+                  <a:pPr/>
                   <a14:m>
                     <m:oMathPara xmlns:m="http://schemas.openxmlformats.org/officeDocument/2006/math">
                       <m:oMathParaPr>
@@ -6074,6 +5917,7 @@
                 </a:bodyPr>
                 <a:lstStyle/>
                 <a:p>
+                  <a:pPr/>
                   <a14:m>
                     <m:oMathPara xmlns:m="http://schemas.openxmlformats.org/officeDocument/2006/math">
                       <m:oMathParaPr>
@@ -6200,6 +6044,7 @@
                 </a:bodyPr>
                 <a:lstStyle/>
                 <a:p>
+                  <a:pPr/>
                   <a14:m>
                     <m:oMathPara xmlns:m="http://schemas.openxmlformats.org/officeDocument/2006/math">
                       <m:oMathParaPr>
@@ -6326,6 +6171,7 @@
                 </a:bodyPr>
                 <a:lstStyle/>
                 <a:p>
+                  <a:pPr/>
                   <a14:m>
                     <m:oMathPara xmlns:m="http://schemas.openxmlformats.org/officeDocument/2006/math">
                       <m:oMathParaPr>
@@ -6893,18 +6739,38 @@
                 </a:bodyPr>
                 <a:lstStyle/>
                 <a:p>
+                  <a:pPr/>
                   <a14:m>
                     <m:oMathPara xmlns:m="http://schemas.openxmlformats.org/officeDocument/2006/math">
                       <m:oMathParaPr>
                         <m:jc m:val="centerGroup"/>
                       </m:oMathParaPr>
                       <m:oMath xmlns:m="http://schemas.openxmlformats.org/officeDocument/2006/math">
-                        <m:r>
-                          <a:rPr lang="en-US" altLang="ko-KR" sz="1200" b="0" i="1" smtClean="0">
-                            <a:latin typeface="Cambria Math" panose="02040503050406030204" pitchFamily="18" charset="0"/>
-                          </a:rPr>
-                          <m:t>𝛿</m:t>
-                        </m:r>
+                        <m:sSub>
+                          <m:sSubPr>
+                            <m:ctrlPr>
+                              <a:rPr lang="en-US" altLang="ko-KR" sz="1200" b="0" i="1" smtClean="0">
+                                <a:latin typeface="Cambria Math" panose="02040503050406030204" pitchFamily="18" charset="0"/>
+                              </a:rPr>
+                            </m:ctrlPr>
+                          </m:sSubPr>
+                          <m:e>
+                            <m:r>
+                              <a:rPr lang="en-US" altLang="ko-KR" sz="1200" b="0" i="1" smtClean="0">
+                                <a:latin typeface="Cambria Math" panose="02040503050406030204" pitchFamily="18" charset="0"/>
+                              </a:rPr>
+                              <m:t>𝛿</m:t>
+                            </m:r>
+                          </m:e>
+                          <m:sub>
+                            <m:r>
+                              <a:rPr lang="en-US" altLang="ko-KR" sz="1200" b="0" i="1" smtClean="0">
+                                <a:latin typeface="Cambria Math" panose="02040503050406030204" pitchFamily="18" charset="0"/>
+                              </a:rPr>
+                              <m:t>𝐹𝐿</m:t>
+                            </m:r>
+                          </m:sub>
+                        </m:sSub>
                       </m:oMath>
                     </m:oMathPara>
                   </a14:m>
@@ -6939,7 +6805,7 @@
                 <a:blipFill>
                   <a:blip r:embed="rId16"/>
                   <a:stretch>
-                    <a:fillRect l="-26087" r="-13043" b="-10000"/>
+                    <a:fillRect l="-43478" r="-69565" b="-16667"/>
                   </a:stretch>
                 </a:blipFill>
               </p:spPr>
@@ -7176,18 +7042,38 @@
                 </a:bodyPr>
                 <a:lstStyle/>
                 <a:p>
+                  <a:pPr/>
                   <a14:m>
                     <m:oMathPara xmlns:m="http://schemas.openxmlformats.org/officeDocument/2006/math">
                       <m:oMathParaPr>
                         <m:jc m:val="centerGroup"/>
                       </m:oMathParaPr>
                       <m:oMath xmlns:m="http://schemas.openxmlformats.org/officeDocument/2006/math">
-                        <m:r>
-                          <a:rPr lang="en-US" altLang="ko-KR" sz="1200" b="0" i="1" smtClean="0">
-                            <a:latin typeface="Cambria Math" panose="02040503050406030204" pitchFamily="18" charset="0"/>
-                          </a:rPr>
-                          <m:t>𝛿</m:t>
-                        </m:r>
+                        <m:sSub>
+                          <m:sSubPr>
+                            <m:ctrlPr>
+                              <a:rPr lang="en-US" altLang="ko-KR" sz="1200" b="0" i="1" smtClean="0">
+                                <a:latin typeface="Cambria Math" panose="02040503050406030204" pitchFamily="18" charset="0"/>
+                              </a:rPr>
+                            </m:ctrlPr>
+                          </m:sSubPr>
+                          <m:e>
+                            <m:r>
+                              <a:rPr lang="en-US" altLang="ko-KR" sz="1200" b="0" i="1" smtClean="0">
+                                <a:latin typeface="Cambria Math" panose="02040503050406030204" pitchFamily="18" charset="0"/>
+                              </a:rPr>
+                              <m:t>𝛿</m:t>
+                            </m:r>
+                          </m:e>
+                          <m:sub>
+                            <m:r>
+                              <a:rPr lang="en-US" altLang="ko-KR" sz="1200" b="0" i="1" smtClean="0">
+                                <a:latin typeface="Cambria Math" panose="02040503050406030204" pitchFamily="18" charset="0"/>
+                              </a:rPr>
+                              <m:t>𝐹𝑅</m:t>
+                            </m:r>
+                          </m:sub>
+                        </m:sSub>
                       </m:oMath>
                     </m:oMathPara>
                   </a14:m>
@@ -7220,9 +7106,9 @@
                   <a:avLst/>
                 </a:prstGeom>
                 <a:blipFill>
-                  <a:blip r:embed="rId16"/>
+                  <a:blip r:embed="rId17"/>
                   <a:stretch>
-                    <a:fillRect l="-26087" r="-13043" b="-10000"/>
+                    <a:fillRect l="-43478" r="-78261" b="-16667"/>
                   </a:stretch>
                 </a:blipFill>
               </p:spPr>
@@ -7271,6 +7157,7 @@
                 </a:bodyPr>
                 <a:lstStyle/>
                 <a:p>
+                  <a:pPr/>
                   <a14:m>
                     <m:oMathPara xmlns:m="http://schemas.openxmlformats.org/officeDocument/2006/math">
                       <m:oMathParaPr>
@@ -7315,7 +7202,7 @@
                   <a:avLst/>
                 </a:prstGeom>
                 <a:blipFill>
-                  <a:blip r:embed="rId17"/>
+                  <a:blip r:embed="rId18"/>
                   <a:stretch>
                     <a:fillRect l="-8571" r="-8571" b="-2174"/>
                   </a:stretch>
@@ -7366,6 +7253,7 @@
                 </a:bodyPr>
                 <a:lstStyle/>
                 <a:p>
+                  <a:pPr/>
                   <a14:m>
                     <m:oMathPara xmlns:m="http://schemas.openxmlformats.org/officeDocument/2006/math">
                       <m:oMathParaPr>
@@ -7410,7 +7298,7 @@
                   <a:avLst/>
                 </a:prstGeom>
                 <a:blipFill>
-                  <a:blip r:embed="rId18"/>
+                  <a:blip r:embed="rId19"/>
                   <a:stretch>
                     <a:fillRect l="-20000" r="-17143" b="-10870"/>
                   </a:stretch>
@@ -7461,6 +7349,7 @@
                 </a:bodyPr>
                 <a:lstStyle/>
                 <a:p>
+                  <a:pPr/>
                   <a14:m>
                     <m:oMathPara xmlns:m="http://schemas.openxmlformats.org/officeDocument/2006/math">
                       <m:oMathParaPr>
@@ -7524,7 +7413,7 @@
                   <a:avLst/>
                 </a:prstGeom>
                 <a:blipFill>
-                  <a:blip r:embed="rId19"/>
+                  <a:blip r:embed="rId20"/>
                   <a:stretch>
                     <a:fillRect l="-13208" r="-1887" b="-20000"/>
                   </a:stretch>
@@ -7575,6 +7464,7 @@
                 </a:bodyPr>
                 <a:lstStyle/>
                 <a:p>
+                  <a:pPr/>
                   <a14:m>
                     <m:oMathPara xmlns:m="http://schemas.openxmlformats.org/officeDocument/2006/math">
                       <m:oMathParaPr>
@@ -7638,7 +7528,7 @@
                   <a:avLst/>
                 </a:prstGeom>
                 <a:blipFill>
-                  <a:blip r:embed="rId20"/>
+                  <a:blip r:embed="rId21"/>
                   <a:stretch>
                     <a:fillRect l="-10909" r="-1818" b="-20000"/>
                   </a:stretch>
@@ -7659,6 +7549,139 @@
             </p:sp>
           </mc:Fallback>
         </mc:AlternateContent>
+        <p:pic>
+          <p:nvPicPr>
+            <p:cNvPr id="3" name="그림 2">
+              <a:extLst>
+                <a:ext uri="{FF2B5EF4-FFF2-40B4-BE49-F238E27FC236}">
+                  <a16:creationId xmlns:a16="http://schemas.microsoft.com/office/drawing/2014/main" id="{BE83858B-1EF9-DFDB-B9A7-BD0C7676786B}"/>
+                </a:ext>
+              </a:extLst>
+            </p:cNvPr>
+            <p:cNvPicPr>
+              <a:picLocks noChangeAspect="1"/>
+            </p:cNvPicPr>
+            <p:nvPr/>
+          </p:nvPicPr>
+          <p:blipFill>
+            <a:blip r:embed="rId22"/>
+            <a:stretch>
+              <a:fillRect/>
+            </a:stretch>
+          </p:blipFill>
+          <p:spPr>
+            <a:xfrm>
+              <a:off x="5299652" y="2954410"/>
+              <a:ext cx="339147" cy="333197"/>
+            </a:xfrm>
+            <a:prstGeom prst="rect">
+              <a:avLst/>
+            </a:prstGeom>
+          </p:spPr>
+        </p:pic>
+        <p:grpSp>
+          <p:nvGrpSpPr>
+            <p:cNvPr id="60" name="그룹 59">
+              <a:extLst>
+                <a:ext uri="{FF2B5EF4-FFF2-40B4-BE49-F238E27FC236}">
+                  <a16:creationId xmlns:a16="http://schemas.microsoft.com/office/drawing/2014/main" id="{69E5F564-32CF-FF7B-D0AB-3A4E03244134}"/>
+                </a:ext>
+              </a:extLst>
+            </p:cNvPr>
+            <p:cNvGrpSpPr/>
+            <p:nvPr/>
+          </p:nvGrpSpPr>
+          <p:grpSpPr>
+            <a:xfrm>
+              <a:off x="5469227" y="2662056"/>
+              <a:ext cx="932113" cy="468730"/>
+              <a:chOff x="6052131" y="2661826"/>
+              <a:chExt cx="932113" cy="468730"/>
+            </a:xfrm>
+          </p:grpSpPr>
+          <p:cxnSp>
+            <p:nvCxnSpPr>
+              <p:cNvPr id="56" name="직선 화살표 연결선 55">
+                <a:extLst>
+                  <a:ext uri="{FF2B5EF4-FFF2-40B4-BE49-F238E27FC236}">
+                    <a16:creationId xmlns:a16="http://schemas.microsoft.com/office/drawing/2014/main" id="{2C92185A-4E1D-5D0E-3C8C-DAAEEE2FA874}"/>
+                  </a:ext>
+                </a:extLst>
+              </p:cNvPr>
+              <p:cNvCxnSpPr>
+                <a:cxnSpLocks/>
+              </p:cNvCxnSpPr>
+              <p:nvPr/>
+            </p:nvCxnSpPr>
+            <p:spPr>
+              <a:xfrm>
+                <a:off x="6052131" y="3130556"/>
+                <a:ext cx="932113" cy="0"/>
+              </a:xfrm>
+              <a:prstGeom prst="straightConnector1">
+                <a:avLst/>
+              </a:prstGeom>
+              <a:ln>
+                <a:tailEnd type="triangle"/>
+              </a:ln>
+            </p:spPr>
+            <p:style>
+              <a:lnRef idx="2">
+                <a:schemeClr val="dk1"/>
+              </a:lnRef>
+              <a:fillRef idx="0">
+                <a:schemeClr val="dk1"/>
+              </a:fillRef>
+              <a:effectRef idx="1">
+                <a:schemeClr val="dk1"/>
+              </a:effectRef>
+              <a:fontRef idx="minor">
+                <a:schemeClr val="tx1"/>
+              </a:fontRef>
+            </p:style>
+          </p:cxnSp>
+          <p:cxnSp>
+            <p:nvCxnSpPr>
+              <p:cNvPr id="57" name="직선 화살표 연결선 56">
+                <a:extLst>
+                  <a:ext uri="{FF2B5EF4-FFF2-40B4-BE49-F238E27FC236}">
+                    <a16:creationId xmlns:a16="http://schemas.microsoft.com/office/drawing/2014/main" id="{24FCA80F-86E5-6F39-09FD-55A05608CBC0}"/>
+                  </a:ext>
+                </a:extLst>
+              </p:cNvPr>
+              <p:cNvCxnSpPr>
+                <a:cxnSpLocks/>
+              </p:cNvCxnSpPr>
+              <p:nvPr/>
+            </p:nvCxnSpPr>
+            <p:spPr>
+              <a:xfrm flipV="1">
+                <a:off x="6052131" y="2661826"/>
+                <a:ext cx="0" cy="468730"/>
+              </a:xfrm>
+              <a:prstGeom prst="straightConnector1">
+                <a:avLst/>
+              </a:prstGeom>
+              <a:ln>
+                <a:tailEnd type="triangle"/>
+              </a:ln>
+            </p:spPr>
+            <p:style>
+              <a:lnRef idx="2">
+                <a:schemeClr val="dk1"/>
+              </a:lnRef>
+              <a:fillRef idx="0">
+                <a:schemeClr val="dk1"/>
+              </a:fillRef>
+              <a:effectRef idx="1">
+                <a:schemeClr val="dk1"/>
+              </a:effectRef>
+              <a:fontRef idx="minor">
+                <a:schemeClr val="tx1"/>
+              </a:fontRef>
+            </p:style>
+          </p:cxnSp>
+        </p:grpSp>
       </p:grpSp>
     </p:spTree>
     <p:extLst>

--- a/졸업 논문/그림모음.pptx
+++ b/졸업 논문/그림모음.pptx
@@ -4,9 +4,16 @@
   <p:sldMasterIdLst>
     <p:sldMasterId id="2147483648" r:id="rId1"/>
   </p:sldMasterIdLst>
+  <p:notesMasterIdLst>
+    <p:notesMasterId r:id="rId8"/>
+  </p:notesMasterIdLst>
   <p:sldIdLst>
     <p:sldId id="256" r:id="rId2"/>
-    <p:sldId id="257" r:id="rId3"/>
+    <p:sldId id="258" r:id="rId3"/>
+    <p:sldId id="260" r:id="rId4"/>
+    <p:sldId id="259" r:id="rId5"/>
+    <p:sldId id="257" r:id="rId6"/>
+    <p:sldId id="261" r:id="rId7"/>
   </p:sldIdLst>
   <p:sldSz cx="12192000" cy="6858000"/>
   <p:notesSz cx="6858000" cy="9144000"/>
@@ -111,6 +118,439 @@
     </p:ext>
   </p:extLst>
 </p:presentation>
+</file>
+
+<file path=ppt/notesMasters/notesMaster1.xml><?xml version="1.0" encoding="utf-8"?>
+<p:notesMaster xmlns:a="http://schemas.openxmlformats.org/drawingml/2006/main" xmlns:r="http://schemas.openxmlformats.org/officeDocument/2006/relationships" xmlns:p="http://schemas.openxmlformats.org/presentationml/2006/main">
+  <p:cSld>
+    <p:bg>
+      <p:bgRef idx="1001">
+        <a:schemeClr val="bg1"/>
+      </p:bgRef>
+    </p:bg>
+    <p:spTree>
+      <p:nvGrpSpPr>
+        <p:cNvPr id="1" name=""/>
+        <p:cNvGrpSpPr/>
+        <p:nvPr/>
+      </p:nvGrpSpPr>
+      <p:grpSpPr>
+        <a:xfrm>
+          <a:off x="0" y="0"/>
+          <a:ext cx="0" cy="0"/>
+          <a:chOff x="0" y="0"/>
+          <a:chExt cx="0" cy="0"/>
+        </a:xfrm>
+      </p:grpSpPr>
+      <p:sp>
+        <p:nvSpPr>
+          <p:cNvPr id="2" name="머리글 개체 틀 1"/>
+          <p:cNvSpPr>
+            <a:spLocks noGrp="1"/>
+          </p:cNvSpPr>
+          <p:nvPr>
+            <p:ph type="hdr" sz="quarter"/>
+          </p:nvPr>
+        </p:nvSpPr>
+        <p:spPr>
+          <a:xfrm>
+            <a:off x="0" y="0"/>
+            <a:ext cx="2971800" cy="458788"/>
+          </a:xfrm>
+          <a:prstGeom prst="rect">
+            <a:avLst/>
+          </a:prstGeom>
+        </p:spPr>
+        <p:txBody>
+          <a:bodyPr vert="horz" lIns="91440" tIns="45720" rIns="91440" bIns="45720" rtlCol="0"/>
+          <a:lstStyle>
+            <a:lvl1pPr algn="l">
+              <a:defRPr sz="1200"/>
+            </a:lvl1pPr>
+          </a:lstStyle>
+          <a:p>
+            <a:endParaRPr lang="ko-KR" altLang="en-US"/>
+          </a:p>
+        </p:txBody>
+      </p:sp>
+      <p:sp>
+        <p:nvSpPr>
+          <p:cNvPr id="3" name="날짜 개체 틀 2"/>
+          <p:cNvSpPr>
+            <a:spLocks noGrp="1"/>
+          </p:cNvSpPr>
+          <p:nvPr>
+            <p:ph type="dt" idx="1"/>
+          </p:nvPr>
+        </p:nvSpPr>
+        <p:spPr>
+          <a:xfrm>
+            <a:off x="3884613" y="0"/>
+            <a:ext cx="2971800" cy="458788"/>
+          </a:xfrm>
+          <a:prstGeom prst="rect">
+            <a:avLst/>
+          </a:prstGeom>
+        </p:spPr>
+        <p:txBody>
+          <a:bodyPr vert="horz" lIns="91440" tIns="45720" rIns="91440" bIns="45720" rtlCol="0"/>
+          <a:lstStyle>
+            <a:lvl1pPr algn="r">
+              <a:defRPr sz="1200"/>
+            </a:lvl1pPr>
+          </a:lstStyle>
+          <a:p>
+            <a:fld id="{DF808D06-9E3F-44FB-93F2-5318620A4091}" type="datetimeFigureOut">
+              <a:rPr lang="ko-KR" altLang="en-US" smtClean="0"/>
+              <a:t>2024-02-26</a:t>
+            </a:fld>
+            <a:endParaRPr lang="ko-KR" altLang="en-US"/>
+          </a:p>
+        </p:txBody>
+      </p:sp>
+      <p:sp>
+        <p:nvSpPr>
+          <p:cNvPr id="4" name="슬라이드 이미지 개체 틀 3"/>
+          <p:cNvSpPr>
+            <a:spLocks noGrp="1" noRot="1" noChangeAspect="1"/>
+          </p:cNvSpPr>
+          <p:nvPr>
+            <p:ph type="sldImg" idx="2"/>
+          </p:nvPr>
+        </p:nvSpPr>
+        <p:spPr>
+          <a:xfrm>
+            <a:off x="685800" y="1143000"/>
+            <a:ext cx="5486400" cy="3086100"/>
+          </a:xfrm>
+          <a:prstGeom prst="rect">
+            <a:avLst/>
+          </a:prstGeom>
+          <a:noFill/>
+          <a:ln w="12700">
+            <a:solidFill>
+              <a:prstClr val="black"/>
+            </a:solidFill>
+          </a:ln>
+        </p:spPr>
+        <p:txBody>
+          <a:bodyPr vert="horz" lIns="91440" tIns="45720" rIns="91440" bIns="45720" rtlCol="0" anchor="ctr"/>
+          <a:lstStyle/>
+          <a:p>
+            <a:endParaRPr lang="ko-KR" altLang="en-US"/>
+          </a:p>
+        </p:txBody>
+      </p:sp>
+      <p:sp>
+        <p:nvSpPr>
+          <p:cNvPr id="5" name="슬라이드 노트 개체 틀 4"/>
+          <p:cNvSpPr>
+            <a:spLocks noGrp="1"/>
+          </p:cNvSpPr>
+          <p:nvPr>
+            <p:ph type="body" sz="quarter" idx="3"/>
+          </p:nvPr>
+        </p:nvSpPr>
+        <p:spPr>
+          <a:xfrm>
+            <a:off x="685800" y="4400550"/>
+            <a:ext cx="5486400" cy="3600450"/>
+          </a:xfrm>
+          <a:prstGeom prst="rect">
+            <a:avLst/>
+          </a:prstGeom>
+        </p:spPr>
+        <p:txBody>
+          <a:bodyPr vert="horz" lIns="91440" tIns="45720" rIns="91440" bIns="45720" rtlCol="0"/>
+          <a:lstStyle/>
+          <a:p>
+            <a:pPr lvl="0"/>
+            <a:r>
+              <a:rPr lang="ko-KR" altLang="en-US"/>
+              <a:t>마스터 텍스트 스타일을 편집하려면 클릭</a:t>
+            </a:r>
+          </a:p>
+          <a:p>
+            <a:pPr lvl="1"/>
+            <a:r>
+              <a:rPr lang="ko-KR" altLang="en-US"/>
+              <a:t>두 번째 수준</a:t>
+            </a:r>
+          </a:p>
+          <a:p>
+            <a:pPr lvl="2"/>
+            <a:r>
+              <a:rPr lang="ko-KR" altLang="en-US"/>
+              <a:t>세 번째 수준</a:t>
+            </a:r>
+          </a:p>
+          <a:p>
+            <a:pPr lvl="3"/>
+            <a:r>
+              <a:rPr lang="ko-KR" altLang="en-US"/>
+              <a:t>네 번째 수준</a:t>
+            </a:r>
+          </a:p>
+          <a:p>
+            <a:pPr lvl="4"/>
+            <a:r>
+              <a:rPr lang="ko-KR" altLang="en-US"/>
+              <a:t>다섯 번째 수준</a:t>
+            </a:r>
+          </a:p>
+        </p:txBody>
+      </p:sp>
+      <p:sp>
+        <p:nvSpPr>
+          <p:cNvPr id="6" name="바닥글 개체 틀 5"/>
+          <p:cNvSpPr>
+            <a:spLocks noGrp="1"/>
+          </p:cNvSpPr>
+          <p:nvPr>
+            <p:ph type="ftr" sz="quarter" idx="4"/>
+          </p:nvPr>
+        </p:nvSpPr>
+        <p:spPr>
+          <a:xfrm>
+            <a:off x="0" y="8685213"/>
+            <a:ext cx="2971800" cy="458787"/>
+          </a:xfrm>
+          <a:prstGeom prst="rect">
+            <a:avLst/>
+          </a:prstGeom>
+        </p:spPr>
+        <p:txBody>
+          <a:bodyPr vert="horz" lIns="91440" tIns="45720" rIns="91440" bIns="45720" rtlCol="0" anchor="b"/>
+          <a:lstStyle>
+            <a:lvl1pPr algn="l">
+              <a:defRPr sz="1200"/>
+            </a:lvl1pPr>
+          </a:lstStyle>
+          <a:p>
+            <a:endParaRPr lang="ko-KR" altLang="en-US"/>
+          </a:p>
+        </p:txBody>
+      </p:sp>
+      <p:sp>
+        <p:nvSpPr>
+          <p:cNvPr id="7" name="슬라이드 번호 개체 틀 6"/>
+          <p:cNvSpPr>
+            <a:spLocks noGrp="1"/>
+          </p:cNvSpPr>
+          <p:nvPr>
+            <p:ph type="sldNum" sz="quarter" idx="5"/>
+          </p:nvPr>
+        </p:nvSpPr>
+        <p:spPr>
+          <a:xfrm>
+            <a:off x="3884613" y="8685213"/>
+            <a:ext cx="2971800" cy="458787"/>
+          </a:xfrm>
+          <a:prstGeom prst="rect">
+            <a:avLst/>
+          </a:prstGeom>
+        </p:spPr>
+        <p:txBody>
+          <a:bodyPr vert="horz" lIns="91440" tIns="45720" rIns="91440" bIns="45720" rtlCol="0" anchor="b"/>
+          <a:lstStyle>
+            <a:lvl1pPr algn="r">
+              <a:defRPr sz="1200"/>
+            </a:lvl1pPr>
+          </a:lstStyle>
+          <a:p>
+            <a:fld id="{99C9A71B-B8CF-479D-AC54-A5572C23557B}" type="slidenum">
+              <a:rPr lang="ko-KR" altLang="en-US" smtClean="0"/>
+              <a:t>‹#›</a:t>
+            </a:fld>
+            <a:endParaRPr lang="ko-KR" altLang="en-US"/>
+          </a:p>
+        </p:txBody>
+      </p:sp>
+    </p:spTree>
+    <p:extLst>
+      <p:ext uri="{BB962C8B-B14F-4D97-AF65-F5344CB8AC3E}">
+        <p14:creationId xmlns:p14="http://schemas.microsoft.com/office/powerpoint/2010/main" val="2758745376"/>
+      </p:ext>
+    </p:extLst>
+  </p:cSld>
+  <p:clrMap bg1="lt1" tx1="dk1" bg2="lt2" tx2="dk2" accent1="accent1" accent2="accent2" accent3="accent3" accent4="accent4" accent5="accent5" accent6="accent6" hlink="hlink" folHlink="folHlink"/>
+  <p:notesStyle>
+    <a:lvl1pPr marL="0" algn="l" defTabSz="914400" rtl="0" eaLnBrk="1" latinLnBrk="1" hangingPunct="1">
+      <a:defRPr sz="1200" kern="1200">
+        <a:solidFill>
+          <a:schemeClr val="tx1"/>
+        </a:solidFill>
+        <a:latin typeface="+mn-lt"/>
+        <a:ea typeface="+mn-ea"/>
+        <a:cs typeface="+mn-cs"/>
+      </a:defRPr>
+    </a:lvl1pPr>
+    <a:lvl2pPr marL="457200" algn="l" defTabSz="914400" rtl="0" eaLnBrk="1" latinLnBrk="1" hangingPunct="1">
+      <a:defRPr sz="1200" kern="1200">
+        <a:solidFill>
+          <a:schemeClr val="tx1"/>
+        </a:solidFill>
+        <a:latin typeface="+mn-lt"/>
+        <a:ea typeface="+mn-ea"/>
+        <a:cs typeface="+mn-cs"/>
+      </a:defRPr>
+    </a:lvl2pPr>
+    <a:lvl3pPr marL="914400" algn="l" defTabSz="914400" rtl="0" eaLnBrk="1" latinLnBrk="1" hangingPunct="1">
+      <a:defRPr sz="1200" kern="1200">
+        <a:solidFill>
+          <a:schemeClr val="tx1"/>
+        </a:solidFill>
+        <a:latin typeface="+mn-lt"/>
+        <a:ea typeface="+mn-ea"/>
+        <a:cs typeface="+mn-cs"/>
+      </a:defRPr>
+    </a:lvl3pPr>
+    <a:lvl4pPr marL="1371600" algn="l" defTabSz="914400" rtl="0" eaLnBrk="1" latinLnBrk="1" hangingPunct="1">
+      <a:defRPr sz="1200" kern="1200">
+        <a:solidFill>
+          <a:schemeClr val="tx1"/>
+        </a:solidFill>
+        <a:latin typeface="+mn-lt"/>
+        <a:ea typeface="+mn-ea"/>
+        <a:cs typeface="+mn-cs"/>
+      </a:defRPr>
+    </a:lvl4pPr>
+    <a:lvl5pPr marL="1828800" algn="l" defTabSz="914400" rtl="0" eaLnBrk="1" latinLnBrk="1" hangingPunct="1">
+      <a:defRPr sz="1200" kern="1200">
+        <a:solidFill>
+          <a:schemeClr val="tx1"/>
+        </a:solidFill>
+        <a:latin typeface="+mn-lt"/>
+        <a:ea typeface="+mn-ea"/>
+        <a:cs typeface="+mn-cs"/>
+      </a:defRPr>
+    </a:lvl5pPr>
+    <a:lvl6pPr marL="2286000" algn="l" defTabSz="914400" rtl="0" eaLnBrk="1" latinLnBrk="1" hangingPunct="1">
+      <a:defRPr sz="1200" kern="1200">
+        <a:solidFill>
+          <a:schemeClr val="tx1"/>
+        </a:solidFill>
+        <a:latin typeface="+mn-lt"/>
+        <a:ea typeface="+mn-ea"/>
+        <a:cs typeface="+mn-cs"/>
+      </a:defRPr>
+    </a:lvl6pPr>
+    <a:lvl7pPr marL="2743200" algn="l" defTabSz="914400" rtl="0" eaLnBrk="1" latinLnBrk="1" hangingPunct="1">
+      <a:defRPr sz="1200" kern="1200">
+        <a:solidFill>
+          <a:schemeClr val="tx1"/>
+        </a:solidFill>
+        <a:latin typeface="+mn-lt"/>
+        <a:ea typeface="+mn-ea"/>
+        <a:cs typeface="+mn-cs"/>
+      </a:defRPr>
+    </a:lvl7pPr>
+    <a:lvl8pPr marL="3200400" algn="l" defTabSz="914400" rtl="0" eaLnBrk="1" latinLnBrk="1" hangingPunct="1">
+      <a:defRPr sz="1200" kern="1200">
+        <a:solidFill>
+          <a:schemeClr val="tx1"/>
+        </a:solidFill>
+        <a:latin typeface="+mn-lt"/>
+        <a:ea typeface="+mn-ea"/>
+        <a:cs typeface="+mn-cs"/>
+      </a:defRPr>
+    </a:lvl8pPr>
+    <a:lvl9pPr marL="3657600" algn="l" defTabSz="914400" rtl="0" eaLnBrk="1" latinLnBrk="1" hangingPunct="1">
+      <a:defRPr sz="1200" kern="1200">
+        <a:solidFill>
+          <a:schemeClr val="tx1"/>
+        </a:solidFill>
+        <a:latin typeface="+mn-lt"/>
+        <a:ea typeface="+mn-ea"/>
+        <a:cs typeface="+mn-cs"/>
+      </a:defRPr>
+    </a:lvl9pPr>
+  </p:notesStyle>
+</p:notesMaster>
+</file>
+
+<file path=ppt/notesSlides/notesSlide1.xml><?xml version="1.0" encoding="utf-8"?>
+<p:notes xmlns:a="http://schemas.openxmlformats.org/drawingml/2006/main" xmlns:r="http://schemas.openxmlformats.org/officeDocument/2006/relationships" xmlns:p="http://schemas.openxmlformats.org/presentationml/2006/main">
+  <p:cSld>
+    <p:spTree>
+      <p:nvGrpSpPr>
+        <p:cNvPr id="1" name=""/>
+        <p:cNvGrpSpPr/>
+        <p:nvPr/>
+      </p:nvGrpSpPr>
+      <p:grpSpPr>
+        <a:xfrm>
+          <a:off x="0" y="0"/>
+          <a:ext cx="0" cy="0"/>
+          <a:chOff x="0" y="0"/>
+          <a:chExt cx="0" cy="0"/>
+        </a:xfrm>
+      </p:grpSpPr>
+      <p:sp>
+        <p:nvSpPr>
+          <p:cNvPr id="2" name="슬라이드 이미지 개체 틀 1"/>
+          <p:cNvSpPr>
+            <a:spLocks noGrp="1" noRot="1" noChangeAspect="1"/>
+          </p:cNvSpPr>
+          <p:nvPr>
+            <p:ph type="sldImg"/>
+          </p:nvPr>
+        </p:nvSpPr>
+        <p:spPr/>
+      </p:sp>
+      <p:sp>
+        <p:nvSpPr>
+          <p:cNvPr id="3" name="슬라이드 노트 개체 틀 2"/>
+          <p:cNvSpPr>
+            <a:spLocks noGrp="1"/>
+          </p:cNvSpPr>
+          <p:nvPr>
+            <p:ph type="body" idx="1"/>
+          </p:nvPr>
+        </p:nvSpPr>
+        <p:spPr/>
+        <p:txBody>
+          <a:bodyPr/>
+          <a:lstStyle/>
+          <a:p>
+            <a:endParaRPr lang="ko-KR" altLang="en-US"/>
+          </a:p>
+        </p:txBody>
+      </p:sp>
+      <p:sp>
+        <p:nvSpPr>
+          <p:cNvPr id="4" name="슬라이드 번호 개체 틀 3"/>
+          <p:cNvSpPr>
+            <a:spLocks noGrp="1"/>
+          </p:cNvSpPr>
+          <p:nvPr>
+            <p:ph type="sldNum" sz="quarter" idx="5"/>
+          </p:nvPr>
+        </p:nvSpPr>
+        <p:spPr/>
+        <p:txBody>
+          <a:bodyPr/>
+          <a:lstStyle/>
+          <a:p>
+            <a:fld id="{99C9A71B-B8CF-479D-AC54-A5572C23557B}" type="slidenum">
+              <a:rPr lang="ko-KR" altLang="en-US" smtClean="0"/>
+              <a:t>6</a:t>
+            </a:fld>
+            <a:endParaRPr lang="ko-KR" altLang="en-US"/>
+          </a:p>
+        </p:txBody>
+      </p:sp>
+    </p:spTree>
+    <p:extLst>
+      <p:ext uri="{BB962C8B-B14F-4D97-AF65-F5344CB8AC3E}">
+        <p14:creationId xmlns:p14="http://schemas.microsoft.com/office/powerpoint/2010/main" val="3681459521"/>
+      </p:ext>
+    </p:extLst>
+  </p:cSld>
+  <p:clrMapOvr>
+    <a:masterClrMapping/>
+  </p:clrMapOvr>
+</p:notes>
 </file>
 
 <file path=ppt/slideLayouts/slideLayout1.xml><?xml version="1.0" encoding="utf-8"?>
@@ -260,7 +700,7 @@
           <a:p>
             <a:fld id="{1E28F0D3-E3FD-49FD-8E82-3F8837207BDD}" type="datetimeFigureOut">
               <a:rPr lang="ko-KR" altLang="en-US" smtClean="0"/>
-              <a:t>2024-02-19</a:t>
+              <a:t>2024-02-26</a:t>
             </a:fld>
             <a:endParaRPr lang="ko-KR" altLang="en-US"/>
           </a:p>
@@ -458,7 +898,7 @@
           <a:p>
             <a:fld id="{1E28F0D3-E3FD-49FD-8E82-3F8837207BDD}" type="datetimeFigureOut">
               <a:rPr lang="ko-KR" altLang="en-US" smtClean="0"/>
-              <a:t>2024-02-19</a:t>
+              <a:t>2024-02-26</a:t>
             </a:fld>
             <a:endParaRPr lang="ko-KR" altLang="en-US"/>
           </a:p>
@@ -666,7 +1106,7 @@
           <a:p>
             <a:fld id="{1E28F0D3-E3FD-49FD-8E82-3F8837207BDD}" type="datetimeFigureOut">
               <a:rPr lang="ko-KR" altLang="en-US" smtClean="0"/>
-              <a:t>2024-02-19</a:t>
+              <a:t>2024-02-26</a:t>
             </a:fld>
             <a:endParaRPr lang="ko-KR" altLang="en-US"/>
           </a:p>
@@ -864,7 +1304,7 @@
           <a:p>
             <a:fld id="{1E28F0D3-E3FD-49FD-8E82-3F8837207BDD}" type="datetimeFigureOut">
               <a:rPr lang="ko-KR" altLang="en-US" smtClean="0"/>
-              <a:t>2024-02-19</a:t>
+              <a:t>2024-02-26</a:t>
             </a:fld>
             <a:endParaRPr lang="ko-KR" altLang="en-US"/>
           </a:p>
@@ -1139,7 +1579,7 @@
           <a:p>
             <a:fld id="{1E28F0D3-E3FD-49FD-8E82-3F8837207BDD}" type="datetimeFigureOut">
               <a:rPr lang="ko-KR" altLang="en-US" smtClean="0"/>
-              <a:t>2024-02-19</a:t>
+              <a:t>2024-02-26</a:t>
             </a:fld>
             <a:endParaRPr lang="ko-KR" altLang="en-US"/>
           </a:p>
@@ -1404,7 +1844,7 @@
           <a:p>
             <a:fld id="{1E28F0D3-E3FD-49FD-8E82-3F8837207BDD}" type="datetimeFigureOut">
               <a:rPr lang="ko-KR" altLang="en-US" smtClean="0"/>
-              <a:t>2024-02-19</a:t>
+              <a:t>2024-02-26</a:t>
             </a:fld>
             <a:endParaRPr lang="ko-KR" altLang="en-US"/>
           </a:p>
@@ -1816,7 +2256,7 @@
           <a:p>
             <a:fld id="{1E28F0D3-E3FD-49FD-8E82-3F8837207BDD}" type="datetimeFigureOut">
               <a:rPr lang="ko-KR" altLang="en-US" smtClean="0"/>
-              <a:t>2024-02-19</a:t>
+              <a:t>2024-02-26</a:t>
             </a:fld>
             <a:endParaRPr lang="ko-KR" altLang="en-US"/>
           </a:p>
@@ -1957,7 +2397,7 @@
           <a:p>
             <a:fld id="{1E28F0D3-E3FD-49FD-8E82-3F8837207BDD}" type="datetimeFigureOut">
               <a:rPr lang="ko-KR" altLang="en-US" smtClean="0"/>
-              <a:t>2024-02-19</a:t>
+              <a:t>2024-02-26</a:t>
             </a:fld>
             <a:endParaRPr lang="ko-KR" altLang="en-US"/>
           </a:p>
@@ -2070,7 +2510,7 @@
           <a:p>
             <a:fld id="{1E28F0D3-E3FD-49FD-8E82-3F8837207BDD}" type="datetimeFigureOut">
               <a:rPr lang="ko-KR" altLang="en-US" smtClean="0"/>
-              <a:t>2024-02-19</a:t>
+              <a:t>2024-02-26</a:t>
             </a:fld>
             <a:endParaRPr lang="ko-KR" altLang="en-US"/>
           </a:p>
@@ -2381,7 +2821,7 @@
           <a:p>
             <a:fld id="{1E28F0D3-E3FD-49FD-8E82-3F8837207BDD}" type="datetimeFigureOut">
               <a:rPr lang="ko-KR" altLang="en-US" smtClean="0"/>
-              <a:t>2024-02-19</a:t>
+              <a:t>2024-02-26</a:t>
             </a:fld>
             <a:endParaRPr lang="ko-KR" altLang="en-US"/>
           </a:p>
@@ -2669,7 +3109,7 @@
           <a:p>
             <a:fld id="{1E28F0D3-E3FD-49FD-8E82-3F8837207BDD}" type="datetimeFigureOut">
               <a:rPr lang="ko-KR" altLang="en-US" smtClean="0"/>
-              <a:t>2024-02-19</a:t>
+              <a:t>2024-02-26</a:t>
             </a:fld>
             <a:endParaRPr lang="ko-KR" altLang="en-US"/>
           </a:p>
@@ -2910,7 +3350,7 @@
           <a:p>
             <a:fld id="{1E28F0D3-E3FD-49FD-8E82-3F8837207BDD}" type="datetimeFigureOut">
               <a:rPr lang="ko-KR" altLang="en-US" smtClean="0"/>
-              <a:t>2024-02-19</a:t>
+              <a:t>2024-02-26</a:t>
             </a:fld>
             <a:endParaRPr lang="ko-KR" altLang="en-US"/>
           </a:p>
@@ -3348,7 +3788,7 @@
           <a:bodyPr/>
           <a:lstStyle/>
           <a:p>
-            <a:endParaRPr lang="ko-KR" altLang="en-US"/>
+            <a:endParaRPr lang="ko-KR" altLang="en-US" dirty="0"/>
           </a:p>
         </p:txBody>
       </p:sp>
@@ -3409,10 +3849,3815 @@
       </p:grpSpPr>
       <p:grpSp>
         <p:nvGrpSpPr>
-          <p:cNvPr id="4" name="그룹 3">
+          <p:cNvPr id="18" name="그룹 17">
             <a:extLst>
               <a:ext uri="{FF2B5EF4-FFF2-40B4-BE49-F238E27FC236}">
-                <a16:creationId xmlns:a16="http://schemas.microsoft.com/office/drawing/2014/main" id="{9ED4E3E3-8449-3D93-BA0E-80817AE293E6}"/>
+                <a16:creationId xmlns:a16="http://schemas.microsoft.com/office/drawing/2014/main" id="{8864350F-3F8E-1545-144F-48CC589E76F6}"/>
+              </a:ext>
+            </a:extLst>
+          </p:cNvPr>
+          <p:cNvGrpSpPr/>
+          <p:nvPr/>
+        </p:nvGrpSpPr>
+        <p:grpSpPr>
+          <a:xfrm>
+            <a:off x="8171906" y="389792"/>
+            <a:ext cx="474555" cy="5285932"/>
+            <a:chOff x="8171906" y="389792"/>
+            <a:chExt cx="474555" cy="5285932"/>
+          </a:xfrm>
+        </p:grpSpPr>
+        <p:sp>
+          <p:nvSpPr>
+            <p:cNvPr id="4" name="직사각형 3">
+              <a:extLst>
+                <a:ext uri="{FF2B5EF4-FFF2-40B4-BE49-F238E27FC236}">
+                  <a16:creationId xmlns:a16="http://schemas.microsoft.com/office/drawing/2014/main" id="{27400A2D-AC3C-9E17-3476-72A5A0D86CFD}"/>
+                </a:ext>
+              </a:extLst>
+            </p:cNvPr>
+            <p:cNvSpPr/>
+            <p:nvPr/>
+          </p:nvSpPr>
+          <p:spPr>
+            <a:xfrm rot="16200000">
+              <a:off x="7755039" y="4784302"/>
+              <a:ext cx="1308289" cy="474555"/>
+            </a:xfrm>
+            <a:prstGeom prst="rect">
+              <a:avLst/>
+            </a:prstGeom>
+            <a:solidFill>
+              <a:schemeClr val="bg2"/>
+            </a:solidFill>
+          </p:spPr>
+          <p:style>
+            <a:lnRef idx="2">
+              <a:schemeClr val="accent1">
+                <a:shade val="15000"/>
+              </a:schemeClr>
+            </a:lnRef>
+            <a:fillRef idx="1">
+              <a:schemeClr val="accent1"/>
+            </a:fillRef>
+            <a:effectRef idx="0">
+              <a:schemeClr val="accent1"/>
+            </a:effectRef>
+            <a:fontRef idx="minor">
+              <a:schemeClr val="lt1"/>
+            </a:fontRef>
+          </p:style>
+          <p:txBody>
+            <a:bodyPr rtlCol="0" anchor="ctr"/>
+            <a:lstStyle/>
+            <a:p>
+              <a:pPr algn="ctr"/>
+              <a:endParaRPr lang="ko-KR" altLang="en-US" u="sng"/>
+            </a:p>
+          </p:txBody>
+        </p:sp>
+        <p:sp>
+          <p:nvSpPr>
+            <p:cNvPr id="7" name="직사각형 6">
+              <a:extLst>
+                <a:ext uri="{FF2B5EF4-FFF2-40B4-BE49-F238E27FC236}">
+                  <a16:creationId xmlns:a16="http://schemas.microsoft.com/office/drawing/2014/main" id="{343523D3-2701-2DFD-2743-D60CEDE53DF1}"/>
+                </a:ext>
+              </a:extLst>
+            </p:cNvPr>
+            <p:cNvSpPr/>
+            <p:nvPr/>
+          </p:nvSpPr>
+          <p:spPr>
+            <a:xfrm rot="14175464">
+              <a:off x="7755038" y="806660"/>
+              <a:ext cx="1308289" cy="474554"/>
+            </a:xfrm>
+            <a:prstGeom prst="rect">
+              <a:avLst/>
+            </a:prstGeom>
+            <a:solidFill>
+              <a:schemeClr val="bg2"/>
+            </a:solidFill>
+          </p:spPr>
+          <p:style>
+            <a:lnRef idx="2">
+              <a:schemeClr val="accent1">
+                <a:shade val="15000"/>
+              </a:schemeClr>
+            </a:lnRef>
+            <a:fillRef idx="1">
+              <a:schemeClr val="accent1"/>
+            </a:fillRef>
+            <a:effectRef idx="0">
+              <a:schemeClr val="accent1"/>
+            </a:effectRef>
+            <a:fontRef idx="minor">
+              <a:schemeClr val="lt1"/>
+            </a:fontRef>
+          </p:style>
+          <p:txBody>
+            <a:bodyPr rtlCol="0" anchor="ctr"/>
+            <a:lstStyle/>
+            <a:p>
+              <a:pPr algn="ctr"/>
+              <a:endParaRPr lang="ko-KR" altLang="en-US" u="sng" dirty="0"/>
+            </a:p>
+          </p:txBody>
+        </p:sp>
+        <p:sp>
+          <p:nvSpPr>
+            <p:cNvPr id="10" name="직사각형 9">
+              <a:extLst>
+                <a:ext uri="{FF2B5EF4-FFF2-40B4-BE49-F238E27FC236}">
+                  <a16:creationId xmlns:a16="http://schemas.microsoft.com/office/drawing/2014/main" id="{26D85BF1-22E4-6A22-8FCE-0F057ADA82E9}"/>
+                </a:ext>
+              </a:extLst>
+            </p:cNvPr>
+            <p:cNvSpPr/>
+            <p:nvPr/>
+          </p:nvSpPr>
+          <p:spPr>
+            <a:xfrm rot="16200000">
+              <a:off x="6420363" y="3005578"/>
+              <a:ext cx="3977642" cy="54361"/>
+            </a:xfrm>
+            <a:prstGeom prst="rect">
+              <a:avLst/>
+            </a:prstGeom>
+          </p:spPr>
+          <p:style>
+            <a:lnRef idx="2">
+              <a:schemeClr val="dk1">
+                <a:shade val="15000"/>
+              </a:schemeClr>
+            </a:lnRef>
+            <a:fillRef idx="1">
+              <a:schemeClr val="dk1"/>
+            </a:fillRef>
+            <a:effectRef idx="0">
+              <a:schemeClr val="dk1"/>
+            </a:effectRef>
+            <a:fontRef idx="minor">
+              <a:schemeClr val="lt1"/>
+            </a:fontRef>
+          </p:style>
+          <p:txBody>
+            <a:bodyPr rtlCol="0" anchor="ctr"/>
+            <a:lstStyle/>
+            <a:p>
+              <a:pPr algn="ctr"/>
+              <a:endParaRPr lang="ko-KR" altLang="en-US" u="sng" dirty="0"/>
+            </a:p>
+          </p:txBody>
+        </p:sp>
+        <p:pic>
+          <p:nvPicPr>
+            <p:cNvPr id="12" name="그림 11">
+              <a:extLst>
+                <a:ext uri="{FF2B5EF4-FFF2-40B4-BE49-F238E27FC236}">
+                  <a16:creationId xmlns:a16="http://schemas.microsoft.com/office/drawing/2014/main" id="{D589CA8A-F99B-C1D4-7519-05641883C729}"/>
+                </a:ext>
+              </a:extLst>
+            </p:cNvPr>
+            <p:cNvPicPr>
+              <a:picLocks noChangeAspect="1"/>
+            </p:cNvPicPr>
+            <p:nvPr/>
+          </p:nvPicPr>
+          <p:blipFill>
+            <a:blip r:embed="rId2"/>
+            <a:stretch>
+              <a:fillRect/>
+            </a:stretch>
+          </p:blipFill>
+          <p:spPr>
+            <a:xfrm>
+              <a:off x="8239608" y="3095803"/>
+              <a:ext cx="339147" cy="333197"/>
+            </a:xfrm>
+            <a:prstGeom prst="rect">
+              <a:avLst/>
+            </a:prstGeom>
+          </p:spPr>
+        </p:pic>
+      </p:grpSp>
+      <p:cxnSp>
+        <p:nvCxnSpPr>
+          <p:cNvPr id="20" name="직선 연결선 19">
+            <a:extLst>
+              <a:ext uri="{FF2B5EF4-FFF2-40B4-BE49-F238E27FC236}">
+                <a16:creationId xmlns:a16="http://schemas.microsoft.com/office/drawing/2014/main" id="{12EBCAB3-28FF-BD9A-0EB1-B20B9AF3D52C}"/>
+              </a:ext>
+            </a:extLst>
+          </p:cNvPr>
+          <p:cNvCxnSpPr>
+            <a:cxnSpLocks/>
+            <a:endCxn id="10" idx="1"/>
+          </p:cNvCxnSpPr>
+          <p:nvPr/>
+        </p:nvCxnSpPr>
+        <p:spPr>
+          <a:xfrm>
+            <a:off x="2423160" y="5021580"/>
+            <a:ext cx="5986025" cy="0"/>
+          </a:xfrm>
+          <a:prstGeom prst="line">
+            <a:avLst/>
+          </a:prstGeom>
+        </p:spPr>
+        <p:style>
+          <a:lnRef idx="2">
+            <a:schemeClr val="dk1"/>
+          </a:lnRef>
+          <a:fillRef idx="0">
+            <a:schemeClr val="dk1"/>
+          </a:fillRef>
+          <a:effectRef idx="1">
+            <a:schemeClr val="dk1"/>
+          </a:effectRef>
+          <a:fontRef idx="minor">
+            <a:schemeClr val="tx1"/>
+          </a:fontRef>
+        </p:style>
+      </p:cxnSp>
+      <p:cxnSp>
+        <p:nvCxnSpPr>
+          <p:cNvPr id="26" name="직선 연결선 25">
+            <a:extLst>
+              <a:ext uri="{FF2B5EF4-FFF2-40B4-BE49-F238E27FC236}">
+                <a16:creationId xmlns:a16="http://schemas.microsoft.com/office/drawing/2014/main" id="{F7224822-ACFE-D182-C1A4-2954FCABD8FE}"/>
+              </a:ext>
+            </a:extLst>
+          </p:cNvPr>
+          <p:cNvCxnSpPr>
+            <a:cxnSpLocks/>
+            <a:stCxn id="7" idx="3"/>
+            <a:endCxn id="7" idx="1"/>
+          </p:cNvCxnSpPr>
+          <p:nvPr/>
+        </p:nvCxnSpPr>
+        <p:spPr>
+          <a:xfrm>
+            <a:off x="8045833" y="499987"/>
+            <a:ext cx="726699" cy="1087900"/>
+          </a:xfrm>
+          <a:prstGeom prst="line">
+            <a:avLst/>
+          </a:prstGeom>
+        </p:spPr>
+        <p:style>
+          <a:lnRef idx="2">
+            <a:schemeClr val="dk1"/>
+          </a:lnRef>
+          <a:fillRef idx="0">
+            <a:schemeClr val="dk1"/>
+          </a:fillRef>
+          <a:effectRef idx="1">
+            <a:schemeClr val="dk1"/>
+          </a:effectRef>
+          <a:fontRef idx="minor">
+            <a:schemeClr val="tx1"/>
+          </a:fontRef>
+        </p:style>
+      </p:cxnSp>
+      <p:cxnSp>
+        <p:nvCxnSpPr>
+          <p:cNvPr id="30" name="직선 연결선 29">
+            <a:extLst>
+              <a:ext uri="{FF2B5EF4-FFF2-40B4-BE49-F238E27FC236}">
+                <a16:creationId xmlns:a16="http://schemas.microsoft.com/office/drawing/2014/main" id="{640F4692-BBD6-10F1-5CF7-FF7878A2E7B5}"/>
+              </a:ext>
+            </a:extLst>
+          </p:cNvPr>
+          <p:cNvCxnSpPr>
+            <a:cxnSpLocks noChangeAspect="1"/>
+            <a:endCxn id="10" idx="3"/>
+          </p:cNvCxnSpPr>
+          <p:nvPr/>
+        </p:nvCxnSpPr>
+        <p:spPr>
+          <a:xfrm flipV="1">
+            <a:off x="2441722" y="1043938"/>
+            <a:ext cx="5967463" cy="3977641"/>
+          </a:xfrm>
+          <a:prstGeom prst="line">
+            <a:avLst/>
+          </a:prstGeom>
+        </p:spPr>
+        <p:style>
+          <a:lnRef idx="2">
+            <a:schemeClr val="dk1"/>
+          </a:lnRef>
+          <a:fillRef idx="0">
+            <a:schemeClr val="dk1"/>
+          </a:fillRef>
+          <a:effectRef idx="1">
+            <a:schemeClr val="dk1"/>
+          </a:effectRef>
+          <a:fontRef idx="minor">
+            <a:schemeClr val="tx1"/>
+          </a:fontRef>
+        </p:style>
+      </p:cxnSp>
+      <p:sp>
+        <p:nvSpPr>
+          <p:cNvPr id="41" name="직사각형 40">
+            <a:extLst>
+              <a:ext uri="{FF2B5EF4-FFF2-40B4-BE49-F238E27FC236}">
+                <a16:creationId xmlns:a16="http://schemas.microsoft.com/office/drawing/2014/main" id="{C50D9473-0F83-F745-12DB-0C294807076F}"/>
+              </a:ext>
+            </a:extLst>
+          </p:cNvPr>
+          <p:cNvSpPr/>
+          <p:nvPr/>
+        </p:nvSpPr>
+        <p:spPr>
+          <a:xfrm>
+            <a:off x="8202003" y="4841579"/>
+            <a:ext cx="180000" cy="180000"/>
+          </a:xfrm>
+          <a:prstGeom prst="rect">
+            <a:avLst/>
+          </a:prstGeom>
+          <a:noFill/>
+          <a:ln>
+            <a:solidFill>
+              <a:schemeClr val="tx1"/>
+            </a:solidFill>
+          </a:ln>
+        </p:spPr>
+        <p:style>
+          <a:lnRef idx="2">
+            <a:schemeClr val="accent1">
+              <a:shade val="15000"/>
+            </a:schemeClr>
+          </a:lnRef>
+          <a:fillRef idx="1">
+            <a:schemeClr val="accent1"/>
+          </a:fillRef>
+          <a:effectRef idx="0">
+            <a:schemeClr val="accent1"/>
+          </a:effectRef>
+          <a:fontRef idx="minor">
+            <a:schemeClr val="lt1"/>
+          </a:fontRef>
+        </p:style>
+        <p:txBody>
+          <a:bodyPr rtlCol="0" anchor="ctr"/>
+          <a:lstStyle/>
+          <a:p>
+            <a:pPr algn="ctr"/>
+            <a:endParaRPr lang="ko-KR" altLang="en-US"/>
+          </a:p>
+        </p:txBody>
+      </p:sp>
+      <p:sp>
+        <p:nvSpPr>
+          <p:cNvPr id="42" name="직사각형 41">
+            <a:extLst>
+              <a:ext uri="{FF2B5EF4-FFF2-40B4-BE49-F238E27FC236}">
+                <a16:creationId xmlns:a16="http://schemas.microsoft.com/office/drawing/2014/main" id="{260B6F1D-69FF-C423-6DA2-D88657A05915}"/>
+              </a:ext>
+            </a:extLst>
+          </p:cNvPr>
+          <p:cNvSpPr/>
+          <p:nvPr/>
+        </p:nvSpPr>
+        <p:spPr>
+          <a:xfrm rot="19558809">
+            <a:off x="8186954" y="953936"/>
+            <a:ext cx="180000" cy="180000"/>
+          </a:xfrm>
+          <a:prstGeom prst="rect">
+            <a:avLst/>
+          </a:prstGeom>
+          <a:noFill/>
+          <a:ln>
+            <a:solidFill>
+              <a:schemeClr val="tx1"/>
+            </a:solidFill>
+          </a:ln>
+        </p:spPr>
+        <p:style>
+          <a:lnRef idx="2">
+            <a:schemeClr val="accent1">
+              <a:shade val="15000"/>
+            </a:schemeClr>
+          </a:lnRef>
+          <a:fillRef idx="1">
+            <a:schemeClr val="accent1"/>
+          </a:fillRef>
+          <a:effectRef idx="0">
+            <a:schemeClr val="accent1"/>
+          </a:effectRef>
+          <a:fontRef idx="minor">
+            <a:schemeClr val="lt1"/>
+          </a:fontRef>
+        </p:style>
+        <p:txBody>
+          <a:bodyPr rtlCol="0" anchor="ctr"/>
+          <a:lstStyle/>
+          <a:p>
+            <a:pPr algn="ctr"/>
+            <a:endParaRPr lang="ko-KR" altLang="en-US"/>
+          </a:p>
+        </p:txBody>
+      </p:sp>
+      <p:sp>
+        <p:nvSpPr>
+          <p:cNvPr id="43" name="원호 42">
+            <a:extLst>
+              <a:ext uri="{FF2B5EF4-FFF2-40B4-BE49-F238E27FC236}">
+                <a16:creationId xmlns:a16="http://schemas.microsoft.com/office/drawing/2014/main" id="{AF4EC75B-C942-0A2D-7F05-9E170A92036F}"/>
+              </a:ext>
+            </a:extLst>
+          </p:cNvPr>
+          <p:cNvSpPr/>
+          <p:nvPr/>
+        </p:nvSpPr>
+        <p:spPr>
+          <a:xfrm>
+            <a:off x="2835564" y="4367434"/>
+            <a:ext cx="914400" cy="878815"/>
+          </a:xfrm>
+          <a:prstGeom prst="arc">
+            <a:avLst>
+              <a:gd name="adj1" fmla="val 17420780"/>
+              <a:gd name="adj2" fmla="val 1545161"/>
+            </a:avLst>
+          </a:prstGeom>
+          <a:noFill/>
+          <a:ln w="3175">
+            <a:solidFill>
+              <a:schemeClr val="tx1"/>
+            </a:solidFill>
+          </a:ln>
+        </p:spPr>
+        <p:style>
+          <a:lnRef idx="2">
+            <a:schemeClr val="accent1">
+              <a:shade val="15000"/>
+            </a:schemeClr>
+          </a:lnRef>
+          <a:fillRef idx="1">
+            <a:schemeClr val="accent1"/>
+          </a:fillRef>
+          <a:effectRef idx="0">
+            <a:schemeClr val="accent1"/>
+          </a:effectRef>
+          <a:fontRef idx="minor">
+            <a:schemeClr val="lt1"/>
+          </a:fontRef>
+        </p:style>
+        <p:txBody>
+          <a:bodyPr rtlCol="0" anchor="ctr"/>
+          <a:lstStyle/>
+          <a:p>
+            <a:pPr algn="ctr"/>
+            <a:endParaRPr lang="ko-KR" altLang="en-US"/>
+          </a:p>
+        </p:txBody>
+      </p:sp>
+      <p:cxnSp>
+        <p:nvCxnSpPr>
+          <p:cNvPr id="45" name="직선 연결선 44">
+            <a:extLst>
+              <a:ext uri="{FF2B5EF4-FFF2-40B4-BE49-F238E27FC236}">
+                <a16:creationId xmlns:a16="http://schemas.microsoft.com/office/drawing/2014/main" id="{B5736413-5D09-F00C-12E8-A9030C88819A}"/>
+              </a:ext>
+            </a:extLst>
+          </p:cNvPr>
+          <p:cNvCxnSpPr>
+            <a:cxnSpLocks/>
+          </p:cNvCxnSpPr>
+          <p:nvPr/>
+        </p:nvCxnSpPr>
+        <p:spPr>
+          <a:xfrm flipV="1">
+            <a:off x="2441722" y="3288145"/>
+            <a:ext cx="5967463" cy="1733434"/>
+          </a:xfrm>
+          <a:prstGeom prst="line">
+            <a:avLst/>
+          </a:prstGeom>
+        </p:spPr>
+        <p:style>
+          <a:lnRef idx="2">
+            <a:schemeClr val="dk1"/>
+          </a:lnRef>
+          <a:fillRef idx="0">
+            <a:schemeClr val="dk1"/>
+          </a:fillRef>
+          <a:effectRef idx="1">
+            <a:schemeClr val="dk1"/>
+          </a:effectRef>
+          <a:fontRef idx="minor">
+            <a:schemeClr val="tx1"/>
+          </a:fontRef>
+        </p:style>
+      </p:cxnSp>
+      <mc:AlternateContent xmlns:mc="http://schemas.openxmlformats.org/markup-compatibility/2006" xmlns:a14="http://schemas.microsoft.com/office/drawing/2010/main">
+        <mc:Choice Requires="a14">
+          <p:sp>
+            <p:nvSpPr>
+              <p:cNvPr id="48" name="TextBox 47">
+                <a:extLst>
+                  <a:ext uri="{FF2B5EF4-FFF2-40B4-BE49-F238E27FC236}">
+                    <a16:creationId xmlns:a16="http://schemas.microsoft.com/office/drawing/2014/main" id="{0C1F4BC3-6BBB-977C-ABC1-D2E6680D8847}"/>
+                  </a:ext>
+                </a:extLst>
+              </p:cNvPr>
+              <p:cNvSpPr txBox="1"/>
+              <p:nvPr/>
+            </p:nvSpPr>
+            <p:spPr>
+              <a:xfrm>
+                <a:off x="5704967" y="5061583"/>
+                <a:ext cx="511935" cy="369332"/>
+              </a:xfrm>
+              <a:prstGeom prst="rect">
+                <a:avLst/>
+              </a:prstGeom>
+              <a:noFill/>
+            </p:spPr>
+            <p:txBody>
+              <a:bodyPr wrap="none" rtlCol="0">
+                <a:spAutoFit/>
+              </a:bodyPr>
+              <a:lstStyle/>
+              <a:p>
+                <a:pPr/>
+                <a14:m>
+                  <m:oMathPara xmlns:m="http://schemas.openxmlformats.org/officeDocument/2006/math">
+                    <m:oMathParaPr>
+                      <m:jc m:val="centerGroup"/>
+                    </m:oMathParaPr>
+                    <m:oMath xmlns:m="http://schemas.openxmlformats.org/officeDocument/2006/math">
+                      <m:sSub>
+                        <m:sSubPr>
+                          <m:ctrlPr>
+                            <a:rPr lang="en-US" altLang="ko-KR" b="0" i="1" smtClean="0">
+                              <a:latin typeface="Cambria Math" panose="02040503050406030204" pitchFamily="18" charset="0"/>
+                            </a:rPr>
+                          </m:ctrlPr>
+                        </m:sSubPr>
+                        <m:e>
+                          <m:r>
+                            <a:rPr lang="en-US" altLang="ko-KR" b="0" i="1" smtClean="0">
+                              <a:latin typeface="Cambria Math" panose="02040503050406030204" pitchFamily="18" charset="0"/>
+                            </a:rPr>
+                            <m:t>𝑅</m:t>
+                          </m:r>
+                        </m:e>
+                        <m:sub>
+                          <m:r>
+                            <a:rPr lang="en-US" altLang="ko-KR" b="0" i="1" smtClean="0">
+                              <a:latin typeface="Cambria Math" panose="02040503050406030204" pitchFamily="18" charset="0"/>
+                            </a:rPr>
+                            <m:t>1</m:t>
+                          </m:r>
+                        </m:sub>
+                      </m:sSub>
+                    </m:oMath>
+                  </m:oMathPara>
+                </a14:m>
+                <a:endParaRPr lang="ko-KR" altLang="en-US" dirty="0"/>
+              </a:p>
+            </p:txBody>
+          </p:sp>
+        </mc:Choice>
+        <mc:Fallback xmlns="">
+          <p:sp>
+            <p:nvSpPr>
+              <p:cNvPr id="48" name="TextBox 47">
+                <a:extLst>
+                  <a:ext uri="{FF2B5EF4-FFF2-40B4-BE49-F238E27FC236}">
+                    <a16:creationId xmlns:a16="http://schemas.microsoft.com/office/drawing/2014/main" id="{0C1F4BC3-6BBB-977C-ABC1-D2E6680D8847}"/>
+                  </a:ext>
+                </a:extLst>
+              </p:cNvPr>
+              <p:cNvSpPr txBox="1">
+                <a:spLocks noRot="1" noChangeAspect="1" noMove="1" noResize="1" noEditPoints="1" noAdjustHandles="1" noChangeArrowheads="1" noChangeShapeType="1" noTextEdit="1"/>
+              </p:cNvSpPr>
+              <p:nvPr/>
+            </p:nvSpPr>
+            <p:spPr>
+              <a:xfrm>
+                <a:off x="5704967" y="5061583"/>
+                <a:ext cx="511935" cy="369332"/>
+              </a:xfrm>
+              <a:prstGeom prst="rect">
+                <a:avLst/>
+              </a:prstGeom>
+              <a:blipFill>
+                <a:blip r:embed="rId3"/>
+                <a:stretch>
+                  <a:fillRect b="-1639"/>
+                </a:stretch>
+              </a:blipFill>
+            </p:spPr>
+            <p:txBody>
+              <a:bodyPr/>
+              <a:lstStyle/>
+              <a:p>
+                <a:r>
+                  <a:rPr lang="ko-KR" altLang="en-US">
+                    <a:noFill/>
+                  </a:rPr>
+                  <a:t> </a:t>
+                </a:r>
+              </a:p>
+            </p:txBody>
+          </p:sp>
+        </mc:Fallback>
+      </mc:AlternateContent>
+      <mc:AlternateContent xmlns:mc="http://schemas.openxmlformats.org/markup-compatibility/2006" xmlns:a14="http://schemas.microsoft.com/office/drawing/2010/main">
+        <mc:Choice Requires="a14">
+          <p:sp>
+            <p:nvSpPr>
+              <p:cNvPr id="49" name="TextBox 48">
+                <a:extLst>
+                  <a:ext uri="{FF2B5EF4-FFF2-40B4-BE49-F238E27FC236}">
+                    <a16:creationId xmlns:a16="http://schemas.microsoft.com/office/drawing/2014/main" id="{6E1E7D89-7CB7-B055-6E2F-0116842656EE}"/>
+                  </a:ext>
+                </a:extLst>
+              </p:cNvPr>
+              <p:cNvSpPr txBox="1"/>
+              <p:nvPr/>
+            </p:nvSpPr>
+            <p:spPr>
+              <a:xfrm>
+                <a:off x="6096000" y="3970196"/>
+                <a:ext cx="420628" cy="369332"/>
+              </a:xfrm>
+              <a:prstGeom prst="rect">
+                <a:avLst/>
+              </a:prstGeom>
+              <a:noFill/>
+            </p:spPr>
+            <p:txBody>
+              <a:bodyPr wrap="none" rtlCol="0">
+                <a:spAutoFit/>
+              </a:bodyPr>
+              <a:lstStyle/>
+              <a:p>
+                <a:pPr algn="r"/>
+                <a14:m>
+                  <m:oMathPara xmlns:m="http://schemas.openxmlformats.org/officeDocument/2006/math">
+                    <m:oMathParaPr>
+                      <m:jc m:val="centerGroup"/>
+                    </m:oMathParaPr>
+                    <m:oMath xmlns:m="http://schemas.openxmlformats.org/officeDocument/2006/math">
+                      <m:r>
+                        <a:rPr lang="en-US" altLang="ko-KR" b="0" i="1" smtClean="0">
+                          <a:latin typeface="Cambria Math" panose="02040503050406030204" pitchFamily="18" charset="0"/>
+                        </a:rPr>
+                        <m:t>𝑅</m:t>
+                      </m:r>
+                    </m:oMath>
+                  </m:oMathPara>
+                </a14:m>
+                <a:endParaRPr lang="ko-KR" altLang="en-US" dirty="0"/>
+              </a:p>
+            </p:txBody>
+          </p:sp>
+        </mc:Choice>
+        <mc:Fallback xmlns="">
+          <p:sp>
+            <p:nvSpPr>
+              <p:cNvPr id="49" name="TextBox 48">
+                <a:extLst>
+                  <a:ext uri="{FF2B5EF4-FFF2-40B4-BE49-F238E27FC236}">
+                    <a16:creationId xmlns:a16="http://schemas.microsoft.com/office/drawing/2014/main" id="{6E1E7D89-7CB7-B055-6E2F-0116842656EE}"/>
+                  </a:ext>
+                </a:extLst>
+              </p:cNvPr>
+              <p:cNvSpPr txBox="1">
+                <a:spLocks noRot="1" noChangeAspect="1" noMove="1" noResize="1" noEditPoints="1" noAdjustHandles="1" noChangeArrowheads="1" noChangeShapeType="1" noTextEdit="1"/>
+              </p:cNvSpPr>
+              <p:nvPr/>
+            </p:nvSpPr>
+            <p:spPr>
+              <a:xfrm>
+                <a:off x="6096000" y="3970196"/>
+                <a:ext cx="420628" cy="369332"/>
+              </a:xfrm>
+              <a:prstGeom prst="rect">
+                <a:avLst/>
+              </a:prstGeom>
+              <a:blipFill>
+                <a:blip r:embed="rId4"/>
+                <a:stretch>
+                  <a:fillRect/>
+                </a:stretch>
+              </a:blipFill>
+            </p:spPr>
+            <p:txBody>
+              <a:bodyPr/>
+              <a:lstStyle/>
+              <a:p>
+                <a:r>
+                  <a:rPr lang="ko-KR" altLang="en-US">
+                    <a:noFill/>
+                  </a:rPr>
+                  <a:t> </a:t>
+                </a:r>
+              </a:p>
+            </p:txBody>
+          </p:sp>
+        </mc:Fallback>
+      </mc:AlternateContent>
+      <mc:AlternateContent xmlns:mc="http://schemas.openxmlformats.org/markup-compatibility/2006" xmlns:a14="http://schemas.microsoft.com/office/drawing/2010/main">
+        <mc:Choice Requires="a14">
+          <p:sp>
+            <p:nvSpPr>
+              <p:cNvPr id="50" name="TextBox 49">
+                <a:extLst>
+                  <a:ext uri="{FF2B5EF4-FFF2-40B4-BE49-F238E27FC236}">
+                    <a16:creationId xmlns:a16="http://schemas.microsoft.com/office/drawing/2014/main" id="{4F89DFA8-7833-9CCC-BEF0-22BE70143E63}"/>
+                  </a:ext>
+                </a:extLst>
+              </p:cNvPr>
+              <p:cNvSpPr txBox="1"/>
+              <p:nvPr/>
+            </p:nvSpPr>
+            <p:spPr>
+              <a:xfrm>
+                <a:off x="7966777" y="1922654"/>
+                <a:ext cx="400302" cy="369332"/>
+              </a:xfrm>
+              <a:prstGeom prst="rect">
+                <a:avLst/>
+              </a:prstGeom>
+              <a:noFill/>
+            </p:spPr>
+            <p:txBody>
+              <a:bodyPr wrap="none" rtlCol="0">
+                <a:spAutoFit/>
+              </a:bodyPr>
+              <a:lstStyle/>
+              <a:p>
+                <a:pPr algn="r"/>
+                <a14:m>
+                  <m:oMathPara xmlns:m="http://schemas.openxmlformats.org/officeDocument/2006/math">
+                    <m:oMathParaPr>
+                      <m:jc m:val="centerGroup"/>
+                    </m:oMathParaPr>
+                    <m:oMath xmlns:m="http://schemas.openxmlformats.org/officeDocument/2006/math">
+                      <m:r>
+                        <a:rPr lang="en-US" altLang="ko-KR" b="0" i="1" smtClean="0">
+                          <a:latin typeface="Cambria Math" panose="02040503050406030204" pitchFamily="18" charset="0"/>
+                        </a:rPr>
+                        <m:t>𝑎</m:t>
+                      </m:r>
+                    </m:oMath>
+                  </m:oMathPara>
+                </a14:m>
+                <a:endParaRPr lang="ko-KR" altLang="en-US" dirty="0"/>
+              </a:p>
+            </p:txBody>
+          </p:sp>
+        </mc:Choice>
+        <mc:Fallback xmlns="">
+          <p:sp>
+            <p:nvSpPr>
+              <p:cNvPr id="50" name="TextBox 49">
+                <a:extLst>
+                  <a:ext uri="{FF2B5EF4-FFF2-40B4-BE49-F238E27FC236}">
+                    <a16:creationId xmlns:a16="http://schemas.microsoft.com/office/drawing/2014/main" id="{4F89DFA8-7833-9CCC-BEF0-22BE70143E63}"/>
+                  </a:ext>
+                </a:extLst>
+              </p:cNvPr>
+              <p:cNvSpPr txBox="1">
+                <a:spLocks noRot="1" noChangeAspect="1" noMove="1" noResize="1" noEditPoints="1" noAdjustHandles="1" noChangeArrowheads="1" noChangeShapeType="1" noTextEdit="1"/>
+              </p:cNvSpPr>
+              <p:nvPr/>
+            </p:nvSpPr>
+            <p:spPr>
+              <a:xfrm>
+                <a:off x="7966777" y="1922654"/>
+                <a:ext cx="400302" cy="369332"/>
+              </a:xfrm>
+              <a:prstGeom prst="rect">
+                <a:avLst/>
+              </a:prstGeom>
+              <a:blipFill>
+                <a:blip r:embed="rId5"/>
+                <a:stretch>
+                  <a:fillRect/>
+                </a:stretch>
+              </a:blipFill>
+            </p:spPr>
+            <p:txBody>
+              <a:bodyPr/>
+              <a:lstStyle/>
+              <a:p>
+                <a:r>
+                  <a:rPr lang="ko-KR" altLang="en-US">
+                    <a:noFill/>
+                  </a:rPr>
+                  <a:t> </a:t>
+                </a:r>
+              </a:p>
+            </p:txBody>
+          </p:sp>
+        </mc:Fallback>
+      </mc:AlternateContent>
+      <mc:AlternateContent xmlns:mc="http://schemas.openxmlformats.org/markup-compatibility/2006" xmlns:a14="http://schemas.microsoft.com/office/drawing/2010/main">
+        <mc:Choice Requires="a14">
+          <p:sp>
+            <p:nvSpPr>
+              <p:cNvPr id="51" name="TextBox 50">
+                <a:extLst>
+                  <a:ext uri="{FF2B5EF4-FFF2-40B4-BE49-F238E27FC236}">
+                    <a16:creationId xmlns:a16="http://schemas.microsoft.com/office/drawing/2014/main" id="{4E8C91FA-364B-F023-3508-6551872038F5}"/>
+                  </a:ext>
+                </a:extLst>
+              </p:cNvPr>
+              <p:cNvSpPr txBox="1"/>
+              <p:nvPr/>
+            </p:nvSpPr>
+            <p:spPr>
+              <a:xfrm>
+                <a:off x="7955636" y="3788285"/>
+                <a:ext cx="396519" cy="369332"/>
+              </a:xfrm>
+              <a:prstGeom prst="rect">
+                <a:avLst/>
+              </a:prstGeom>
+              <a:noFill/>
+            </p:spPr>
+            <p:txBody>
+              <a:bodyPr wrap="none" rtlCol="0">
+                <a:spAutoFit/>
+              </a:bodyPr>
+              <a:lstStyle/>
+              <a:p>
+                <a:pPr algn="r"/>
+                <a14:m>
+                  <m:oMathPara xmlns:m="http://schemas.openxmlformats.org/officeDocument/2006/math">
+                    <m:oMathParaPr>
+                      <m:jc m:val="centerGroup"/>
+                    </m:oMathParaPr>
+                    <m:oMath xmlns:m="http://schemas.openxmlformats.org/officeDocument/2006/math">
+                      <m:r>
+                        <a:rPr lang="en-US" altLang="ko-KR" b="0" i="1" smtClean="0">
+                          <a:latin typeface="Cambria Math" panose="02040503050406030204" pitchFamily="18" charset="0"/>
+                        </a:rPr>
+                        <m:t>𝑏</m:t>
+                      </m:r>
+                    </m:oMath>
+                  </m:oMathPara>
+                </a14:m>
+                <a:endParaRPr lang="ko-KR" altLang="en-US" dirty="0"/>
+              </a:p>
+            </p:txBody>
+          </p:sp>
+        </mc:Choice>
+        <mc:Fallback xmlns="">
+          <p:sp>
+            <p:nvSpPr>
+              <p:cNvPr id="51" name="TextBox 50">
+                <a:extLst>
+                  <a:ext uri="{FF2B5EF4-FFF2-40B4-BE49-F238E27FC236}">
+                    <a16:creationId xmlns:a16="http://schemas.microsoft.com/office/drawing/2014/main" id="{4E8C91FA-364B-F023-3508-6551872038F5}"/>
+                  </a:ext>
+                </a:extLst>
+              </p:cNvPr>
+              <p:cNvSpPr txBox="1">
+                <a:spLocks noRot="1" noChangeAspect="1" noMove="1" noResize="1" noEditPoints="1" noAdjustHandles="1" noChangeArrowheads="1" noChangeShapeType="1" noTextEdit="1"/>
+              </p:cNvSpPr>
+              <p:nvPr/>
+            </p:nvSpPr>
+            <p:spPr>
+              <a:xfrm>
+                <a:off x="7955636" y="3788285"/>
+                <a:ext cx="396519" cy="369332"/>
+              </a:xfrm>
+              <a:prstGeom prst="rect">
+                <a:avLst/>
+              </a:prstGeom>
+              <a:blipFill>
+                <a:blip r:embed="rId6"/>
+                <a:stretch>
+                  <a:fillRect/>
+                </a:stretch>
+              </a:blipFill>
+            </p:spPr>
+            <p:txBody>
+              <a:bodyPr/>
+              <a:lstStyle/>
+              <a:p>
+                <a:r>
+                  <a:rPr lang="ko-KR" altLang="en-US">
+                    <a:noFill/>
+                  </a:rPr>
+                  <a:t> </a:t>
+                </a:r>
+              </a:p>
+            </p:txBody>
+          </p:sp>
+        </mc:Fallback>
+      </mc:AlternateContent>
+      <p:cxnSp>
+        <p:nvCxnSpPr>
+          <p:cNvPr id="53" name="직선 연결선 52">
+            <a:extLst>
+              <a:ext uri="{FF2B5EF4-FFF2-40B4-BE49-F238E27FC236}">
+                <a16:creationId xmlns:a16="http://schemas.microsoft.com/office/drawing/2014/main" id="{BE3E570E-4E5A-F638-66C8-3B1725E295AF}"/>
+              </a:ext>
+            </a:extLst>
+          </p:cNvPr>
+          <p:cNvCxnSpPr>
+            <a:cxnSpLocks/>
+          </p:cNvCxnSpPr>
+          <p:nvPr/>
+        </p:nvCxnSpPr>
+        <p:spPr>
+          <a:xfrm>
+            <a:off x="8427216" y="124950"/>
+            <a:ext cx="0" cy="918986"/>
+          </a:xfrm>
+          <a:prstGeom prst="line">
+            <a:avLst/>
+          </a:prstGeom>
+        </p:spPr>
+        <p:style>
+          <a:lnRef idx="2">
+            <a:schemeClr val="dk1"/>
+          </a:lnRef>
+          <a:fillRef idx="0">
+            <a:schemeClr val="dk1"/>
+          </a:fillRef>
+          <a:effectRef idx="1">
+            <a:schemeClr val="dk1"/>
+          </a:effectRef>
+          <a:fontRef idx="minor">
+            <a:schemeClr val="tx1"/>
+          </a:fontRef>
+        </p:style>
+      </p:cxnSp>
+      <p:sp>
+        <p:nvSpPr>
+          <p:cNvPr id="57" name="원호 56">
+            <a:extLst>
+              <a:ext uri="{FF2B5EF4-FFF2-40B4-BE49-F238E27FC236}">
+                <a16:creationId xmlns:a16="http://schemas.microsoft.com/office/drawing/2014/main" id="{7459A722-C8CD-BC36-EE54-BE82B34262C5}"/>
+              </a:ext>
+            </a:extLst>
+          </p:cNvPr>
+          <p:cNvSpPr/>
+          <p:nvPr/>
+        </p:nvSpPr>
+        <p:spPr>
+          <a:xfrm rot="19675257">
+            <a:off x="8152423" y="590955"/>
+            <a:ext cx="249060" cy="276128"/>
+          </a:xfrm>
+          <a:prstGeom prst="arc">
+            <a:avLst>
+              <a:gd name="adj1" fmla="val 14125281"/>
+              <a:gd name="adj2" fmla="val 1545161"/>
+            </a:avLst>
+          </a:prstGeom>
+          <a:noFill/>
+          <a:ln w="3175">
+            <a:solidFill>
+              <a:schemeClr val="tx1"/>
+            </a:solidFill>
+          </a:ln>
+        </p:spPr>
+        <p:style>
+          <a:lnRef idx="2">
+            <a:schemeClr val="accent1">
+              <a:shade val="15000"/>
+            </a:schemeClr>
+          </a:lnRef>
+          <a:fillRef idx="1">
+            <a:schemeClr val="accent1"/>
+          </a:fillRef>
+          <a:effectRef idx="0">
+            <a:schemeClr val="accent1"/>
+          </a:effectRef>
+          <a:fontRef idx="minor">
+            <a:schemeClr val="lt1"/>
+          </a:fontRef>
+        </p:style>
+        <p:txBody>
+          <a:bodyPr rtlCol="0" anchor="ctr"/>
+          <a:lstStyle/>
+          <a:p>
+            <a:pPr algn="ctr"/>
+            <a:endParaRPr lang="ko-KR" altLang="en-US"/>
+          </a:p>
+        </p:txBody>
+      </p:sp>
+      <mc:AlternateContent xmlns:mc="http://schemas.openxmlformats.org/markup-compatibility/2006" xmlns:a14="http://schemas.microsoft.com/office/drawing/2010/main">
+        <mc:Choice Requires="a14">
+          <p:sp>
+            <p:nvSpPr>
+              <p:cNvPr id="58" name="TextBox 57">
+                <a:extLst>
+                  <a:ext uri="{FF2B5EF4-FFF2-40B4-BE49-F238E27FC236}">
+                    <a16:creationId xmlns:a16="http://schemas.microsoft.com/office/drawing/2014/main" id="{18DD2FC8-A928-B404-1E2F-073F033CF109}"/>
+                  </a:ext>
+                </a:extLst>
+              </p:cNvPr>
+              <p:cNvSpPr txBox="1"/>
+              <p:nvPr/>
+            </p:nvSpPr>
+            <p:spPr>
+              <a:xfrm>
+                <a:off x="8098112" y="88031"/>
+                <a:ext cx="398892" cy="369332"/>
+              </a:xfrm>
+              <a:prstGeom prst="rect">
+                <a:avLst/>
+              </a:prstGeom>
+              <a:noFill/>
+            </p:spPr>
+            <p:txBody>
+              <a:bodyPr wrap="none" rtlCol="0">
+                <a:spAutoFit/>
+              </a:bodyPr>
+              <a:lstStyle/>
+              <a:p>
+                <a:pPr algn="r"/>
+                <a14:m>
+                  <m:oMathPara xmlns:m="http://schemas.openxmlformats.org/officeDocument/2006/math">
+                    <m:oMathParaPr>
+                      <m:jc m:val="centerGroup"/>
+                    </m:oMathParaPr>
+                    <m:oMath xmlns:m="http://schemas.openxmlformats.org/officeDocument/2006/math">
+                      <m:r>
+                        <a:rPr lang="en-US" altLang="ko-KR" b="0" i="1" smtClean="0">
+                          <a:latin typeface="Cambria Math" panose="02040503050406030204" pitchFamily="18" charset="0"/>
+                        </a:rPr>
+                        <m:t>𝛿</m:t>
+                      </m:r>
+                    </m:oMath>
+                  </m:oMathPara>
+                </a14:m>
+                <a:endParaRPr lang="ko-KR" altLang="en-US" dirty="0"/>
+              </a:p>
+            </p:txBody>
+          </p:sp>
+        </mc:Choice>
+        <mc:Fallback xmlns="">
+          <p:sp>
+            <p:nvSpPr>
+              <p:cNvPr id="58" name="TextBox 57">
+                <a:extLst>
+                  <a:ext uri="{FF2B5EF4-FFF2-40B4-BE49-F238E27FC236}">
+                    <a16:creationId xmlns:a16="http://schemas.microsoft.com/office/drawing/2014/main" id="{18DD2FC8-A928-B404-1E2F-073F033CF109}"/>
+                  </a:ext>
+                </a:extLst>
+              </p:cNvPr>
+              <p:cNvSpPr txBox="1">
+                <a:spLocks noRot="1" noChangeAspect="1" noMove="1" noResize="1" noEditPoints="1" noAdjustHandles="1" noChangeArrowheads="1" noChangeShapeType="1" noTextEdit="1"/>
+              </p:cNvSpPr>
+              <p:nvPr/>
+            </p:nvSpPr>
+            <p:spPr>
+              <a:xfrm>
+                <a:off x="8098112" y="88031"/>
+                <a:ext cx="398892" cy="369332"/>
+              </a:xfrm>
+              <a:prstGeom prst="rect">
+                <a:avLst/>
+              </a:prstGeom>
+              <a:blipFill>
+                <a:blip r:embed="rId7"/>
+                <a:stretch>
+                  <a:fillRect/>
+                </a:stretch>
+              </a:blipFill>
+            </p:spPr>
+            <p:txBody>
+              <a:bodyPr/>
+              <a:lstStyle/>
+              <a:p>
+                <a:r>
+                  <a:rPr lang="ko-KR" altLang="en-US">
+                    <a:noFill/>
+                  </a:rPr>
+                  <a:t> </a:t>
+                </a:r>
+              </a:p>
+            </p:txBody>
+          </p:sp>
+        </mc:Fallback>
+      </mc:AlternateContent>
+    </p:spTree>
+    <p:extLst>
+      <p:ext uri="{BB962C8B-B14F-4D97-AF65-F5344CB8AC3E}">
+        <p14:creationId xmlns:p14="http://schemas.microsoft.com/office/powerpoint/2010/main" val="1927587836"/>
+      </p:ext>
+    </p:extLst>
+  </p:cSld>
+  <p:clrMapOvr>
+    <a:masterClrMapping/>
+  </p:clrMapOvr>
+</p:sld>
+</file>
+
+<file path=ppt/slides/slide3.xml><?xml version="1.0" encoding="utf-8"?>
+<p:sld xmlns:a="http://schemas.openxmlformats.org/drawingml/2006/main" xmlns:r="http://schemas.openxmlformats.org/officeDocument/2006/relationships" xmlns:p="http://schemas.openxmlformats.org/presentationml/2006/main">
+  <p:cSld>
+    <p:spTree>
+      <p:nvGrpSpPr>
+        <p:cNvPr id="1" name="">
+          <a:extLst>
+            <a:ext uri="{FF2B5EF4-FFF2-40B4-BE49-F238E27FC236}">
+              <a16:creationId xmlns:a16="http://schemas.microsoft.com/office/drawing/2014/main" id="{C1DF2D07-B7D7-985B-DBB6-047B525B1E45}"/>
+            </a:ext>
+          </a:extLst>
+        </p:cNvPr>
+        <p:cNvGrpSpPr/>
+        <p:nvPr/>
+      </p:nvGrpSpPr>
+      <p:grpSpPr>
+        <a:xfrm>
+          <a:off x="0" y="0"/>
+          <a:ext cx="0" cy="0"/>
+          <a:chOff x="0" y="0"/>
+          <a:chExt cx="0" cy="0"/>
+        </a:xfrm>
+      </p:grpSpPr>
+      <p:grpSp>
+        <p:nvGrpSpPr>
+          <p:cNvPr id="78" name="그룹 77">
+            <a:extLst>
+              <a:ext uri="{FF2B5EF4-FFF2-40B4-BE49-F238E27FC236}">
+                <a16:creationId xmlns:a16="http://schemas.microsoft.com/office/drawing/2014/main" id="{65FB822D-A16A-5575-72AD-4622ADD57811}"/>
+              </a:ext>
+            </a:extLst>
+          </p:cNvPr>
+          <p:cNvGrpSpPr/>
+          <p:nvPr/>
+        </p:nvGrpSpPr>
+        <p:grpSpPr>
+          <a:xfrm>
+            <a:off x="2423134" y="0"/>
+            <a:ext cx="7780968" cy="5713963"/>
+            <a:chOff x="2395425" y="100304"/>
+            <a:chExt cx="7780968" cy="5713963"/>
+          </a:xfrm>
+        </p:grpSpPr>
+        <p:grpSp>
+          <p:nvGrpSpPr>
+            <p:cNvPr id="18" name="그룹 17">
+              <a:extLst>
+                <a:ext uri="{FF2B5EF4-FFF2-40B4-BE49-F238E27FC236}">
+                  <a16:creationId xmlns:a16="http://schemas.microsoft.com/office/drawing/2014/main" id="{FA01F5F8-36C1-FDEB-4C93-9443B4672ADD}"/>
+                </a:ext>
+              </a:extLst>
+            </p:cNvPr>
+            <p:cNvGrpSpPr/>
+            <p:nvPr/>
+          </p:nvGrpSpPr>
+          <p:grpSpPr>
+            <a:xfrm>
+              <a:off x="8171906" y="528335"/>
+              <a:ext cx="474555" cy="5285932"/>
+              <a:chOff x="8171906" y="389792"/>
+              <a:chExt cx="474555" cy="5285932"/>
+            </a:xfrm>
+          </p:grpSpPr>
+          <p:sp>
+            <p:nvSpPr>
+              <p:cNvPr id="4" name="직사각형 3">
+                <a:extLst>
+                  <a:ext uri="{FF2B5EF4-FFF2-40B4-BE49-F238E27FC236}">
+                    <a16:creationId xmlns:a16="http://schemas.microsoft.com/office/drawing/2014/main" id="{41F2F92E-D056-48A2-45F3-BC85CE52596B}"/>
+                  </a:ext>
+                </a:extLst>
+              </p:cNvPr>
+              <p:cNvSpPr/>
+              <p:nvPr/>
+            </p:nvSpPr>
+            <p:spPr>
+              <a:xfrm rot="16200000">
+                <a:off x="7755039" y="4784302"/>
+                <a:ext cx="1308289" cy="474555"/>
+              </a:xfrm>
+              <a:prstGeom prst="rect">
+                <a:avLst/>
+              </a:prstGeom>
+              <a:solidFill>
+                <a:schemeClr val="bg2"/>
+              </a:solidFill>
+            </p:spPr>
+            <p:style>
+              <a:lnRef idx="2">
+                <a:schemeClr val="accent1">
+                  <a:shade val="15000"/>
+                </a:schemeClr>
+              </a:lnRef>
+              <a:fillRef idx="1">
+                <a:schemeClr val="accent1"/>
+              </a:fillRef>
+              <a:effectRef idx="0">
+                <a:schemeClr val="accent1"/>
+              </a:effectRef>
+              <a:fontRef idx="minor">
+                <a:schemeClr val="lt1"/>
+              </a:fontRef>
+            </p:style>
+            <p:txBody>
+              <a:bodyPr rtlCol="0" anchor="ctr"/>
+              <a:lstStyle/>
+              <a:p>
+                <a:pPr algn="ctr"/>
+                <a:endParaRPr lang="ko-KR" altLang="en-US" u="sng" dirty="0"/>
+              </a:p>
+            </p:txBody>
+          </p:sp>
+          <p:sp>
+            <p:nvSpPr>
+              <p:cNvPr id="7" name="직사각형 6">
+                <a:extLst>
+                  <a:ext uri="{FF2B5EF4-FFF2-40B4-BE49-F238E27FC236}">
+                    <a16:creationId xmlns:a16="http://schemas.microsoft.com/office/drawing/2014/main" id="{D8B1E561-3E96-85E1-8AA3-A75C2C41A3BC}"/>
+                  </a:ext>
+                </a:extLst>
+              </p:cNvPr>
+              <p:cNvSpPr/>
+              <p:nvPr/>
+            </p:nvSpPr>
+            <p:spPr>
+              <a:xfrm rot="14175464">
+                <a:off x="7755038" y="806660"/>
+                <a:ext cx="1308289" cy="474554"/>
+              </a:xfrm>
+              <a:prstGeom prst="rect">
+                <a:avLst/>
+              </a:prstGeom>
+              <a:solidFill>
+                <a:schemeClr val="bg2"/>
+              </a:solidFill>
+            </p:spPr>
+            <p:style>
+              <a:lnRef idx="2">
+                <a:schemeClr val="accent1">
+                  <a:shade val="15000"/>
+                </a:schemeClr>
+              </a:lnRef>
+              <a:fillRef idx="1">
+                <a:schemeClr val="accent1"/>
+              </a:fillRef>
+              <a:effectRef idx="0">
+                <a:schemeClr val="accent1"/>
+              </a:effectRef>
+              <a:fontRef idx="minor">
+                <a:schemeClr val="lt1"/>
+              </a:fontRef>
+            </p:style>
+            <p:txBody>
+              <a:bodyPr rtlCol="0" anchor="ctr"/>
+              <a:lstStyle/>
+              <a:p>
+                <a:pPr algn="ctr"/>
+                <a:endParaRPr lang="ko-KR" altLang="en-US" u="sng" dirty="0"/>
+              </a:p>
+            </p:txBody>
+          </p:sp>
+          <p:sp>
+            <p:nvSpPr>
+              <p:cNvPr id="10" name="직사각형 9">
+                <a:extLst>
+                  <a:ext uri="{FF2B5EF4-FFF2-40B4-BE49-F238E27FC236}">
+                    <a16:creationId xmlns:a16="http://schemas.microsoft.com/office/drawing/2014/main" id="{D1767CDB-2641-DB43-0A39-CDE35D9A08A1}"/>
+                  </a:ext>
+                </a:extLst>
+              </p:cNvPr>
+              <p:cNvSpPr/>
+              <p:nvPr/>
+            </p:nvSpPr>
+            <p:spPr>
+              <a:xfrm rot="16200000">
+                <a:off x="6420363" y="3005578"/>
+                <a:ext cx="3977642" cy="54361"/>
+              </a:xfrm>
+              <a:prstGeom prst="rect">
+                <a:avLst/>
+              </a:prstGeom>
+            </p:spPr>
+            <p:style>
+              <a:lnRef idx="2">
+                <a:schemeClr val="dk1">
+                  <a:shade val="15000"/>
+                </a:schemeClr>
+              </a:lnRef>
+              <a:fillRef idx="1">
+                <a:schemeClr val="dk1"/>
+              </a:fillRef>
+              <a:effectRef idx="0">
+                <a:schemeClr val="dk1"/>
+              </a:effectRef>
+              <a:fontRef idx="minor">
+                <a:schemeClr val="lt1"/>
+              </a:fontRef>
+            </p:style>
+            <p:txBody>
+              <a:bodyPr rtlCol="0" anchor="ctr"/>
+              <a:lstStyle/>
+              <a:p>
+                <a:pPr algn="ctr"/>
+                <a:endParaRPr lang="ko-KR" altLang="en-US" u="sng" dirty="0"/>
+              </a:p>
+            </p:txBody>
+          </p:sp>
+          <p:pic>
+            <p:nvPicPr>
+              <p:cNvPr id="12" name="그림 11">
+                <a:extLst>
+                  <a:ext uri="{FF2B5EF4-FFF2-40B4-BE49-F238E27FC236}">
+                    <a16:creationId xmlns:a16="http://schemas.microsoft.com/office/drawing/2014/main" id="{B11B8197-E0AA-02F8-D046-7706DE68AA3A}"/>
+                  </a:ext>
+                </a:extLst>
+              </p:cNvPr>
+              <p:cNvPicPr>
+                <a:picLocks noChangeAspect="1"/>
+              </p:cNvPicPr>
+              <p:nvPr/>
+            </p:nvPicPr>
+            <p:blipFill>
+              <a:blip r:embed="rId2"/>
+              <a:stretch>
+                <a:fillRect/>
+              </a:stretch>
+            </p:blipFill>
+            <p:spPr>
+              <a:xfrm>
+                <a:off x="8239608" y="3095803"/>
+                <a:ext cx="339147" cy="333197"/>
+              </a:xfrm>
+              <a:prstGeom prst="rect">
+                <a:avLst/>
+              </a:prstGeom>
+            </p:spPr>
+          </p:pic>
+        </p:grpSp>
+        <p:cxnSp>
+          <p:nvCxnSpPr>
+            <p:cNvPr id="20" name="직선 연결선 19">
+              <a:extLst>
+                <a:ext uri="{FF2B5EF4-FFF2-40B4-BE49-F238E27FC236}">
+                  <a16:creationId xmlns:a16="http://schemas.microsoft.com/office/drawing/2014/main" id="{F08BD0D0-1344-6B52-00BA-0D23D780D384}"/>
+                </a:ext>
+              </a:extLst>
+            </p:cNvPr>
+            <p:cNvCxnSpPr>
+              <a:cxnSpLocks/>
+              <a:endCxn id="10" idx="1"/>
+            </p:cNvCxnSpPr>
+            <p:nvPr/>
+          </p:nvCxnSpPr>
+          <p:spPr>
+            <a:xfrm>
+              <a:off x="2395425" y="3827572"/>
+              <a:ext cx="6013760" cy="1332551"/>
+            </a:xfrm>
+            <a:prstGeom prst="line">
+              <a:avLst/>
+            </a:prstGeom>
+          </p:spPr>
+          <p:style>
+            <a:lnRef idx="2">
+              <a:schemeClr val="dk1"/>
+            </a:lnRef>
+            <a:fillRef idx="0">
+              <a:schemeClr val="dk1"/>
+            </a:fillRef>
+            <a:effectRef idx="1">
+              <a:schemeClr val="dk1"/>
+            </a:effectRef>
+            <a:fontRef idx="minor">
+              <a:schemeClr val="tx1"/>
+            </a:fontRef>
+          </p:style>
+        </p:cxnSp>
+        <p:cxnSp>
+          <p:nvCxnSpPr>
+            <p:cNvPr id="26" name="직선 연결선 25">
+              <a:extLst>
+                <a:ext uri="{FF2B5EF4-FFF2-40B4-BE49-F238E27FC236}">
+                  <a16:creationId xmlns:a16="http://schemas.microsoft.com/office/drawing/2014/main" id="{885C9B41-D8E2-8160-B40A-FFCADFF8A3B3}"/>
+                </a:ext>
+              </a:extLst>
+            </p:cNvPr>
+            <p:cNvCxnSpPr>
+              <a:cxnSpLocks/>
+            </p:cNvCxnSpPr>
+            <p:nvPr/>
+          </p:nvCxnSpPr>
+          <p:spPr>
+            <a:xfrm>
+              <a:off x="8059923" y="645375"/>
+              <a:ext cx="726699" cy="1087900"/>
+            </a:xfrm>
+            <a:prstGeom prst="line">
+              <a:avLst/>
+            </a:prstGeom>
+          </p:spPr>
+          <p:style>
+            <a:lnRef idx="2">
+              <a:schemeClr val="dk1"/>
+            </a:lnRef>
+            <a:fillRef idx="0">
+              <a:schemeClr val="dk1"/>
+            </a:fillRef>
+            <a:effectRef idx="1">
+              <a:schemeClr val="dk1"/>
+            </a:effectRef>
+            <a:fontRef idx="minor">
+              <a:schemeClr val="tx1"/>
+            </a:fontRef>
+          </p:style>
+        </p:cxnSp>
+        <p:cxnSp>
+          <p:nvCxnSpPr>
+            <p:cNvPr id="30" name="직선 연결선 29">
+              <a:extLst>
+                <a:ext uri="{FF2B5EF4-FFF2-40B4-BE49-F238E27FC236}">
+                  <a16:creationId xmlns:a16="http://schemas.microsoft.com/office/drawing/2014/main" id="{7B57C975-AC4B-8EA0-2F40-AD2BD2047F1C}"/>
+                </a:ext>
+              </a:extLst>
+            </p:cNvPr>
+            <p:cNvCxnSpPr>
+              <a:cxnSpLocks/>
+            </p:cNvCxnSpPr>
+            <p:nvPr/>
+          </p:nvCxnSpPr>
+          <p:spPr>
+            <a:xfrm flipV="1">
+              <a:off x="2409847" y="1175634"/>
+              <a:ext cx="6013426" cy="2650440"/>
+            </a:xfrm>
+            <a:prstGeom prst="line">
+              <a:avLst/>
+            </a:prstGeom>
+          </p:spPr>
+          <p:style>
+            <a:lnRef idx="2">
+              <a:schemeClr val="dk1"/>
+            </a:lnRef>
+            <a:fillRef idx="0">
+              <a:schemeClr val="dk1"/>
+            </a:fillRef>
+            <a:effectRef idx="1">
+              <a:schemeClr val="dk1"/>
+            </a:effectRef>
+            <a:fontRef idx="minor">
+              <a:schemeClr val="tx1"/>
+            </a:fontRef>
+          </p:style>
+        </p:cxnSp>
+        <p:sp>
+          <p:nvSpPr>
+            <p:cNvPr id="41" name="직사각형 40">
+              <a:extLst>
+                <a:ext uri="{FF2B5EF4-FFF2-40B4-BE49-F238E27FC236}">
+                  <a16:creationId xmlns:a16="http://schemas.microsoft.com/office/drawing/2014/main" id="{FE2760B2-12FE-460F-D2BA-1BA2EC1095DD}"/>
+                </a:ext>
+              </a:extLst>
+            </p:cNvPr>
+            <p:cNvSpPr/>
+            <p:nvPr/>
+          </p:nvSpPr>
+          <p:spPr>
+            <a:xfrm rot="768681">
+              <a:off x="8268189" y="4970743"/>
+              <a:ext cx="180000" cy="180000"/>
+            </a:xfrm>
+            <a:prstGeom prst="rect">
+              <a:avLst/>
+            </a:prstGeom>
+            <a:noFill/>
+            <a:ln>
+              <a:solidFill>
+                <a:schemeClr val="tx1"/>
+              </a:solidFill>
+            </a:ln>
+          </p:spPr>
+          <p:style>
+            <a:lnRef idx="2">
+              <a:schemeClr val="accent1">
+                <a:shade val="15000"/>
+              </a:schemeClr>
+            </a:lnRef>
+            <a:fillRef idx="1">
+              <a:schemeClr val="accent1"/>
+            </a:fillRef>
+            <a:effectRef idx="0">
+              <a:schemeClr val="accent1"/>
+            </a:effectRef>
+            <a:fontRef idx="minor">
+              <a:schemeClr val="lt1"/>
+            </a:fontRef>
+          </p:style>
+          <p:txBody>
+            <a:bodyPr rtlCol="0" anchor="ctr"/>
+            <a:lstStyle/>
+            <a:p>
+              <a:pPr algn="ctr"/>
+              <a:endParaRPr lang="ko-KR" altLang="en-US"/>
+            </a:p>
+          </p:txBody>
+        </p:sp>
+        <p:sp>
+          <p:nvSpPr>
+            <p:cNvPr id="42" name="직사각형 41">
+              <a:extLst>
+                <a:ext uri="{FF2B5EF4-FFF2-40B4-BE49-F238E27FC236}">
+                  <a16:creationId xmlns:a16="http://schemas.microsoft.com/office/drawing/2014/main" id="{86946DBD-81BB-02B7-5422-011BF346B751}"/>
+                </a:ext>
+              </a:extLst>
+            </p:cNvPr>
+            <p:cNvSpPr/>
+            <p:nvPr/>
+          </p:nvSpPr>
+          <p:spPr>
+            <a:xfrm rot="19950074">
+              <a:off x="8203519" y="1035531"/>
+              <a:ext cx="180000" cy="180000"/>
+            </a:xfrm>
+            <a:prstGeom prst="rect">
+              <a:avLst/>
+            </a:prstGeom>
+            <a:noFill/>
+            <a:ln>
+              <a:solidFill>
+                <a:schemeClr val="tx1"/>
+              </a:solidFill>
+            </a:ln>
+          </p:spPr>
+          <p:style>
+            <a:lnRef idx="2">
+              <a:schemeClr val="accent1">
+                <a:shade val="15000"/>
+              </a:schemeClr>
+            </a:lnRef>
+            <a:fillRef idx="1">
+              <a:schemeClr val="accent1"/>
+            </a:fillRef>
+            <a:effectRef idx="0">
+              <a:schemeClr val="accent1"/>
+            </a:effectRef>
+            <a:fontRef idx="minor">
+              <a:schemeClr val="lt1"/>
+            </a:fontRef>
+          </p:style>
+          <p:txBody>
+            <a:bodyPr rtlCol="0" anchor="ctr"/>
+            <a:lstStyle/>
+            <a:p>
+              <a:pPr algn="ctr"/>
+              <a:endParaRPr lang="ko-KR" altLang="en-US"/>
+            </a:p>
+          </p:txBody>
+        </p:sp>
+        <p:cxnSp>
+          <p:nvCxnSpPr>
+            <p:cNvPr id="45" name="직선 연결선 44">
+              <a:extLst>
+                <a:ext uri="{FF2B5EF4-FFF2-40B4-BE49-F238E27FC236}">
+                  <a16:creationId xmlns:a16="http://schemas.microsoft.com/office/drawing/2014/main" id="{6832771A-C3F1-E450-7A89-E0C48D29AB4E}"/>
+                </a:ext>
+              </a:extLst>
+            </p:cNvPr>
+            <p:cNvCxnSpPr>
+              <a:cxnSpLocks/>
+            </p:cNvCxnSpPr>
+            <p:nvPr/>
+          </p:nvCxnSpPr>
+          <p:spPr>
+            <a:xfrm flipV="1">
+              <a:off x="2410248" y="3392530"/>
+              <a:ext cx="5998933" cy="435042"/>
+            </a:xfrm>
+            <a:prstGeom prst="line">
+              <a:avLst/>
+            </a:prstGeom>
+          </p:spPr>
+          <p:style>
+            <a:lnRef idx="2">
+              <a:schemeClr val="dk1"/>
+            </a:lnRef>
+            <a:fillRef idx="0">
+              <a:schemeClr val="dk1"/>
+            </a:fillRef>
+            <a:effectRef idx="1">
+              <a:schemeClr val="dk1"/>
+            </a:effectRef>
+            <a:fontRef idx="minor">
+              <a:schemeClr val="tx1"/>
+            </a:fontRef>
+          </p:style>
+        </p:cxnSp>
+        <mc:AlternateContent xmlns:mc="http://schemas.openxmlformats.org/markup-compatibility/2006" xmlns:a14="http://schemas.microsoft.com/office/drawing/2010/main">
+          <mc:Choice Requires="a14">
+            <p:sp>
+              <p:nvSpPr>
+                <p:cNvPr id="49" name="TextBox 48">
+                  <a:extLst>
+                    <a:ext uri="{FF2B5EF4-FFF2-40B4-BE49-F238E27FC236}">
+                      <a16:creationId xmlns:a16="http://schemas.microsoft.com/office/drawing/2014/main" id="{F911035E-EF29-62F6-B354-7C05BAD031B7}"/>
+                    </a:ext>
+                  </a:extLst>
+                </p:cNvPr>
+                <p:cNvSpPr txBox="1"/>
+                <p:nvPr/>
+              </p:nvSpPr>
+              <p:spPr>
+                <a:xfrm>
+                  <a:off x="6213346" y="3057542"/>
+                  <a:ext cx="420628" cy="369332"/>
+                </a:xfrm>
+                <a:prstGeom prst="rect">
+                  <a:avLst/>
+                </a:prstGeom>
+                <a:noFill/>
+              </p:spPr>
+              <p:txBody>
+                <a:bodyPr wrap="none" rtlCol="0">
+                  <a:spAutoFit/>
+                </a:bodyPr>
+                <a:lstStyle/>
+                <a:p>
+                  <a:pPr algn="r"/>
+                  <a14:m>
+                    <m:oMathPara xmlns:m="http://schemas.openxmlformats.org/officeDocument/2006/math">
+                      <m:oMathParaPr>
+                        <m:jc m:val="centerGroup"/>
+                      </m:oMathParaPr>
+                      <m:oMath xmlns:m="http://schemas.openxmlformats.org/officeDocument/2006/math">
+                        <m:r>
+                          <a:rPr lang="en-US" altLang="ko-KR" b="0" i="1" smtClean="0">
+                            <a:latin typeface="Cambria Math" panose="02040503050406030204" pitchFamily="18" charset="0"/>
+                          </a:rPr>
+                          <m:t>𝑅</m:t>
+                        </m:r>
+                      </m:oMath>
+                    </m:oMathPara>
+                  </a14:m>
+                  <a:endParaRPr lang="ko-KR" altLang="en-US" dirty="0"/>
+                </a:p>
+              </p:txBody>
+            </p:sp>
+          </mc:Choice>
+          <mc:Fallback xmlns="">
+            <p:sp>
+              <p:nvSpPr>
+                <p:cNvPr id="49" name="TextBox 48">
+                  <a:extLst>
+                    <a:ext uri="{FF2B5EF4-FFF2-40B4-BE49-F238E27FC236}">
+                      <a16:creationId xmlns:a16="http://schemas.microsoft.com/office/drawing/2014/main" id="{F911035E-EF29-62F6-B354-7C05BAD031B7}"/>
+                    </a:ext>
+                  </a:extLst>
+                </p:cNvPr>
+                <p:cNvSpPr txBox="1">
+                  <a:spLocks noRot="1" noChangeAspect="1" noMove="1" noResize="1" noEditPoints="1" noAdjustHandles="1" noChangeArrowheads="1" noChangeShapeType="1" noTextEdit="1"/>
+                </p:cNvSpPr>
+                <p:nvPr/>
+              </p:nvSpPr>
+              <p:spPr>
+                <a:xfrm>
+                  <a:off x="6213346" y="3057542"/>
+                  <a:ext cx="420628" cy="369332"/>
+                </a:xfrm>
+                <a:prstGeom prst="rect">
+                  <a:avLst/>
+                </a:prstGeom>
+                <a:blipFill>
+                  <a:blip r:embed="rId3"/>
+                  <a:stretch>
+                    <a:fillRect/>
+                  </a:stretch>
+                </a:blipFill>
+              </p:spPr>
+              <p:txBody>
+                <a:bodyPr/>
+                <a:lstStyle/>
+                <a:p>
+                  <a:r>
+                    <a:rPr lang="ko-KR" altLang="en-US">
+                      <a:noFill/>
+                    </a:rPr>
+                    <a:t> </a:t>
+                  </a:r>
+                </a:p>
+              </p:txBody>
+            </p:sp>
+          </mc:Fallback>
+        </mc:AlternateContent>
+        <mc:AlternateContent xmlns:mc="http://schemas.openxmlformats.org/markup-compatibility/2006" xmlns:a14="http://schemas.microsoft.com/office/drawing/2010/main">
+          <mc:Choice Requires="a14">
+            <p:sp>
+              <p:nvSpPr>
+                <p:cNvPr id="50" name="TextBox 49">
+                  <a:extLst>
+                    <a:ext uri="{FF2B5EF4-FFF2-40B4-BE49-F238E27FC236}">
+                      <a16:creationId xmlns:a16="http://schemas.microsoft.com/office/drawing/2014/main" id="{4DDE5B63-67AC-80DD-C101-D9F8949E5CB5}"/>
+                    </a:ext>
+                  </a:extLst>
+                </p:cNvPr>
+                <p:cNvSpPr txBox="1"/>
+                <p:nvPr/>
+              </p:nvSpPr>
+              <p:spPr>
+                <a:xfrm>
+                  <a:off x="9723985" y="1948142"/>
+                  <a:ext cx="400302" cy="369332"/>
+                </a:xfrm>
+                <a:prstGeom prst="rect">
+                  <a:avLst/>
+                </a:prstGeom>
+                <a:noFill/>
+              </p:spPr>
+              <p:txBody>
+                <a:bodyPr wrap="none" rtlCol="0">
+                  <a:spAutoFit/>
+                </a:bodyPr>
+                <a:lstStyle/>
+                <a:p>
+                  <a:pPr algn="r"/>
+                  <a14:m>
+                    <m:oMathPara xmlns:m="http://schemas.openxmlformats.org/officeDocument/2006/math">
+                      <m:oMathParaPr>
+                        <m:jc m:val="centerGroup"/>
+                      </m:oMathParaPr>
+                      <m:oMath xmlns:m="http://schemas.openxmlformats.org/officeDocument/2006/math">
+                        <m:r>
+                          <a:rPr lang="en-US" altLang="ko-KR" b="0" i="1" smtClean="0">
+                            <a:latin typeface="Cambria Math" panose="02040503050406030204" pitchFamily="18" charset="0"/>
+                          </a:rPr>
+                          <m:t>𝑎</m:t>
+                        </m:r>
+                      </m:oMath>
+                    </m:oMathPara>
+                  </a14:m>
+                  <a:endParaRPr lang="ko-KR" altLang="en-US" dirty="0"/>
+                </a:p>
+              </p:txBody>
+            </p:sp>
+          </mc:Choice>
+          <mc:Fallback xmlns="">
+            <p:sp>
+              <p:nvSpPr>
+                <p:cNvPr id="50" name="TextBox 49">
+                  <a:extLst>
+                    <a:ext uri="{FF2B5EF4-FFF2-40B4-BE49-F238E27FC236}">
+                      <a16:creationId xmlns:a16="http://schemas.microsoft.com/office/drawing/2014/main" id="{4DDE5B63-67AC-80DD-C101-D9F8949E5CB5}"/>
+                    </a:ext>
+                  </a:extLst>
+                </p:cNvPr>
+                <p:cNvSpPr txBox="1">
+                  <a:spLocks noRot="1" noChangeAspect="1" noMove="1" noResize="1" noEditPoints="1" noAdjustHandles="1" noChangeArrowheads="1" noChangeShapeType="1" noTextEdit="1"/>
+                </p:cNvSpPr>
+                <p:nvPr/>
+              </p:nvSpPr>
+              <p:spPr>
+                <a:xfrm>
+                  <a:off x="9723985" y="1948142"/>
+                  <a:ext cx="400302" cy="369332"/>
+                </a:xfrm>
+                <a:prstGeom prst="rect">
+                  <a:avLst/>
+                </a:prstGeom>
+                <a:blipFill>
+                  <a:blip r:embed="rId4"/>
+                  <a:stretch>
+                    <a:fillRect/>
+                  </a:stretch>
+                </a:blipFill>
+              </p:spPr>
+              <p:txBody>
+                <a:bodyPr/>
+                <a:lstStyle/>
+                <a:p>
+                  <a:r>
+                    <a:rPr lang="ko-KR" altLang="en-US">
+                      <a:noFill/>
+                    </a:rPr>
+                    <a:t> </a:t>
+                  </a:r>
+                </a:p>
+              </p:txBody>
+            </p:sp>
+          </mc:Fallback>
+        </mc:AlternateContent>
+        <mc:AlternateContent xmlns:mc="http://schemas.openxmlformats.org/markup-compatibility/2006" xmlns:a14="http://schemas.microsoft.com/office/drawing/2010/main">
+          <mc:Choice Requires="a14">
+            <p:sp>
+              <p:nvSpPr>
+                <p:cNvPr id="51" name="TextBox 50">
+                  <a:extLst>
+                    <a:ext uri="{FF2B5EF4-FFF2-40B4-BE49-F238E27FC236}">
+                      <a16:creationId xmlns:a16="http://schemas.microsoft.com/office/drawing/2014/main" id="{D414403F-42BF-8359-4EA2-E6427552D91E}"/>
+                    </a:ext>
+                  </a:extLst>
+                </p:cNvPr>
+                <p:cNvSpPr txBox="1"/>
+                <p:nvPr/>
+              </p:nvSpPr>
+              <p:spPr>
+                <a:xfrm>
+                  <a:off x="9779874" y="3997818"/>
+                  <a:ext cx="396519" cy="369332"/>
+                </a:xfrm>
+                <a:prstGeom prst="rect">
+                  <a:avLst/>
+                </a:prstGeom>
+                <a:noFill/>
+              </p:spPr>
+              <p:txBody>
+                <a:bodyPr wrap="none" rtlCol="0">
+                  <a:spAutoFit/>
+                </a:bodyPr>
+                <a:lstStyle/>
+                <a:p>
+                  <a:pPr algn="r"/>
+                  <a14:m>
+                    <m:oMathPara xmlns:m="http://schemas.openxmlformats.org/officeDocument/2006/math">
+                      <m:oMathParaPr>
+                        <m:jc m:val="centerGroup"/>
+                      </m:oMathParaPr>
+                      <m:oMath xmlns:m="http://schemas.openxmlformats.org/officeDocument/2006/math">
+                        <m:r>
+                          <a:rPr lang="en-US" altLang="ko-KR" b="0" i="1" smtClean="0">
+                            <a:latin typeface="Cambria Math" panose="02040503050406030204" pitchFamily="18" charset="0"/>
+                          </a:rPr>
+                          <m:t>𝑏</m:t>
+                        </m:r>
+                      </m:oMath>
+                    </m:oMathPara>
+                  </a14:m>
+                  <a:endParaRPr lang="ko-KR" altLang="en-US" dirty="0"/>
+                </a:p>
+              </p:txBody>
+            </p:sp>
+          </mc:Choice>
+          <mc:Fallback xmlns="">
+            <p:sp>
+              <p:nvSpPr>
+                <p:cNvPr id="51" name="TextBox 50">
+                  <a:extLst>
+                    <a:ext uri="{FF2B5EF4-FFF2-40B4-BE49-F238E27FC236}">
+                      <a16:creationId xmlns:a16="http://schemas.microsoft.com/office/drawing/2014/main" id="{D414403F-42BF-8359-4EA2-E6427552D91E}"/>
+                    </a:ext>
+                  </a:extLst>
+                </p:cNvPr>
+                <p:cNvSpPr txBox="1">
+                  <a:spLocks noRot="1" noChangeAspect="1" noMove="1" noResize="1" noEditPoints="1" noAdjustHandles="1" noChangeArrowheads="1" noChangeShapeType="1" noTextEdit="1"/>
+                </p:cNvSpPr>
+                <p:nvPr/>
+              </p:nvSpPr>
+              <p:spPr>
+                <a:xfrm>
+                  <a:off x="9779874" y="3997818"/>
+                  <a:ext cx="396519" cy="369332"/>
+                </a:xfrm>
+                <a:prstGeom prst="rect">
+                  <a:avLst/>
+                </a:prstGeom>
+                <a:blipFill>
+                  <a:blip r:embed="rId5"/>
+                  <a:stretch>
+                    <a:fillRect/>
+                  </a:stretch>
+                </a:blipFill>
+              </p:spPr>
+              <p:txBody>
+                <a:bodyPr/>
+                <a:lstStyle/>
+                <a:p>
+                  <a:r>
+                    <a:rPr lang="ko-KR" altLang="en-US">
+                      <a:noFill/>
+                    </a:rPr>
+                    <a:t> </a:t>
+                  </a:r>
+                </a:p>
+              </p:txBody>
+            </p:sp>
+          </mc:Fallback>
+        </mc:AlternateContent>
+        <p:cxnSp>
+          <p:nvCxnSpPr>
+            <p:cNvPr id="53" name="직선 연결선 52">
+              <a:extLst>
+                <a:ext uri="{FF2B5EF4-FFF2-40B4-BE49-F238E27FC236}">
+                  <a16:creationId xmlns:a16="http://schemas.microsoft.com/office/drawing/2014/main" id="{C4A04889-5716-3BFB-FA71-BD467A9504A2}"/>
+                </a:ext>
+              </a:extLst>
+            </p:cNvPr>
+            <p:cNvCxnSpPr>
+              <a:cxnSpLocks/>
+            </p:cNvCxnSpPr>
+            <p:nvPr/>
+          </p:nvCxnSpPr>
+          <p:spPr>
+            <a:xfrm>
+              <a:off x="8427216" y="263493"/>
+              <a:ext cx="0" cy="918986"/>
+            </a:xfrm>
+            <a:prstGeom prst="line">
+              <a:avLst/>
+            </a:prstGeom>
+          </p:spPr>
+          <p:style>
+            <a:lnRef idx="2">
+              <a:schemeClr val="dk1"/>
+            </a:lnRef>
+            <a:fillRef idx="0">
+              <a:schemeClr val="dk1"/>
+            </a:fillRef>
+            <a:effectRef idx="1">
+              <a:schemeClr val="dk1"/>
+            </a:effectRef>
+            <a:fontRef idx="minor">
+              <a:schemeClr val="tx1"/>
+            </a:fontRef>
+          </p:style>
+        </p:cxnSp>
+        <p:sp>
+          <p:nvSpPr>
+            <p:cNvPr id="57" name="원호 56">
+              <a:extLst>
+                <a:ext uri="{FF2B5EF4-FFF2-40B4-BE49-F238E27FC236}">
+                  <a16:creationId xmlns:a16="http://schemas.microsoft.com/office/drawing/2014/main" id="{04A86B6A-E303-F362-759A-EC1D9A062A16}"/>
+                </a:ext>
+              </a:extLst>
+            </p:cNvPr>
+            <p:cNvSpPr>
+              <a:spLocks noChangeAspect="1"/>
+            </p:cNvSpPr>
+            <p:nvPr/>
+          </p:nvSpPr>
+          <p:spPr>
+            <a:xfrm rot="19675257">
+              <a:off x="8182922" y="717408"/>
+              <a:ext cx="358261" cy="360000"/>
+            </a:xfrm>
+            <a:prstGeom prst="arc">
+              <a:avLst>
+                <a:gd name="adj1" fmla="val 14125281"/>
+                <a:gd name="adj2" fmla="val 19124433"/>
+              </a:avLst>
+            </a:prstGeom>
+            <a:noFill/>
+            <a:ln w="19050">
+              <a:solidFill>
+                <a:schemeClr val="tx1"/>
+              </a:solidFill>
+            </a:ln>
+          </p:spPr>
+          <p:style>
+            <a:lnRef idx="2">
+              <a:schemeClr val="accent1">
+                <a:shade val="15000"/>
+              </a:schemeClr>
+            </a:lnRef>
+            <a:fillRef idx="1">
+              <a:schemeClr val="accent1"/>
+            </a:fillRef>
+            <a:effectRef idx="0">
+              <a:schemeClr val="accent1"/>
+            </a:effectRef>
+            <a:fontRef idx="minor">
+              <a:schemeClr val="lt1"/>
+            </a:fontRef>
+          </p:style>
+          <p:txBody>
+            <a:bodyPr rtlCol="0" anchor="ctr"/>
+            <a:lstStyle/>
+            <a:p>
+              <a:pPr algn="ctr"/>
+              <a:endParaRPr lang="ko-KR" altLang="en-US"/>
+            </a:p>
+          </p:txBody>
+        </p:sp>
+        <mc:AlternateContent xmlns:mc="http://schemas.openxmlformats.org/markup-compatibility/2006" xmlns:a14="http://schemas.microsoft.com/office/drawing/2010/main">
+          <mc:Choice Requires="a14">
+            <p:sp>
+              <p:nvSpPr>
+                <p:cNvPr id="58" name="TextBox 57">
+                  <a:extLst>
+                    <a:ext uri="{FF2B5EF4-FFF2-40B4-BE49-F238E27FC236}">
+                      <a16:creationId xmlns:a16="http://schemas.microsoft.com/office/drawing/2014/main" id="{763DB56A-CF53-5687-5350-34D005B0738F}"/>
+                    </a:ext>
+                  </a:extLst>
+                </p:cNvPr>
+                <p:cNvSpPr txBox="1"/>
+                <p:nvPr/>
+              </p:nvSpPr>
+              <p:spPr>
+                <a:xfrm>
+                  <a:off x="8152709" y="350347"/>
+                  <a:ext cx="398892" cy="369332"/>
+                </a:xfrm>
+                <a:prstGeom prst="rect">
+                  <a:avLst/>
+                </a:prstGeom>
+                <a:noFill/>
+              </p:spPr>
+              <p:txBody>
+                <a:bodyPr wrap="none" rtlCol="0">
+                  <a:spAutoFit/>
+                </a:bodyPr>
+                <a:lstStyle/>
+                <a:p>
+                  <a:pPr algn="r"/>
+                  <a14:m>
+                    <m:oMathPara xmlns:m="http://schemas.openxmlformats.org/officeDocument/2006/math">
+                      <m:oMathParaPr>
+                        <m:jc m:val="centerGroup"/>
+                      </m:oMathParaPr>
+                      <m:oMath xmlns:m="http://schemas.openxmlformats.org/officeDocument/2006/math">
+                        <m:r>
+                          <a:rPr lang="en-US" altLang="ko-KR" b="0" i="1" smtClean="0">
+                            <a:latin typeface="Cambria Math" panose="02040503050406030204" pitchFamily="18" charset="0"/>
+                          </a:rPr>
+                          <m:t>𝛿</m:t>
+                        </m:r>
+                      </m:oMath>
+                    </m:oMathPara>
+                  </a14:m>
+                  <a:endParaRPr lang="ko-KR" altLang="en-US" dirty="0"/>
+                </a:p>
+              </p:txBody>
+            </p:sp>
+          </mc:Choice>
+          <mc:Fallback xmlns="">
+            <p:sp>
+              <p:nvSpPr>
+                <p:cNvPr id="58" name="TextBox 57">
+                  <a:extLst>
+                    <a:ext uri="{FF2B5EF4-FFF2-40B4-BE49-F238E27FC236}">
+                      <a16:creationId xmlns:a16="http://schemas.microsoft.com/office/drawing/2014/main" id="{763DB56A-CF53-5687-5350-34D005B0738F}"/>
+                    </a:ext>
+                  </a:extLst>
+                </p:cNvPr>
+                <p:cNvSpPr txBox="1">
+                  <a:spLocks noRot="1" noChangeAspect="1" noMove="1" noResize="1" noEditPoints="1" noAdjustHandles="1" noChangeArrowheads="1" noChangeShapeType="1" noTextEdit="1"/>
+                </p:cNvSpPr>
+                <p:nvPr/>
+              </p:nvSpPr>
+              <p:spPr>
+                <a:xfrm>
+                  <a:off x="8152709" y="350347"/>
+                  <a:ext cx="398892" cy="369332"/>
+                </a:xfrm>
+                <a:prstGeom prst="rect">
+                  <a:avLst/>
+                </a:prstGeom>
+                <a:blipFill>
+                  <a:blip r:embed="rId6"/>
+                  <a:stretch>
+                    <a:fillRect/>
+                  </a:stretch>
+                </a:blipFill>
+              </p:spPr>
+              <p:txBody>
+                <a:bodyPr/>
+                <a:lstStyle/>
+                <a:p>
+                  <a:r>
+                    <a:rPr lang="ko-KR" altLang="en-US">
+                      <a:noFill/>
+                    </a:rPr>
+                    <a:t> </a:t>
+                  </a:r>
+                </a:p>
+              </p:txBody>
+            </p:sp>
+          </mc:Fallback>
+        </mc:AlternateContent>
+        <p:cxnSp>
+          <p:nvCxnSpPr>
+            <p:cNvPr id="5" name="직선 화살표 연결선 4">
+              <a:extLst>
+                <a:ext uri="{FF2B5EF4-FFF2-40B4-BE49-F238E27FC236}">
+                  <a16:creationId xmlns:a16="http://schemas.microsoft.com/office/drawing/2014/main" id="{7C285328-347B-3135-9030-0C5805E1C097}"/>
+                </a:ext>
+              </a:extLst>
+            </p:cNvPr>
+            <p:cNvCxnSpPr>
+              <a:cxnSpLocks/>
+            </p:cNvCxnSpPr>
+            <p:nvPr/>
+          </p:nvCxnSpPr>
+          <p:spPr>
+            <a:xfrm flipV="1">
+              <a:off x="8424099" y="4272239"/>
+              <a:ext cx="275086" cy="894562"/>
+            </a:xfrm>
+            <a:prstGeom prst="straightConnector1">
+              <a:avLst/>
+            </a:prstGeom>
+            <a:ln>
+              <a:tailEnd type="triangle"/>
+            </a:ln>
+          </p:spPr>
+          <p:style>
+            <a:lnRef idx="2">
+              <a:schemeClr val="dk1"/>
+            </a:lnRef>
+            <a:fillRef idx="0">
+              <a:schemeClr val="dk1"/>
+            </a:fillRef>
+            <a:effectRef idx="1">
+              <a:schemeClr val="dk1"/>
+            </a:effectRef>
+            <a:fontRef idx="minor">
+              <a:schemeClr val="tx1"/>
+            </a:fontRef>
+          </p:style>
+        </p:cxnSp>
+        <p:cxnSp>
+          <p:nvCxnSpPr>
+            <p:cNvPr id="9" name="직선 화살표 연결선 8">
+              <a:extLst>
+                <a:ext uri="{FF2B5EF4-FFF2-40B4-BE49-F238E27FC236}">
+                  <a16:creationId xmlns:a16="http://schemas.microsoft.com/office/drawing/2014/main" id="{F5434AAE-1429-882A-C429-B4644CA8566F}"/>
+                </a:ext>
+              </a:extLst>
+            </p:cNvPr>
+            <p:cNvCxnSpPr>
+              <a:cxnSpLocks/>
+            </p:cNvCxnSpPr>
+            <p:nvPr/>
+          </p:nvCxnSpPr>
+          <p:spPr>
+            <a:xfrm flipH="1" flipV="1">
+              <a:off x="7963765" y="100304"/>
+              <a:ext cx="463853" cy="1108138"/>
+            </a:xfrm>
+            <a:prstGeom prst="straightConnector1">
+              <a:avLst/>
+            </a:prstGeom>
+            <a:ln>
+              <a:tailEnd type="triangle"/>
+            </a:ln>
+          </p:spPr>
+          <p:style>
+            <a:lnRef idx="2">
+              <a:schemeClr val="dk1"/>
+            </a:lnRef>
+            <a:fillRef idx="0">
+              <a:schemeClr val="dk1"/>
+            </a:fillRef>
+            <a:effectRef idx="1">
+              <a:schemeClr val="dk1"/>
+            </a:effectRef>
+            <a:fontRef idx="minor">
+              <a:schemeClr val="tx1"/>
+            </a:fontRef>
+          </p:style>
+        </p:cxnSp>
+        <p:sp>
+          <p:nvSpPr>
+            <p:cNvPr id="29" name="원호 28">
+              <a:extLst>
+                <a:ext uri="{FF2B5EF4-FFF2-40B4-BE49-F238E27FC236}">
+                  <a16:creationId xmlns:a16="http://schemas.microsoft.com/office/drawing/2014/main" id="{6C17F21E-D3C6-7203-95C0-2CE0FE9E2A42}"/>
+                </a:ext>
+              </a:extLst>
+            </p:cNvPr>
+            <p:cNvSpPr>
+              <a:spLocks noChangeAspect="1"/>
+            </p:cNvSpPr>
+            <p:nvPr/>
+          </p:nvSpPr>
+          <p:spPr>
+            <a:xfrm rot="19675257">
+              <a:off x="8078667" y="627308"/>
+              <a:ext cx="180000" cy="180000"/>
+            </a:xfrm>
+            <a:prstGeom prst="arc">
+              <a:avLst>
+                <a:gd name="adj1" fmla="val 14125281"/>
+                <a:gd name="adj2" fmla="val 19124433"/>
+              </a:avLst>
+            </a:prstGeom>
+            <a:noFill/>
+            <a:ln w="12700">
+              <a:solidFill>
+                <a:schemeClr val="tx1"/>
+              </a:solidFill>
+            </a:ln>
+          </p:spPr>
+          <p:style>
+            <a:lnRef idx="2">
+              <a:schemeClr val="accent1">
+                <a:shade val="15000"/>
+              </a:schemeClr>
+            </a:lnRef>
+            <a:fillRef idx="1">
+              <a:schemeClr val="accent1"/>
+            </a:fillRef>
+            <a:effectRef idx="0">
+              <a:schemeClr val="accent1"/>
+            </a:effectRef>
+            <a:fontRef idx="minor">
+              <a:schemeClr val="lt1"/>
+            </a:fontRef>
+          </p:style>
+          <p:txBody>
+            <a:bodyPr rtlCol="0" anchor="ctr"/>
+            <a:lstStyle/>
+            <a:p>
+              <a:pPr algn="ctr"/>
+              <a:endParaRPr lang="ko-KR" altLang="en-US"/>
+            </a:p>
+          </p:txBody>
+        </p:sp>
+        <mc:AlternateContent xmlns:mc="http://schemas.openxmlformats.org/markup-compatibility/2006" xmlns:a14="http://schemas.microsoft.com/office/drawing/2010/main">
+          <mc:Choice Requires="a14">
+            <p:sp>
+              <p:nvSpPr>
+                <p:cNvPr id="31" name="TextBox 30">
+                  <a:extLst>
+                    <a:ext uri="{FF2B5EF4-FFF2-40B4-BE49-F238E27FC236}">
+                      <a16:creationId xmlns:a16="http://schemas.microsoft.com/office/drawing/2014/main" id="{F30823A1-FD07-03E7-5683-044BBCDDE345}"/>
+                    </a:ext>
+                  </a:extLst>
+                </p:cNvPr>
+                <p:cNvSpPr txBox="1"/>
+                <p:nvPr/>
+              </p:nvSpPr>
+              <p:spPr>
+                <a:xfrm>
+                  <a:off x="7760351" y="242410"/>
+                  <a:ext cx="505395" cy="391582"/>
+                </a:xfrm>
+                <a:prstGeom prst="rect">
+                  <a:avLst/>
+                </a:prstGeom>
+                <a:noFill/>
+              </p:spPr>
+              <p:txBody>
+                <a:bodyPr wrap="none" rtlCol="0">
+                  <a:spAutoFit/>
+                </a:bodyPr>
+                <a:lstStyle/>
+                <a:p>
+                  <a:pPr algn="r"/>
+                  <a14:m>
+                    <m:oMathPara xmlns:m="http://schemas.openxmlformats.org/officeDocument/2006/math">
+                      <m:oMathParaPr>
+                        <m:jc m:val="centerGroup"/>
+                      </m:oMathParaPr>
+                      <m:oMath xmlns:m="http://schemas.openxmlformats.org/officeDocument/2006/math">
+                        <m:sSub>
+                          <m:sSubPr>
+                            <m:ctrlPr>
+                              <a:rPr lang="en-US" altLang="ko-KR" b="0" i="1" smtClean="0">
+                                <a:latin typeface="Cambria Math" panose="02040503050406030204" pitchFamily="18" charset="0"/>
+                              </a:rPr>
+                            </m:ctrlPr>
+                          </m:sSubPr>
+                          <m:e>
+                            <m:r>
+                              <a:rPr lang="en-US" altLang="ko-KR" b="0" i="1" smtClean="0">
+                                <a:latin typeface="Cambria Math" panose="02040503050406030204" pitchFamily="18" charset="0"/>
+                              </a:rPr>
+                              <m:t>𝛼</m:t>
+                            </m:r>
+                          </m:e>
+                          <m:sub>
+                            <m:r>
+                              <a:rPr lang="en-US" altLang="ko-KR" b="0" i="1" smtClean="0">
+                                <a:latin typeface="Cambria Math" panose="02040503050406030204" pitchFamily="18" charset="0"/>
+                              </a:rPr>
+                              <m:t>𝑓</m:t>
+                            </m:r>
+                          </m:sub>
+                        </m:sSub>
+                      </m:oMath>
+                    </m:oMathPara>
+                  </a14:m>
+                  <a:endParaRPr lang="ko-KR" altLang="en-US" dirty="0"/>
+                </a:p>
+              </p:txBody>
+            </p:sp>
+          </mc:Choice>
+          <mc:Fallback xmlns="">
+            <p:sp>
+              <p:nvSpPr>
+                <p:cNvPr id="31" name="TextBox 30">
+                  <a:extLst>
+                    <a:ext uri="{FF2B5EF4-FFF2-40B4-BE49-F238E27FC236}">
+                      <a16:creationId xmlns:a16="http://schemas.microsoft.com/office/drawing/2014/main" id="{F30823A1-FD07-03E7-5683-044BBCDDE345}"/>
+                    </a:ext>
+                  </a:extLst>
+                </p:cNvPr>
+                <p:cNvSpPr txBox="1">
+                  <a:spLocks noRot="1" noChangeAspect="1" noMove="1" noResize="1" noEditPoints="1" noAdjustHandles="1" noChangeArrowheads="1" noChangeShapeType="1" noTextEdit="1"/>
+                </p:cNvSpPr>
+                <p:nvPr/>
+              </p:nvSpPr>
+              <p:spPr>
+                <a:xfrm>
+                  <a:off x="7760351" y="242410"/>
+                  <a:ext cx="505395" cy="391582"/>
+                </a:xfrm>
+                <a:prstGeom prst="rect">
+                  <a:avLst/>
+                </a:prstGeom>
+                <a:blipFill>
+                  <a:blip r:embed="rId7"/>
+                  <a:stretch>
+                    <a:fillRect b="-9231"/>
+                  </a:stretch>
+                </a:blipFill>
+              </p:spPr>
+              <p:txBody>
+                <a:bodyPr/>
+                <a:lstStyle/>
+                <a:p>
+                  <a:r>
+                    <a:rPr lang="ko-KR" altLang="en-US">
+                      <a:noFill/>
+                    </a:rPr>
+                    <a:t> </a:t>
+                  </a:r>
+                </a:p>
+              </p:txBody>
+            </p:sp>
+          </mc:Fallback>
+        </mc:AlternateContent>
+        <mc:AlternateContent xmlns:mc="http://schemas.openxmlformats.org/markup-compatibility/2006" xmlns:a14="http://schemas.microsoft.com/office/drawing/2010/main">
+          <mc:Choice Requires="a14">
+            <p:sp>
+              <p:nvSpPr>
+                <p:cNvPr id="32" name="TextBox 31">
+                  <a:extLst>
+                    <a:ext uri="{FF2B5EF4-FFF2-40B4-BE49-F238E27FC236}">
+                      <a16:creationId xmlns:a16="http://schemas.microsoft.com/office/drawing/2014/main" id="{8150EFF3-01E4-0606-C250-91C5CD163D4F}"/>
+                    </a:ext>
+                  </a:extLst>
+                </p:cNvPr>
+                <p:cNvSpPr txBox="1"/>
+                <p:nvPr/>
+              </p:nvSpPr>
+              <p:spPr>
+                <a:xfrm>
+                  <a:off x="8306384" y="4038499"/>
+                  <a:ext cx="529504" cy="369332"/>
+                </a:xfrm>
+                <a:prstGeom prst="rect">
+                  <a:avLst/>
+                </a:prstGeom>
+                <a:noFill/>
+              </p:spPr>
+              <p:txBody>
+                <a:bodyPr wrap="none" rtlCol="0">
+                  <a:spAutoFit/>
+                </a:bodyPr>
+                <a:lstStyle/>
+                <a:p>
+                  <a:pPr algn="r"/>
+                  <a14:m>
+                    <m:oMathPara xmlns:m="http://schemas.openxmlformats.org/officeDocument/2006/math">
+                      <m:oMathParaPr>
+                        <m:jc m:val="centerGroup"/>
+                      </m:oMathParaPr>
+                      <m:oMath xmlns:m="http://schemas.openxmlformats.org/officeDocument/2006/math">
+                        <m:sSub>
+                          <m:sSubPr>
+                            <m:ctrlPr>
+                              <a:rPr lang="en-US" altLang="ko-KR" b="0" i="1" smtClean="0">
+                                <a:latin typeface="Cambria Math" panose="02040503050406030204" pitchFamily="18" charset="0"/>
+                              </a:rPr>
+                            </m:ctrlPr>
+                          </m:sSubPr>
+                          <m:e>
+                            <m:r>
+                              <a:rPr lang="en-US" altLang="ko-KR" b="0" i="1" smtClean="0">
+                                <a:latin typeface="Cambria Math" panose="02040503050406030204" pitchFamily="18" charset="0"/>
+                              </a:rPr>
+                              <m:t>𝛼</m:t>
+                            </m:r>
+                          </m:e>
+                          <m:sub>
+                            <m:r>
+                              <a:rPr lang="en-US" altLang="ko-KR" b="0" i="1" smtClean="0">
+                                <a:latin typeface="Cambria Math" panose="02040503050406030204" pitchFamily="18" charset="0"/>
+                              </a:rPr>
+                              <m:t>𝑅</m:t>
+                            </m:r>
+                          </m:sub>
+                        </m:sSub>
+                      </m:oMath>
+                    </m:oMathPara>
+                  </a14:m>
+                  <a:endParaRPr lang="ko-KR" altLang="en-US" dirty="0"/>
+                </a:p>
+              </p:txBody>
+            </p:sp>
+          </mc:Choice>
+          <mc:Fallback xmlns="">
+            <p:sp>
+              <p:nvSpPr>
+                <p:cNvPr id="32" name="TextBox 31">
+                  <a:extLst>
+                    <a:ext uri="{FF2B5EF4-FFF2-40B4-BE49-F238E27FC236}">
+                      <a16:creationId xmlns:a16="http://schemas.microsoft.com/office/drawing/2014/main" id="{8150EFF3-01E4-0606-C250-91C5CD163D4F}"/>
+                    </a:ext>
+                  </a:extLst>
+                </p:cNvPr>
+                <p:cNvSpPr txBox="1">
+                  <a:spLocks noRot="1" noChangeAspect="1" noMove="1" noResize="1" noEditPoints="1" noAdjustHandles="1" noChangeArrowheads="1" noChangeShapeType="1" noTextEdit="1"/>
+                </p:cNvSpPr>
+                <p:nvPr/>
+              </p:nvSpPr>
+              <p:spPr>
+                <a:xfrm>
+                  <a:off x="8306384" y="4038499"/>
+                  <a:ext cx="529504" cy="369332"/>
+                </a:xfrm>
+                <a:prstGeom prst="rect">
+                  <a:avLst/>
+                </a:prstGeom>
+                <a:blipFill>
+                  <a:blip r:embed="rId8"/>
+                  <a:stretch>
+                    <a:fillRect b="-1639"/>
+                  </a:stretch>
+                </a:blipFill>
+              </p:spPr>
+              <p:txBody>
+                <a:bodyPr/>
+                <a:lstStyle/>
+                <a:p>
+                  <a:r>
+                    <a:rPr lang="ko-KR" altLang="en-US">
+                      <a:noFill/>
+                    </a:rPr>
+                    <a:t> </a:t>
+                  </a:r>
+                </a:p>
+              </p:txBody>
+            </p:sp>
+          </mc:Fallback>
+        </mc:AlternateContent>
+        <p:sp>
+          <p:nvSpPr>
+            <p:cNvPr id="33" name="원호 32">
+              <a:extLst>
+                <a:ext uri="{FF2B5EF4-FFF2-40B4-BE49-F238E27FC236}">
+                  <a16:creationId xmlns:a16="http://schemas.microsoft.com/office/drawing/2014/main" id="{BAB3587F-AE35-AF0D-5406-8001AF8E527D}"/>
+                </a:ext>
+              </a:extLst>
+            </p:cNvPr>
+            <p:cNvSpPr>
+              <a:spLocks noChangeAspect="1"/>
+            </p:cNvSpPr>
+            <p:nvPr/>
+          </p:nvSpPr>
+          <p:spPr>
+            <a:xfrm rot="714139">
+              <a:off x="8414401" y="4563746"/>
+              <a:ext cx="180000" cy="180000"/>
+            </a:xfrm>
+            <a:prstGeom prst="arc">
+              <a:avLst>
+                <a:gd name="adj1" fmla="val 11289432"/>
+                <a:gd name="adj2" fmla="val 19995690"/>
+              </a:avLst>
+            </a:prstGeom>
+            <a:noFill/>
+            <a:ln w="25400">
+              <a:solidFill>
+                <a:schemeClr val="tx1"/>
+              </a:solidFill>
+            </a:ln>
+          </p:spPr>
+          <p:style>
+            <a:lnRef idx="2">
+              <a:schemeClr val="accent1">
+                <a:shade val="15000"/>
+              </a:schemeClr>
+            </a:lnRef>
+            <a:fillRef idx="1">
+              <a:schemeClr val="accent1"/>
+            </a:fillRef>
+            <a:effectRef idx="0">
+              <a:schemeClr val="accent1"/>
+            </a:effectRef>
+            <a:fontRef idx="minor">
+              <a:schemeClr val="lt1"/>
+            </a:fontRef>
+          </p:style>
+          <p:txBody>
+            <a:bodyPr rtlCol="0" anchor="ctr"/>
+            <a:lstStyle/>
+            <a:p>
+              <a:pPr algn="ctr"/>
+              <a:endParaRPr lang="ko-KR" altLang="en-US"/>
+            </a:p>
+          </p:txBody>
+        </p:sp>
+        <p:sp>
+          <p:nvSpPr>
+            <p:cNvPr id="34" name="화살표: 아래로 구부러짐 33">
+              <a:extLst>
+                <a:ext uri="{FF2B5EF4-FFF2-40B4-BE49-F238E27FC236}">
+                  <a16:creationId xmlns:a16="http://schemas.microsoft.com/office/drawing/2014/main" id="{72A5D960-2C0D-E668-F2F3-342A447C38B1}"/>
+                </a:ext>
+              </a:extLst>
+            </p:cNvPr>
+            <p:cNvSpPr/>
+            <p:nvPr/>
+          </p:nvSpPr>
+          <p:spPr>
+            <a:xfrm rot="904786" flipH="1">
+              <a:off x="8109770" y="3108361"/>
+              <a:ext cx="602853" cy="235618"/>
+            </a:xfrm>
+            <a:prstGeom prst="curvedDownArrow">
+              <a:avLst>
+                <a:gd name="adj1" fmla="val 8315"/>
+                <a:gd name="adj2" fmla="val 23162"/>
+                <a:gd name="adj3" fmla="val 19792"/>
+              </a:avLst>
+            </a:prstGeom>
+          </p:spPr>
+          <p:style>
+            <a:lnRef idx="2">
+              <a:schemeClr val="dk1">
+                <a:shade val="15000"/>
+              </a:schemeClr>
+            </a:lnRef>
+            <a:fillRef idx="1">
+              <a:schemeClr val="dk1"/>
+            </a:fillRef>
+            <a:effectRef idx="0">
+              <a:schemeClr val="dk1"/>
+            </a:effectRef>
+            <a:fontRef idx="minor">
+              <a:schemeClr val="lt1"/>
+            </a:fontRef>
+          </p:style>
+          <p:txBody>
+            <a:bodyPr rtlCol="0" anchor="ctr"/>
+            <a:lstStyle/>
+            <a:p>
+              <a:pPr algn="ctr"/>
+              <a:endParaRPr lang="ko-KR" altLang="en-US">
+                <a:ln w="0"/>
+                <a:solidFill>
+                  <a:schemeClr val="tx1"/>
+                </a:solidFill>
+                <a:effectLst>
+                  <a:outerShdw blurRad="38100" dist="19050" dir="2700000" algn="tl" rotWithShape="0">
+                    <a:schemeClr val="dk1">
+                      <a:alpha val="40000"/>
+                    </a:schemeClr>
+                  </a:outerShdw>
+                </a:effectLst>
+              </a:endParaRPr>
+            </a:p>
+          </p:txBody>
+        </p:sp>
+        <mc:AlternateContent xmlns:mc="http://schemas.openxmlformats.org/markup-compatibility/2006" xmlns:a14="http://schemas.microsoft.com/office/drawing/2010/main">
+          <mc:Choice Requires="a14">
+            <p:sp>
+              <p:nvSpPr>
+                <p:cNvPr id="35" name="TextBox 34">
+                  <a:extLst>
+                    <a:ext uri="{FF2B5EF4-FFF2-40B4-BE49-F238E27FC236}">
+                      <a16:creationId xmlns:a16="http://schemas.microsoft.com/office/drawing/2014/main" id="{35F93DF6-AD18-1936-2BA5-F2B031D8D22A}"/>
+                    </a:ext>
+                  </a:extLst>
+                </p:cNvPr>
+                <p:cNvSpPr txBox="1"/>
+                <p:nvPr/>
+              </p:nvSpPr>
+              <p:spPr>
+                <a:xfrm>
+                  <a:off x="8589388" y="2974959"/>
+                  <a:ext cx="394467" cy="369332"/>
+                </a:xfrm>
+                <a:prstGeom prst="rect">
+                  <a:avLst/>
+                </a:prstGeom>
+                <a:noFill/>
+              </p:spPr>
+              <p:txBody>
+                <a:bodyPr wrap="none" rtlCol="0">
+                  <a:spAutoFit/>
+                </a:bodyPr>
+                <a:lstStyle/>
+                <a:p>
+                  <a:pPr/>
+                  <a14:m>
+                    <m:oMathPara xmlns:m="http://schemas.openxmlformats.org/officeDocument/2006/math">
+                      <m:oMathParaPr>
+                        <m:jc m:val="centerGroup"/>
+                      </m:oMathParaPr>
+                      <m:oMath xmlns:m="http://schemas.openxmlformats.org/officeDocument/2006/math">
+                        <m:r>
+                          <a:rPr lang="en-US" altLang="ko-KR" b="0" i="1" smtClean="0">
+                            <a:latin typeface="Cambria Math" panose="02040503050406030204" pitchFamily="18" charset="0"/>
+                          </a:rPr>
+                          <m:t>𝛾</m:t>
+                        </m:r>
+                      </m:oMath>
+                    </m:oMathPara>
+                  </a14:m>
+                  <a:endParaRPr lang="ko-KR" altLang="en-US" dirty="0"/>
+                </a:p>
+              </p:txBody>
+            </p:sp>
+          </mc:Choice>
+          <mc:Fallback xmlns="">
+            <p:sp>
+              <p:nvSpPr>
+                <p:cNvPr id="35" name="TextBox 34">
+                  <a:extLst>
+                    <a:ext uri="{FF2B5EF4-FFF2-40B4-BE49-F238E27FC236}">
+                      <a16:creationId xmlns:a16="http://schemas.microsoft.com/office/drawing/2014/main" id="{35F93DF6-AD18-1936-2BA5-F2B031D8D22A}"/>
+                    </a:ext>
+                  </a:extLst>
+                </p:cNvPr>
+                <p:cNvSpPr txBox="1">
+                  <a:spLocks noRot="1" noChangeAspect="1" noMove="1" noResize="1" noEditPoints="1" noAdjustHandles="1" noChangeArrowheads="1" noChangeShapeType="1" noTextEdit="1"/>
+                </p:cNvSpPr>
+                <p:nvPr/>
+              </p:nvSpPr>
+              <p:spPr>
+                <a:xfrm>
+                  <a:off x="8589388" y="2974959"/>
+                  <a:ext cx="394467" cy="369332"/>
+                </a:xfrm>
+                <a:prstGeom prst="rect">
+                  <a:avLst/>
+                </a:prstGeom>
+                <a:blipFill>
+                  <a:blip r:embed="rId9"/>
+                  <a:stretch>
+                    <a:fillRect b="-8333"/>
+                  </a:stretch>
+                </a:blipFill>
+              </p:spPr>
+              <p:txBody>
+                <a:bodyPr/>
+                <a:lstStyle/>
+                <a:p>
+                  <a:r>
+                    <a:rPr lang="ko-KR" altLang="en-US">
+                      <a:noFill/>
+                    </a:rPr>
+                    <a:t> </a:t>
+                  </a:r>
+                </a:p>
+              </p:txBody>
+            </p:sp>
+          </mc:Fallback>
+        </mc:AlternateContent>
+        <p:cxnSp>
+          <p:nvCxnSpPr>
+            <p:cNvPr id="44" name="직선 화살표 연결선 43">
+              <a:extLst>
+                <a:ext uri="{FF2B5EF4-FFF2-40B4-BE49-F238E27FC236}">
+                  <a16:creationId xmlns:a16="http://schemas.microsoft.com/office/drawing/2014/main" id="{63D375AA-0F31-3C07-0B83-D5278BB471C1}"/>
+                </a:ext>
+              </a:extLst>
+            </p:cNvPr>
+            <p:cNvCxnSpPr>
+              <a:cxnSpLocks/>
+            </p:cNvCxnSpPr>
+            <p:nvPr/>
+          </p:nvCxnSpPr>
+          <p:spPr>
+            <a:xfrm flipH="1" flipV="1">
+              <a:off x="8122563" y="1974104"/>
+              <a:ext cx="283323" cy="1421889"/>
+            </a:xfrm>
+            <a:prstGeom prst="straightConnector1">
+              <a:avLst/>
+            </a:prstGeom>
+            <a:ln>
+              <a:tailEnd type="triangle"/>
+            </a:ln>
+          </p:spPr>
+          <p:style>
+            <a:lnRef idx="2">
+              <a:schemeClr val="dk1"/>
+            </a:lnRef>
+            <a:fillRef idx="0">
+              <a:schemeClr val="dk1"/>
+            </a:fillRef>
+            <a:effectRef idx="1">
+              <a:schemeClr val="dk1"/>
+            </a:effectRef>
+            <a:fontRef idx="minor">
+              <a:schemeClr val="tx1"/>
+            </a:fontRef>
+          </p:style>
+        </p:cxnSp>
+        <p:sp>
+          <p:nvSpPr>
+            <p:cNvPr id="61" name="직사각형 60">
+              <a:extLst>
+                <a:ext uri="{FF2B5EF4-FFF2-40B4-BE49-F238E27FC236}">
+                  <a16:creationId xmlns:a16="http://schemas.microsoft.com/office/drawing/2014/main" id="{50C873DF-07FC-ECEA-866B-196686E4B1CA}"/>
+                </a:ext>
+              </a:extLst>
+            </p:cNvPr>
+            <p:cNvSpPr/>
+            <p:nvPr/>
+          </p:nvSpPr>
+          <p:spPr>
+            <a:xfrm rot="21319002">
+              <a:off x="8207092" y="3218441"/>
+              <a:ext cx="180000" cy="180000"/>
+            </a:xfrm>
+            <a:prstGeom prst="rect">
+              <a:avLst/>
+            </a:prstGeom>
+            <a:noFill/>
+            <a:ln>
+              <a:solidFill>
+                <a:schemeClr val="tx1"/>
+              </a:solidFill>
+            </a:ln>
+          </p:spPr>
+          <p:style>
+            <a:lnRef idx="2">
+              <a:schemeClr val="accent1">
+                <a:shade val="15000"/>
+              </a:schemeClr>
+            </a:lnRef>
+            <a:fillRef idx="1">
+              <a:schemeClr val="accent1"/>
+            </a:fillRef>
+            <a:effectRef idx="0">
+              <a:schemeClr val="accent1"/>
+            </a:effectRef>
+            <a:fontRef idx="minor">
+              <a:schemeClr val="lt1"/>
+            </a:fontRef>
+          </p:style>
+          <p:txBody>
+            <a:bodyPr rtlCol="0" anchor="ctr"/>
+            <a:lstStyle/>
+            <a:p>
+              <a:pPr algn="ctr"/>
+              <a:endParaRPr lang="ko-KR" altLang="en-US"/>
+            </a:p>
+          </p:txBody>
+        </p:sp>
+        <p:sp>
+          <p:nvSpPr>
+            <p:cNvPr id="63" name="원호 62">
+              <a:extLst>
+                <a:ext uri="{FF2B5EF4-FFF2-40B4-BE49-F238E27FC236}">
+                  <a16:creationId xmlns:a16="http://schemas.microsoft.com/office/drawing/2014/main" id="{78365A37-DE2A-BF44-330B-5970BB29ABBA}"/>
+                </a:ext>
+              </a:extLst>
+            </p:cNvPr>
+            <p:cNvSpPr>
+              <a:spLocks noChangeAspect="1"/>
+            </p:cNvSpPr>
+            <p:nvPr/>
+          </p:nvSpPr>
+          <p:spPr>
+            <a:xfrm rot="19675257">
+              <a:off x="8130495" y="2139290"/>
+              <a:ext cx="319413" cy="302161"/>
+            </a:xfrm>
+            <a:prstGeom prst="arc">
+              <a:avLst>
+                <a:gd name="adj1" fmla="val 15175562"/>
+                <a:gd name="adj2" fmla="val 20077424"/>
+              </a:avLst>
+            </a:prstGeom>
+            <a:noFill/>
+            <a:ln w="12700">
+              <a:solidFill>
+                <a:schemeClr val="tx1"/>
+              </a:solidFill>
+            </a:ln>
+          </p:spPr>
+          <p:style>
+            <a:lnRef idx="2">
+              <a:schemeClr val="accent1">
+                <a:shade val="15000"/>
+              </a:schemeClr>
+            </a:lnRef>
+            <a:fillRef idx="1">
+              <a:schemeClr val="accent1"/>
+            </a:fillRef>
+            <a:effectRef idx="0">
+              <a:schemeClr val="accent1"/>
+            </a:effectRef>
+            <a:fontRef idx="minor">
+              <a:schemeClr val="lt1"/>
+            </a:fontRef>
+          </p:style>
+          <p:txBody>
+            <a:bodyPr rtlCol="0" anchor="ctr"/>
+            <a:lstStyle/>
+            <a:p>
+              <a:pPr algn="ctr"/>
+              <a:endParaRPr lang="ko-KR" altLang="en-US"/>
+            </a:p>
+          </p:txBody>
+        </p:sp>
+        <mc:AlternateContent xmlns:mc="http://schemas.openxmlformats.org/markup-compatibility/2006" xmlns:a14="http://schemas.microsoft.com/office/drawing/2010/main">
+          <mc:Choice Requires="a14">
+            <p:sp>
+              <p:nvSpPr>
+                <p:cNvPr id="64" name="TextBox 63">
+                  <a:extLst>
+                    <a:ext uri="{FF2B5EF4-FFF2-40B4-BE49-F238E27FC236}">
+                      <a16:creationId xmlns:a16="http://schemas.microsoft.com/office/drawing/2014/main" id="{31691B5F-213E-0357-7ABB-A20C7EC942BF}"/>
+                    </a:ext>
+                  </a:extLst>
+                </p:cNvPr>
+                <p:cNvSpPr txBox="1"/>
+                <p:nvPr/>
+              </p:nvSpPr>
+              <p:spPr>
+                <a:xfrm>
+                  <a:off x="8099949" y="1777304"/>
+                  <a:ext cx="412869" cy="369332"/>
+                </a:xfrm>
+                <a:prstGeom prst="rect">
+                  <a:avLst/>
+                </a:prstGeom>
+                <a:noFill/>
+              </p:spPr>
+              <p:txBody>
+                <a:bodyPr wrap="none" rtlCol="0">
+                  <a:spAutoFit/>
+                </a:bodyPr>
+                <a:lstStyle/>
+                <a:p>
+                  <a:pPr algn="r"/>
+                  <a14:m>
+                    <m:oMathPara xmlns:m="http://schemas.openxmlformats.org/officeDocument/2006/math">
+                      <m:oMathParaPr>
+                        <m:jc m:val="centerGroup"/>
+                      </m:oMathParaPr>
+                      <m:oMath xmlns:m="http://schemas.openxmlformats.org/officeDocument/2006/math">
+                        <m:r>
+                          <a:rPr lang="en-US" altLang="ko-KR" b="0" i="1" smtClean="0">
+                            <a:latin typeface="Cambria Math" panose="02040503050406030204" pitchFamily="18" charset="0"/>
+                          </a:rPr>
+                          <m:t>𝛽</m:t>
+                        </m:r>
+                      </m:oMath>
+                    </m:oMathPara>
+                  </a14:m>
+                  <a:endParaRPr lang="ko-KR" altLang="en-US" dirty="0"/>
+                </a:p>
+              </p:txBody>
+            </p:sp>
+          </mc:Choice>
+          <mc:Fallback xmlns="">
+            <p:sp>
+              <p:nvSpPr>
+                <p:cNvPr id="64" name="TextBox 63">
+                  <a:extLst>
+                    <a:ext uri="{FF2B5EF4-FFF2-40B4-BE49-F238E27FC236}">
+                      <a16:creationId xmlns:a16="http://schemas.microsoft.com/office/drawing/2014/main" id="{31691B5F-213E-0357-7ABB-A20C7EC942BF}"/>
+                    </a:ext>
+                  </a:extLst>
+                </p:cNvPr>
+                <p:cNvSpPr txBox="1">
+                  <a:spLocks noRot="1" noChangeAspect="1" noMove="1" noResize="1" noEditPoints="1" noAdjustHandles="1" noChangeArrowheads="1" noChangeShapeType="1" noTextEdit="1"/>
+                </p:cNvSpPr>
+                <p:nvPr/>
+              </p:nvSpPr>
+              <p:spPr>
+                <a:xfrm>
+                  <a:off x="8099949" y="1777304"/>
+                  <a:ext cx="412869" cy="369332"/>
+                </a:xfrm>
+                <a:prstGeom prst="rect">
+                  <a:avLst/>
+                </a:prstGeom>
+                <a:blipFill>
+                  <a:blip r:embed="rId10"/>
+                  <a:stretch>
+                    <a:fillRect b="-16393"/>
+                  </a:stretch>
+                </a:blipFill>
+              </p:spPr>
+              <p:txBody>
+                <a:bodyPr/>
+                <a:lstStyle/>
+                <a:p>
+                  <a:r>
+                    <a:rPr lang="ko-KR" altLang="en-US">
+                      <a:noFill/>
+                    </a:rPr>
+                    <a:t> </a:t>
+                  </a:r>
+                </a:p>
+              </p:txBody>
+            </p:sp>
+          </mc:Fallback>
+        </mc:AlternateContent>
+        <p:cxnSp>
+          <p:nvCxnSpPr>
+            <p:cNvPr id="65" name="직선 연결선 64">
+              <a:extLst>
+                <a:ext uri="{FF2B5EF4-FFF2-40B4-BE49-F238E27FC236}">
+                  <a16:creationId xmlns:a16="http://schemas.microsoft.com/office/drawing/2014/main" id="{83ED32EC-E7AC-5727-FE58-D4B587C79D6F}"/>
+                </a:ext>
+              </a:extLst>
+            </p:cNvPr>
+            <p:cNvCxnSpPr>
+              <a:cxnSpLocks/>
+            </p:cNvCxnSpPr>
+            <p:nvPr/>
+          </p:nvCxnSpPr>
+          <p:spPr>
+            <a:xfrm flipH="1">
+              <a:off x="8394140" y="5173493"/>
+              <a:ext cx="1539748" cy="0"/>
+            </a:xfrm>
+            <a:prstGeom prst="line">
+              <a:avLst/>
+            </a:prstGeom>
+            <a:ln w="28575"/>
+          </p:spPr>
+          <p:style>
+            <a:lnRef idx="2">
+              <a:schemeClr val="dk1"/>
+            </a:lnRef>
+            <a:fillRef idx="0">
+              <a:schemeClr val="dk1"/>
+            </a:fillRef>
+            <a:effectRef idx="1">
+              <a:schemeClr val="dk1"/>
+            </a:effectRef>
+            <a:fontRef idx="minor">
+              <a:schemeClr val="tx1"/>
+            </a:fontRef>
+          </p:style>
+        </p:cxnSp>
+        <p:cxnSp>
+          <p:nvCxnSpPr>
+            <p:cNvPr id="68" name="직선 연결선 67">
+              <a:extLst>
+                <a:ext uri="{FF2B5EF4-FFF2-40B4-BE49-F238E27FC236}">
+                  <a16:creationId xmlns:a16="http://schemas.microsoft.com/office/drawing/2014/main" id="{C9E37427-A405-CFCF-849D-6332954BE9CC}"/>
+                </a:ext>
+              </a:extLst>
+            </p:cNvPr>
+            <p:cNvCxnSpPr>
+              <a:cxnSpLocks/>
+            </p:cNvCxnSpPr>
+            <p:nvPr/>
+          </p:nvCxnSpPr>
+          <p:spPr>
+            <a:xfrm flipH="1">
+              <a:off x="8384388" y="3376803"/>
+              <a:ext cx="1539748" cy="0"/>
+            </a:xfrm>
+            <a:prstGeom prst="line">
+              <a:avLst/>
+            </a:prstGeom>
+            <a:ln w="28575"/>
+          </p:spPr>
+          <p:style>
+            <a:lnRef idx="2">
+              <a:schemeClr val="dk1"/>
+            </a:lnRef>
+            <a:fillRef idx="0">
+              <a:schemeClr val="dk1"/>
+            </a:fillRef>
+            <a:effectRef idx="1">
+              <a:schemeClr val="dk1"/>
+            </a:effectRef>
+            <a:fontRef idx="minor">
+              <a:schemeClr val="tx1"/>
+            </a:fontRef>
+          </p:style>
+        </p:cxnSp>
+        <p:cxnSp>
+          <p:nvCxnSpPr>
+            <p:cNvPr id="69" name="직선 연결선 68">
+              <a:extLst>
+                <a:ext uri="{FF2B5EF4-FFF2-40B4-BE49-F238E27FC236}">
+                  <a16:creationId xmlns:a16="http://schemas.microsoft.com/office/drawing/2014/main" id="{30A82FBD-DEF6-B41F-8152-189C4B938DF0}"/>
+                </a:ext>
+              </a:extLst>
+            </p:cNvPr>
+            <p:cNvCxnSpPr>
+              <a:cxnSpLocks/>
+            </p:cNvCxnSpPr>
+            <p:nvPr/>
+          </p:nvCxnSpPr>
+          <p:spPr>
+            <a:xfrm flipH="1">
+              <a:off x="8401231" y="1182479"/>
+              <a:ext cx="1539748" cy="0"/>
+            </a:xfrm>
+            <a:prstGeom prst="line">
+              <a:avLst/>
+            </a:prstGeom>
+            <a:ln w="28575"/>
+          </p:spPr>
+          <p:style>
+            <a:lnRef idx="2">
+              <a:schemeClr val="dk1"/>
+            </a:lnRef>
+            <a:fillRef idx="0">
+              <a:schemeClr val="dk1"/>
+            </a:fillRef>
+            <a:effectRef idx="1">
+              <a:schemeClr val="dk1"/>
+            </a:effectRef>
+            <a:fontRef idx="minor">
+              <a:schemeClr val="tx1"/>
+            </a:fontRef>
+          </p:style>
+        </p:cxnSp>
+        <p:cxnSp>
+          <p:nvCxnSpPr>
+            <p:cNvPr id="70" name="직선 화살표 연결선 69">
+              <a:extLst>
+                <a:ext uri="{FF2B5EF4-FFF2-40B4-BE49-F238E27FC236}">
+                  <a16:creationId xmlns:a16="http://schemas.microsoft.com/office/drawing/2014/main" id="{644A9A98-8097-14D9-C472-B075A08109DF}"/>
+                </a:ext>
+              </a:extLst>
+            </p:cNvPr>
+            <p:cNvCxnSpPr>
+              <a:cxnSpLocks/>
+            </p:cNvCxnSpPr>
+            <p:nvPr/>
+          </p:nvCxnSpPr>
+          <p:spPr>
+            <a:xfrm>
+              <a:off x="9657957" y="3373589"/>
+              <a:ext cx="0" cy="1799904"/>
+            </a:xfrm>
+            <a:prstGeom prst="straightConnector1">
+              <a:avLst/>
+            </a:prstGeom>
+            <a:ln>
+              <a:headEnd type="triangle"/>
+              <a:tailEnd type="triangle"/>
+            </a:ln>
+          </p:spPr>
+          <p:style>
+            <a:lnRef idx="2">
+              <a:schemeClr val="dk1"/>
+            </a:lnRef>
+            <a:fillRef idx="0">
+              <a:schemeClr val="dk1"/>
+            </a:fillRef>
+            <a:effectRef idx="1">
+              <a:schemeClr val="dk1"/>
+            </a:effectRef>
+            <a:fontRef idx="minor">
+              <a:schemeClr val="tx1"/>
+            </a:fontRef>
+          </p:style>
+        </p:cxnSp>
+        <p:cxnSp>
+          <p:nvCxnSpPr>
+            <p:cNvPr id="74" name="직선 화살표 연결선 73">
+              <a:extLst>
+                <a:ext uri="{FF2B5EF4-FFF2-40B4-BE49-F238E27FC236}">
+                  <a16:creationId xmlns:a16="http://schemas.microsoft.com/office/drawing/2014/main" id="{B08EEAC6-3491-5020-68C6-46CC59E2DAB9}"/>
+                </a:ext>
+              </a:extLst>
+            </p:cNvPr>
+            <p:cNvCxnSpPr>
+              <a:cxnSpLocks/>
+            </p:cNvCxnSpPr>
+            <p:nvPr/>
+          </p:nvCxnSpPr>
+          <p:spPr>
+            <a:xfrm>
+              <a:off x="9657957" y="1175634"/>
+              <a:ext cx="0" cy="2197955"/>
+            </a:xfrm>
+            <a:prstGeom prst="straightConnector1">
+              <a:avLst/>
+            </a:prstGeom>
+            <a:ln>
+              <a:headEnd type="triangle"/>
+              <a:tailEnd type="triangle"/>
+            </a:ln>
+          </p:spPr>
+          <p:style>
+            <a:lnRef idx="2">
+              <a:schemeClr val="dk1"/>
+            </a:lnRef>
+            <a:fillRef idx="0">
+              <a:schemeClr val="dk1"/>
+            </a:fillRef>
+            <a:effectRef idx="1">
+              <a:schemeClr val="dk1"/>
+            </a:effectRef>
+            <a:fontRef idx="minor">
+              <a:schemeClr val="tx1"/>
+            </a:fontRef>
+          </p:style>
+        </p:cxnSp>
+        <mc:AlternateContent xmlns:mc="http://schemas.openxmlformats.org/markup-compatibility/2006" xmlns:a14="http://schemas.microsoft.com/office/drawing/2010/main">
+          <mc:Choice Requires="a14">
+            <p:sp>
+              <p:nvSpPr>
+                <p:cNvPr id="76" name="TextBox 75">
+                  <a:extLst>
+                    <a:ext uri="{FF2B5EF4-FFF2-40B4-BE49-F238E27FC236}">
+                      <a16:creationId xmlns:a16="http://schemas.microsoft.com/office/drawing/2014/main" id="{3CA63BB4-F4F8-51E3-5026-3CA9527E1B7D}"/>
+                    </a:ext>
+                  </a:extLst>
+                </p:cNvPr>
+                <p:cNvSpPr txBox="1"/>
+                <p:nvPr/>
+              </p:nvSpPr>
+              <p:spPr>
+                <a:xfrm>
+                  <a:off x="7848526" y="2344083"/>
+                  <a:ext cx="418000" cy="369332"/>
+                </a:xfrm>
+                <a:prstGeom prst="rect">
+                  <a:avLst/>
+                </a:prstGeom>
+                <a:noFill/>
+              </p:spPr>
+              <p:txBody>
+                <a:bodyPr wrap="none" rtlCol="0">
+                  <a:spAutoFit/>
+                </a:bodyPr>
+                <a:lstStyle/>
+                <a:p>
+                  <a:pPr algn="r"/>
+                  <a14:m>
+                    <m:oMathPara xmlns:m="http://schemas.openxmlformats.org/officeDocument/2006/math">
+                      <m:oMathParaPr>
+                        <m:jc m:val="centerGroup"/>
+                      </m:oMathParaPr>
+                      <m:oMath xmlns:m="http://schemas.openxmlformats.org/officeDocument/2006/math">
+                        <m:r>
+                          <a:rPr lang="en-US" altLang="ko-KR" b="0" i="1" smtClean="0">
+                            <a:latin typeface="Cambria Math" panose="02040503050406030204" pitchFamily="18" charset="0"/>
+                          </a:rPr>
+                          <m:t>𝑉</m:t>
+                        </m:r>
+                      </m:oMath>
+                    </m:oMathPara>
+                  </a14:m>
+                  <a:endParaRPr lang="ko-KR" altLang="en-US" dirty="0"/>
+                </a:p>
+              </p:txBody>
+            </p:sp>
+          </mc:Choice>
+          <mc:Fallback xmlns="">
+            <p:sp>
+              <p:nvSpPr>
+                <p:cNvPr id="76" name="TextBox 75">
+                  <a:extLst>
+                    <a:ext uri="{FF2B5EF4-FFF2-40B4-BE49-F238E27FC236}">
+                      <a16:creationId xmlns:a16="http://schemas.microsoft.com/office/drawing/2014/main" id="{3CA63BB4-F4F8-51E3-5026-3CA9527E1B7D}"/>
+                    </a:ext>
+                  </a:extLst>
+                </p:cNvPr>
+                <p:cNvSpPr txBox="1">
+                  <a:spLocks noRot="1" noChangeAspect="1" noMove="1" noResize="1" noEditPoints="1" noAdjustHandles="1" noChangeArrowheads="1" noChangeShapeType="1" noTextEdit="1"/>
+                </p:cNvSpPr>
+                <p:nvPr/>
+              </p:nvSpPr>
+              <p:spPr>
+                <a:xfrm>
+                  <a:off x="7848526" y="2344083"/>
+                  <a:ext cx="418000" cy="369332"/>
+                </a:xfrm>
+                <a:prstGeom prst="rect">
+                  <a:avLst/>
+                </a:prstGeom>
+                <a:blipFill>
+                  <a:blip r:embed="rId11"/>
+                  <a:stretch>
+                    <a:fillRect/>
+                  </a:stretch>
+                </a:blipFill>
+              </p:spPr>
+              <p:txBody>
+                <a:bodyPr/>
+                <a:lstStyle/>
+                <a:p>
+                  <a:r>
+                    <a:rPr lang="ko-KR" altLang="en-US">
+                      <a:noFill/>
+                    </a:rPr>
+                    <a:t> </a:t>
+                  </a:r>
+                </a:p>
+              </p:txBody>
+            </p:sp>
+          </mc:Fallback>
+        </mc:AlternateContent>
+      </p:grpSp>
+    </p:spTree>
+    <p:extLst>
+      <p:ext uri="{BB962C8B-B14F-4D97-AF65-F5344CB8AC3E}">
+        <p14:creationId xmlns:p14="http://schemas.microsoft.com/office/powerpoint/2010/main" val="1197776597"/>
+      </p:ext>
+    </p:extLst>
+  </p:cSld>
+  <p:clrMapOvr>
+    <a:masterClrMapping/>
+  </p:clrMapOvr>
+</p:sld>
+</file>
+
+<file path=ppt/slides/slide4.xml><?xml version="1.0" encoding="utf-8"?>
+<p:sld xmlns:a="http://schemas.openxmlformats.org/drawingml/2006/main" xmlns:r="http://schemas.openxmlformats.org/officeDocument/2006/relationships" xmlns:p="http://schemas.openxmlformats.org/presentationml/2006/main">
+  <p:cSld>
+    <p:spTree>
+      <p:nvGrpSpPr>
+        <p:cNvPr id="1" name="">
+          <a:extLst>
+            <a:ext uri="{FF2B5EF4-FFF2-40B4-BE49-F238E27FC236}">
+              <a16:creationId xmlns:a16="http://schemas.microsoft.com/office/drawing/2014/main" id="{C310616F-FD44-E9F3-DF94-4747C24F9EB6}"/>
+            </a:ext>
+          </a:extLst>
+        </p:cNvPr>
+        <p:cNvGrpSpPr/>
+        <p:nvPr/>
+      </p:nvGrpSpPr>
+      <p:grpSpPr>
+        <a:xfrm>
+          <a:off x="0" y="0"/>
+          <a:ext cx="0" cy="0"/>
+          <a:chOff x="0" y="0"/>
+          <a:chExt cx="0" cy="0"/>
+        </a:xfrm>
+      </p:grpSpPr>
+      <p:grpSp>
+        <p:nvGrpSpPr>
+          <p:cNvPr id="54" name="그룹 53">
+            <a:extLst>
+              <a:ext uri="{FF2B5EF4-FFF2-40B4-BE49-F238E27FC236}">
+                <a16:creationId xmlns:a16="http://schemas.microsoft.com/office/drawing/2014/main" id="{327D79B9-0969-8367-841D-828C1558FA03}"/>
+              </a:ext>
+            </a:extLst>
+          </p:cNvPr>
+          <p:cNvGrpSpPr/>
+          <p:nvPr/>
+        </p:nvGrpSpPr>
+        <p:grpSpPr>
+          <a:xfrm>
+            <a:off x="5052291" y="683490"/>
+            <a:ext cx="2711956" cy="2764073"/>
+            <a:chOff x="5052291" y="683490"/>
+            <a:chExt cx="2711956" cy="2764073"/>
+          </a:xfrm>
+        </p:grpSpPr>
+        <p:grpSp>
+          <p:nvGrpSpPr>
+            <p:cNvPr id="47" name="그룹 46">
+              <a:extLst>
+                <a:ext uri="{FF2B5EF4-FFF2-40B4-BE49-F238E27FC236}">
+                  <a16:creationId xmlns:a16="http://schemas.microsoft.com/office/drawing/2014/main" id="{A3A61CB4-F7F9-9B45-F916-8FFC7337299A}"/>
+                </a:ext>
+              </a:extLst>
+            </p:cNvPr>
+            <p:cNvGrpSpPr/>
+            <p:nvPr/>
+          </p:nvGrpSpPr>
+          <p:grpSpPr>
+            <a:xfrm>
+              <a:off x="5052291" y="683490"/>
+              <a:ext cx="2711956" cy="2764073"/>
+              <a:chOff x="5052291" y="683490"/>
+              <a:chExt cx="2711956" cy="2764073"/>
+            </a:xfrm>
+          </p:grpSpPr>
+          <p:sp>
+            <p:nvSpPr>
+              <p:cNvPr id="2" name="직사각형 1">
+                <a:extLst>
+                  <a:ext uri="{FF2B5EF4-FFF2-40B4-BE49-F238E27FC236}">
+                    <a16:creationId xmlns:a16="http://schemas.microsoft.com/office/drawing/2014/main" id="{FBD50267-73E3-5CAD-9B8F-C6927918D616}"/>
+                  </a:ext>
+                </a:extLst>
+              </p:cNvPr>
+              <p:cNvSpPr/>
+              <p:nvPr/>
+            </p:nvSpPr>
+            <p:spPr>
+              <a:xfrm rot="14111534">
+                <a:off x="5510121" y="2469997"/>
+                <a:ext cx="1431758" cy="523374"/>
+              </a:xfrm>
+              <a:prstGeom prst="rect">
+                <a:avLst/>
+              </a:prstGeom>
+              <a:solidFill>
+                <a:schemeClr val="bg2"/>
+              </a:solidFill>
+            </p:spPr>
+            <p:style>
+              <a:lnRef idx="2">
+                <a:schemeClr val="accent1">
+                  <a:shade val="15000"/>
+                </a:schemeClr>
+              </a:lnRef>
+              <a:fillRef idx="1">
+                <a:schemeClr val="accent1"/>
+              </a:fillRef>
+              <a:effectRef idx="0">
+                <a:schemeClr val="accent1"/>
+              </a:effectRef>
+              <a:fontRef idx="minor">
+                <a:schemeClr val="lt1"/>
+              </a:fontRef>
+            </p:style>
+            <p:txBody>
+              <a:bodyPr rtlCol="0" anchor="ctr"/>
+              <a:lstStyle/>
+              <a:p>
+                <a:pPr algn="ctr"/>
+                <a:endParaRPr lang="ko-KR" altLang="en-US"/>
+              </a:p>
+            </p:txBody>
+          </p:sp>
+          <p:cxnSp>
+            <p:nvCxnSpPr>
+              <p:cNvPr id="11" name="직선 연결선 10">
+                <a:extLst>
+                  <a:ext uri="{FF2B5EF4-FFF2-40B4-BE49-F238E27FC236}">
+                    <a16:creationId xmlns:a16="http://schemas.microsoft.com/office/drawing/2014/main" id="{FA134D71-FFC2-3840-30DE-AB2FFC5A2E55}"/>
+                  </a:ext>
+                </a:extLst>
+              </p:cNvPr>
+              <p:cNvCxnSpPr>
+                <a:cxnSpLocks/>
+                <a:endCxn id="2" idx="1"/>
+              </p:cNvCxnSpPr>
+              <p:nvPr/>
+            </p:nvCxnSpPr>
+            <p:spPr>
+              <a:xfrm>
+                <a:off x="5052291" y="1052822"/>
+                <a:ext cx="1582351" cy="2266650"/>
+              </a:xfrm>
+              <a:prstGeom prst="line">
+                <a:avLst/>
+              </a:prstGeom>
+              <a:ln>
+                <a:prstDash val="dash"/>
+              </a:ln>
+            </p:spPr>
+            <p:style>
+              <a:lnRef idx="2">
+                <a:schemeClr val="dk1"/>
+              </a:lnRef>
+              <a:fillRef idx="0">
+                <a:schemeClr val="dk1"/>
+              </a:fillRef>
+              <a:effectRef idx="1">
+                <a:schemeClr val="dk1"/>
+              </a:effectRef>
+              <a:fontRef idx="minor">
+                <a:schemeClr val="tx1"/>
+              </a:fontRef>
+            </p:style>
+          </p:cxnSp>
+          <p:cxnSp>
+            <p:nvCxnSpPr>
+              <p:cNvPr id="19" name="직선 연결선 18">
+                <a:extLst>
+                  <a:ext uri="{FF2B5EF4-FFF2-40B4-BE49-F238E27FC236}">
+                    <a16:creationId xmlns:a16="http://schemas.microsoft.com/office/drawing/2014/main" id="{1566D14B-33DA-4C68-A806-61ED60024215}"/>
+                  </a:ext>
+                </a:extLst>
+              </p:cNvPr>
+              <p:cNvCxnSpPr>
+                <a:cxnSpLocks/>
+              </p:cNvCxnSpPr>
+              <p:nvPr/>
+            </p:nvCxnSpPr>
+            <p:spPr>
+              <a:xfrm flipH="1" flipV="1">
+                <a:off x="5384800" y="683490"/>
+                <a:ext cx="813491" cy="1974303"/>
+              </a:xfrm>
+              <a:prstGeom prst="line">
+                <a:avLst/>
+              </a:prstGeom>
+              <a:ln>
+                <a:solidFill>
+                  <a:srgbClr val="002060"/>
+                </a:solidFill>
+                <a:prstDash val="solid"/>
+                <a:headEnd type="none" w="med" len="med"/>
+                <a:tailEnd type="triangle" w="med" len="med"/>
+              </a:ln>
+            </p:spPr>
+            <p:style>
+              <a:lnRef idx="2">
+                <a:schemeClr val="dk1"/>
+              </a:lnRef>
+              <a:fillRef idx="0">
+                <a:schemeClr val="dk1"/>
+              </a:fillRef>
+              <a:effectRef idx="1">
+                <a:schemeClr val="dk1"/>
+              </a:effectRef>
+              <a:fontRef idx="minor">
+                <a:schemeClr val="tx1"/>
+              </a:fontRef>
+            </p:style>
+          </p:cxnSp>
+          <p:sp>
+            <p:nvSpPr>
+              <p:cNvPr id="35" name="TextBox 34">
+                <a:extLst>
+                  <a:ext uri="{FF2B5EF4-FFF2-40B4-BE49-F238E27FC236}">
+                    <a16:creationId xmlns:a16="http://schemas.microsoft.com/office/drawing/2014/main" id="{912394C1-D433-A45E-582A-16FD49D5FB25}"/>
+                  </a:ext>
+                </a:extLst>
+              </p:cNvPr>
+              <p:cNvSpPr txBox="1"/>
+              <p:nvPr/>
+            </p:nvSpPr>
+            <p:spPr>
+              <a:xfrm>
+                <a:off x="5513053" y="683490"/>
+                <a:ext cx="2251194" cy="369332"/>
+              </a:xfrm>
+              <a:prstGeom prst="rect">
+                <a:avLst/>
+              </a:prstGeom>
+              <a:noFill/>
+            </p:spPr>
+            <p:txBody>
+              <a:bodyPr wrap="none" rtlCol="0">
+                <a:spAutoFit/>
+              </a:bodyPr>
+              <a:lstStyle/>
+              <a:p>
+                <a:r>
+                  <a:rPr lang="en-US" altLang="ko-KR" dirty="0"/>
+                  <a:t>Direction of Motion</a:t>
+                </a:r>
+                <a:endParaRPr lang="ko-KR" altLang="en-US" dirty="0"/>
+              </a:p>
+            </p:txBody>
+          </p:sp>
+          <p:sp>
+            <p:nvSpPr>
+              <p:cNvPr id="37" name="원호 36">
+                <a:extLst>
+                  <a:ext uri="{FF2B5EF4-FFF2-40B4-BE49-F238E27FC236}">
+                    <a16:creationId xmlns:a16="http://schemas.microsoft.com/office/drawing/2014/main" id="{859D5C42-F67A-6B86-CE48-94889DDD98E7}"/>
+                  </a:ext>
+                </a:extLst>
+              </p:cNvPr>
+              <p:cNvSpPr/>
+              <p:nvPr/>
+            </p:nvSpPr>
+            <p:spPr>
+              <a:xfrm rot="3506336">
+                <a:off x="5466610" y="1500666"/>
+                <a:ext cx="505287" cy="573912"/>
+              </a:xfrm>
+              <a:prstGeom prst="arc">
+                <a:avLst>
+                  <a:gd name="adj1" fmla="val 8830780"/>
+                  <a:gd name="adj2" fmla="val 13149219"/>
+                </a:avLst>
+              </a:prstGeom>
+              <a:noFill/>
+              <a:ln w="3175">
+                <a:solidFill>
+                  <a:schemeClr val="tx1"/>
+                </a:solidFill>
+              </a:ln>
+            </p:spPr>
+            <p:style>
+              <a:lnRef idx="2">
+                <a:schemeClr val="accent1">
+                  <a:shade val="15000"/>
+                </a:schemeClr>
+              </a:lnRef>
+              <a:fillRef idx="1">
+                <a:schemeClr val="accent1"/>
+              </a:fillRef>
+              <a:effectRef idx="0">
+                <a:schemeClr val="accent1"/>
+              </a:effectRef>
+              <a:fontRef idx="minor">
+                <a:schemeClr val="lt1"/>
+              </a:fontRef>
+            </p:style>
+            <p:txBody>
+              <a:bodyPr rtlCol="0" anchor="ctr"/>
+              <a:lstStyle/>
+              <a:p>
+                <a:pPr algn="ctr"/>
+                <a:endParaRPr lang="ko-KR" altLang="en-US"/>
+              </a:p>
+            </p:txBody>
+          </p:sp>
+          <mc:AlternateContent xmlns:mc="http://schemas.openxmlformats.org/markup-compatibility/2006" xmlns:a14="http://schemas.microsoft.com/office/drawing/2010/main">
+            <mc:Choice Requires="a14">
+              <p:sp>
+                <p:nvSpPr>
+                  <p:cNvPr id="38" name="TextBox 37">
+                    <a:extLst>
+                      <a:ext uri="{FF2B5EF4-FFF2-40B4-BE49-F238E27FC236}">
+                        <a16:creationId xmlns:a16="http://schemas.microsoft.com/office/drawing/2014/main" id="{BAEFE6B2-8AFD-E88B-29FF-79E92EF00CCE}"/>
+                      </a:ext>
+                    </a:extLst>
+                  </p:cNvPr>
+                  <p:cNvSpPr txBox="1"/>
+                  <p:nvPr/>
+                </p:nvSpPr>
+                <p:spPr>
+                  <a:xfrm>
+                    <a:off x="5322038" y="1198995"/>
+                    <a:ext cx="411266" cy="369332"/>
+                  </a:xfrm>
+                  <a:prstGeom prst="rect">
+                    <a:avLst/>
+                  </a:prstGeom>
+                  <a:noFill/>
+                </p:spPr>
+                <p:txBody>
+                  <a:bodyPr wrap="none" rtlCol="0">
+                    <a:spAutoFit/>
+                  </a:bodyPr>
+                  <a:lstStyle/>
+                  <a:p>
+                    <a:pPr/>
+                    <a14:m>
+                      <m:oMathPara xmlns:m="http://schemas.openxmlformats.org/officeDocument/2006/math">
+                        <m:oMathParaPr>
+                          <m:jc m:val="centerGroup"/>
+                        </m:oMathParaPr>
+                        <m:oMath xmlns:m="http://schemas.openxmlformats.org/officeDocument/2006/math">
+                          <m:r>
+                            <a:rPr lang="en-US" altLang="ko-KR" b="0" i="1" smtClean="0">
+                              <a:latin typeface="Cambria Math" panose="02040503050406030204" pitchFamily="18" charset="0"/>
+                            </a:rPr>
+                            <m:t>𝛼</m:t>
+                          </m:r>
+                        </m:oMath>
+                      </m:oMathPara>
+                    </a14:m>
+                    <a:endParaRPr lang="ko-KR" altLang="en-US" dirty="0"/>
+                  </a:p>
+                </p:txBody>
+              </p:sp>
+            </mc:Choice>
+            <mc:Fallback xmlns="">
+              <p:sp>
+                <p:nvSpPr>
+                  <p:cNvPr id="38" name="TextBox 37">
+                    <a:extLst>
+                      <a:ext uri="{FF2B5EF4-FFF2-40B4-BE49-F238E27FC236}">
+                        <a16:creationId xmlns:a16="http://schemas.microsoft.com/office/drawing/2014/main" id="{BAEFE6B2-8AFD-E88B-29FF-79E92EF00CCE}"/>
+                      </a:ext>
+                    </a:extLst>
+                  </p:cNvPr>
+                  <p:cNvSpPr txBox="1">
+                    <a:spLocks noRot="1" noChangeAspect="1" noMove="1" noResize="1" noEditPoints="1" noAdjustHandles="1" noChangeArrowheads="1" noChangeShapeType="1" noTextEdit="1"/>
+                  </p:cNvSpPr>
+                  <p:nvPr/>
+                </p:nvSpPr>
+                <p:spPr>
+                  <a:xfrm>
+                    <a:off x="5322038" y="1198995"/>
+                    <a:ext cx="411266" cy="369332"/>
+                  </a:xfrm>
+                  <a:prstGeom prst="rect">
+                    <a:avLst/>
+                  </a:prstGeom>
+                  <a:blipFill>
+                    <a:blip r:embed="rId2"/>
+                    <a:stretch>
+                      <a:fillRect/>
+                    </a:stretch>
+                  </a:blipFill>
+                </p:spPr>
+                <p:txBody>
+                  <a:bodyPr/>
+                  <a:lstStyle/>
+                  <a:p>
+                    <a:r>
+                      <a:rPr lang="ko-KR" altLang="en-US">
+                        <a:noFill/>
+                      </a:rPr>
+                      <a:t> </a:t>
+                    </a:r>
+                  </a:p>
+                </p:txBody>
+              </p:sp>
+            </mc:Fallback>
+          </mc:AlternateContent>
+          <p:cxnSp>
+            <p:nvCxnSpPr>
+              <p:cNvPr id="40" name="직선 화살표 연결선 39">
+                <a:extLst>
+                  <a:ext uri="{FF2B5EF4-FFF2-40B4-BE49-F238E27FC236}">
+                    <a16:creationId xmlns:a16="http://schemas.microsoft.com/office/drawing/2014/main" id="{2D1FB828-B86B-B844-5694-58677C92097C}"/>
+                  </a:ext>
+                </a:extLst>
+              </p:cNvPr>
+              <p:cNvCxnSpPr>
+                <a:cxnSpLocks/>
+              </p:cNvCxnSpPr>
+              <p:nvPr/>
+            </p:nvCxnSpPr>
+            <p:spPr>
+              <a:xfrm flipH="1">
+                <a:off x="5602494" y="2657793"/>
+                <a:ext cx="595797" cy="369332"/>
+              </a:xfrm>
+              <a:prstGeom prst="straightConnector1">
+                <a:avLst/>
+              </a:prstGeom>
+              <a:ln>
+                <a:tailEnd type="triangle"/>
+              </a:ln>
+            </p:spPr>
+            <p:style>
+              <a:lnRef idx="2">
+                <a:schemeClr val="dk1"/>
+              </a:lnRef>
+              <a:fillRef idx="0">
+                <a:schemeClr val="dk1"/>
+              </a:fillRef>
+              <a:effectRef idx="1">
+                <a:schemeClr val="dk1"/>
+              </a:effectRef>
+              <a:fontRef idx="minor">
+                <a:schemeClr val="tx1"/>
+              </a:fontRef>
+            </p:style>
+          </p:cxnSp>
+        </p:grpSp>
+        <mc:AlternateContent xmlns:mc="http://schemas.openxmlformats.org/markup-compatibility/2006" xmlns:a14="http://schemas.microsoft.com/office/drawing/2010/main">
+          <mc:Choice Requires="a14">
+            <p:sp>
+              <p:nvSpPr>
+                <p:cNvPr id="52" name="TextBox 51">
+                  <a:extLst>
+                    <a:ext uri="{FF2B5EF4-FFF2-40B4-BE49-F238E27FC236}">
+                      <a16:creationId xmlns:a16="http://schemas.microsoft.com/office/drawing/2014/main" id="{95F5B4B2-7340-F542-20B0-482F4DE25980}"/>
+                    </a:ext>
+                  </a:extLst>
+                </p:cNvPr>
+                <p:cNvSpPr txBox="1"/>
+                <p:nvPr/>
+              </p:nvSpPr>
+              <p:spPr>
+                <a:xfrm>
+                  <a:off x="5649882" y="2899155"/>
+                  <a:ext cx="483466" cy="391261"/>
+                </a:xfrm>
+                <a:prstGeom prst="rect">
+                  <a:avLst/>
+                </a:prstGeom>
+                <a:noFill/>
+              </p:spPr>
+              <p:txBody>
+                <a:bodyPr wrap="none" rtlCol="0">
+                  <a:spAutoFit/>
+                </a:bodyPr>
+                <a:lstStyle/>
+                <a:p>
+                  <a:pPr/>
+                  <a14:m>
+                    <m:oMathPara xmlns:m="http://schemas.openxmlformats.org/officeDocument/2006/math">
+                      <m:oMathParaPr>
+                        <m:jc m:val="centerGroup"/>
+                      </m:oMathParaPr>
+                      <m:oMath xmlns:m="http://schemas.openxmlformats.org/officeDocument/2006/math">
+                        <m:sSub>
+                          <m:sSubPr>
+                            <m:ctrlPr>
+                              <a:rPr lang="en-US" altLang="ko-KR" b="0" i="1" smtClean="0">
+                                <a:latin typeface="Cambria Math" panose="02040503050406030204" pitchFamily="18" charset="0"/>
+                              </a:rPr>
+                            </m:ctrlPr>
+                          </m:sSubPr>
+                          <m:e>
+                            <m:r>
+                              <a:rPr lang="en-US" altLang="ko-KR" b="0" i="1" smtClean="0">
+                                <a:latin typeface="Cambria Math" panose="02040503050406030204" pitchFamily="18" charset="0"/>
+                              </a:rPr>
+                              <m:t>𝐹</m:t>
+                            </m:r>
+                          </m:e>
+                          <m:sub>
+                            <m:r>
+                              <a:rPr lang="en-US" altLang="ko-KR" b="0" i="1" smtClean="0">
+                                <a:latin typeface="Cambria Math" panose="02040503050406030204" pitchFamily="18" charset="0"/>
+                              </a:rPr>
+                              <m:t>𝑦</m:t>
+                            </m:r>
+                          </m:sub>
+                        </m:sSub>
+                      </m:oMath>
+                    </m:oMathPara>
+                  </a14:m>
+                  <a:endParaRPr lang="ko-KR" altLang="en-US" dirty="0"/>
+                </a:p>
+              </p:txBody>
+            </p:sp>
+          </mc:Choice>
+          <mc:Fallback xmlns="">
+            <p:sp>
+              <p:nvSpPr>
+                <p:cNvPr id="52" name="TextBox 51">
+                  <a:extLst>
+                    <a:ext uri="{FF2B5EF4-FFF2-40B4-BE49-F238E27FC236}">
+                      <a16:creationId xmlns:a16="http://schemas.microsoft.com/office/drawing/2014/main" id="{95F5B4B2-7340-F542-20B0-482F4DE25980}"/>
+                    </a:ext>
+                  </a:extLst>
+                </p:cNvPr>
+                <p:cNvSpPr txBox="1">
+                  <a:spLocks noRot="1" noChangeAspect="1" noMove="1" noResize="1" noEditPoints="1" noAdjustHandles="1" noChangeArrowheads="1" noChangeShapeType="1" noTextEdit="1"/>
+                </p:cNvSpPr>
+                <p:nvPr/>
+              </p:nvSpPr>
+              <p:spPr>
+                <a:xfrm>
+                  <a:off x="5649882" y="2899155"/>
+                  <a:ext cx="483466" cy="391261"/>
+                </a:xfrm>
+                <a:prstGeom prst="rect">
+                  <a:avLst/>
+                </a:prstGeom>
+                <a:blipFill>
+                  <a:blip r:embed="rId3"/>
+                  <a:stretch>
+                    <a:fillRect b="-3125"/>
+                  </a:stretch>
+                </a:blipFill>
+              </p:spPr>
+              <p:txBody>
+                <a:bodyPr/>
+                <a:lstStyle/>
+                <a:p>
+                  <a:r>
+                    <a:rPr lang="ko-KR" altLang="en-US">
+                      <a:noFill/>
+                    </a:rPr>
+                    <a:t> </a:t>
+                  </a:r>
+                </a:p>
+              </p:txBody>
+            </p:sp>
+          </mc:Fallback>
+        </mc:AlternateContent>
+      </p:grpSp>
+    </p:spTree>
+    <p:extLst>
+      <p:ext uri="{BB962C8B-B14F-4D97-AF65-F5344CB8AC3E}">
+        <p14:creationId xmlns:p14="http://schemas.microsoft.com/office/powerpoint/2010/main" val="3685978045"/>
+      </p:ext>
+    </p:extLst>
+  </p:cSld>
+  <p:clrMapOvr>
+    <a:masterClrMapping/>
+  </p:clrMapOvr>
+</p:sld>
+</file>
+
+<file path=ppt/slides/slide5.xml><?xml version="1.0" encoding="utf-8"?>
+<p:sld xmlns:a="http://schemas.openxmlformats.org/drawingml/2006/main" xmlns:r="http://schemas.openxmlformats.org/officeDocument/2006/relationships" xmlns:p="http://schemas.openxmlformats.org/presentationml/2006/main">
+  <p:cSld>
+    <p:spTree>
+      <p:nvGrpSpPr>
+        <p:cNvPr id="1" name=""/>
+        <p:cNvGrpSpPr/>
+        <p:nvPr/>
+      </p:nvGrpSpPr>
+      <p:grpSpPr>
+        <a:xfrm>
+          <a:off x="0" y="0"/>
+          <a:ext cx="0" cy="0"/>
+          <a:chOff x="0" y="0"/>
+          <a:chExt cx="0" cy="0"/>
+        </a:xfrm>
+      </p:grpSpPr>
+      <p:grpSp>
+        <p:nvGrpSpPr>
+          <p:cNvPr id="2" name="그룹 1">
+            <a:extLst>
+              <a:ext uri="{FF2B5EF4-FFF2-40B4-BE49-F238E27FC236}">
+                <a16:creationId xmlns:a16="http://schemas.microsoft.com/office/drawing/2014/main" id="{212357AD-8B4D-70A5-B085-6E8A19345098}"/>
               </a:ext>
             </a:extLst>
           </p:cNvPr>
@@ -3680,7 +7925,7 @@
                   <p:nvPr/>
                 </p:nvSpPr>
                 <p:spPr>
-                  <a:xfrm rot="904786" flipH="1">
+                  <a:xfrm rot="20695214">
                     <a:off x="3141609" y="2125747"/>
                     <a:ext cx="602853" cy="235618"/>
                   </a:xfrm>
@@ -4180,7 +8425,7 @@
                   <p:nvPr/>
                 </p:nvSpPr>
                 <p:spPr>
-                  <a:xfrm rot="2114496" flipH="1">
+                  <a:xfrm rot="20695214">
                     <a:off x="3141609" y="2125747"/>
                     <a:ext cx="602853" cy="235618"/>
                   </a:xfrm>
@@ -4394,7 +8639,7 @@
                   <p:nvPr/>
                 </p:nvSpPr>
                 <p:spPr>
-                  <a:xfrm rot="904786" flipH="1">
+                  <a:xfrm rot="20695214">
                     <a:off x="3141609" y="2125747"/>
                     <a:ext cx="602853" cy="235618"/>
                   </a:xfrm>
@@ -4608,7 +8853,7 @@
                   <p:nvPr/>
                 </p:nvSpPr>
                 <p:spPr>
-                  <a:xfrm rot="2114496" flipH="1">
+                  <a:xfrm rot="20695214">
                     <a:off x="3141609" y="2125747"/>
                     <a:ext cx="602853" cy="235618"/>
                   </a:xfrm>
@@ -4641,7 +8886,7 @@
                   <a:lstStyle/>
                   <a:p>
                     <a:pPr algn="ctr"/>
-                    <a:endParaRPr lang="ko-KR" altLang="en-US">
+                    <a:endParaRPr lang="ko-KR" altLang="en-US" dirty="0">
                       <a:ln w="0"/>
                       <a:solidFill>
                         <a:schemeClr val="tx1"/>
@@ -4744,8 +8989,8 @@
             </p:style>
           </p:cxnSp>
         </p:grpSp>
-        <mc:AlternateContent xmlns:mc="http://schemas.openxmlformats.org/markup-compatibility/2006">
-          <mc:Choice xmlns:a14="http://schemas.microsoft.com/office/drawing/2010/main" Requires="a14">
+        <mc:AlternateContent xmlns:mc="http://schemas.openxmlformats.org/markup-compatibility/2006" xmlns:a14="http://schemas.microsoft.com/office/drawing/2010/main">
+          <mc:Choice Requires="a14">
             <p:sp>
               <p:nvSpPr>
                 <p:cNvPr id="62" name="TextBox 61">
@@ -4826,7 +9071,7 @@
               </p:txBody>
             </p:sp>
           </mc:Choice>
-          <mc:Fallback>
+          <mc:Fallback xmlns="">
             <p:sp>
               <p:nvSpPr>
                 <p:cNvPr id="62" name="TextBox 61">
@@ -4871,8 +9116,8 @@
             </p:sp>
           </mc:Fallback>
         </mc:AlternateContent>
-        <mc:AlternateContent xmlns:mc="http://schemas.openxmlformats.org/markup-compatibility/2006">
-          <mc:Choice xmlns:a14="http://schemas.microsoft.com/office/drawing/2010/main" Requires="a14">
+        <mc:AlternateContent xmlns:mc="http://schemas.openxmlformats.org/markup-compatibility/2006" xmlns:a14="http://schemas.microsoft.com/office/drawing/2010/main">
+          <mc:Choice Requires="a14">
             <p:sp>
               <p:nvSpPr>
                 <p:cNvPr id="63" name="TextBox 62">
@@ -4953,7 +9198,7 @@
               </p:txBody>
             </p:sp>
           </mc:Choice>
-          <mc:Fallback>
+          <mc:Fallback xmlns="">
             <p:sp>
               <p:nvSpPr>
                 <p:cNvPr id="63" name="TextBox 62">
@@ -4998,8 +9243,8 @@
             </p:sp>
           </mc:Fallback>
         </mc:AlternateContent>
-        <mc:AlternateContent xmlns:mc="http://schemas.openxmlformats.org/markup-compatibility/2006">
-          <mc:Choice xmlns:a14="http://schemas.microsoft.com/office/drawing/2010/main" Requires="a14">
+        <mc:AlternateContent xmlns:mc="http://schemas.openxmlformats.org/markup-compatibility/2006" xmlns:a14="http://schemas.microsoft.com/office/drawing/2010/main">
+          <mc:Choice Requires="a14">
             <p:sp>
               <p:nvSpPr>
                 <p:cNvPr id="64" name="TextBox 63">
@@ -5080,7 +9325,7 @@
               </p:txBody>
             </p:sp>
           </mc:Choice>
-          <mc:Fallback>
+          <mc:Fallback xmlns="">
             <p:sp>
               <p:nvSpPr>
                 <p:cNvPr id="64" name="TextBox 63">
@@ -5125,8 +9370,8 @@
             </p:sp>
           </mc:Fallback>
         </mc:AlternateContent>
-        <mc:AlternateContent xmlns:mc="http://schemas.openxmlformats.org/markup-compatibility/2006">
-          <mc:Choice xmlns:a14="http://schemas.microsoft.com/office/drawing/2010/main" Requires="a14">
+        <mc:AlternateContent xmlns:mc="http://schemas.openxmlformats.org/markup-compatibility/2006" xmlns:a14="http://schemas.microsoft.com/office/drawing/2010/main">
+          <mc:Choice Requires="a14">
             <p:sp>
               <p:nvSpPr>
                 <p:cNvPr id="65" name="TextBox 64">
@@ -5207,7 +9452,7 @@
               </p:txBody>
             </p:sp>
           </mc:Choice>
-          <mc:Fallback>
+          <mc:Fallback xmlns="">
             <p:sp>
               <p:nvSpPr>
                 <p:cNvPr id="65" name="TextBox 64">
@@ -5252,8 +9497,8 @@
             </p:sp>
           </mc:Fallback>
         </mc:AlternateContent>
-        <mc:AlternateContent xmlns:mc="http://schemas.openxmlformats.org/markup-compatibility/2006">
-          <mc:Choice xmlns:a14="http://schemas.microsoft.com/office/drawing/2010/main" Requires="a14">
+        <mc:AlternateContent xmlns:mc="http://schemas.openxmlformats.org/markup-compatibility/2006" xmlns:a14="http://schemas.microsoft.com/office/drawing/2010/main">
+          <mc:Choice Requires="a14">
             <p:sp>
               <p:nvSpPr>
                 <p:cNvPr id="66" name="TextBox 65">
@@ -5334,7 +9579,7 @@
               </p:txBody>
             </p:sp>
           </mc:Choice>
-          <mc:Fallback>
+          <mc:Fallback xmlns="">
             <p:sp>
               <p:nvSpPr>
                 <p:cNvPr id="66" name="TextBox 65">
@@ -5379,8 +9624,8 @@
             </p:sp>
           </mc:Fallback>
         </mc:AlternateContent>
-        <mc:AlternateContent xmlns:mc="http://schemas.openxmlformats.org/markup-compatibility/2006">
-          <mc:Choice xmlns:a14="http://schemas.microsoft.com/office/drawing/2010/main" Requires="a14">
+        <mc:AlternateContent xmlns:mc="http://schemas.openxmlformats.org/markup-compatibility/2006" xmlns:a14="http://schemas.microsoft.com/office/drawing/2010/main">
+          <mc:Choice Requires="a14">
             <p:sp>
               <p:nvSpPr>
                 <p:cNvPr id="67" name="TextBox 66">
@@ -5461,7 +9706,7 @@
               </p:txBody>
             </p:sp>
           </mc:Choice>
-          <mc:Fallback>
+          <mc:Fallback xmlns="">
             <p:sp>
               <p:nvSpPr>
                 <p:cNvPr id="67" name="TextBox 66">
@@ -5506,8 +9751,8 @@
             </p:sp>
           </mc:Fallback>
         </mc:AlternateContent>
-        <mc:AlternateContent xmlns:mc="http://schemas.openxmlformats.org/markup-compatibility/2006">
-          <mc:Choice xmlns:a14="http://schemas.microsoft.com/office/drawing/2010/main" Requires="a14">
+        <mc:AlternateContent xmlns:mc="http://schemas.openxmlformats.org/markup-compatibility/2006" xmlns:a14="http://schemas.microsoft.com/office/drawing/2010/main">
+          <mc:Choice Requires="a14">
             <p:sp>
               <p:nvSpPr>
                 <p:cNvPr id="69" name="TextBox 68">
@@ -5557,7 +9802,7 @@
               </p:txBody>
             </p:sp>
           </mc:Choice>
-          <mc:Fallback>
+          <mc:Fallback xmlns="">
             <p:sp>
               <p:nvSpPr>
                 <p:cNvPr id="69" name="TextBox 68">
@@ -5602,8 +9847,8 @@
             </p:sp>
           </mc:Fallback>
         </mc:AlternateContent>
-        <mc:AlternateContent xmlns:mc="http://schemas.openxmlformats.org/markup-compatibility/2006">
-          <mc:Choice xmlns:a14="http://schemas.microsoft.com/office/drawing/2010/main" Requires="a14">
+        <mc:AlternateContent xmlns:mc="http://schemas.openxmlformats.org/markup-compatibility/2006" xmlns:a14="http://schemas.microsoft.com/office/drawing/2010/main">
+          <mc:Choice Requires="a14">
             <p:sp>
               <p:nvSpPr>
                 <p:cNvPr id="70" name="TextBox 69">
@@ -5653,7 +9898,7 @@
               </p:txBody>
             </p:sp>
           </mc:Choice>
-          <mc:Fallback>
+          <mc:Fallback xmlns="">
             <p:sp>
               <p:nvSpPr>
                 <p:cNvPr id="70" name="TextBox 69">
@@ -5760,8 +10005,8 @@
             </a:p>
           </p:txBody>
         </p:sp>
-        <mc:AlternateContent xmlns:mc="http://schemas.openxmlformats.org/markup-compatibility/2006">
-          <mc:Choice xmlns:a14="http://schemas.microsoft.com/office/drawing/2010/main" Requires="a14">
+        <mc:AlternateContent xmlns:mc="http://schemas.openxmlformats.org/markup-compatibility/2006" xmlns:a14="http://schemas.microsoft.com/office/drawing/2010/main">
+          <mc:Choice Requires="a14">
             <p:sp>
               <p:nvSpPr>
                 <p:cNvPr id="72" name="TextBox 71">
@@ -5842,7 +10087,7 @@
               </p:txBody>
             </p:sp>
           </mc:Choice>
-          <mc:Fallback>
+          <mc:Fallback xmlns="">
             <p:sp>
               <p:nvSpPr>
                 <p:cNvPr id="72" name="TextBox 71">
@@ -5887,8 +10132,8 @@
             </p:sp>
           </mc:Fallback>
         </mc:AlternateContent>
-        <mc:AlternateContent xmlns:mc="http://schemas.openxmlformats.org/markup-compatibility/2006">
-          <mc:Choice xmlns:a14="http://schemas.microsoft.com/office/drawing/2010/main" Requires="a14">
+        <mc:AlternateContent xmlns:mc="http://schemas.openxmlformats.org/markup-compatibility/2006" xmlns:a14="http://schemas.microsoft.com/office/drawing/2010/main">
+          <mc:Choice Requires="a14">
             <p:sp>
               <p:nvSpPr>
                 <p:cNvPr id="73" name="TextBox 72">
@@ -5969,7 +10214,7 @@
               </p:txBody>
             </p:sp>
           </mc:Choice>
-          <mc:Fallback>
+          <mc:Fallback xmlns="">
             <p:sp>
               <p:nvSpPr>
                 <p:cNvPr id="73" name="TextBox 72">
@@ -6014,8 +10259,8 @@
             </p:sp>
           </mc:Fallback>
         </mc:AlternateContent>
-        <mc:AlternateContent xmlns:mc="http://schemas.openxmlformats.org/markup-compatibility/2006">
-          <mc:Choice xmlns:a14="http://schemas.microsoft.com/office/drawing/2010/main" Requires="a14">
+        <mc:AlternateContent xmlns:mc="http://schemas.openxmlformats.org/markup-compatibility/2006" xmlns:a14="http://schemas.microsoft.com/office/drawing/2010/main">
+          <mc:Choice Requires="a14">
             <p:sp>
               <p:nvSpPr>
                 <p:cNvPr id="74" name="TextBox 73">
@@ -6096,7 +10341,7 @@
               </p:txBody>
             </p:sp>
           </mc:Choice>
-          <mc:Fallback>
+          <mc:Fallback xmlns="">
             <p:sp>
               <p:nvSpPr>
                 <p:cNvPr id="74" name="TextBox 73">
@@ -6141,8 +10386,8 @@
             </p:sp>
           </mc:Fallback>
         </mc:AlternateContent>
-        <mc:AlternateContent xmlns:mc="http://schemas.openxmlformats.org/markup-compatibility/2006">
-          <mc:Choice xmlns:a14="http://schemas.microsoft.com/office/drawing/2010/main" Requires="a14">
+        <mc:AlternateContent xmlns:mc="http://schemas.openxmlformats.org/markup-compatibility/2006" xmlns:a14="http://schemas.microsoft.com/office/drawing/2010/main">
+          <mc:Choice Requires="a14">
             <p:sp>
               <p:nvSpPr>
                 <p:cNvPr id="75" name="TextBox 74">
@@ -6223,7 +10468,7 @@
               </p:txBody>
             </p:sp>
           </mc:Choice>
-          <mc:Fallback>
+          <mc:Fallback xmlns="">
             <p:sp>
               <p:nvSpPr>
                 <p:cNvPr id="75" name="TextBox 74">
@@ -6709,8 +10954,8 @@
             </a:fontRef>
           </p:style>
         </p:cxnSp>
-        <mc:AlternateContent xmlns:mc="http://schemas.openxmlformats.org/markup-compatibility/2006">
-          <mc:Choice xmlns:a14="http://schemas.microsoft.com/office/drawing/2010/main" Requires="a14">
+        <mc:AlternateContent xmlns:mc="http://schemas.openxmlformats.org/markup-compatibility/2006" xmlns:a14="http://schemas.microsoft.com/office/drawing/2010/main">
+          <mc:Choice Requires="a14">
             <p:sp>
               <p:nvSpPr>
                 <p:cNvPr id="128" name="TextBox 127">
@@ -6779,7 +11024,7 @@
               </p:txBody>
             </p:sp>
           </mc:Choice>
-          <mc:Fallback>
+          <mc:Fallback xmlns="">
             <p:sp>
               <p:nvSpPr>
                 <p:cNvPr id="128" name="TextBox 127">
@@ -7012,8 +11257,8 @@
             </a:p>
           </p:txBody>
         </p:sp>
-        <mc:AlternateContent xmlns:mc="http://schemas.openxmlformats.org/markup-compatibility/2006">
-          <mc:Choice xmlns:a14="http://schemas.microsoft.com/office/drawing/2010/main" Requires="a14">
+        <mc:AlternateContent xmlns:mc="http://schemas.openxmlformats.org/markup-compatibility/2006" xmlns:a14="http://schemas.microsoft.com/office/drawing/2010/main">
+          <mc:Choice Requires="a14">
             <p:sp>
               <p:nvSpPr>
                 <p:cNvPr id="158" name="TextBox 157">
@@ -7082,7 +11327,7 @@
               </p:txBody>
             </p:sp>
           </mc:Choice>
-          <mc:Fallback>
+          <mc:Fallback xmlns="">
             <p:sp>
               <p:nvSpPr>
                 <p:cNvPr id="158" name="TextBox 157">
@@ -7127,8 +11372,8 @@
             </p:sp>
           </mc:Fallback>
         </mc:AlternateContent>
-        <mc:AlternateContent xmlns:mc="http://schemas.openxmlformats.org/markup-compatibility/2006">
-          <mc:Choice xmlns:a14="http://schemas.microsoft.com/office/drawing/2010/main" Requires="a14">
+        <mc:AlternateContent xmlns:mc="http://schemas.openxmlformats.org/markup-compatibility/2006" xmlns:a14="http://schemas.microsoft.com/office/drawing/2010/main">
+          <mc:Choice Requires="a14">
             <p:sp>
               <p:nvSpPr>
                 <p:cNvPr id="159" name="TextBox 158">
@@ -7178,7 +11423,7 @@
               </p:txBody>
             </p:sp>
           </mc:Choice>
-          <mc:Fallback>
+          <mc:Fallback xmlns="">
             <p:sp>
               <p:nvSpPr>
                 <p:cNvPr id="159" name="TextBox 158">
@@ -7223,8 +11468,8 @@
             </p:sp>
           </mc:Fallback>
         </mc:AlternateContent>
-        <mc:AlternateContent xmlns:mc="http://schemas.openxmlformats.org/markup-compatibility/2006">
-          <mc:Choice xmlns:a14="http://schemas.microsoft.com/office/drawing/2010/main" Requires="a14">
+        <mc:AlternateContent xmlns:mc="http://schemas.openxmlformats.org/markup-compatibility/2006" xmlns:a14="http://schemas.microsoft.com/office/drawing/2010/main">
+          <mc:Choice Requires="a14">
             <p:sp>
               <p:nvSpPr>
                 <p:cNvPr id="160" name="TextBox 159">
@@ -7274,7 +11519,7 @@
               </p:txBody>
             </p:sp>
           </mc:Choice>
-          <mc:Fallback>
+          <mc:Fallback xmlns="">
             <p:sp>
               <p:nvSpPr>
                 <p:cNvPr id="160" name="TextBox 159">
@@ -7319,8 +11564,8 @@
             </p:sp>
           </mc:Fallback>
         </mc:AlternateContent>
-        <mc:AlternateContent xmlns:mc="http://schemas.openxmlformats.org/markup-compatibility/2006">
-          <mc:Choice xmlns:a14="http://schemas.microsoft.com/office/drawing/2010/main" Requires="a14">
+        <mc:AlternateContent xmlns:mc="http://schemas.openxmlformats.org/markup-compatibility/2006" xmlns:a14="http://schemas.microsoft.com/office/drawing/2010/main">
+          <mc:Choice Requires="a14">
             <p:sp>
               <p:nvSpPr>
                 <p:cNvPr id="161" name="TextBox 160">
@@ -7389,7 +11634,7 @@
               </p:txBody>
             </p:sp>
           </mc:Choice>
-          <mc:Fallback>
+          <mc:Fallback xmlns="">
             <p:sp>
               <p:nvSpPr>
                 <p:cNvPr id="161" name="TextBox 160">
@@ -7434,8 +11679,8 @@
             </p:sp>
           </mc:Fallback>
         </mc:AlternateContent>
-        <mc:AlternateContent xmlns:mc="http://schemas.openxmlformats.org/markup-compatibility/2006">
-          <mc:Choice xmlns:a14="http://schemas.microsoft.com/office/drawing/2010/main" Requires="a14">
+        <mc:AlternateContent xmlns:mc="http://schemas.openxmlformats.org/markup-compatibility/2006" xmlns:a14="http://schemas.microsoft.com/office/drawing/2010/main">
+          <mc:Choice Requires="a14">
             <p:sp>
               <p:nvSpPr>
                 <p:cNvPr id="162" name="TextBox 161">
@@ -7504,7 +11749,7 @@
               </p:txBody>
             </p:sp>
           </mc:Choice>
-          <mc:Fallback>
+          <mc:Fallback xmlns="">
             <p:sp>
               <p:nvSpPr>
                 <p:cNvPr id="162" name="TextBox 161">
@@ -7549,36 +11794,6 @@
             </p:sp>
           </mc:Fallback>
         </mc:AlternateContent>
-        <p:pic>
-          <p:nvPicPr>
-            <p:cNvPr id="3" name="그림 2">
-              <a:extLst>
-                <a:ext uri="{FF2B5EF4-FFF2-40B4-BE49-F238E27FC236}">
-                  <a16:creationId xmlns:a16="http://schemas.microsoft.com/office/drawing/2014/main" id="{BE83858B-1EF9-DFDB-B9A7-BD0C7676786B}"/>
-                </a:ext>
-              </a:extLst>
-            </p:cNvPr>
-            <p:cNvPicPr>
-              <a:picLocks noChangeAspect="1"/>
-            </p:cNvPicPr>
-            <p:nvPr/>
-          </p:nvPicPr>
-          <p:blipFill>
-            <a:blip r:embed="rId22"/>
-            <a:stretch>
-              <a:fillRect/>
-            </a:stretch>
-          </p:blipFill>
-          <p:spPr>
-            <a:xfrm>
-              <a:off x="5299652" y="2954410"/>
-              <a:ext cx="339147" cy="333197"/>
-            </a:xfrm>
-            <a:prstGeom prst="rect">
-              <a:avLst/>
-            </a:prstGeom>
-          </p:spPr>
-        </p:pic>
         <p:grpSp>
           <p:nvGrpSpPr>
             <p:cNvPr id="60" name="그룹 59">
@@ -7683,10 +11898,926 @@
           </p:cxnSp>
         </p:grpSp>
       </p:grpSp>
+      <p:pic>
+        <p:nvPicPr>
+          <p:cNvPr id="4" name="그림 3">
+            <a:extLst>
+              <a:ext uri="{FF2B5EF4-FFF2-40B4-BE49-F238E27FC236}">
+                <a16:creationId xmlns:a16="http://schemas.microsoft.com/office/drawing/2014/main" id="{7D214332-F0AE-859C-4C94-D0E92A5EAD3F}"/>
+              </a:ext>
+            </a:extLst>
+          </p:cNvPr>
+          <p:cNvPicPr>
+            <a:picLocks noChangeAspect="1"/>
+          </p:cNvPicPr>
+          <p:nvPr/>
+        </p:nvPicPr>
+        <p:blipFill>
+          <a:blip r:embed="rId22"/>
+          <a:stretch>
+            <a:fillRect/>
+          </a:stretch>
+        </p:blipFill>
+        <p:spPr>
+          <a:xfrm>
+            <a:off x="5299652" y="2981778"/>
+            <a:ext cx="339147" cy="333197"/>
+          </a:xfrm>
+          <a:prstGeom prst="rect">
+            <a:avLst/>
+          </a:prstGeom>
+        </p:spPr>
+      </p:pic>
     </p:spTree>
     <p:extLst>
       <p:ext uri="{BB962C8B-B14F-4D97-AF65-F5344CB8AC3E}">
         <p14:creationId xmlns:p14="http://schemas.microsoft.com/office/powerpoint/2010/main" val="3135624579"/>
+      </p:ext>
+    </p:extLst>
+  </p:cSld>
+  <p:clrMapOvr>
+    <a:masterClrMapping/>
+  </p:clrMapOvr>
+</p:sld>
+</file>
+
+<file path=ppt/slides/slide6.xml><?xml version="1.0" encoding="utf-8"?>
+<p:sld xmlns:a="http://schemas.openxmlformats.org/drawingml/2006/main" xmlns:r="http://schemas.openxmlformats.org/officeDocument/2006/relationships" xmlns:p="http://schemas.openxmlformats.org/presentationml/2006/main">
+  <p:cSld>
+    <p:spTree>
+      <p:nvGrpSpPr>
+        <p:cNvPr id="1" name="">
+          <a:extLst>
+            <a:ext uri="{FF2B5EF4-FFF2-40B4-BE49-F238E27FC236}">
+              <a16:creationId xmlns:a16="http://schemas.microsoft.com/office/drawing/2014/main" id="{B4F36564-7831-7186-30EB-14132855DB28}"/>
+            </a:ext>
+          </a:extLst>
+        </p:cNvPr>
+        <p:cNvGrpSpPr/>
+        <p:nvPr/>
+      </p:nvGrpSpPr>
+      <p:grpSpPr>
+        <a:xfrm>
+          <a:off x="0" y="0"/>
+          <a:ext cx="0" cy="0"/>
+          <a:chOff x="0" y="0"/>
+          <a:chExt cx="0" cy="0"/>
+        </a:xfrm>
+      </p:grpSpPr>
+      <p:cxnSp>
+        <p:nvCxnSpPr>
+          <p:cNvPr id="53" name="직선 연결선 52">
+            <a:extLst>
+              <a:ext uri="{FF2B5EF4-FFF2-40B4-BE49-F238E27FC236}">
+                <a16:creationId xmlns:a16="http://schemas.microsoft.com/office/drawing/2014/main" id="{37ECC442-9741-CB43-A432-353709582449}"/>
+              </a:ext>
+            </a:extLst>
+          </p:cNvPr>
+          <p:cNvCxnSpPr>
+            <a:cxnSpLocks/>
+            <a:stCxn id="39" idx="0"/>
+          </p:cNvCxnSpPr>
+          <p:nvPr/>
+        </p:nvCxnSpPr>
+        <p:spPr>
+          <a:xfrm>
+            <a:off x="4464581" y="2003353"/>
+            <a:ext cx="2453442" cy="2146056"/>
+          </a:xfrm>
+          <a:prstGeom prst="line">
+            <a:avLst/>
+          </a:prstGeom>
+          <a:ln w="3175"/>
+        </p:spPr>
+        <p:style>
+          <a:lnRef idx="2">
+            <a:schemeClr val="dk1"/>
+          </a:lnRef>
+          <a:fillRef idx="0">
+            <a:schemeClr val="dk1"/>
+          </a:fillRef>
+          <a:effectRef idx="1">
+            <a:schemeClr val="dk1"/>
+          </a:effectRef>
+          <a:fontRef idx="minor">
+            <a:schemeClr val="tx1"/>
+          </a:fontRef>
+        </p:style>
+      </p:cxnSp>
+      <p:grpSp>
+        <p:nvGrpSpPr>
+          <p:cNvPr id="97" name="그룹 96">
+            <a:extLst>
+              <a:ext uri="{FF2B5EF4-FFF2-40B4-BE49-F238E27FC236}">
+                <a16:creationId xmlns:a16="http://schemas.microsoft.com/office/drawing/2014/main" id="{17B0D439-3288-7E91-9098-3377179C134D}"/>
+              </a:ext>
+            </a:extLst>
+          </p:cNvPr>
+          <p:cNvGrpSpPr/>
+          <p:nvPr/>
+        </p:nvGrpSpPr>
+        <p:grpSpPr>
+          <a:xfrm>
+            <a:off x="-2081977" y="150590"/>
+            <a:ext cx="18000000" cy="18731373"/>
+            <a:chOff x="-2081977" y="150590"/>
+            <a:chExt cx="18000000" cy="18731373"/>
+          </a:xfrm>
+        </p:grpSpPr>
+        <p:grpSp>
+          <p:nvGrpSpPr>
+            <p:cNvPr id="32" name="그룹 31">
+              <a:extLst>
+                <a:ext uri="{FF2B5EF4-FFF2-40B4-BE49-F238E27FC236}">
+                  <a16:creationId xmlns:a16="http://schemas.microsoft.com/office/drawing/2014/main" id="{7B2CF6CF-D359-9829-3630-F51FB2B07684}"/>
+                </a:ext>
+              </a:extLst>
+            </p:cNvPr>
+            <p:cNvGrpSpPr/>
+            <p:nvPr/>
+          </p:nvGrpSpPr>
+          <p:grpSpPr>
+            <a:xfrm>
+              <a:off x="4603750" y="150590"/>
+              <a:ext cx="4033570" cy="1402862"/>
+              <a:chOff x="5227369" y="1846359"/>
+              <a:chExt cx="5410201" cy="2001253"/>
+            </a:xfrm>
+          </p:grpSpPr>
+          <p:sp>
+            <p:nvSpPr>
+              <p:cNvPr id="4" name="직사각형 3">
+                <a:extLst>
+                  <a:ext uri="{FF2B5EF4-FFF2-40B4-BE49-F238E27FC236}">
+                    <a16:creationId xmlns:a16="http://schemas.microsoft.com/office/drawing/2014/main" id="{53EFC9D4-88C5-F883-0066-BEDC587F2578}"/>
+                  </a:ext>
+                </a:extLst>
+              </p:cNvPr>
+              <p:cNvSpPr/>
+              <p:nvPr/>
+            </p:nvSpPr>
+            <p:spPr>
+              <a:xfrm rot="10800000">
+                <a:off x="5227370" y="3324238"/>
+                <a:ext cx="1431758" cy="523374"/>
+              </a:xfrm>
+              <a:prstGeom prst="rect">
+                <a:avLst/>
+              </a:prstGeom>
+              <a:solidFill>
+                <a:schemeClr val="bg2"/>
+              </a:solidFill>
+            </p:spPr>
+            <p:style>
+              <a:lnRef idx="2">
+                <a:schemeClr val="accent1">
+                  <a:shade val="15000"/>
+                </a:schemeClr>
+              </a:lnRef>
+              <a:fillRef idx="1">
+                <a:schemeClr val="accent1"/>
+              </a:fillRef>
+              <a:effectRef idx="0">
+                <a:schemeClr val="accent1"/>
+              </a:effectRef>
+              <a:fontRef idx="minor">
+                <a:schemeClr val="lt1"/>
+              </a:fontRef>
+            </p:style>
+            <p:txBody>
+              <a:bodyPr rtlCol="0" anchor="ctr"/>
+              <a:lstStyle/>
+              <a:p>
+                <a:pPr algn="ctr"/>
+                <a:endParaRPr lang="ko-KR" altLang="en-US"/>
+              </a:p>
+            </p:txBody>
+          </p:sp>
+          <p:sp>
+            <p:nvSpPr>
+              <p:cNvPr id="6" name="직사각형 5">
+                <a:extLst>
+                  <a:ext uri="{FF2B5EF4-FFF2-40B4-BE49-F238E27FC236}">
+                    <a16:creationId xmlns:a16="http://schemas.microsoft.com/office/drawing/2014/main" id="{5BC1D082-0169-FA05-20D2-BC6549820B82}"/>
+                  </a:ext>
+                </a:extLst>
+              </p:cNvPr>
+              <p:cNvSpPr/>
+              <p:nvPr/>
+            </p:nvSpPr>
+            <p:spPr>
+              <a:xfrm rot="10800000">
+                <a:off x="5227369" y="1846359"/>
+                <a:ext cx="1431758" cy="523374"/>
+              </a:xfrm>
+              <a:prstGeom prst="rect">
+                <a:avLst/>
+              </a:prstGeom>
+              <a:solidFill>
+                <a:schemeClr val="bg2"/>
+              </a:solidFill>
+            </p:spPr>
+            <p:style>
+              <a:lnRef idx="2">
+                <a:schemeClr val="accent1">
+                  <a:shade val="15000"/>
+                </a:schemeClr>
+              </a:lnRef>
+              <a:fillRef idx="1">
+                <a:schemeClr val="accent1"/>
+              </a:fillRef>
+              <a:effectRef idx="0">
+                <a:schemeClr val="accent1"/>
+              </a:effectRef>
+              <a:fontRef idx="minor">
+                <a:schemeClr val="lt1"/>
+              </a:fontRef>
+            </p:style>
+            <p:txBody>
+              <a:bodyPr rtlCol="0" anchor="ctr"/>
+              <a:lstStyle/>
+              <a:p>
+                <a:pPr algn="ctr"/>
+                <a:endParaRPr lang="ko-KR" altLang="en-US"/>
+              </a:p>
+            </p:txBody>
+          </p:sp>
+          <p:sp>
+            <p:nvSpPr>
+              <p:cNvPr id="7" name="직사각형 6">
+                <a:extLst>
+                  <a:ext uri="{FF2B5EF4-FFF2-40B4-BE49-F238E27FC236}">
+                    <a16:creationId xmlns:a16="http://schemas.microsoft.com/office/drawing/2014/main" id="{AFAF5F41-8FB3-F11D-6CB5-899FC3704740}"/>
+                  </a:ext>
+                </a:extLst>
+              </p:cNvPr>
+              <p:cNvSpPr/>
+              <p:nvPr/>
+            </p:nvSpPr>
+            <p:spPr>
+              <a:xfrm rot="10800000">
+                <a:off x="9205812" y="3324238"/>
+                <a:ext cx="1431758" cy="523374"/>
+              </a:xfrm>
+              <a:prstGeom prst="rect">
+                <a:avLst/>
+              </a:prstGeom>
+              <a:solidFill>
+                <a:schemeClr val="bg2"/>
+              </a:solidFill>
+            </p:spPr>
+            <p:style>
+              <a:lnRef idx="2">
+                <a:schemeClr val="accent1">
+                  <a:shade val="15000"/>
+                </a:schemeClr>
+              </a:lnRef>
+              <a:fillRef idx="1">
+                <a:schemeClr val="accent1"/>
+              </a:fillRef>
+              <a:effectRef idx="0">
+                <a:schemeClr val="accent1"/>
+              </a:effectRef>
+              <a:fontRef idx="minor">
+                <a:schemeClr val="lt1"/>
+              </a:fontRef>
+            </p:style>
+            <p:txBody>
+              <a:bodyPr rtlCol="0" anchor="ctr"/>
+              <a:lstStyle/>
+              <a:p>
+                <a:pPr algn="ctr"/>
+                <a:endParaRPr lang="ko-KR" altLang="en-US"/>
+              </a:p>
+            </p:txBody>
+          </p:sp>
+          <p:sp>
+            <p:nvSpPr>
+              <p:cNvPr id="8" name="직사각형 7">
+                <a:extLst>
+                  <a:ext uri="{FF2B5EF4-FFF2-40B4-BE49-F238E27FC236}">
+                    <a16:creationId xmlns:a16="http://schemas.microsoft.com/office/drawing/2014/main" id="{314532FD-CAF6-CFCB-1251-570B2984EB03}"/>
+                  </a:ext>
+                </a:extLst>
+              </p:cNvPr>
+              <p:cNvSpPr/>
+              <p:nvPr/>
+            </p:nvSpPr>
+            <p:spPr>
+              <a:xfrm rot="10800000">
+                <a:off x="9205811" y="1846359"/>
+                <a:ext cx="1431758" cy="523374"/>
+              </a:xfrm>
+              <a:prstGeom prst="rect">
+                <a:avLst/>
+              </a:prstGeom>
+              <a:solidFill>
+                <a:schemeClr val="bg2"/>
+              </a:solidFill>
+            </p:spPr>
+            <p:style>
+              <a:lnRef idx="2">
+                <a:schemeClr val="accent1">
+                  <a:shade val="15000"/>
+                </a:schemeClr>
+              </a:lnRef>
+              <a:fillRef idx="1">
+                <a:schemeClr val="accent1"/>
+              </a:fillRef>
+              <a:effectRef idx="0">
+                <a:schemeClr val="accent1"/>
+              </a:effectRef>
+              <a:fontRef idx="minor">
+                <a:schemeClr val="lt1"/>
+              </a:fontRef>
+            </p:style>
+            <p:txBody>
+              <a:bodyPr rtlCol="0" anchor="ctr"/>
+              <a:lstStyle/>
+              <a:p>
+                <a:pPr algn="ctr"/>
+                <a:endParaRPr lang="ko-KR" altLang="en-US"/>
+              </a:p>
+            </p:txBody>
+          </p:sp>
+          <p:cxnSp>
+            <p:nvCxnSpPr>
+              <p:cNvPr id="12" name="직선 연결선 11">
+                <a:extLst>
+                  <a:ext uri="{FF2B5EF4-FFF2-40B4-BE49-F238E27FC236}">
+                    <a16:creationId xmlns:a16="http://schemas.microsoft.com/office/drawing/2014/main" id="{52E93FCF-5046-F3F9-3110-ADDA83C0F2F0}"/>
+                  </a:ext>
+                </a:extLst>
+              </p:cNvPr>
+              <p:cNvCxnSpPr>
+                <a:cxnSpLocks/>
+                <a:stCxn id="8" idx="0"/>
+                <a:endCxn id="7" idx="2"/>
+              </p:cNvCxnSpPr>
+              <p:nvPr/>
+            </p:nvCxnSpPr>
+            <p:spPr>
+              <a:xfrm>
+                <a:off x="9921690" y="2369733"/>
+                <a:ext cx="1" cy="954505"/>
+              </a:xfrm>
+              <a:prstGeom prst="line">
+                <a:avLst/>
+              </a:prstGeom>
+              <a:ln w="57150"/>
+            </p:spPr>
+            <p:style>
+              <a:lnRef idx="2">
+                <a:schemeClr val="dk1"/>
+              </a:lnRef>
+              <a:fillRef idx="0">
+                <a:schemeClr val="dk1"/>
+              </a:fillRef>
+              <a:effectRef idx="1">
+                <a:schemeClr val="dk1"/>
+              </a:effectRef>
+              <a:fontRef idx="minor">
+                <a:schemeClr val="tx1"/>
+              </a:fontRef>
+            </p:style>
+          </p:cxnSp>
+          <p:cxnSp>
+            <p:nvCxnSpPr>
+              <p:cNvPr id="16" name="직선 연결선 15">
+                <a:extLst>
+                  <a:ext uri="{FF2B5EF4-FFF2-40B4-BE49-F238E27FC236}">
+                    <a16:creationId xmlns:a16="http://schemas.microsoft.com/office/drawing/2014/main" id="{642C57FE-EF8B-9918-8CC9-7158FCA7D4BD}"/>
+                  </a:ext>
+                </a:extLst>
+              </p:cNvPr>
+              <p:cNvCxnSpPr>
+                <a:cxnSpLocks/>
+              </p:cNvCxnSpPr>
+              <p:nvPr/>
+            </p:nvCxnSpPr>
+            <p:spPr>
+              <a:xfrm>
+                <a:off x="5943247" y="2366323"/>
+                <a:ext cx="1" cy="954505"/>
+              </a:xfrm>
+              <a:prstGeom prst="line">
+                <a:avLst/>
+              </a:prstGeom>
+              <a:ln w="57150"/>
+            </p:spPr>
+            <p:style>
+              <a:lnRef idx="2">
+                <a:schemeClr val="dk1"/>
+              </a:lnRef>
+              <a:fillRef idx="0">
+                <a:schemeClr val="dk1"/>
+              </a:fillRef>
+              <a:effectRef idx="1">
+                <a:schemeClr val="dk1"/>
+              </a:effectRef>
+              <a:fontRef idx="minor">
+                <a:schemeClr val="tx1"/>
+              </a:fontRef>
+            </p:style>
+          </p:cxnSp>
+          <p:cxnSp>
+            <p:nvCxnSpPr>
+              <p:cNvPr id="29" name="직선 연결선 28">
+                <a:extLst>
+                  <a:ext uri="{FF2B5EF4-FFF2-40B4-BE49-F238E27FC236}">
+                    <a16:creationId xmlns:a16="http://schemas.microsoft.com/office/drawing/2014/main" id="{5EBB7EE5-B567-9D09-5749-C15178E3FF8B}"/>
+                  </a:ext>
+                </a:extLst>
+              </p:cNvPr>
+              <p:cNvCxnSpPr>
+                <a:cxnSpLocks/>
+              </p:cNvCxnSpPr>
+              <p:nvPr/>
+            </p:nvCxnSpPr>
+            <p:spPr>
+              <a:xfrm flipH="1">
+                <a:off x="5943247" y="2843575"/>
+                <a:ext cx="3978443" cy="0"/>
+              </a:xfrm>
+              <a:prstGeom prst="line">
+                <a:avLst/>
+              </a:prstGeom>
+              <a:ln w="57150"/>
+            </p:spPr>
+            <p:style>
+              <a:lnRef idx="2">
+                <a:schemeClr val="dk1"/>
+              </a:lnRef>
+              <a:fillRef idx="0">
+                <a:schemeClr val="dk1"/>
+              </a:fillRef>
+              <a:effectRef idx="1">
+                <a:schemeClr val="dk1"/>
+              </a:effectRef>
+              <a:fontRef idx="minor">
+                <a:schemeClr val="tx1"/>
+              </a:fontRef>
+            </p:style>
+          </p:cxnSp>
+          <p:pic>
+            <p:nvPicPr>
+              <p:cNvPr id="10" name="그림 9">
+                <a:extLst>
+                  <a:ext uri="{FF2B5EF4-FFF2-40B4-BE49-F238E27FC236}">
+                    <a16:creationId xmlns:a16="http://schemas.microsoft.com/office/drawing/2014/main" id="{D8AADF05-CF13-E3E2-44E4-4CE219319044}"/>
+                  </a:ext>
+                </a:extLst>
+              </p:cNvPr>
+              <p:cNvPicPr>
+                <a:picLocks noChangeAspect="1"/>
+              </p:cNvPicPr>
+              <p:nvPr/>
+            </p:nvPicPr>
+            <p:blipFill>
+              <a:blip r:embed="rId3"/>
+              <a:stretch>
+                <a:fillRect/>
+              </a:stretch>
+            </p:blipFill>
+            <p:spPr>
+              <a:xfrm>
+                <a:off x="8161915" y="2676976"/>
+                <a:ext cx="339147" cy="333197"/>
+              </a:xfrm>
+              <a:prstGeom prst="rect">
+                <a:avLst/>
+              </a:prstGeom>
+            </p:spPr>
+          </p:pic>
+        </p:grpSp>
+        <p:grpSp>
+          <p:nvGrpSpPr>
+            <p:cNvPr id="96" name="그룹 95">
+              <a:extLst>
+                <a:ext uri="{FF2B5EF4-FFF2-40B4-BE49-F238E27FC236}">
+                  <a16:creationId xmlns:a16="http://schemas.microsoft.com/office/drawing/2014/main" id="{2C655DE7-1A64-A8D2-A207-CB2D07CA4D2B}"/>
+                </a:ext>
+              </a:extLst>
+            </p:cNvPr>
+            <p:cNvGrpSpPr/>
+            <p:nvPr/>
+          </p:nvGrpSpPr>
+          <p:grpSpPr>
+            <a:xfrm>
+              <a:off x="-2081977" y="881963"/>
+              <a:ext cx="18000000" cy="18000000"/>
+              <a:chOff x="-1430127" y="1614521"/>
+              <a:chExt cx="18000000" cy="18000000"/>
+            </a:xfrm>
+          </p:grpSpPr>
+          <p:sp>
+            <p:nvSpPr>
+              <p:cNvPr id="91" name="원호 90">
+                <a:extLst>
+                  <a:ext uri="{FF2B5EF4-FFF2-40B4-BE49-F238E27FC236}">
+                    <a16:creationId xmlns:a16="http://schemas.microsoft.com/office/drawing/2014/main" id="{BDB26671-9105-19C8-E7DE-538D803356E8}"/>
+                  </a:ext>
+                </a:extLst>
+              </p:cNvPr>
+              <p:cNvSpPr>
+                <a:spLocks noChangeAspect="1"/>
+              </p:cNvSpPr>
+              <p:nvPr/>
+            </p:nvSpPr>
+            <p:spPr>
+              <a:xfrm>
+                <a:off x="-1430127" y="1614521"/>
+                <a:ext cx="18000000" cy="18000000"/>
+              </a:xfrm>
+              <a:prstGeom prst="arc">
+                <a:avLst>
+                  <a:gd name="adj1" fmla="val 15155255"/>
+                  <a:gd name="adj2" fmla="val 16106704"/>
+                </a:avLst>
+              </a:prstGeom>
+              <a:noFill/>
+              <a:ln w="28575">
+                <a:solidFill>
+                  <a:schemeClr val="tx1"/>
+                </a:solidFill>
+                <a:headEnd type="triangle" w="med" len="med"/>
+                <a:tailEnd type="none" w="med" len="med"/>
+              </a:ln>
+            </p:spPr>
+            <p:style>
+              <a:lnRef idx="2">
+                <a:schemeClr val="accent1">
+                  <a:shade val="15000"/>
+                </a:schemeClr>
+              </a:lnRef>
+              <a:fillRef idx="1">
+                <a:schemeClr val="accent1"/>
+              </a:fillRef>
+              <a:effectRef idx="0">
+                <a:schemeClr val="accent1"/>
+              </a:effectRef>
+              <a:fontRef idx="minor">
+                <a:schemeClr val="lt1"/>
+              </a:fontRef>
+            </p:style>
+            <p:txBody>
+              <a:bodyPr rtlCol="0" anchor="ctr"/>
+              <a:lstStyle/>
+              <a:p>
+                <a:pPr algn="ctr"/>
+                <a:endParaRPr lang="ko-KR" altLang="en-US" dirty="0"/>
+              </a:p>
+            </p:txBody>
+          </p:sp>
+          <p:grpSp>
+            <p:nvGrpSpPr>
+              <p:cNvPr id="95" name="그룹 94">
+                <a:extLst>
+                  <a:ext uri="{FF2B5EF4-FFF2-40B4-BE49-F238E27FC236}">
+                    <a16:creationId xmlns:a16="http://schemas.microsoft.com/office/drawing/2014/main" id="{D603AA1C-430F-EB92-D527-B4E4634D4AC6}"/>
+                  </a:ext>
+                </a:extLst>
+              </p:cNvPr>
+              <p:cNvGrpSpPr/>
+              <p:nvPr/>
+            </p:nvGrpSpPr>
+            <p:grpSpPr>
+              <a:xfrm>
+                <a:off x="4325287" y="1614521"/>
+                <a:ext cx="6489172" cy="6489172"/>
+                <a:chOff x="4325287" y="1614521"/>
+                <a:chExt cx="6489172" cy="6489172"/>
+              </a:xfrm>
+            </p:grpSpPr>
+            <p:grpSp>
+              <p:nvGrpSpPr>
+                <p:cNvPr id="89" name="그룹 88">
+                  <a:extLst>
+                    <a:ext uri="{FF2B5EF4-FFF2-40B4-BE49-F238E27FC236}">
+                      <a16:creationId xmlns:a16="http://schemas.microsoft.com/office/drawing/2014/main" id="{CABE4DE0-08DC-F4DE-1D8B-6BB221917AC4}"/>
+                    </a:ext>
+                  </a:extLst>
+                </p:cNvPr>
+                <p:cNvGrpSpPr/>
+                <p:nvPr/>
+              </p:nvGrpSpPr>
+              <p:grpSpPr>
+                <a:xfrm>
+                  <a:off x="4325287" y="1614521"/>
+                  <a:ext cx="6489172" cy="6489172"/>
+                  <a:chOff x="4202113" y="2311387"/>
+                  <a:chExt cx="6489172" cy="6489172"/>
+                </a:xfrm>
+              </p:grpSpPr>
+              <p:sp>
+                <p:nvSpPr>
+                  <p:cNvPr id="39" name="원호 38">
+                    <a:extLst>
+                      <a:ext uri="{FF2B5EF4-FFF2-40B4-BE49-F238E27FC236}">
+                        <a16:creationId xmlns:a16="http://schemas.microsoft.com/office/drawing/2014/main" id="{6E161078-AD1F-79F4-5FC7-9C4A6B80CE2A}"/>
+                      </a:ext>
+                    </a:extLst>
+                  </p:cNvPr>
+                  <p:cNvSpPr>
+                    <a:spLocks noChangeAspect="1"/>
+                  </p:cNvSpPr>
+                  <p:nvPr/>
+                </p:nvSpPr>
+                <p:spPr>
+                  <a:xfrm>
+                    <a:off x="4202113" y="2311387"/>
+                    <a:ext cx="6489172" cy="6489172"/>
+                  </a:xfrm>
+                  <a:prstGeom prst="arc">
+                    <a:avLst>
+                      <a:gd name="adj1" fmla="val 13252365"/>
+                      <a:gd name="adj2" fmla="val 18882133"/>
+                    </a:avLst>
+                  </a:prstGeom>
+                  <a:noFill/>
+                  <a:ln w="3175">
+                    <a:solidFill>
+                      <a:schemeClr val="tx1"/>
+                    </a:solidFill>
+                  </a:ln>
+                </p:spPr>
+                <p:style>
+                  <a:lnRef idx="2">
+                    <a:schemeClr val="accent1">
+                      <a:shade val="15000"/>
+                    </a:schemeClr>
+                  </a:lnRef>
+                  <a:fillRef idx="1">
+                    <a:schemeClr val="accent1"/>
+                  </a:fillRef>
+                  <a:effectRef idx="0">
+                    <a:schemeClr val="accent1"/>
+                  </a:effectRef>
+                  <a:fontRef idx="minor">
+                    <a:schemeClr val="lt1"/>
+                  </a:fontRef>
+                </p:style>
+                <p:txBody>
+                  <a:bodyPr rtlCol="0" anchor="ctr"/>
+                  <a:lstStyle/>
+                  <a:p>
+                    <a:pPr algn="ctr"/>
+                    <a:endParaRPr lang="ko-KR" altLang="en-US" dirty="0"/>
+                  </a:p>
+                </p:txBody>
+              </p:sp>
+              <p:sp>
+                <p:nvSpPr>
+                  <p:cNvPr id="87" name="원호 86">
+                    <a:extLst>
+                      <a:ext uri="{FF2B5EF4-FFF2-40B4-BE49-F238E27FC236}">
+                        <a16:creationId xmlns:a16="http://schemas.microsoft.com/office/drawing/2014/main" id="{29AF5514-7E21-6D67-E52B-4675BB1DB738}"/>
+                      </a:ext>
+                    </a:extLst>
+                  </p:cNvPr>
+                  <p:cNvSpPr>
+                    <a:spLocks noChangeAspect="1"/>
+                  </p:cNvSpPr>
+                  <p:nvPr/>
+                </p:nvSpPr>
+                <p:spPr>
+                  <a:xfrm>
+                    <a:off x="4202113" y="2311387"/>
+                    <a:ext cx="6489172" cy="6489172"/>
+                  </a:xfrm>
+                  <a:prstGeom prst="arc">
+                    <a:avLst>
+                      <a:gd name="adj1" fmla="val 13699148"/>
+                      <a:gd name="adj2" fmla="val 16278670"/>
+                    </a:avLst>
+                  </a:prstGeom>
+                  <a:noFill/>
+                  <a:ln w="28575">
+                    <a:solidFill>
+                      <a:schemeClr val="tx1"/>
+                    </a:solidFill>
+                    <a:headEnd type="triangle" w="med" len="med"/>
+                    <a:tailEnd type="none" w="med" len="med"/>
+                  </a:ln>
+                </p:spPr>
+                <p:style>
+                  <a:lnRef idx="2">
+                    <a:schemeClr val="accent1">
+                      <a:shade val="15000"/>
+                    </a:schemeClr>
+                  </a:lnRef>
+                  <a:fillRef idx="1">
+                    <a:schemeClr val="accent1"/>
+                  </a:fillRef>
+                  <a:effectRef idx="0">
+                    <a:schemeClr val="accent1"/>
+                  </a:effectRef>
+                  <a:fontRef idx="minor">
+                    <a:schemeClr val="lt1"/>
+                  </a:fontRef>
+                </p:style>
+                <p:txBody>
+                  <a:bodyPr rtlCol="0" anchor="ctr"/>
+                  <a:lstStyle/>
+                  <a:p>
+                    <a:pPr algn="ctr"/>
+                    <a:endParaRPr lang="ko-KR" altLang="en-US" dirty="0"/>
+                  </a:p>
+                </p:txBody>
+              </p:sp>
+            </p:grpSp>
+            <p:sp>
+              <p:nvSpPr>
+                <p:cNvPr id="93" name="원호 92">
+                  <a:extLst>
+                    <a:ext uri="{FF2B5EF4-FFF2-40B4-BE49-F238E27FC236}">
+                      <a16:creationId xmlns:a16="http://schemas.microsoft.com/office/drawing/2014/main" id="{E4FFDD82-9B1B-7E72-A065-24040C4310C2}"/>
+                    </a:ext>
+                  </a:extLst>
+                </p:cNvPr>
+                <p:cNvSpPr>
+                  <a:spLocks noChangeAspect="1"/>
+                </p:cNvSpPr>
+                <p:nvPr/>
+              </p:nvSpPr>
+              <p:spPr>
+                <a:xfrm>
+                  <a:off x="5747014" y="1614521"/>
+                  <a:ext cx="3600000" cy="3600000"/>
+                </a:xfrm>
+                <a:prstGeom prst="arc">
+                  <a:avLst>
+                    <a:gd name="adj1" fmla="val 12329599"/>
+                    <a:gd name="adj2" fmla="val 16278670"/>
+                  </a:avLst>
+                </a:prstGeom>
+                <a:noFill/>
+                <a:ln w="28575">
+                  <a:solidFill>
+                    <a:schemeClr val="tx1"/>
+                  </a:solidFill>
+                  <a:headEnd type="triangle" w="med" len="med"/>
+                  <a:tailEnd type="none" w="med" len="med"/>
+                </a:ln>
+              </p:spPr>
+              <p:style>
+                <a:lnRef idx="2">
+                  <a:schemeClr val="accent1">
+                    <a:shade val="15000"/>
+                  </a:schemeClr>
+                </a:lnRef>
+                <a:fillRef idx="1">
+                  <a:schemeClr val="accent1"/>
+                </a:fillRef>
+                <a:effectRef idx="0">
+                  <a:schemeClr val="accent1"/>
+                </a:effectRef>
+                <a:fontRef idx="minor">
+                  <a:schemeClr val="lt1"/>
+                </a:fontRef>
+              </p:style>
+              <p:txBody>
+                <a:bodyPr rtlCol="0" anchor="ctr"/>
+                <a:lstStyle/>
+                <a:p>
+                  <a:pPr algn="ctr"/>
+                  <a:endParaRPr lang="ko-KR" altLang="en-US" dirty="0"/>
+                </a:p>
+              </p:txBody>
+            </p:sp>
+          </p:grpSp>
+        </p:grpSp>
+      </p:grpSp>
+      <p:sp>
+        <p:nvSpPr>
+          <p:cNvPr id="98" name="TextBox 97">
+            <a:extLst>
+              <a:ext uri="{FF2B5EF4-FFF2-40B4-BE49-F238E27FC236}">
+                <a16:creationId xmlns:a16="http://schemas.microsoft.com/office/drawing/2014/main" id="{3F1E609A-2B79-64BC-0F08-BE1014743106}"/>
+              </a:ext>
+            </a:extLst>
+          </p:cNvPr>
+          <p:cNvSpPr txBox="1"/>
+          <p:nvPr/>
+        </p:nvSpPr>
+        <p:spPr>
+          <a:xfrm>
+            <a:off x="3359596" y="765754"/>
+            <a:ext cx="1293944" cy="369332"/>
+          </a:xfrm>
+          <a:prstGeom prst="rect">
+            <a:avLst/>
+          </a:prstGeom>
+          <a:noFill/>
+        </p:spPr>
+        <p:txBody>
+          <a:bodyPr wrap="none" rtlCol="0">
+            <a:spAutoFit/>
+          </a:bodyPr>
+          <a:lstStyle/>
+          <a:p>
+            <a:r>
+              <a:rPr lang="en-US" altLang="ko-KR" dirty="0">
+                <a:latin typeface="Times New Roman" panose="02020603050405020304" pitchFamily="18" charset="0"/>
+                <a:cs typeface="Times New Roman" panose="02020603050405020304" pitchFamily="18" charset="0"/>
+              </a:rPr>
+              <a:t>Under Steer</a:t>
+            </a:r>
+            <a:endParaRPr lang="ko-KR" altLang="en-US" dirty="0">
+              <a:latin typeface="Times New Roman" panose="02020603050405020304" pitchFamily="18" charset="0"/>
+              <a:cs typeface="Times New Roman" panose="02020603050405020304" pitchFamily="18" charset="0"/>
+            </a:endParaRPr>
+          </a:p>
+        </p:txBody>
+      </p:sp>
+      <p:sp>
+        <p:nvSpPr>
+          <p:cNvPr id="99" name="TextBox 98">
+            <a:extLst>
+              <a:ext uri="{FF2B5EF4-FFF2-40B4-BE49-F238E27FC236}">
+                <a16:creationId xmlns:a16="http://schemas.microsoft.com/office/drawing/2014/main" id="{59E9F2E7-AAD7-F40A-03B0-E940670AB4F9}"/>
+              </a:ext>
+            </a:extLst>
+          </p:cNvPr>
+          <p:cNvSpPr txBox="1"/>
+          <p:nvPr/>
+        </p:nvSpPr>
+        <p:spPr>
+          <a:xfrm>
+            <a:off x="5458542" y="1669661"/>
+            <a:ext cx="1178528" cy="369332"/>
+          </a:xfrm>
+          <a:prstGeom prst="rect">
+            <a:avLst/>
+          </a:prstGeom>
+          <a:noFill/>
+        </p:spPr>
+        <p:txBody>
+          <a:bodyPr wrap="none" rtlCol="0">
+            <a:spAutoFit/>
+          </a:bodyPr>
+          <a:lstStyle/>
+          <a:p>
+            <a:r>
+              <a:rPr lang="en-US" altLang="ko-KR" dirty="0">
+                <a:latin typeface="Times New Roman" panose="02020603050405020304" pitchFamily="18" charset="0"/>
+                <a:cs typeface="Times New Roman" panose="02020603050405020304" pitchFamily="18" charset="0"/>
+              </a:rPr>
+              <a:t>Over Steer</a:t>
+            </a:r>
+            <a:endParaRPr lang="ko-KR" altLang="en-US" dirty="0">
+              <a:latin typeface="Times New Roman" panose="02020603050405020304" pitchFamily="18" charset="0"/>
+              <a:cs typeface="Times New Roman" panose="02020603050405020304" pitchFamily="18" charset="0"/>
+            </a:endParaRPr>
+          </a:p>
+        </p:txBody>
+      </p:sp>
+      <p:sp>
+        <p:nvSpPr>
+          <p:cNvPr id="100" name="TextBox 99">
+            <a:extLst>
+              <a:ext uri="{FF2B5EF4-FFF2-40B4-BE49-F238E27FC236}">
+                <a16:creationId xmlns:a16="http://schemas.microsoft.com/office/drawing/2014/main" id="{A296D3A5-FF0E-48EB-86D0-52030C621738}"/>
+              </a:ext>
+            </a:extLst>
+          </p:cNvPr>
+          <p:cNvSpPr txBox="1"/>
+          <p:nvPr/>
+        </p:nvSpPr>
+        <p:spPr>
+          <a:xfrm>
+            <a:off x="3400448" y="1499577"/>
+            <a:ext cx="1409360" cy="369332"/>
+          </a:xfrm>
+          <a:prstGeom prst="rect">
+            <a:avLst/>
+          </a:prstGeom>
+          <a:noFill/>
+        </p:spPr>
+        <p:txBody>
+          <a:bodyPr wrap="none" rtlCol="0">
+            <a:spAutoFit/>
+          </a:bodyPr>
+          <a:lstStyle/>
+          <a:p>
+            <a:r>
+              <a:rPr lang="en-US" altLang="ko-KR" dirty="0">
+                <a:latin typeface="Times New Roman" panose="02020603050405020304" pitchFamily="18" charset="0"/>
+                <a:cs typeface="Times New Roman" panose="02020603050405020304" pitchFamily="18" charset="0"/>
+              </a:rPr>
+              <a:t>Neutral Steer</a:t>
+            </a:r>
+            <a:endParaRPr lang="ko-KR" altLang="en-US" dirty="0">
+              <a:latin typeface="Times New Roman" panose="02020603050405020304" pitchFamily="18" charset="0"/>
+              <a:cs typeface="Times New Roman" panose="02020603050405020304" pitchFamily="18" charset="0"/>
+            </a:endParaRPr>
+          </a:p>
+        </p:txBody>
+      </p:sp>
+    </p:spTree>
+    <p:extLst>
+      <p:ext uri="{BB962C8B-B14F-4D97-AF65-F5344CB8AC3E}">
+        <p14:creationId xmlns:p14="http://schemas.microsoft.com/office/powerpoint/2010/main" val="3504969189"/>
       </p:ext>
     </p:extLst>
   </p:cSld>
@@ -8009,4 +13140,319 @@
     </a:ext>
   </a:extLst>
 </a:theme>
+</file>
+
+<file path=ppt/theme/theme2.xml><?xml version="1.0" encoding="utf-8"?>
+<a:theme xmlns:a="http://schemas.openxmlformats.org/drawingml/2006/main" name="Office 테마">
+  <a:themeElements>
+    <a:clrScheme name="Office">
+      <a:dk1>
+        <a:sysClr val="windowText" lastClr="000000"/>
+      </a:dk1>
+      <a:lt1>
+        <a:sysClr val="window" lastClr="FFFFFF"/>
+      </a:lt1>
+      <a:dk2>
+        <a:srgbClr val="0E2841"/>
+      </a:dk2>
+      <a:lt2>
+        <a:srgbClr val="E8E8E8"/>
+      </a:lt2>
+      <a:accent1>
+        <a:srgbClr val="156082"/>
+      </a:accent1>
+      <a:accent2>
+        <a:srgbClr val="E97132"/>
+      </a:accent2>
+      <a:accent3>
+        <a:srgbClr val="196B24"/>
+      </a:accent3>
+      <a:accent4>
+        <a:srgbClr val="0F9ED5"/>
+      </a:accent4>
+      <a:accent5>
+        <a:srgbClr val="A02B93"/>
+      </a:accent5>
+      <a:accent6>
+        <a:srgbClr val="4EA72E"/>
+      </a:accent6>
+      <a:hlink>
+        <a:srgbClr val="467886"/>
+      </a:hlink>
+      <a:folHlink>
+        <a:srgbClr val="96607D"/>
+      </a:folHlink>
+    </a:clrScheme>
+    <a:fontScheme name="Office">
+      <a:majorFont>
+        <a:latin typeface="맑은 고딕" panose="02110004020202020204"/>
+        <a:ea typeface=""/>
+        <a:cs typeface=""/>
+        <a:font script="Jpan" typeface="游ゴシック Light"/>
+        <a:font script="Hang" typeface="맑은 고딕"/>
+        <a:font script="Hans" typeface="等线 Light"/>
+        <a:font script="Hant" typeface="新細明體"/>
+        <a:font script="Arab" typeface="Times New Roman"/>
+        <a:font script="Hebr" typeface="Times New Roman"/>
+        <a:font script="Thai" typeface="Angsana New"/>
+        <a:font script="Ethi" typeface="Nyala"/>
+        <a:font script="Beng" typeface="Vrinda"/>
+        <a:font script="Gujr" typeface="Shruti"/>
+        <a:font script="Khmr" typeface="MoolBoran"/>
+        <a:font script="Knda" typeface="Tunga"/>
+        <a:font script="Guru" typeface="Raavi"/>
+        <a:font script="Cans" typeface="Euphemia"/>
+        <a:font script="Cher" typeface="Plantagenet Cherokee"/>
+        <a:font script="Yiii" typeface="Microsoft Yi Baiti"/>
+        <a:font script="Tibt" typeface="Microsoft Himalaya"/>
+        <a:font script="Thaa" typeface="MV Boli"/>
+        <a:font script="Deva" typeface="Mangal"/>
+        <a:font script="Telu" typeface="Gautami"/>
+        <a:font script="Taml" typeface="Latha"/>
+        <a:font script="Syrc" typeface="Estrangelo Edessa"/>
+        <a:font script="Orya" typeface="Kalinga"/>
+        <a:font script="Mlym" typeface="Kartika"/>
+        <a:font script="Laoo" typeface="DokChampa"/>
+        <a:font script="Sinh" typeface="Iskoola Pota"/>
+        <a:font script="Mong" typeface="Mongolian Baiti"/>
+        <a:font script="Viet" typeface="Times New Roman"/>
+        <a:font script="Uigh" typeface="Microsoft Uighur"/>
+        <a:font script="Geor" typeface="Sylfaen"/>
+        <a:font script="Armn" typeface="Arial"/>
+        <a:font script="Bugi" typeface="Leelawadee UI"/>
+        <a:font script="Bopo" typeface="Microsoft JhengHei"/>
+        <a:font script="Java" typeface="Javanese Text"/>
+        <a:font script="Lisu" typeface="Segoe UI"/>
+        <a:font script="Mymr" typeface="Myanmar Text"/>
+        <a:font script="Nkoo" typeface="Ebrima"/>
+        <a:font script="Olck" typeface="Nirmala UI"/>
+        <a:font script="Osma" typeface="Ebrima"/>
+        <a:font script="Phag" typeface="Phagspa"/>
+        <a:font script="Syrn" typeface="Estrangelo Edessa"/>
+        <a:font script="Syrj" typeface="Estrangelo Edessa"/>
+        <a:font script="Syre" typeface="Estrangelo Edessa"/>
+        <a:font script="Sora" typeface="Nirmala UI"/>
+        <a:font script="Tale" typeface="Microsoft Tai Le"/>
+        <a:font script="Talu" typeface="Microsoft New Tai Lue"/>
+        <a:font script="Tfng" typeface="Ebrima"/>
+      </a:majorFont>
+      <a:minorFont>
+        <a:latin typeface="맑은 고딕" panose="02110004020202020204"/>
+        <a:ea typeface=""/>
+        <a:cs typeface=""/>
+        <a:font script="Jpan" typeface="游ゴシック"/>
+        <a:font script="Hang" typeface="맑은 고딕"/>
+        <a:font script="Hans" typeface="等线"/>
+        <a:font script="Hant" typeface="新細明體"/>
+        <a:font script="Arab" typeface="Arial"/>
+        <a:font script="Hebr" typeface="Arial"/>
+        <a:font script="Thai" typeface="Cordia New"/>
+        <a:font script="Ethi" typeface="Nyala"/>
+        <a:font script="Beng" typeface="Vrinda"/>
+        <a:font script="Gujr" typeface="Shruti"/>
+        <a:font script="Khmr" typeface="DaunPenh"/>
+        <a:font script="Knda" typeface="Tunga"/>
+        <a:font script="Guru" typeface="Raavi"/>
+        <a:font script="Cans" typeface="Euphemia"/>
+        <a:font script="Cher" typeface="Plantagenet Cherokee"/>
+        <a:font script="Yiii" typeface="Microsoft Yi Baiti"/>
+        <a:font script="Tibt" typeface="Microsoft Himalaya"/>
+        <a:font script="Thaa" typeface="MV Boli"/>
+        <a:font script="Deva" typeface="Mangal"/>
+        <a:font script="Telu" typeface="Gautami"/>
+        <a:font script="Taml" typeface="Latha"/>
+        <a:font script="Syrc" typeface="Estrangelo Edessa"/>
+        <a:font script="Orya" typeface="Kalinga"/>
+        <a:font script="Mlym" typeface="Kartika"/>
+        <a:font script="Laoo" typeface="DokChampa"/>
+        <a:font script="Sinh" typeface="Iskoola Pota"/>
+        <a:font script="Mong" typeface="Mongolian Baiti"/>
+        <a:font script="Viet" typeface="Arial"/>
+        <a:font script="Uigh" typeface="Microsoft Uighur"/>
+        <a:font script="Geor" typeface="Sylfaen"/>
+        <a:font script="Armn" typeface="Arial"/>
+        <a:font script="Bugi" typeface="Leelawadee UI"/>
+        <a:font script="Bopo" typeface="Microsoft JhengHei"/>
+        <a:font script="Java" typeface="Javanese Text"/>
+        <a:font script="Lisu" typeface="Segoe UI"/>
+        <a:font script="Mymr" typeface="Myanmar Text"/>
+        <a:font script="Nkoo" typeface="Ebrima"/>
+        <a:font script="Olck" typeface="Nirmala UI"/>
+        <a:font script="Osma" typeface="Ebrima"/>
+        <a:font script="Phag" typeface="Phagspa"/>
+        <a:font script="Syrn" typeface="Estrangelo Edessa"/>
+        <a:font script="Syrj" typeface="Estrangelo Edessa"/>
+        <a:font script="Syre" typeface="Estrangelo Edessa"/>
+        <a:font script="Sora" typeface="Nirmala UI"/>
+        <a:font script="Tale" typeface="Microsoft Tai Le"/>
+        <a:font script="Talu" typeface="Microsoft New Tai Lue"/>
+        <a:font script="Tfng" typeface="Ebrima"/>
+      </a:minorFont>
+    </a:fontScheme>
+    <a:fmtScheme name="Office">
+      <a:fillStyleLst>
+        <a:solidFill>
+          <a:schemeClr val="phClr"/>
+        </a:solidFill>
+        <a:gradFill rotWithShape="1">
+          <a:gsLst>
+            <a:gs pos="0">
+              <a:schemeClr val="phClr">
+                <a:lumMod val="110000"/>
+                <a:satMod val="105000"/>
+                <a:tint val="67000"/>
+              </a:schemeClr>
+            </a:gs>
+            <a:gs pos="50000">
+              <a:schemeClr val="phClr">
+                <a:lumMod val="105000"/>
+                <a:satMod val="103000"/>
+                <a:tint val="73000"/>
+              </a:schemeClr>
+            </a:gs>
+            <a:gs pos="100000">
+              <a:schemeClr val="phClr">
+                <a:lumMod val="105000"/>
+                <a:satMod val="109000"/>
+                <a:tint val="81000"/>
+              </a:schemeClr>
+            </a:gs>
+          </a:gsLst>
+          <a:lin ang="5400000" scaled="0"/>
+        </a:gradFill>
+        <a:gradFill rotWithShape="1">
+          <a:gsLst>
+            <a:gs pos="0">
+              <a:schemeClr val="phClr">
+                <a:satMod val="103000"/>
+                <a:lumMod val="102000"/>
+                <a:tint val="94000"/>
+              </a:schemeClr>
+            </a:gs>
+            <a:gs pos="50000">
+              <a:schemeClr val="phClr">
+                <a:satMod val="110000"/>
+                <a:lumMod val="100000"/>
+                <a:shade val="100000"/>
+              </a:schemeClr>
+            </a:gs>
+            <a:gs pos="100000">
+              <a:schemeClr val="phClr">
+                <a:lumMod val="99000"/>
+                <a:satMod val="120000"/>
+                <a:shade val="78000"/>
+              </a:schemeClr>
+            </a:gs>
+          </a:gsLst>
+          <a:lin ang="5400000" scaled="0"/>
+        </a:gradFill>
+      </a:fillStyleLst>
+      <a:lnStyleLst>
+        <a:ln w="12700" cap="flat" cmpd="sng" algn="ctr">
+          <a:solidFill>
+            <a:schemeClr val="phClr"/>
+          </a:solidFill>
+          <a:prstDash val="solid"/>
+          <a:miter lim="800000"/>
+        </a:ln>
+        <a:ln w="19050" cap="flat" cmpd="sng" algn="ctr">
+          <a:solidFill>
+            <a:schemeClr val="phClr"/>
+          </a:solidFill>
+          <a:prstDash val="solid"/>
+          <a:miter lim="800000"/>
+        </a:ln>
+        <a:ln w="25400" cap="flat" cmpd="sng" algn="ctr">
+          <a:solidFill>
+            <a:schemeClr val="phClr"/>
+          </a:solidFill>
+          <a:prstDash val="solid"/>
+          <a:miter lim="800000"/>
+        </a:ln>
+      </a:lnStyleLst>
+      <a:effectStyleLst>
+        <a:effectStyle>
+          <a:effectLst/>
+        </a:effectStyle>
+        <a:effectStyle>
+          <a:effectLst/>
+        </a:effectStyle>
+        <a:effectStyle>
+          <a:effectLst>
+            <a:outerShdw blurRad="57150" dist="19050" dir="5400000" algn="ctr" rotWithShape="0">
+              <a:srgbClr val="000000">
+                <a:alpha val="63000"/>
+              </a:srgbClr>
+            </a:outerShdw>
+          </a:effectLst>
+        </a:effectStyle>
+      </a:effectStyleLst>
+      <a:bgFillStyleLst>
+        <a:solidFill>
+          <a:schemeClr val="phClr"/>
+        </a:solidFill>
+        <a:solidFill>
+          <a:schemeClr val="phClr">
+            <a:tint val="95000"/>
+            <a:satMod val="170000"/>
+          </a:schemeClr>
+        </a:solidFill>
+        <a:gradFill rotWithShape="1">
+          <a:gsLst>
+            <a:gs pos="0">
+              <a:schemeClr val="phClr">
+                <a:tint val="93000"/>
+                <a:satMod val="150000"/>
+                <a:shade val="98000"/>
+                <a:lumMod val="102000"/>
+              </a:schemeClr>
+            </a:gs>
+            <a:gs pos="50000">
+              <a:schemeClr val="phClr">
+                <a:tint val="98000"/>
+                <a:satMod val="130000"/>
+                <a:shade val="90000"/>
+                <a:lumMod val="103000"/>
+              </a:schemeClr>
+            </a:gs>
+            <a:gs pos="100000">
+              <a:schemeClr val="phClr">
+                <a:shade val="63000"/>
+                <a:satMod val="120000"/>
+              </a:schemeClr>
+            </a:gs>
+          </a:gsLst>
+          <a:lin ang="5400000" scaled="0"/>
+        </a:gradFill>
+      </a:bgFillStyleLst>
+    </a:fmtScheme>
+  </a:themeElements>
+  <a:objectDefaults>
+    <a:lnDef>
+      <a:spPr/>
+      <a:bodyPr/>
+      <a:lstStyle/>
+      <a:style>
+        <a:lnRef idx="2">
+          <a:schemeClr val="accent1"/>
+        </a:lnRef>
+        <a:fillRef idx="0">
+          <a:schemeClr val="accent1"/>
+        </a:fillRef>
+        <a:effectRef idx="1">
+          <a:schemeClr val="accent1"/>
+        </a:effectRef>
+        <a:fontRef idx="minor">
+          <a:schemeClr val="tx1"/>
+        </a:fontRef>
+      </a:style>
+    </a:lnDef>
+  </a:objectDefaults>
+  <a:extraClrSchemeLst/>
+  <a:extLst>
+    <a:ext uri="{05A4C25C-085E-4340-85A3-A5531E510DB2}">
+      <thm15:themeFamily xmlns:thm15="http://schemas.microsoft.com/office/thememl/2012/main" name="Office Theme" id="{2E142A2C-CD16-42D6-873A-C26D2A0506FA}" vid="{1BDDFF52-6CD6-40A5-AB3C-68EB2F1E4D0A}"/>
+    </a:ext>
+  </a:extLst>
+</a:theme>
 </file>
--- a/졸업 논문/그림모음.pptx
+++ b/졸업 논문/그림모음.pptx
@@ -5,7 +5,7 @@
     <p:sldMasterId id="2147483648" r:id="rId1"/>
   </p:sldMasterIdLst>
   <p:notesMasterIdLst>
-    <p:notesMasterId r:id="rId8"/>
+    <p:notesMasterId r:id="rId9"/>
   </p:notesMasterIdLst>
   <p:sldIdLst>
     <p:sldId id="256" r:id="rId2"/>
@@ -14,6 +14,7 @@
     <p:sldId id="259" r:id="rId5"/>
     <p:sldId id="257" r:id="rId6"/>
     <p:sldId id="261" r:id="rId7"/>
+    <p:sldId id="262" r:id="rId8"/>
   </p:sldIdLst>
   <p:sldSz cx="12192000" cy="6858000"/>
   <p:notesSz cx="6858000" cy="9144000"/>
@@ -116,6 +117,9 @@
     <p:ext uri="{EFAFB233-063F-42B5-8137-9DF3F51BA10A}">
       <p15:sldGuideLst xmlns:p15="http://schemas.microsoft.com/office/powerpoint/2012/main"/>
     </p:ext>
+    <p:ext uri="{2D200454-40CA-4A62-9FC3-DE9A4176ACB9}">
+      <p15:notesGuideLst xmlns:p15="http://schemas.microsoft.com/office/powerpoint/2012/main"/>
+    </p:ext>
   </p:extLst>
 </p:presentation>
 </file>
@@ -202,7 +206,7 @@
           <a:p>
             <a:fld id="{DF808D06-9E3F-44FB-93F2-5318620A4091}" type="datetimeFigureOut">
               <a:rPr lang="ko-KR" altLang="en-US" smtClean="0"/>
-              <a:t>2024-02-26</a:t>
+              <a:t>2024-02-27</a:t>
             </a:fld>
             <a:endParaRPr lang="ko-KR" altLang="en-US"/>
           </a:p>
@@ -553,6 +557,90 @@
 </p:notes>
 </file>
 
+<file path=ppt/notesSlides/notesSlide2.xml><?xml version="1.0" encoding="utf-8"?>
+<p:notes xmlns:a="http://schemas.openxmlformats.org/drawingml/2006/main" xmlns:r="http://schemas.openxmlformats.org/officeDocument/2006/relationships" xmlns:p="http://schemas.openxmlformats.org/presentationml/2006/main">
+  <p:cSld>
+    <p:spTree>
+      <p:nvGrpSpPr>
+        <p:cNvPr id="1" name=""/>
+        <p:cNvGrpSpPr/>
+        <p:nvPr/>
+      </p:nvGrpSpPr>
+      <p:grpSpPr>
+        <a:xfrm>
+          <a:off x="0" y="0"/>
+          <a:ext cx="0" cy="0"/>
+          <a:chOff x="0" y="0"/>
+          <a:chExt cx="0" cy="0"/>
+        </a:xfrm>
+      </p:grpSpPr>
+      <p:sp>
+        <p:nvSpPr>
+          <p:cNvPr id="2" name="슬라이드 이미지 개체 틀 1"/>
+          <p:cNvSpPr>
+            <a:spLocks noGrp="1" noRot="1" noChangeAspect="1"/>
+          </p:cNvSpPr>
+          <p:nvPr>
+            <p:ph type="sldImg"/>
+          </p:nvPr>
+        </p:nvSpPr>
+        <p:spPr/>
+      </p:sp>
+      <p:sp>
+        <p:nvSpPr>
+          <p:cNvPr id="3" name="슬라이드 노트 개체 틀 2"/>
+          <p:cNvSpPr>
+            <a:spLocks noGrp="1"/>
+          </p:cNvSpPr>
+          <p:nvPr>
+            <p:ph type="body" idx="1"/>
+          </p:nvPr>
+        </p:nvSpPr>
+        <p:spPr/>
+        <p:txBody>
+          <a:bodyPr/>
+          <a:lstStyle/>
+          <a:p>
+            <a:endParaRPr lang="ko-KR" altLang="en-US" dirty="0"/>
+          </a:p>
+        </p:txBody>
+      </p:sp>
+      <p:sp>
+        <p:nvSpPr>
+          <p:cNvPr id="4" name="슬라이드 번호 개체 틀 3"/>
+          <p:cNvSpPr>
+            <a:spLocks noGrp="1"/>
+          </p:cNvSpPr>
+          <p:nvPr>
+            <p:ph type="sldNum" sz="quarter" idx="5"/>
+          </p:nvPr>
+        </p:nvSpPr>
+        <p:spPr/>
+        <p:txBody>
+          <a:bodyPr/>
+          <a:lstStyle/>
+          <a:p>
+            <a:fld id="{99C9A71B-B8CF-479D-AC54-A5572C23557B}" type="slidenum">
+              <a:rPr lang="ko-KR" altLang="en-US" smtClean="0"/>
+              <a:t>7</a:t>
+            </a:fld>
+            <a:endParaRPr lang="ko-KR" altLang="en-US"/>
+          </a:p>
+        </p:txBody>
+      </p:sp>
+    </p:spTree>
+    <p:extLst>
+      <p:ext uri="{BB962C8B-B14F-4D97-AF65-F5344CB8AC3E}">
+        <p14:creationId xmlns:p14="http://schemas.microsoft.com/office/powerpoint/2010/main" val="2735914250"/>
+      </p:ext>
+    </p:extLst>
+  </p:cSld>
+  <p:clrMapOvr>
+    <a:masterClrMapping/>
+  </p:clrMapOvr>
+</p:notes>
+</file>
+
 <file path=ppt/slideLayouts/slideLayout1.xml><?xml version="1.0" encoding="utf-8"?>
 <p:sldLayout xmlns:a="http://schemas.openxmlformats.org/drawingml/2006/main" xmlns:r="http://schemas.openxmlformats.org/officeDocument/2006/relationships" xmlns:p="http://schemas.openxmlformats.org/presentationml/2006/main" type="title" preserve="1">
   <p:cSld name="제목 슬라이드">
@@ -700,7 +788,7 @@
           <a:p>
             <a:fld id="{1E28F0D3-E3FD-49FD-8E82-3F8837207BDD}" type="datetimeFigureOut">
               <a:rPr lang="ko-KR" altLang="en-US" smtClean="0"/>
-              <a:t>2024-02-26</a:t>
+              <a:t>2024-02-27</a:t>
             </a:fld>
             <a:endParaRPr lang="ko-KR" altLang="en-US"/>
           </a:p>
@@ -898,7 +986,7 @@
           <a:p>
             <a:fld id="{1E28F0D3-E3FD-49FD-8E82-3F8837207BDD}" type="datetimeFigureOut">
               <a:rPr lang="ko-KR" altLang="en-US" smtClean="0"/>
-              <a:t>2024-02-26</a:t>
+              <a:t>2024-02-27</a:t>
             </a:fld>
             <a:endParaRPr lang="ko-KR" altLang="en-US"/>
           </a:p>
@@ -1106,7 +1194,7 @@
           <a:p>
             <a:fld id="{1E28F0D3-E3FD-49FD-8E82-3F8837207BDD}" type="datetimeFigureOut">
               <a:rPr lang="ko-KR" altLang="en-US" smtClean="0"/>
-              <a:t>2024-02-26</a:t>
+              <a:t>2024-02-27</a:t>
             </a:fld>
             <a:endParaRPr lang="ko-KR" altLang="en-US"/>
           </a:p>
@@ -1304,7 +1392,7 @@
           <a:p>
             <a:fld id="{1E28F0D3-E3FD-49FD-8E82-3F8837207BDD}" type="datetimeFigureOut">
               <a:rPr lang="ko-KR" altLang="en-US" smtClean="0"/>
-              <a:t>2024-02-26</a:t>
+              <a:t>2024-02-27</a:t>
             </a:fld>
             <a:endParaRPr lang="ko-KR" altLang="en-US"/>
           </a:p>
@@ -1579,7 +1667,7 @@
           <a:p>
             <a:fld id="{1E28F0D3-E3FD-49FD-8E82-3F8837207BDD}" type="datetimeFigureOut">
               <a:rPr lang="ko-KR" altLang="en-US" smtClean="0"/>
-              <a:t>2024-02-26</a:t>
+              <a:t>2024-02-27</a:t>
             </a:fld>
             <a:endParaRPr lang="ko-KR" altLang="en-US"/>
           </a:p>
@@ -1844,7 +1932,7 @@
           <a:p>
             <a:fld id="{1E28F0D3-E3FD-49FD-8E82-3F8837207BDD}" type="datetimeFigureOut">
               <a:rPr lang="ko-KR" altLang="en-US" smtClean="0"/>
-              <a:t>2024-02-26</a:t>
+              <a:t>2024-02-27</a:t>
             </a:fld>
             <a:endParaRPr lang="ko-KR" altLang="en-US"/>
           </a:p>
@@ -2256,7 +2344,7 @@
           <a:p>
             <a:fld id="{1E28F0D3-E3FD-49FD-8E82-3F8837207BDD}" type="datetimeFigureOut">
               <a:rPr lang="ko-KR" altLang="en-US" smtClean="0"/>
-              <a:t>2024-02-26</a:t>
+              <a:t>2024-02-27</a:t>
             </a:fld>
             <a:endParaRPr lang="ko-KR" altLang="en-US"/>
           </a:p>
@@ -2397,7 +2485,7 @@
           <a:p>
             <a:fld id="{1E28F0D3-E3FD-49FD-8E82-3F8837207BDD}" type="datetimeFigureOut">
               <a:rPr lang="ko-KR" altLang="en-US" smtClean="0"/>
-              <a:t>2024-02-26</a:t>
+              <a:t>2024-02-27</a:t>
             </a:fld>
             <a:endParaRPr lang="ko-KR" altLang="en-US"/>
           </a:p>
@@ -2510,7 +2598,7 @@
           <a:p>
             <a:fld id="{1E28F0D3-E3FD-49FD-8E82-3F8837207BDD}" type="datetimeFigureOut">
               <a:rPr lang="ko-KR" altLang="en-US" smtClean="0"/>
-              <a:t>2024-02-26</a:t>
+              <a:t>2024-02-27</a:t>
             </a:fld>
             <a:endParaRPr lang="ko-KR" altLang="en-US"/>
           </a:p>
@@ -2821,7 +2909,7 @@
           <a:p>
             <a:fld id="{1E28F0D3-E3FD-49FD-8E82-3F8837207BDD}" type="datetimeFigureOut">
               <a:rPr lang="ko-KR" altLang="en-US" smtClean="0"/>
-              <a:t>2024-02-26</a:t>
+              <a:t>2024-02-27</a:t>
             </a:fld>
             <a:endParaRPr lang="ko-KR" altLang="en-US"/>
           </a:p>
@@ -3109,7 +3197,7 @@
           <a:p>
             <a:fld id="{1E28F0D3-E3FD-49FD-8E82-3F8837207BDD}" type="datetimeFigureOut">
               <a:rPr lang="ko-KR" altLang="en-US" smtClean="0"/>
-              <a:t>2024-02-26</a:t>
+              <a:t>2024-02-27</a:t>
             </a:fld>
             <a:endParaRPr lang="ko-KR" altLang="en-US"/>
           </a:p>
@@ -3350,7 +3438,7 @@
           <a:p>
             <a:fld id="{1E28F0D3-E3FD-49FD-8E82-3F8837207BDD}" type="datetimeFigureOut">
               <a:rPr lang="ko-KR" altLang="en-US" smtClean="0"/>
-              <a:t>2024-02-26</a:t>
+              <a:t>2024-02-27</a:t>
             </a:fld>
             <a:endParaRPr lang="ko-KR" altLang="en-US"/>
           </a:p>
@@ -12827,6 +12915,2734 @@
 </p:sld>
 </file>
 
+<file path=ppt/slides/slide7.xml><?xml version="1.0" encoding="utf-8"?>
+<p:sld xmlns:a="http://schemas.openxmlformats.org/drawingml/2006/main" xmlns:r="http://schemas.openxmlformats.org/officeDocument/2006/relationships" xmlns:p="http://schemas.openxmlformats.org/presentationml/2006/main">
+  <p:cSld>
+    <p:spTree>
+      <p:nvGrpSpPr>
+        <p:cNvPr id="1" name=""/>
+        <p:cNvGrpSpPr/>
+        <p:nvPr/>
+      </p:nvGrpSpPr>
+      <p:grpSpPr>
+        <a:xfrm>
+          <a:off x="0" y="0"/>
+          <a:ext cx="0" cy="0"/>
+          <a:chOff x="0" y="0"/>
+          <a:chExt cx="0" cy="0"/>
+        </a:xfrm>
+      </p:grpSpPr>
+      <p:grpSp>
+        <p:nvGrpSpPr>
+          <p:cNvPr id="75" name="그룹 74">
+            <a:extLst>
+              <a:ext uri="{FF2B5EF4-FFF2-40B4-BE49-F238E27FC236}">
+                <a16:creationId xmlns:a16="http://schemas.microsoft.com/office/drawing/2014/main" id="{E4529D23-6746-95A8-7AC9-12C0CAD22DEA}"/>
+              </a:ext>
+            </a:extLst>
+          </p:cNvPr>
+          <p:cNvGrpSpPr/>
+          <p:nvPr/>
+        </p:nvGrpSpPr>
+        <p:grpSpPr>
+          <a:xfrm>
+            <a:off x="447675" y="0"/>
+            <a:ext cx="10288213" cy="5497210"/>
+            <a:chOff x="711058" y="38489"/>
+            <a:chExt cx="11444055" cy="6277871"/>
+          </a:xfrm>
+        </p:grpSpPr>
+        <p:grpSp>
+          <p:nvGrpSpPr>
+            <p:cNvPr id="62" name="그룹 61">
+              <a:extLst>
+                <a:ext uri="{FF2B5EF4-FFF2-40B4-BE49-F238E27FC236}">
+                  <a16:creationId xmlns:a16="http://schemas.microsoft.com/office/drawing/2014/main" id="{C2DBA790-6F57-7227-C485-F0F045776863}"/>
+                </a:ext>
+              </a:extLst>
+            </p:cNvPr>
+            <p:cNvGrpSpPr/>
+            <p:nvPr/>
+          </p:nvGrpSpPr>
+          <p:grpSpPr>
+            <a:xfrm>
+              <a:off x="1328209" y="458918"/>
+              <a:ext cx="10325043" cy="5768481"/>
+              <a:chOff x="1328209" y="458918"/>
+              <a:chExt cx="10325043" cy="5768481"/>
+            </a:xfrm>
+          </p:grpSpPr>
+          <p:sp>
+            <p:nvSpPr>
+              <p:cNvPr id="2" name="직사각형 1">
+                <a:extLst>
+                  <a:ext uri="{FF2B5EF4-FFF2-40B4-BE49-F238E27FC236}">
+                    <a16:creationId xmlns:a16="http://schemas.microsoft.com/office/drawing/2014/main" id="{25FC99E9-EB2F-B5D9-3CD1-0EC65862C170}"/>
+                  </a:ext>
+                </a:extLst>
+              </p:cNvPr>
+              <p:cNvSpPr/>
+              <p:nvPr/>
+            </p:nvSpPr>
+            <p:spPr>
+              <a:xfrm>
+                <a:off x="1656784" y="977773"/>
+                <a:ext cx="9587619" cy="4662535"/>
+              </a:xfrm>
+              <a:prstGeom prst="rect">
+                <a:avLst/>
+              </a:prstGeom>
+              <a:solidFill>
+                <a:schemeClr val="accent1">
+                  <a:lumMod val="20000"/>
+                  <a:lumOff val="80000"/>
+                </a:schemeClr>
+              </a:solidFill>
+            </p:spPr>
+            <p:style>
+              <a:lnRef idx="2">
+                <a:schemeClr val="accent1">
+                  <a:shade val="15000"/>
+                </a:schemeClr>
+              </a:lnRef>
+              <a:fillRef idx="1">
+                <a:schemeClr val="accent1"/>
+              </a:fillRef>
+              <a:effectRef idx="0">
+                <a:schemeClr val="accent1"/>
+              </a:effectRef>
+              <a:fontRef idx="minor">
+                <a:schemeClr val="lt1"/>
+              </a:fontRef>
+            </p:style>
+            <p:txBody>
+              <a:bodyPr rtlCol="0" anchor="ctr"/>
+              <a:lstStyle/>
+              <a:p>
+                <a:pPr algn="ctr"/>
+                <a:endParaRPr lang="ko-KR" altLang="en-US"/>
+              </a:p>
+            </p:txBody>
+          </p:sp>
+          <p:sp>
+            <p:nvSpPr>
+              <p:cNvPr id="3" name="사각형: 위쪽 모서리의 한쪽은 둥글고 다른 한쪽은 잘림 2">
+                <a:extLst>
+                  <a:ext uri="{FF2B5EF4-FFF2-40B4-BE49-F238E27FC236}">
+                    <a16:creationId xmlns:a16="http://schemas.microsoft.com/office/drawing/2014/main" id="{AB169B89-9D37-2142-B53B-C390DB6DD275}"/>
+                  </a:ext>
+                </a:extLst>
+              </p:cNvPr>
+              <p:cNvSpPr/>
+              <p:nvPr/>
+            </p:nvSpPr>
+            <p:spPr>
+              <a:xfrm>
+                <a:off x="2643612" y="4300395"/>
+                <a:ext cx="1086416" cy="380245"/>
+              </a:xfrm>
+              <a:prstGeom prst="snipRoundRect">
+                <a:avLst/>
+              </a:prstGeom>
+              <a:solidFill>
+                <a:schemeClr val="bg1"/>
+              </a:solidFill>
+            </p:spPr>
+            <p:style>
+              <a:lnRef idx="2">
+                <a:schemeClr val="accent1">
+                  <a:shade val="15000"/>
+                </a:schemeClr>
+              </a:lnRef>
+              <a:fillRef idx="1">
+                <a:schemeClr val="accent1"/>
+              </a:fillRef>
+              <a:effectRef idx="0">
+                <a:schemeClr val="accent1"/>
+              </a:effectRef>
+              <a:fontRef idx="minor">
+                <a:schemeClr val="lt1"/>
+              </a:fontRef>
+            </p:style>
+            <p:txBody>
+              <a:bodyPr rtlCol="0" anchor="ctr"/>
+              <a:lstStyle/>
+              <a:p>
+                <a:pPr algn="ctr"/>
+                <a:r>
+                  <a:rPr lang="en-US" altLang="ko-KR" dirty="0">
+                    <a:solidFill>
+                      <a:schemeClr val="tx1"/>
+                    </a:solidFill>
+                    <a:latin typeface="Times New Roman" panose="02020603050405020304" pitchFamily="18" charset="0"/>
+                    <a:cs typeface="Times New Roman" panose="02020603050405020304" pitchFamily="18" charset="0"/>
+                  </a:rPr>
+                  <a:t>sigmoid</a:t>
+                </a:r>
+                <a:endParaRPr lang="ko-KR" altLang="en-US" dirty="0">
+                  <a:solidFill>
+                    <a:schemeClr val="tx1"/>
+                  </a:solidFill>
+                  <a:latin typeface="Times New Roman" panose="02020603050405020304" pitchFamily="18" charset="0"/>
+                  <a:cs typeface="Times New Roman" panose="02020603050405020304" pitchFamily="18" charset="0"/>
+                </a:endParaRPr>
+              </a:p>
+            </p:txBody>
+          </p:sp>
+          <p:sp>
+            <p:nvSpPr>
+              <p:cNvPr id="4" name="사각형: 위쪽 모서리의 한쪽은 둥글고 다른 한쪽은 잘림 3">
+                <a:extLst>
+                  <a:ext uri="{FF2B5EF4-FFF2-40B4-BE49-F238E27FC236}">
+                    <a16:creationId xmlns:a16="http://schemas.microsoft.com/office/drawing/2014/main" id="{1BBDEABB-4989-B641-910A-02316C581C07}"/>
+                  </a:ext>
+                </a:extLst>
+              </p:cNvPr>
+              <p:cNvSpPr/>
+              <p:nvPr/>
+            </p:nvSpPr>
+            <p:spPr>
+              <a:xfrm>
+                <a:off x="5036747" y="4300395"/>
+                <a:ext cx="1086416" cy="380245"/>
+              </a:xfrm>
+              <a:prstGeom prst="snipRoundRect">
+                <a:avLst/>
+              </a:prstGeom>
+              <a:solidFill>
+                <a:schemeClr val="bg1"/>
+              </a:solidFill>
+            </p:spPr>
+            <p:style>
+              <a:lnRef idx="2">
+                <a:schemeClr val="accent1">
+                  <a:shade val="15000"/>
+                </a:schemeClr>
+              </a:lnRef>
+              <a:fillRef idx="1">
+                <a:schemeClr val="accent1"/>
+              </a:fillRef>
+              <a:effectRef idx="0">
+                <a:schemeClr val="accent1"/>
+              </a:effectRef>
+              <a:fontRef idx="minor">
+                <a:schemeClr val="lt1"/>
+              </a:fontRef>
+            </p:style>
+            <p:txBody>
+              <a:bodyPr rtlCol="0" anchor="ctr"/>
+              <a:lstStyle/>
+              <a:p>
+                <a:pPr algn="ctr"/>
+                <a:r>
+                  <a:rPr lang="en-US" altLang="ko-KR" dirty="0">
+                    <a:solidFill>
+                      <a:schemeClr val="tx1"/>
+                    </a:solidFill>
+                    <a:latin typeface="Times New Roman" panose="02020603050405020304" pitchFamily="18" charset="0"/>
+                    <a:cs typeface="Times New Roman" panose="02020603050405020304" pitchFamily="18" charset="0"/>
+                  </a:rPr>
+                  <a:t>sigmoid</a:t>
+                </a:r>
+                <a:endParaRPr lang="ko-KR" altLang="en-US" dirty="0">
+                  <a:solidFill>
+                    <a:schemeClr val="tx1"/>
+                  </a:solidFill>
+                  <a:latin typeface="Times New Roman" panose="02020603050405020304" pitchFamily="18" charset="0"/>
+                  <a:cs typeface="Times New Roman" panose="02020603050405020304" pitchFamily="18" charset="0"/>
+                </a:endParaRPr>
+              </a:p>
+            </p:txBody>
+          </p:sp>
+          <p:sp>
+            <p:nvSpPr>
+              <p:cNvPr id="5" name="사각형: 위쪽 모서리의 한쪽은 둥글고 다른 한쪽은 잘림 4">
+                <a:extLst>
+                  <a:ext uri="{FF2B5EF4-FFF2-40B4-BE49-F238E27FC236}">
+                    <a16:creationId xmlns:a16="http://schemas.microsoft.com/office/drawing/2014/main" id="{1A0B4318-FBDF-B7DF-DCD1-3E40EE69C921}"/>
+                  </a:ext>
+                </a:extLst>
+              </p:cNvPr>
+              <p:cNvSpPr/>
+              <p:nvPr/>
+            </p:nvSpPr>
+            <p:spPr>
+              <a:xfrm>
+                <a:off x="8556798" y="4318499"/>
+                <a:ext cx="1086416" cy="380245"/>
+              </a:xfrm>
+              <a:prstGeom prst="snipRoundRect">
+                <a:avLst/>
+              </a:prstGeom>
+              <a:solidFill>
+                <a:schemeClr val="bg1"/>
+              </a:solidFill>
+            </p:spPr>
+            <p:style>
+              <a:lnRef idx="2">
+                <a:schemeClr val="accent1">
+                  <a:shade val="15000"/>
+                </a:schemeClr>
+              </a:lnRef>
+              <a:fillRef idx="1">
+                <a:schemeClr val="accent1"/>
+              </a:fillRef>
+              <a:effectRef idx="0">
+                <a:schemeClr val="accent1"/>
+              </a:effectRef>
+              <a:fontRef idx="minor">
+                <a:schemeClr val="lt1"/>
+              </a:fontRef>
+            </p:style>
+            <p:txBody>
+              <a:bodyPr rtlCol="0" anchor="ctr"/>
+              <a:lstStyle/>
+              <a:p>
+                <a:pPr algn="ctr"/>
+                <a:r>
+                  <a:rPr lang="en-US" altLang="ko-KR" dirty="0">
+                    <a:solidFill>
+                      <a:schemeClr val="tx1"/>
+                    </a:solidFill>
+                    <a:latin typeface="Times New Roman" panose="02020603050405020304" pitchFamily="18" charset="0"/>
+                    <a:cs typeface="Times New Roman" panose="02020603050405020304" pitchFamily="18" charset="0"/>
+                  </a:rPr>
+                  <a:t>sigmoid</a:t>
+                </a:r>
+                <a:endParaRPr lang="ko-KR" altLang="en-US" dirty="0">
+                  <a:solidFill>
+                    <a:schemeClr val="tx1"/>
+                  </a:solidFill>
+                  <a:latin typeface="Times New Roman" panose="02020603050405020304" pitchFamily="18" charset="0"/>
+                  <a:cs typeface="Times New Roman" panose="02020603050405020304" pitchFamily="18" charset="0"/>
+                </a:endParaRPr>
+              </a:p>
+            </p:txBody>
+          </p:sp>
+          <p:sp>
+            <p:nvSpPr>
+              <p:cNvPr id="6" name="사각형: 위쪽 모서리의 한쪽은 둥글고 다른 한쪽은 잘림 5">
+                <a:extLst>
+                  <a:ext uri="{FF2B5EF4-FFF2-40B4-BE49-F238E27FC236}">
+                    <a16:creationId xmlns:a16="http://schemas.microsoft.com/office/drawing/2014/main" id="{9DA8AB8A-A4A5-6D80-B748-C076BF40A315}"/>
+                  </a:ext>
+                </a:extLst>
+              </p:cNvPr>
+              <p:cNvSpPr/>
+              <p:nvPr/>
+            </p:nvSpPr>
+            <p:spPr>
+              <a:xfrm>
+                <a:off x="6289139" y="4318499"/>
+                <a:ext cx="1086416" cy="380245"/>
+              </a:xfrm>
+              <a:prstGeom prst="snipRoundRect">
+                <a:avLst/>
+              </a:prstGeom>
+              <a:solidFill>
+                <a:schemeClr val="bg1"/>
+              </a:solidFill>
+            </p:spPr>
+            <p:style>
+              <a:lnRef idx="2">
+                <a:schemeClr val="accent1">
+                  <a:shade val="15000"/>
+                </a:schemeClr>
+              </a:lnRef>
+              <a:fillRef idx="1">
+                <a:schemeClr val="accent1"/>
+              </a:fillRef>
+              <a:effectRef idx="0">
+                <a:schemeClr val="accent1"/>
+              </a:effectRef>
+              <a:fontRef idx="minor">
+                <a:schemeClr val="lt1"/>
+              </a:fontRef>
+            </p:style>
+            <p:txBody>
+              <a:bodyPr rtlCol="0" anchor="ctr"/>
+              <a:lstStyle/>
+              <a:p>
+                <a:pPr algn="ctr"/>
+                <a:r>
+                  <a:rPr lang="en-US" altLang="ko-KR" dirty="0">
+                    <a:solidFill>
+                      <a:schemeClr val="tx1"/>
+                    </a:solidFill>
+                    <a:latin typeface="Times New Roman" panose="02020603050405020304" pitchFamily="18" charset="0"/>
+                    <a:cs typeface="Times New Roman" panose="02020603050405020304" pitchFamily="18" charset="0"/>
+                  </a:rPr>
+                  <a:t>tanh</a:t>
+                </a:r>
+                <a:endParaRPr lang="ko-KR" altLang="en-US" dirty="0">
+                  <a:solidFill>
+                    <a:schemeClr val="tx1"/>
+                  </a:solidFill>
+                  <a:latin typeface="Times New Roman" panose="02020603050405020304" pitchFamily="18" charset="0"/>
+                  <a:cs typeface="Times New Roman" panose="02020603050405020304" pitchFamily="18" charset="0"/>
+                </a:endParaRPr>
+              </a:p>
+            </p:txBody>
+          </p:sp>
+          <p:cxnSp>
+            <p:nvCxnSpPr>
+              <p:cNvPr id="8" name="직선 화살표 연결선 7">
+                <a:extLst>
+                  <a:ext uri="{FF2B5EF4-FFF2-40B4-BE49-F238E27FC236}">
+                    <a16:creationId xmlns:a16="http://schemas.microsoft.com/office/drawing/2014/main" id="{CBFE745E-2835-B47E-FF88-DAA2E755BDC7}"/>
+                  </a:ext>
+                </a:extLst>
+              </p:cNvPr>
+              <p:cNvCxnSpPr>
+                <a:cxnSpLocks/>
+              </p:cNvCxnSpPr>
+              <p:nvPr/>
+            </p:nvCxnSpPr>
+            <p:spPr>
+              <a:xfrm>
+                <a:off x="1448554" y="1656784"/>
+                <a:ext cx="10148935" cy="0"/>
+              </a:xfrm>
+              <a:prstGeom prst="straightConnector1">
+                <a:avLst/>
+              </a:prstGeom>
+              <a:ln w="57150">
+                <a:tailEnd type="triangle"/>
+              </a:ln>
+            </p:spPr>
+            <p:style>
+              <a:lnRef idx="2">
+                <a:schemeClr val="accent2"/>
+              </a:lnRef>
+              <a:fillRef idx="0">
+                <a:schemeClr val="accent2"/>
+              </a:fillRef>
+              <a:effectRef idx="1">
+                <a:schemeClr val="accent2"/>
+              </a:effectRef>
+              <a:fontRef idx="minor">
+                <a:schemeClr val="tx1"/>
+              </a:fontRef>
+            </p:style>
+          </p:cxnSp>
+          <p:grpSp>
+            <p:nvGrpSpPr>
+              <p:cNvPr id="31" name="그룹 30">
+                <a:extLst>
+                  <a:ext uri="{FF2B5EF4-FFF2-40B4-BE49-F238E27FC236}">
+                    <a16:creationId xmlns:a16="http://schemas.microsoft.com/office/drawing/2014/main" id="{754020E1-4AF0-F24E-7F5C-973F3FC68E48}"/>
+                  </a:ext>
+                </a:extLst>
+              </p:cNvPr>
+              <p:cNvGrpSpPr/>
+              <p:nvPr/>
+            </p:nvGrpSpPr>
+            <p:grpSpPr>
+              <a:xfrm>
+                <a:off x="1356798" y="4769664"/>
+                <a:ext cx="7738599" cy="1199582"/>
+                <a:chOff x="1356798" y="4769664"/>
+                <a:chExt cx="7738599" cy="1199582"/>
+              </a:xfrm>
+              <a:solidFill>
+                <a:srgbClr val="A02B93"/>
+              </a:solidFill>
+            </p:grpSpPr>
+            <p:sp>
+              <p:nvSpPr>
+                <p:cNvPr id="16" name="화살표: 위로 굽음 15">
+                  <a:extLst>
+                    <a:ext uri="{FF2B5EF4-FFF2-40B4-BE49-F238E27FC236}">
+                      <a16:creationId xmlns:a16="http://schemas.microsoft.com/office/drawing/2014/main" id="{57ACB3F8-403E-62F1-367B-225AE423AE1D}"/>
+                    </a:ext>
+                  </a:extLst>
+                </p:cNvPr>
+                <p:cNvSpPr/>
+                <p:nvPr/>
+              </p:nvSpPr>
+              <p:spPr>
+                <a:xfrm>
+                  <a:off x="2499700" y="4769664"/>
+                  <a:ext cx="850392" cy="1199581"/>
+                </a:xfrm>
+                <a:prstGeom prst="bentUpArrow">
+                  <a:avLst>
+                    <a:gd name="adj1" fmla="val 6608"/>
+                    <a:gd name="adj2" fmla="val 14480"/>
+                    <a:gd name="adj3" fmla="val 15099"/>
+                  </a:avLst>
+                </a:prstGeom>
+                <a:grpFill/>
+                <a:ln/>
+              </p:spPr>
+              <p:style>
+                <a:lnRef idx="2">
+                  <a:schemeClr val="accent5"/>
+                </a:lnRef>
+                <a:fillRef idx="1">
+                  <a:schemeClr val="lt1"/>
+                </a:fillRef>
+                <a:effectRef idx="0">
+                  <a:schemeClr val="accent5"/>
+                </a:effectRef>
+                <a:fontRef idx="minor">
+                  <a:schemeClr val="dk1"/>
+                </a:fontRef>
+              </p:style>
+              <p:txBody>
+                <a:bodyPr rtlCol="0" anchor="ctr"/>
+                <a:lstStyle/>
+                <a:p>
+                  <a:pPr algn="ctr"/>
+                  <a:endParaRPr lang="ko-KR" altLang="en-US"/>
+                </a:p>
+              </p:txBody>
+            </p:sp>
+            <p:sp>
+              <p:nvSpPr>
+                <p:cNvPr id="17" name="화살표: 위로 굽음 16">
+                  <a:extLst>
+                    <a:ext uri="{FF2B5EF4-FFF2-40B4-BE49-F238E27FC236}">
+                      <a16:creationId xmlns:a16="http://schemas.microsoft.com/office/drawing/2014/main" id="{3B599CF3-7EB9-CF07-A301-E7B011CED38C}"/>
+                    </a:ext>
+                  </a:extLst>
+                </p:cNvPr>
+                <p:cNvSpPr/>
+                <p:nvPr/>
+              </p:nvSpPr>
+              <p:spPr>
+                <a:xfrm>
+                  <a:off x="4840270" y="4769665"/>
+                  <a:ext cx="850392" cy="1199581"/>
+                </a:xfrm>
+                <a:prstGeom prst="bentUpArrow">
+                  <a:avLst>
+                    <a:gd name="adj1" fmla="val 6608"/>
+                    <a:gd name="adj2" fmla="val 14480"/>
+                    <a:gd name="adj3" fmla="val 15099"/>
+                  </a:avLst>
+                </a:prstGeom>
+                <a:grpFill/>
+                <a:ln/>
+              </p:spPr>
+              <p:style>
+                <a:lnRef idx="2">
+                  <a:schemeClr val="accent5"/>
+                </a:lnRef>
+                <a:fillRef idx="1">
+                  <a:schemeClr val="lt1"/>
+                </a:fillRef>
+                <a:effectRef idx="0">
+                  <a:schemeClr val="accent5"/>
+                </a:effectRef>
+                <a:fontRef idx="minor">
+                  <a:schemeClr val="dk1"/>
+                </a:fontRef>
+              </p:style>
+              <p:txBody>
+                <a:bodyPr rtlCol="0" anchor="ctr"/>
+                <a:lstStyle/>
+                <a:p>
+                  <a:pPr algn="ctr"/>
+                  <a:endParaRPr lang="ko-KR" altLang="en-US"/>
+                </a:p>
+              </p:txBody>
+            </p:sp>
+            <p:sp>
+              <p:nvSpPr>
+                <p:cNvPr id="18" name="화살표: 위로 굽음 17">
+                  <a:extLst>
+                    <a:ext uri="{FF2B5EF4-FFF2-40B4-BE49-F238E27FC236}">
+                      <a16:creationId xmlns:a16="http://schemas.microsoft.com/office/drawing/2014/main" id="{25B7374A-1140-C357-8B12-C3A9FB5E2E06}"/>
+                    </a:ext>
+                  </a:extLst>
+                </p:cNvPr>
+                <p:cNvSpPr/>
+                <p:nvPr/>
+              </p:nvSpPr>
+              <p:spPr>
+                <a:xfrm>
+                  <a:off x="6096000" y="4769665"/>
+                  <a:ext cx="850392" cy="1199581"/>
+                </a:xfrm>
+                <a:prstGeom prst="bentUpArrow">
+                  <a:avLst>
+                    <a:gd name="adj1" fmla="val 6608"/>
+                    <a:gd name="adj2" fmla="val 14480"/>
+                    <a:gd name="adj3" fmla="val 15099"/>
+                  </a:avLst>
+                </a:prstGeom>
+                <a:grpFill/>
+                <a:ln/>
+              </p:spPr>
+              <p:style>
+                <a:lnRef idx="2">
+                  <a:schemeClr val="accent5"/>
+                </a:lnRef>
+                <a:fillRef idx="1">
+                  <a:schemeClr val="lt1"/>
+                </a:fillRef>
+                <a:effectRef idx="0">
+                  <a:schemeClr val="accent5"/>
+                </a:effectRef>
+                <a:fontRef idx="minor">
+                  <a:schemeClr val="dk1"/>
+                </a:fontRef>
+              </p:style>
+              <p:txBody>
+                <a:bodyPr rtlCol="0" anchor="ctr"/>
+                <a:lstStyle/>
+                <a:p>
+                  <a:pPr algn="ctr"/>
+                  <a:endParaRPr lang="ko-KR" altLang="en-US"/>
+                </a:p>
+              </p:txBody>
+            </p:sp>
+            <p:sp>
+              <p:nvSpPr>
+                <p:cNvPr id="19" name="화살표: 위로 굽음 18">
+                  <a:extLst>
+                    <a:ext uri="{FF2B5EF4-FFF2-40B4-BE49-F238E27FC236}">
+                      <a16:creationId xmlns:a16="http://schemas.microsoft.com/office/drawing/2014/main" id="{8A201194-1C2D-EF2B-FA38-3C43354AC577}"/>
+                    </a:ext>
+                  </a:extLst>
+                </p:cNvPr>
+                <p:cNvSpPr/>
+                <p:nvPr/>
+              </p:nvSpPr>
+              <p:spPr>
+                <a:xfrm>
+                  <a:off x="8245005" y="4781541"/>
+                  <a:ext cx="850392" cy="1187704"/>
+                </a:xfrm>
+                <a:prstGeom prst="bentUpArrow">
+                  <a:avLst>
+                    <a:gd name="adj1" fmla="val 6533"/>
+                    <a:gd name="adj2" fmla="val 14480"/>
+                    <a:gd name="adj3" fmla="val 15099"/>
+                  </a:avLst>
+                </a:prstGeom>
+                <a:grpFill/>
+                <a:ln/>
+              </p:spPr>
+              <p:style>
+                <a:lnRef idx="2">
+                  <a:schemeClr val="accent5"/>
+                </a:lnRef>
+                <a:fillRef idx="1">
+                  <a:schemeClr val="lt1"/>
+                </a:fillRef>
+                <a:effectRef idx="0">
+                  <a:schemeClr val="accent5"/>
+                </a:effectRef>
+                <a:fontRef idx="minor">
+                  <a:schemeClr val="dk1"/>
+                </a:fontRef>
+              </p:style>
+              <p:txBody>
+                <a:bodyPr rtlCol="0" anchor="ctr"/>
+                <a:lstStyle/>
+                <a:p>
+                  <a:pPr algn="ctr"/>
+                  <a:endParaRPr lang="ko-KR" altLang="en-US" dirty="0"/>
+                </a:p>
+              </p:txBody>
+            </p:sp>
+            <p:sp>
+              <p:nvSpPr>
+                <p:cNvPr id="20" name="순서도: 처리 19">
+                  <a:extLst>
+                    <a:ext uri="{FF2B5EF4-FFF2-40B4-BE49-F238E27FC236}">
+                      <a16:creationId xmlns:a16="http://schemas.microsoft.com/office/drawing/2014/main" id="{2A6FC74F-302D-586E-5868-5C9F25FD6C36}"/>
+                    </a:ext>
+                  </a:extLst>
+                </p:cNvPr>
+                <p:cNvSpPr/>
+                <p:nvPr/>
+              </p:nvSpPr>
+              <p:spPr>
+                <a:xfrm>
+                  <a:off x="1356798" y="5911852"/>
+                  <a:ext cx="7200000" cy="57393"/>
+                </a:xfrm>
+                <a:prstGeom prst="flowChartProcess">
+                  <a:avLst/>
+                </a:prstGeom>
+                <a:grpFill/>
+                <a:ln/>
+              </p:spPr>
+              <p:style>
+                <a:lnRef idx="2">
+                  <a:schemeClr val="accent5"/>
+                </a:lnRef>
+                <a:fillRef idx="1">
+                  <a:schemeClr val="lt1"/>
+                </a:fillRef>
+                <a:effectRef idx="0">
+                  <a:schemeClr val="accent5"/>
+                </a:effectRef>
+                <a:fontRef idx="minor">
+                  <a:schemeClr val="dk1"/>
+                </a:fontRef>
+              </p:style>
+              <p:txBody>
+                <a:bodyPr rtlCol="0" anchor="ctr"/>
+                <a:lstStyle/>
+                <a:p>
+                  <a:pPr algn="ctr"/>
+                  <a:endParaRPr lang="ko-KR" altLang="en-US" dirty="0"/>
+                </a:p>
+              </p:txBody>
+            </p:sp>
+          </p:grpSp>
+          <p:grpSp>
+            <p:nvGrpSpPr>
+              <p:cNvPr id="30" name="그룹 29">
+                <a:extLst>
+                  <a:ext uri="{FF2B5EF4-FFF2-40B4-BE49-F238E27FC236}">
+                    <a16:creationId xmlns:a16="http://schemas.microsoft.com/office/drawing/2014/main" id="{17F37F00-06F5-0881-0B98-E11DC20704D1}"/>
+                  </a:ext>
+                </a:extLst>
+              </p:cNvPr>
+              <p:cNvGrpSpPr/>
+              <p:nvPr/>
+            </p:nvGrpSpPr>
+            <p:grpSpPr>
+              <a:xfrm>
+                <a:off x="1328209" y="5027817"/>
+                <a:ext cx="8048360" cy="1199582"/>
+                <a:chOff x="1410379" y="5379703"/>
+                <a:chExt cx="8048360" cy="1199582"/>
+              </a:xfrm>
+            </p:grpSpPr>
+            <p:sp>
+              <p:nvSpPr>
+                <p:cNvPr id="25" name="화살표: 위로 굽음 24">
+                  <a:extLst>
+                    <a:ext uri="{FF2B5EF4-FFF2-40B4-BE49-F238E27FC236}">
+                      <a16:creationId xmlns:a16="http://schemas.microsoft.com/office/drawing/2014/main" id="{D5B92BC2-3B0C-73FB-D6FB-82938B48E903}"/>
+                    </a:ext>
+                  </a:extLst>
+                </p:cNvPr>
+                <p:cNvSpPr/>
+                <p:nvPr/>
+              </p:nvSpPr>
+              <p:spPr>
+                <a:xfrm>
+                  <a:off x="2884484" y="5379703"/>
+                  <a:ext cx="850392" cy="1199581"/>
+                </a:xfrm>
+                <a:prstGeom prst="bentUpArrow">
+                  <a:avLst>
+                    <a:gd name="adj1" fmla="val 6608"/>
+                    <a:gd name="adj2" fmla="val 14480"/>
+                    <a:gd name="adj3" fmla="val 15099"/>
+                  </a:avLst>
+                </a:prstGeom>
+                <a:ln>
+                  <a:solidFill>
+                    <a:srgbClr val="4EA72E"/>
+                  </a:solidFill>
+                </a:ln>
+              </p:spPr>
+              <p:style>
+                <a:lnRef idx="2">
+                  <a:schemeClr val="accent6">
+                    <a:shade val="15000"/>
+                  </a:schemeClr>
+                </a:lnRef>
+                <a:fillRef idx="1">
+                  <a:schemeClr val="accent6"/>
+                </a:fillRef>
+                <a:effectRef idx="0">
+                  <a:schemeClr val="accent6"/>
+                </a:effectRef>
+                <a:fontRef idx="minor">
+                  <a:schemeClr val="lt1"/>
+                </a:fontRef>
+              </p:style>
+              <p:txBody>
+                <a:bodyPr rtlCol="0" anchor="ctr"/>
+                <a:lstStyle/>
+                <a:p>
+                  <a:pPr algn="ctr"/>
+                  <a:endParaRPr lang="ko-KR" altLang="en-US"/>
+                </a:p>
+              </p:txBody>
+            </p:sp>
+            <p:sp>
+              <p:nvSpPr>
+                <p:cNvPr id="26" name="화살표: 위로 굽음 25">
+                  <a:extLst>
+                    <a:ext uri="{FF2B5EF4-FFF2-40B4-BE49-F238E27FC236}">
+                      <a16:creationId xmlns:a16="http://schemas.microsoft.com/office/drawing/2014/main" id="{C9DE5D65-739D-720A-7247-9924685D2750}"/>
+                    </a:ext>
+                  </a:extLst>
+                </p:cNvPr>
+                <p:cNvSpPr/>
+                <p:nvPr/>
+              </p:nvSpPr>
+              <p:spPr>
+                <a:xfrm>
+                  <a:off x="5225054" y="5379704"/>
+                  <a:ext cx="850392" cy="1199581"/>
+                </a:xfrm>
+                <a:prstGeom prst="bentUpArrow">
+                  <a:avLst>
+                    <a:gd name="adj1" fmla="val 6608"/>
+                    <a:gd name="adj2" fmla="val 14480"/>
+                    <a:gd name="adj3" fmla="val 15099"/>
+                  </a:avLst>
+                </a:prstGeom>
+                <a:ln>
+                  <a:solidFill>
+                    <a:srgbClr val="4EA72E"/>
+                  </a:solidFill>
+                </a:ln>
+              </p:spPr>
+              <p:style>
+                <a:lnRef idx="2">
+                  <a:schemeClr val="accent6">
+                    <a:shade val="15000"/>
+                  </a:schemeClr>
+                </a:lnRef>
+                <a:fillRef idx="1">
+                  <a:schemeClr val="accent6"/>
+                </a:fillRef>
+                <a:effectRef idx="0">
+                  <a:schemeClr val="accent6"/>
+                </a:effectRef>
+                <a:fontRef idx="minor">
+                  <a:schemeClr val="lt1"/>
+                </a:fontRef>
+              </p:style>
+              <p:txBody>
+                <a:bodyPr rtlCol="0" anchor="ctr"/>
+                <a:lstStyle/>
+                <a:p>
+                  <a:pPr algn="ctr"/>
+                  <a:endParaRPr lang="ko-KR" altLang="en-US"/>
+                </a:p>
+              </p:txBody>
+            </p:sp>
+            <p:sp>
+              <p:nvSpPr>
+                <p:cNvPr id="27" name="화살표: 위로 굽음 26">
+                  <a:extLst>
+                    <a:ext uri="{FF2B5EF4-FFF2-40B4-BE49-F238E27FC236}">
+                      <a16:creationId xmlns:a16="http://schemas.microsoft.com/office/drawing/2014/main" id="{B1EC518C-06B9-E1DD-B3C9-531BEC4B60E9}"/>
+                    </a:ext>
+                  </a:extLst>
+                </p:cNvPr>
+                <p:cNvSpPr/>
+                <p:nvPr/>
+              </p:nvSpPr>
+              <p:spPr>
+                <a:xfrm>
+                  <a:off x="6480784" y="5379704"/>
+                  <a:ext cx="850392" cy="1199581"/>
+                </a:xfrm>
+                <a:prstGeom prst="bentUpArrow">
+                  <a:avLst>
+                    <a:gd name="adj1" fmla="val 6608"/>
+                    <a:gd name="adj2" fmla="val 14480"/>
+                    <a:gd name="adj3" fmla="val 15099"/>
+                  </a:avLst>
+                </a:prstGeom>
+                <a:ln>
+                  <a:solidFill>
+                    <a:srgbClr val="4EA72E"/>
+                  </a:solidFill>
+                </a:ln>
+              </p:spPr>
+              <p:style>
+                <a:lnRef idx="2">
+                  <a:schemeClr val="accent6">
+                    <a:shade val="15000"/>
+                  </a:schemeClr>
+                </a:lnRef>
+                <a:fillRef idx="1">
+                  <a:schemeClr val="accent6"/>
+                </a:fillRef>
+                <a:effectRef idx="0">
+                  <a:schemeClr val="accent6"/>
+                </a:effectRef>
+                <a:fontRef idx="minor">
+                  <a:schemeClr val="lt1"/>
+                </a:fontRef>
+              </p:style>
+              <p:txBody>
+                <a:bodyPr rtlCol="0" anchor="ctr"/>
+                <a:lstStyle/>
+                <a:p>
+                  <a:pPr algn="ctr"/>
+                  <a:endParaRPr lang="ko-KR" altLang="en-US"/>
+                </a:p>
+              </p:txBody>
+            </p:sp>
+            <p:sp>
+              <p:nvSpPr>
+                <p:cNvPr id="29" name="순서도: 처리 28">
+                  <a:extLst>
+                    <a:ext uri="{FF2B5EF4-FFF2-40B4-BE49-F238E27FC236}">
+                      <a16:creationId xmlns:a16="http://schemas.microsoft.com/office/drawing/2014/main" id="{426AF8C4-47F4-BAEB-179D-ED0701D92FAE}"/>
+                    </a:ext>
+                  </a:extLst>
+                </p:cNvPr>
+                <p:cNvSpPr/>
+                <p:nvPr/>
+              </p:nvSpPr>
+              <p:spPr>
+                <a:xfrm>
+                  <a:off x="1410379" y="6521891"/>
+                  <a:ext cx="7200000" cy="57393"/>
+                </a:xfrm>
+                <a:prstGeom prst="flowChartProcess">
+                  <a:avLst/>
+                </a:prstGeom>
+                <a:ln>
+                  <a:solidFill>
+                    <a:srgbClr val="4EA72E"/>
+                  </a:solidFill>
+                </a:ln>
+              </p:spPr>
+              <p:style>
+                <a:lnRef idx="2">
+                  <a:schemeClr val="accent6">
+                    <a:shade val="15000"/>
+                  </a:schemeClr>
+                </a:lnRef>
+                <a:fillRef idx="1">
+                  <a:schemeClr val="accent6"/>
+                </a:fillRef>
+                <a:effectRef idx="0">
+                  <a:schemeClr val="accent6"/>
+                </a:effectRef>
+                <a:fontRef idx="minor">
+                  <a:schemeClr val="lt1"/>
+                </a:fontRef>
+              </p:style>
+              <p:txBody>
+                <a:bodyPr rtlCol="0" anchor="ctr"/>
+                <a:lstStyle/>
+                <a:p>
+                  <a:pPr algn="ctr"/>
+                  <a:endParaRPr lang="ko-KR" altLang="en-US" dirty="0"/>
+                </a:p>
+              </p:txBody>
+            </p:sp>
+            <p:sp>
+              <p:nvSpPr>
+                <p:cNvPr id="28" name="화살표: 위로 굽음 27">
+                  <a:extLst>
+                    <a:ext uri="{FF2B5EF4-FFF2-40B4-BE49-F238E27FC236}">
+                      <a16:creationId xmlns:a16="http://schemas.microsoft.com/office/drawing/2014/main" id="{3933B443-FFBB-0F5A-5B1B-7EB95B9ECCC6}"/>
+                    </a:ext>
+                  </a:extLst>
+                </p:cNvPr>
+                <p:cNvSpPr/>
+                <p:nvPr/>
+              </p:nvSpPr>
+              <p:spPr>
+                <a:xfrm>
+                  <a:off x="8608347" y="5379704"/>
+                  <a:ext cx="850392" cy="1199581"/>
+                </a:xfrm>
+                <a:prstGeom prst="bentUpArrow">
+                  <a:avLst>
+                    <a:gd name="adj1" fmla="val 6533"/>
+                    <a:gd name="adj2" fmla="val 14480"/>
+                    <a:gd name="adj3" fmla="val 15099"/>
+                  </a:avLst>
+                </a:prstGeom>
+                <a:ln>
+                  <a:solidFill>
+                    <a:srgbClr val="4EA72E"/>
+                  </a:solidFill>
+                </a:ln>
+              </p:spPr>
+              <p:style>
+                <a:lnRef idx="2">
+                  <a:schemeClr val="accent6">
+                    <a:shade val="15000"/>
+                  </a:schemeClr>
+                </a:lnRef>
+                <a:fillRef idx="1">
+                  <a:schemeClr val="accent6"/>
+                </a:fillRef>
+                <a:effectRef idx="0">
+                  <a:schemeClr val="accent6"/>
+                </a:effectRef>
+                <a:fontRef idx="minor">
+                  <a:schemeClr val="lt1"/>
+                </a:fontRef>
+              </p:style>
+              <p:txBody>
+                <a:bodyPr rtlCol="0" anchor="ctr"/>
+                <a:lstStyle/>
+                <a:p>
+                  <a:pPr algn="ctr"/>
+                  <a:endParaRPr lang="ko-KR" altLang="en-US" dirty="0"/>
+                </a:p>
+              </p:txBody>
+            </p:sp>
+          </p:grpSp>
+          <p:cxnSp>
+            <p:nvCxnSpPr>
+              <p:cNvPr id="33" name="직선 화살표 연결선 32">
+                <a:extLst>
+                  <a:ext uri="{FF2B5EF4-FFF2-40B4-BE49-F238E27FC236}">
+                    <a16:creationId xmlns:a16="http://schemas.microsoft.com/office/drawing/2014/main" id="{69598575-295D-2F19-5C81-BE1335888CE5}"/>
+                  </a:ext>
+                </a:extLst>
+              </p:cNvPr>
+              <p:cNvCxnSpPr>
+                <a:cxnSpLocks/>
+              </p:cNvCxnSpPr>
+              <p:nvPr/>
+            </p:nvCxnSpPr>
+            <p:spPr>
+              <a:xfrm flipV="1">
+                <a:off x="3227510" y="2142836"/>
+                <a:ext cx="0" cy="2007812"/>
+              </a:xfrm>
+              <a:prstGeom prst="straightConnector1">
+                <a:avLst/>
+              </a:prstGeom>
+              <a:ln w="76200">
+                <a:tailEnd type="triangle"/>
+              </a:ln>
+            </p:spPr>
+            <p:style>
+              <a:lnRef idx="2">
+                <a:schemeClr val="dk1"/>
+              </a:lnRef>
+              <a:fillRef idx="0">
+                <a:schemeClr val="dk1"/>
+              </a:fillRef>
+              <a:effectRef idx="1">
+                <a:schemeClr val="dk1"/>
+              </a:effectRef>
+              <a:fontRef idx="minor">
+                <a:schemeClr val="tx1"/>
+              </a:fontRef>
+            </p:style>
+          </p:cxnSp>
+          <p:sp>
+            <p:nvSpPr>
+              <p:cNvPr id="36" name="곱하기 기호 35">
+                <a:extLst>
+                  <a:ext uri="{FF2B5EF4-FFF2-40B4-BE49-F238E27FC236}">
+                    <a16:creationId xmlns:a16="http://schemas.microsoft.com/office/drawing/2014/main" id="{61F3CCC5-B36F-E82A-4A47-CC7C71BA468A}"/>
+                  </a:ext>
+                </a:extLst>
+              </p:cNvPr>
+              <p:cNvSpPr/>
+              <p:nvPr/>
+            </p:nvSpPr>
+            <p:spPr>
+              <a:xfrm>
+                <a:off x="5762667" y="2994620"/>
+                <a:ext cx="914400" cy="914400"/>
+              </a:xfrm>
+              <a:prstGeom prst="mathMultiply">
+                <a:avLst/>
+              </a:prstGeom>
+              <a:solidFill>
+                <a:schemeClr val="bg1"/>
+              </a:solidFill>
+            </p:spPr>
+            <p:style>
+              <a:lnRef idx="2">
+                <a:schemeClr val="accent1">
+                  <a:shade val="15000"/>
+                </a:schemeClr>
+              </a:lnRef>
+              <a:fillRef idx="1">
+                <a:schemeClr val="accent1"/>
+              </a:fillRef>
+              <a:effectRef idx="0">
+                <a:schemeClr val="accent1"/>
+              </a:effectRef>
+              <a:fontRef idx="minor">
+                <a:schemeClr val="lt1"/>
+              </a:fontRef>
+            </p:style>
+            <p:txBody>
+              <a:bodyPr rtlCol="0" anchor="ctr"/>
+              <a:lstStyle/>
+              <a:p>
+                <a:pPr algn="ctr"/>
+                <a:endParaRPr lang="ko-KR" altLang="en-US"/>
+              </a:p>
+            </p:txBody>
+          </p:sp>
+          <p:sp>
+            <p:nvSpPr>
+              <p:cNvPr id="38" name="화살표: 위로 굽음 37">
+                <a:extLst>
+                  <a:ext uri="{FF2B5EF4-FFF2-40B4-BE49-F238E27FC236}">
+                    <a16:creationId xmlns:a16="http://schemas.microsoft.com/office/drawing/2014/main" id="{BDBA10A1-E73A-772B-B9C8-AF8054F3F219}"/>
+                  </a:ext>
+                </a:extLst>
+              </p:cNvPr>
+              <p:cNvSpPr/>
+              <p:nvPr/>
+            </p:nvSpPr>
+            <p:spPr>
+              <a:xfrm rot="5400000" flipH="1">
+                <a:off x="5076243" y="3464224"/>
+                <a:ext cx="850392" cy="522455"/>
+              </a:xfrm>
+              <a:prstGeom prst="bentUpArrow">
+                <a:avLst>
+                  <a:gd name="adj1" fmla="val 11869"/>
+                  <a:gd name="adj2" fmla="val 17172"/>
+                  <a:gd name="adj3" fmla="val 29293"/>
+                </a:avLst>
+              </a:prstGeom>
+            </p:spPr>
+            <p:style>
+              <a:lnRef idx="2">
+                <a:schemeClr val="dk1">
+                  <a:shade val="15000"/>
+                </a:schemeClr>
+              </a:lnRef>
+              <a:fillRef idx="1">
+                <a:schemeClr val="dk1"/>
+              </a:fillRef>
+              <a:effectRef idx="0">
+                <a:schemeClr val="dk1"/>
+              </a:effectRef>
+              <a:fontRef idx="minor">
+                <a:schemeClr val="lt1"/>
+              </a:fontRef>
+            </p:style>
+            <p:txBody>
+              <a:bodyPr rtlCol="0" anchor="ctr"/>
+              <a:lstStyle/>
+              <a:p>
+                <a:pPr algn="ctr"/>
+                <a:endParaRPr lang="ko-KR" altLang="en-US"/>
+              </a:p>
+            </p:txBody>
+          </p:sp>
+          <p:sp>
+            <p:nvSpPr>
+              <p:cNvPr id="40" name="곱하기 기호 39">
+                <a:extLst>
+                  <a:ext uri="{FF2B5EF4-FFF2-40B4-BE49-F238E27FC236}">
+                    <a16:creationId xmlns:a16="http://schemas.microsoft.com/office/drawing/2014/main" id="{BB2EE886-1FEC-82C3-7AC9-CB8ED719A89A}"/>
+                  </a:ext>
+                </a:extLst>
+              </p:cNvPr>
+              <p:cNvSpPr/>
+              <p:nvPr/>
+            </p:nvSpPr>
+            <p:spPr>
+              <a:xfrm>
+                <a:off x="2770310" y="1199584"/>
+                <a:ext cx="914400" cy="914400"/>
+              </a:xfrm>
+              <a:prstGeom prst="mathMultiply">
+                <a:avLst/>
+              </a:prstGeom>
+              <a:solidFill>
+                <a:schemeClr val="bg1"/>
+              </a:solidFill>
+            </p:spPr>
+            <p:style>
+              <a:lnRef idx="2">
+                <a:schemeClr val="accent1">
+                  <a:shade val="15000"/>
+                </a:schemeClr>
+              </a:lnRef>
+              <a:fillRef idx="1">
+                <a:schemeClr val="accent1"/>
+              </a:fillRef>
+              <a:effectRef idx="0">
+                <a:schemeClr val="accent1"/>
+              </a:effectRef>
+              <a:fontRef idx="minor">
+                <a:schemeClr val="lt1"/>
+              </a:fontRef>
+            </p:style>
+            <p:txBody>
+              <a:bodyPr rtlCol="0" anchor="ctr"/>
+              <a:lstStyle/>
+              <a:p>
+                <a:pPr algn="ctr"/>
+                <a:endParaRPr lang="ko-KR" altLang="en-US"/>
+              </a:p>
+            </p:txBody>
+          </p:sp>
+          <p:sp>
+            <p:nvSpPr>
+              <p:cNvPr id="41" name="더하기 기호 40">
+                <a:extLst>
+                  <a:ext uri="{FF2B5EF4-FFF2-40B4-BE49-F238E27FC236}">
+                    <a16:creationId xmlns:a16="http://schemas.microsoft.com/office/drawing/2014/main" id="{2BE5D1E7-0F99-5175-A3DC-7144A67373D5}"/>
+                  </a:ext>
+                </a:extLst>
+              </p:cNvPr>
+              <p:cNvSpPr/>
+              <p:nvPr/>
+            </p:nvSpPr>
+            <p:spPr>
+              <a:xfrm>
+                <a:off x="5762667" y="1157516"/>
+                <a:ext cx="914400" cy="914400"/>
+              </a:xfrm>
+              <a:prstGeom prst="mathPlus">
+                <a:avLst/>
+              </a:prstGeom>
+              <a:solidFill>
+                <a:schemeClr val="bg1"/>
+              </a:solidFill>
+              <a:ln>
+                <a:solidFill>
+                  <a:schemeClr val="tx1"/>
+                </a:solidFill>
+              </a:ln>
+            </p:spPr>
+            <p:style>
+              <a:lnRef idx="2">
+                <a:schemeClr val="accent1">
+                  <a:shade val="15000"/>
+                </a:schemeClr>
+              </a:lnRef>
+              <a:fillRef idx="1">
+                <a:schemeClr val="accent1"/>
+              </a:fillRef>
+              <a:effectRef idx="0">
+                <a:schemeClr val="accent1"/>
+              </a:effectRef>
+              <a:fontRef idx="minor">
+                <a:schemeClr val="lt1"/>
+              </a:fontRef>
+            </p:style>
+            <p:txBody>
+              <a:bodyPr rtlCol="0" anchor="ctr"/>
+              <a:lstStyle/>
+              <a:p>
+                <a:pPr algn="ctr"/>
+                <a:endParaRPr lang="ko-KR" altLang="en-US" dirty="0"/>
+              </a:p>
+            </p:txBody>
+          </p:sp>
+          <p:cxnSp>
+            <p:nvCxnSpPr>
+              <p:cNvPr id="42" name="직선 화살표 연결선 41">
+                <a:extLst>
+                  <a:ext uri="{FF2B5EF4-FFF2-40B4-BE49-F238E27FC236}">
+                    <a16:creationId xmlns:a16="http://schemas.microsoft.com/office/drawing/2014/main" id="{FC796A69-0119-4AC2-3DB8-075F01F78469}"/>
+                  </a:ext>
+                </a:extLst>
+              </p:cNvPr>
+              <p:cNvCxnSpPr>
+                <a:cxnSpLocks/>
+              </p:cNvCxnSpPr>
+              <p:nvPr/>
+            </p:nvCxnSpPr>
+            <p:spPr>
+              <a:xfrm flipV="1">
+                <a:off x="6223661" y="2113984"/>
+                <a:ext cx="0" cy="922704"/>
+              </a:xfrm>
+              <a:prstGeom prst="straightConnector1">
+                <a:avLst/>
+              </a:prstGeom>
+              <a:ln w="76200">
+                <a:tailEnd type="triangle"/>
+              </a:ln>
+            </p:spPr>
+            <p:style>
+              <a:lnRef idx="2">
+                <a:schemeClr val="dk1"/>
+              </a:lnRef>
+              <a:fillRef idx="0">
+                <a:schemeClr val="dk1"/>
+              </a:fillRef>
+              <a:effectRef idx="1">
+                <a:schemeClr val="dk1"/>
+              </a:effectRef>
+              <a:fontRef idx="minor">
+                <a:schemeClr val="tx1"/>
+              </a:fontRef>
+            </p:style>
+          </p:cxnSp>
+          <p:sp>
+            <p:nvSpPr>
+              <p:cNvPr id="45" name="사각형: 위쪽 모서리의 한쪽은 둥글고 다른 한쪽은 잘림 44">
+                <a:extLst>
+                  <a:ext uri="{FF2B5EF4-FFF2-40B4-BE49-F238E27FC236}">
+                    <a16:creationId xmlns:a16="http://schemas.microsoft.com/office/drawing/2014/main" id="{C84ADBA5-ED10-C6AA-92E0-D85ADAC5E153}"/>
+                  </a:ext>
+                </a:extLst>
+              </p:cNvPr>
+              <p:cNvSpPr/>
+              <p:nvPr/>
+            </p:nvSpPr>
+            <p:spPr>
+              <a:xfrm>
+                <a:off x="8556798" y="2461402"/>
+                <a:ext cx="1086416" cy="380245"/>
+              </a:xfrm>
+              <a:prstGeom prst="snipRoundRect">
+                <a:avLst/>
+              </a:prstGeom>
+              <a:solidFill>
+                <a:schemeClr val="bg1"/>
+              </a:solidFill>
+            </p:spPr>
+            <p:style>
+              <a:lnRef idx="2">
+                <a:schemeClr val="accent1">
+                  <a:shade val="15000"/>
+                </a:schemeClr>
+              </a:lnRef>
+              <a:fillRef idx="1">
+                <a:schemeClr val="accent1"/>
+              </a:fillRef>
+              <a:effectRef idx="0">
+                <a:schemeClr val="accent1"/>
+              </a:effectRef>
+              <a:fontRef idx="minor">
+                <a:schemeClr val="lt1"/>
+              </a:fontRef>
+            </p:style>
+            <p:txBody>
+              <a:bodyPr rtlCol="0" anchor="ctr"/>
+              <a:lstStyle/>
+              <a:p>
+                <a:pPr algn="ctr"/>
+                <a:r>
+                  <a:rPr lang="en-US" altLang="ko-KR" dirty="0">
+                    <a:solidFill>
+                      <a:schemeClr val="tx1"/>
+                    </a:solidFill>
+                    <a:latin typeface="Times New Roman" panose="02020603050405020304" pitchFamily="18" charset="0"/>
+                    <a:cs typeface="Times New Roman" panose="02020603050405020304" pitchFamily="18" charset="0"/>
+                  </a:rPr>
+                  <a:t>tanh</a:t>
+                </a:r>
+                <a:endParaRPr lang="ko-KR" altLang="en-US" dirty="0">
+                  <a:solidFill>
+                    <a:schemeClr val="tx1"/>
+                  </a:solidFill>
+                  <a:latin typeface="Times New Roman" panose="02020603050405020304" pitchFamily="18" charset="0"/>
+                  <a:cs typeface="Times New Roman" panose="02020603050405020304" pitchFamily="18" charset="0"/>
+                </a:endParaRPr>
+              </a:p>
+            </p:txBody>
+          </p:sp>
+          <p:sp>
+            <p:nvSpPr>
+              <p:cNvPr id="46" name="화살표: 위로 굽음 45">
+                <a:extLst>
+                  <a:ext uri="{FF2B5EF4-FFF2-40B4-BE49-F238E27FC236}">
+                    <a16:creationId xmlns:a16="http://schemas.microsoft.com/office/drawing/2014/main" id="{D005649C-C0CA-EEF6-1B32-25E3C634E097}"/>
+                  </a:ext>
+                </a:extLst>
+              </p:cNvPr>
+              <p:cNvSpPr/>
+              <p:nvPr/>
+            </p:nvSpPr>
+            <p:spPr>
+              <a:xfrm flipV="1">
+                <a:off x="8308836" y="1636774"/>
+                <a:ext cx="850392" cy="731520"/>
+              </a:xfrm>
+              <a:prstGeom prst="bentUpArrow">
+                <a:avLst>
+                  <a:gd name="adj1" fmla="val 4798"/>
+                  <a:gd name="adj2" fmla="val 9217"/>
+                  <a:gd name="adj3" fmla="val 27526"/>
+                </a:avLst>
+              </a:prstGeom>
+              <a:solidFill>
+                <a:srgbClr val="E97132"/>
+              </a:solidFill>
+              <a:ln>
+                <a:solidFill>
+                  <a:srgbClr val="E97132"/>
+                </a:solidFill>
+              </a:ln>
+            </p:spPr>
+            <p:style>
+              <a:lnRef idx="2">
+                <a:schemeClr val="accent1">
+                  <a:shade val="15000"/>
+                </a:schemeClr>
+              </a:lnRef>
+              <a:fillRef idx="1">
+                <a:schemeClr val="accent1"/>
+              </a:fillRef>
+              <a:effectRef idx="0">
+                <a:schemeClr val="accent1"/>
+              </a:effectRef>
+              <a:fontRef idx="minor">
+                <a:schemeClr val="lt1"/>
+              </a:fontRef>
+            </p:style>
+            <p:txBody>
+              <a:bodyPr rtlCol="0" anchor="ctr"/>
+              <a:lstStyle/>
+              <a:p>
+                <a:pPr algn="ctr"/>
+                <a:endParaRPr lang="ko-KR" altLang="en-US" dirty="0"/>
+              </a:p>
+            </p:txBody>
+          </p:sp>
+          <p:sp>
+            <p:nvSpPr>
+              <p:cNvPr id="47" name="화살표: 위로 굽음 46">
+                <a:extLst>
+                  <a:ext uri="{FF2B5EF4-FFF2-40B4-BE49-F238E27FC236}">
+                    <a16:creationId xmlns:a16="http://schemas.microsoft.com/office/drawing/2014/main" id="{B210CFC9-38B5-5871-1704-C6FA2ECC2939}"/>
+                  </a:ext>
+                </a:extLst>
+              </p:cNvPr>
+              <p:cNvSpPr/>
+              <p:nvPr/>
+            </p:nvSpPr>
+            <p:spPr>
+              <a:xfrm rot="16200000">
+                <a:off x="6513100" y="3464223"/>
+                <a:ext cx="850392" cy="522455"/>
+              </a:xfrm>
+              <a:prstGeom prst="bentUpArrow">
+                <a:avLst>
+                  <a:gd name="adj1" fmla="val 11869"/>
+                  <a:gd name="adj2" fmla="val 17172"/>
+                  <a:gd name="adj3" fmla="val 29293"/>
+                </a:avLst>
+              </a:prstGeom>
+            </p:spPr>
+            <p:style>
+              <a:lnRef idx="2">
+                <a:schemeClr val="dk1">
+                  <a:shade val="15000"/>
+                </a:schemeClr>
+              </a:lnRef>
+              <a:fillRef idx="1">
+                <a:schemeClr val="dk1"/>
+              </a:fillRef>
+              <a:effectRef idx="0">
+                <a:schemeClr val="dk1"/>
+              </a:effectRef>
+              <a:fontRef idx="minor">
+                <a:schemeClr val="lt1"/>
+              </a:fontRef>
+            </p:style>
+            <p:txBody>
+              <a:bodyPr rtlCol="0" anchor="ctr"/>
+              <a:lstStyle/>
+              <a:p>
+                <a:pPr algn="ctr"/>
+                <a:endParaRPr lang="ko-KR" altLang="en-US"/>
+              </a:p>
+            </p:txBody>
+          </p:sp>
+          <p:sp>
+            <p:nvSpPr>
+              <p:cNvPr id="48" name="화살표: 위로 굽음 47">
+                <a:extLst>
+                  <a:ext uri="{FF2B5EF4-FFF2-40B4-BE49-F238E27FC236}">
+                    <a16:creationId xmlns:a16="http://schemas.microsoft.com/office/drawing/2014/main" id="{78005F92-9657-9A16-AF19-4D2A498B756E}"/>
+                  </a:ext>
+                </a:extLst>
+              </p:cNvPr>
+              <p:cNvSpPr/>
+              <p:nvPr/>
+            </p:nvSpPr>
+            <p:spPr>
+              <a:xfrm rot="10800000" flipH="1">
+                <a:off x="9675162" y="2624287"/>
+                <a:ext cx="512431" cy="522455"/>
+              </a:xfrm>
+              <a:prstGeom prst="bentUpArrow">
+                <a:avLst>
+                  <a:gd name="adj1" fmla="val 11869"/>
+                  <a:gd name="adj2" fmla="val 17172"/>
+                  <a:gd name="adj3" fmla="val 29293"/>
+                </a:avLst>
+              </a:prstGeom>
+            </p:spPr>
+            <p:style>
+              <a:lnRef idx="2">
+                <a:schemeClr val="dk1">
+                  <a:shade val="15000"/>
+                </a:schemeClr>
+              </a:lnRef>
+              <a:fillRef idx="1">
+                <a:schemeClr val="dk1"/>
+              </a:fillRef>
+              <a:effectRef idx="0">
+                <a:schemeClr val="dk1"/>
+              </a:effectRef>
+              <a:fontRef idx="minor">
+                <a:schemeClr val="lt1"/>
+              </a:fontRef>
+            </p:style>
+            <p:txBody>
+              <a:bodyPr rtlCol="0" anchor="ctr"/>
+              <a:lstStyle/>
+              <a:p>
+                <a:pPr algn="ctr"/>
+                <a:endParaRPr lang="ko-KR" altLang="en-US"/>
+              </a:p>
+            </p:txBody>
+          </p:sp>
+          <p:sp>
+            <p:nvSpPr>
+              <p:cNvPr id="49" name="화살표: 위로 굽음 48">
+                <a:extLst>
+                  <a:ext uri="{FF2B5EF4-FFF2-40B4-BE49-F238E27FC236}">
+                    <a16:creationId xmlns:a16="http://schemas.microsoft.com/office/drawing/2014/main" id="{7BDC6B54-A53F-4CFF-9D84-3619DACF80D3}"/>
+                  </a:ext>
+                </a:extLst>
+              </p:cNvPr>
+              <p:cNvSpPr/>
+              <p:nvPr/>
+            </p:nvSpPr>
+            <p:spPr>
+              <a:xfrm rot="10800000" flipH="1" flipV="1">
+                <a:off x="9680642" y="4039167"/>
+                <a:ext cx="512431" cy="522455"/>
+              </a:xfrm>
+              <a:prstGeom prst="bentUpArrow">
+                <a:avLst>
+                  <a:gd name="adj1" fmla="val 11869"/>
+                  <a:gd name="adj2" fmla="val 17172"/>
+                  <a:gd name="adj3" fmla="val 29293"/>
+                </a:avLst>
+              </a:prstGeom>
+            </p:spPr>
+            <p:style>
+              <a:lnRef idx="2">
+                <a:schemeClr val="dk1">
+                  <a:shade val="15000"/>
+                </a:schemeClr>
+              </a:lnRef>
+              <a:fillRef idx="1">
+                <a:schemeClr val="dk1"/>
+              </a:fillRef>
+              <a:effectRef idx="0">
+                <a:schemeClr val="dk1"/>
+              </a:effectRef>
+              <a:fontRef idx="minor">
+                <a:schemeClr val="lt1"/>
+              </a:fontRef>
+            </p:style>
+            <p:txBody>
+              <a:bodyPr rtlCol="0" anchor="ctr"/>
+              <a:lstStyle/>
+              <a:p>
+                <a:pPr algn="ctr"/>
+                <a:endParaRPr lang="ko-KR" altLang="en-US"/>
+              </a:p>
+            </p:txBody>
+          </p:sp>
+          <p:sp>
+            <p:nvSpPr>
+              <p:cNvPr id="50" name="곱하기 기호 49">
+                <a:extLst>
+                  <a:ext uri="{FF2B5EF4-FFF2-40B4-BE49-F238E27FC236}">
+                    <a16:creationId xmlns:a16="http://schemas.microsoft.com/office/drawing/2014/main" id="{B0B4356B-92EB-9C50-39E5-332C15CF8074}"/>
+                  </a:ext>
+                </a:extLst>
+              </p:cNvPr>
+              <p:cNvSpPr/>
+              <p:nvPr/>
+            </p:nvSpPr>
+            <p:spPr>
+              <a:xfrm>
+                <a:off x="9634899" y="3075025"/>
+                <a:ext cx="914400" cy="914400"/>
+              </a:xfrm>
+              <a:prstGeom prst="mathMultiply">
+                <a:avLst/>
+              </a:prstGeom>
+              <a:solidFill>
+                <a:schemeClr val="bg1"/>
+              </a:solidFill>
+            </p:spPr>
+            <p:style>
+              <a:lnRef idx="2">
+                <a:schemeClr val="accent1">
+                  <a:shade val="15000"/>
+                </a:schemeClr>
+              </a:lnRef>
+              <a:fillRef idx="1">
+                <a:schemeClr val="accent1"/>
+              </a:fillRef>
+              <a:effectRef idx="0">
+                <a:schemeClr val="accent1"/>
+              </a:effectRef>
+              <a:fontRef idx="minor">
+                <a:schemeClr val="lt1"/>
+              </a:fontRef>
+            </p:style>
+            <p:txBody>
+              <a:bodyPr rtlCol="0" anchor="ctr"/>
+              <a:lstStyle/>
+              <a:p>
+                <a:pPr algn="ctr"/>
+                <a:endParaRPr lang="ko-KR" altLang="en-US"/>
+              </a:p>
+            </p:txBody>
+          </p:sp>
+          <p:grpSp>
+            <p:nvGrpSpPr>
+              <p:cNvPr id="61" name="그룹 60">
+                <a:extLst>
+                  <a:ext uri="{FF2B5EF4-FFF2-40B4-BE49-F238E27FC236}">
+                    <a16:creationId xmlns:a16="http://schemas.microsoft.com/office/drawing/2014/main" id="{607AB7BB-9387-EDBA-DFB1-F9C253A1FFB7}"/>
+                  </a:ext>
+                </a:extLst>
+              </p:cNvPr>
+              <p:cNvGrpSpPr/>
+              <p:nvPr/>
+            </p:nvGrpSpPr>
+            <p:grpSpPr>
+              <a:xfrm>
+                <a:off x="10581247" y="458918"/>
+                <a:ext cx="1072005" cy="3087231"/>
+                <a:chOff x="10499860" y="479567"/>
+                <a:chExt cx="1072005" cy="3087231"/>
+              </a:xfrm>
+            </p:grpSpPr>
+            <p:cxnSp>
+              <p:nvCxnSpPr>
+                <p:cNvPr id="53" name="직선 화살표 연결선 52">
+                  <a:extLst>
+                    <a:ext uri="{FF2B5EF4-FFF2-40B4-BE49-F238E27FC236}">
+                      <a16:creationId xmlns:a16="http://schemas.microsoft.com/office/drawing/2014/main" id="{907D922A-6727-32E0-2494-D6229A2D6296}"/>
+                    </a:ext>
+                  </a:extLst>
+                </p:cNvPr>
+                <p:cNvCxnSpPr>
+                  <a:cxnSpLocks/>
+                </p:cNvCxnSpPr>
+                <p:nvPr/>
+              </p:nvCxnSpPr>
+              <p:spPr>
+                <a:xfrm>
+                  <a:off x="10523675" y="3553628"/>
+                  <a:ext cx="1048190" cy="13170"/>
+                </a:xfrm>
+                <a:prstGeom prst="straightConnector1">
+                  <a:avLst/>
+                </a:prstGeom>
+                <a:ln w="57150">
+                  <a:solidFill>
+                    <a:srgbClr val="A02B93"/>
+                  </a:solidFill>
+                  <a:tailEnd type="triangle"/>
+                </a:ln>
+              </p:spPr>
+              <p:style>
+                <a:lnRef idx="2">
+                  <a:schemeClr val="accent1"/>
+                </a:lnRef>
+                <a:fillRef idx="0">
+                  <a:schemeClr val="accent1"/>
+                </a:fillRef>
+                <a:effectRef idx="1">
+                  <a:schemeClr val="accent1"/>
+                </a:effectRef>
+                <a:fontRef idx="minor">
+                  <a:schemeClr val="tx1"/>
+                </a:fontRef>
+              </p:style>
+            </p:cxnSp>
+            <p:cxnSp>
+              <p:nvCxnSpPr>
+                <p:cNvPr id="58" name="직선 화살표 연결선 57">
+                  <a:extLst>
+                    <a:ext uri="{FF2B5EF4-FFF2-40B4-BE49-F238E27FC236}">
+                      <a16:creationId xmlns:a16="http://schemas.microsoft.com/office/drawing/2014/main" id="{91E08994-095A-B91F-23B2-61F2EA264380}"/>
+                    </a:ext>
+                  </a:extLst>
+                </p:cNvPr>
+                <p:cNvCxnSpPr>
+                  <a:cxnSpLocks/>
+                </p:cNvCxnSpPr>
+                <p:nvPr/>
+              </p:nvCxnSpPr>
+              <p:spPr>
+                <a:xfrm flipH="1" flipV="1">
+                  <a:off x="10499860" y="479567"/>
+                  <a:ext cx="50571" cy="3087231"/>
+                </a:xfrm>
+                <a:prstGeom prst="straightConnector1">
+                  <a:avLst/>
+                </a:prstGeom>
+                <a:ln w="57150">
+                  <a:solidFill>
+                    <a:srgbClr val="A02B93"/>
+                  </a:solidFill>
+                  <a:tailEnd type="triangle"/>
+                </a:ln>
+              </p:spPr>
+              <p:style>
+                <a:lnRef idx="2">
+                  <a:schemeClr val="accent1"/>
+                </a:lnRef>
+                <a:fillRef idx="0">
+                  <a:schemeClr val="accent1"/>
+                </a:fillRef>
+                <a:effectRef idx="1">
+                  <a:schemeClr val="accent1"/>
+                </a:effectRef>
+                <a:fontRef idx="minor">
+                  <a:schemeClr val="tx1"/>
+                </a:fontRef>
+              </p:style>
+            </p:cxnSp>
+          </p:grpSp>
+        </p:grpSp>
+        <p:sp>
+          <p:nvSpPr>
+            <p:cNvPr id="63" name="직사각형 62">
+              <a:extLst>
+                <a:ext uri="{FF2B5EF4-FFF2-40B4-BE49-F238E27FC236}">
+                  <a16:creationId xmlns:a16="http://schemas.microsoft.com/office/drawing/2014/main" id="{0616C73F-CD3B-B72B-16D8-46AFE5BBB969}"/>
+                </a:ext>
+              </a:extLst>
+            </p:cNvPr>
+            <p:cNvSpPr/>
+            <p:nvPr/>
+          </p:nvSpPr>
+          <p:spPr>
+            <a:xfrm>
+              <a:off x="2353735" y="2053811"/>
+              <a:ext cx="1744979" cy="3229385"/>
+            </a:xfrm>
+            <a:prstGeom prst="rect">
+              <a:avLst/>
+            </a:prstGeom>
+            <a:noFill/>
+            <a:ln w="28575">
+              <a:solidFill>
+                <a:schemeClr val="tx1"/>
+              </a:solidFill>
+              <a:prstDash val="sysDash"/>
+            </a:ln>
+          </p:spPr>
+          <p:style>
+            <a:lnRef idx="2">
+              <a:schemeClr val="accent1">
+                <a:shade val="15000"/>
+              </a:schemeClr>
+            </a:lnRef>
+            <a:fillRef idx="1">
+              <a:schemeClr val="accent1"/>
+            </a:fillRef>
+            <a:effectRef idx="0">
+              <a:schemeClr val="accent1"/>
+            </a:effectRef>
+            <a:fontRef idx="minor">
+              <a:schemeClr val="lt1"/>
+            </a:fontRef>
+          </p:style>
+          <p:txBody>
+            <a:bodyPr rtlCol="0" anchor="ctr"/>
+            <a:lstStyle/>
+            <a:p>
+              <a:pPr algn="ctr"/>
+              <a:endParaRPr lang="ko-KR" altLang="en-US"/>
+            </a:p>
+          </p:txBody>
+        </p:sp>
+        <p:sp>
+          <p:nvSpPr>
+            <p:cNvPr id="64" name="직사각형 63">
+              <a:extLst>
+                <a:ext uri="{FF2B5EF4-FFF2-40B4-BE49-F238E27FC236}">
+                  <a16:creationId xmlns:a16="http://schemas.microsoft.com/office/drawing/2014/main" id="{4F2DD4E7-F570-AA67-6A86-A8E5E7092FC4}"/>
+                </a:ext>
+              </a:extLst>
+            </p:cNvPr>
+            <p:cNvSpPr/>
+            <p:nvPr/>
+          </p:nvSpPr>
+          <p:spPr>
+            <a:xfrm>
+              <a:off x="4964124" y="2053810"/>
+              <a:ext cx="2539583" cy="3229389"/>
+            </a:xfrm>
+            <a:prstGeom prst="rect">
+              <a:avLst/>
+            </a:prstGeom>
+            <a:noFill/>
+            <a:ln w="28575">
+              <a:solidFill>
+                <a:schemeClr val="tx1"/>
+              </a:solidFill>
+              <a:prstDash val="sysDash"/>
+            </a:ln>
+          </p:spPr>
+          <p:style>
+            <a:lnRef idx="2">
+              <a:schemeClr val="accent1">
+                <a:shade val="15000"/>
+              </a:schemeClr>
+            </a:lnRef>
+            <a:fillRef idx="1">
+              <a:schemeClr val="accent1"/>
+            </a:fillRef>
+            <a:effectRef idx="0">
+              <a:schemeClr val="accent1"/>
+            </a:effectRef>
+            <a:fontRef idx="minor">
+              <a:schemeClr val="lt1"/>
+            </a:fontRef>
+          </p:style>
+          <p:txBody>
+            <a:bodyPr rtlCol="0" anchor="ctr"/>
+            <a:lstStyle/>
+            <a:p>
+              <a:pPr algn="ctr"/>
+              <a:endParaRPr lang="ko-KR" altLang="en-US"/>
+            </a:p>
+          </p:txBody>
+        </p:sp>
+        <p:sp>
+          <p:nvSpPr>
+            <p:cNvPr id="65" name="직사각형 64">
+              <a:extLst>
+                <a:ext uri="{FF2B5EF4-FFF2-40B4-BE49-F238E27FC236}">
+                  <a16:creationId xmlns:a16="http://schemas.microsoft.com/office/drawing/2014/main" id="{B1BF4DF6-E028-887D-F499-C62EFC6BF898}"/>
+                </a:ext>
+              </a:extLst>
+            </p:cNvPr>
+            <p:cNvSpPr/>
+            <p:nvPr/>
+          </p:nvSpPr>
+          <p:spPr>
+            <a:xfrm>
+              <a:off x="7956258" y="2060570"/>
+              <a:ext cx="2539583" cy="3229386"/>
+            </a:xfrm>
+            <a:prstGeom prst="rect">
+              <a:avLst/>
+            </a:prstGeom>
+            <a:noFill/>
+            <a:ln w="28575">
+              <a:solidFill>
+                <a:schemeClr val="tx1"/>
+              </a:solidFill>
+              <a:prstDash val="sysDash"/>
+            </a:ln>
+          </p:spPr>
+          <p:style>
+            <a:lnRef idx="2">
+              <a:schemeClr val="accent1">
+                <a:shade val="15000"/>
+              </a:schemeClr>
+            </a:lnRef>
+            <a:fillRef idx="1">
+              <a:schemeClr val="accent1"/>
+            </a:fillRef>
+            <a:effectRef idx="0">
+              <a:schemeClr val="accent1"/>
+            </a:effectRef>
+            <a:fontRef idx="minor">
+              <a:schemeClr val="lt1"/>
+            </a:fontRef>
+          </p:style>
+          <p:txBody>
+            <a:bodyPr rtlCol="0" anchor="ctr"/>
+            <a:lstStyle/>
+            <a:p>
+              <a:pPr algn="ctr"/>
+              <a:endParaRPr lang="ko-KR" altLang="en-US"/>
+            </a:p>
+          </p:txBody>
+        </p:sp>
+        <p:sp>
+          <p:nvSpPr>
+            <p:cNvPr id="66" name="TextBox 65">
+              <a:extLst>
+                <a:ext uri="{FF2B5EF4-FFF2-40B4-BE49-F238E27FC236}">
+                  <a16:creationId xmlns:a16="http://schemas.microsoft.com/office/drawing/2014/main" id="{ADD3A25C-B40B-F0F8-1EC9-0E5005377B25}"/>
+                </a:ext>
+              </a:extLst>
+            </p:cNvPr>
+            <p:cNvSpPr txBox="1"/>
+            <p:nvPr/>
+          </p:nvSpPr>
+          <p:spPr>
+            <a:xfrm>
+              <a:off x="3487306" y="1644154"/>
+              <a:ext cx="1287180" cy="386632"/>
+            </a:xfrm>
+            <a:prstGeom prst="rect">
+              <a:avLst/>
+            </a:prstGeom>
+            <a:noFill/>
+          </p:spPr>
+          <p:txBody>
+            <a:bodyPr wrap="none" rtlCol="0">
+              <a:spAutoFit/>
+            </a:bodyPr>
+            <a:lstStyle/>
+            <a:p>
+              <a:r>
+                <a:rPr lang="en-US" altLang="ko-KR" sz="1600" dirty="0">
+                  <a:latin typeface="Times New Roman" panose="02020603050405020304" pitchFamily="18" charset="0"/>
+                  <a:cs typeface="Times New Roman" panose="02020603050405020304" pitchFamily="18" charset="0"/>
+                </a:rPr>
+                <a:t>Forget Gate</a:t>
+              </a:r>
+              <a:endParaRPr lang="ko-KR" altLang="en-US" sz="2000" dirty="0">
+                <a:latin typeface="Times New Roman" panose="02020603050405020304" pitchFamily="18" charset="0"/>
+                <a:cs typeface="Times New Roman" panose="02020603050405020304" pitchFamily="18" charset="0"/>
+              </a:endParaRPr>
+            </a:p>
+          </p:txBody>
+        </p:sp>
+        <p:sp>
+          <p:nvSpPr>
+            <p:cNvPr id="67" name="TextBox 66">
+              <a:extLst>
+                <a:ext uri="{FF2B5EF4-FFF2-40B4-BE49-F238E27FC236}">
+                  <a16:creationId xmlns:a16="http://schemas.microsoft.com/office/drawing/2014/main" id="{7A2F2675-14B3-7928-141D-760DBB01DF4F}"/>
+                </a:ext>
+              </a:extLst>
+            </p:cNvPr>
+            <p:cNvSpPr txBox="1"/>
+            <p:nvPr/>
+          </p:nvSpPr>
+          <p:spPr>
+            <a:xfrm>
+              <a:off x="6553792" y="1644154"/>
+              <a:ext cx="1177199" cy="386632"/>
+            </a:xfrm>
+            <a:prstGeom prst="rect">
+              <a:avLst/>
+            </a:prstGeom>
+            <a:noFill/>
+          </p:spPr>
+          <p:txBody>
+            <a:bodyPr wrap="none" rtlCol="0">
+              <a:spAutoFit/>
+            </a:bodyPr>
+            <a:lstStyle/>
+            <a:p>
+              <a:r>
+                <a:rPr lang="en-US" altLang="ko-KR" sz="1600" dirty="0">
+                  <a:latin typeface="Times New Roman" panose="02020603050405020304" pitchFamily="18" charset="0"/>
+                  <a:cs typeface="Times New Roman" panose="02020603050405020304" pitchFamily="18" charset="0"/>
+                </a:rPr>
+                <a:t>Input Gate</a:t>
+              </a:r>
+              <a:endParaRPr lang="ko-KR" altLang="en-US" sz="2000" dirty="0">
+                <a:latin typeface="Times New Roman" panose="02020603050405020304" pitchFamily="18" charset="0"/>
+                <a:cs typeface="Times New Roman" panose="02020603050405020304" pitchFamily="18" charset="0"/>
+              </a:endParaRPr>
+            </a:p>
+          </p:txBody>
+        </p:sp>
+        <p:sp>
+          <p:nvSpPr>
+            <p:cNvPr id="68" name="TextBox 67">
+              <a:extLst>
+                <a:ext uri="{FF2B5EF4-FFF2-40B4-BE49-F238E27FC236}">
+                  <a16:creationId xmlns:a16="http://schemas.microsoft.com/office/drawing/2014/main" id="{F8528919-C4B5-70A4-3CAC-06F0D0E6A850}"/>
+                </a:ext>
+              </a:extLst>
+            </p:cNvPr>
+            <p:cNvSpPr txBox="1"/>
+            <p:nvPr/>
+          </p:nvSpPr>
+          <p:spPr>
+            <a:xfrm>
+              <a:off x="9244632" y="1644154"/>
+              <a:ext cx="1328762" cy="386632"/>
+            </a:xfrm>
+            <a:prstGeom prst="rect">
+              <a:avLst/>
+            </a:prstGeom>
+            <a:noFill/>
+          </p:spPr>
+          <p:txBody>
+            <a:bodyPr wrap="none" rtlCol="0">
+              <a:spAutoFit/>
+            </a:bodyPr>
+            <a:lstStyle/>
+            <a:p>
+              <a:r>
+                <a:rPr lang="en-US" altLang="ko-KR" sz="1600" dirty="0">
+                  <a:latin typeface="Times New Roman" panose="02020603050405020304" pitchFamily="18" charset="0"/>
+                  <a:cs typeface="Times New Roman" panose="02020603050405020304" pitchFamily="18" charset="0"/>
+                </a:rPr>
+                <a:t>Output Gate</a:t>
+              </a:r>
+              <a:endParaRPr lang="ko-KR" altLang="en-US" sz="2000" dirty="0">
+                <a:latin typeface="Times New Roman" panose="02020603050405020304" pitchFamily="18" charset="0"/>
+                <a:cs typeface="Times New Roman" panose="02020603050405020304" pitchFamily="18" charset="0"/>
+              </a:endParaRPr>
+            </a:p>
+          </p:txBody>
+        </p:sp>
+        <mc:AlternateContent xmlns:mc="http://schemas.openxmlformats.org/markup-compatibility/2006">
+          <mc:Choice xmlns:a14="http://schemas.microsoft.com/office/drawing/2010/main" Requires="a14">
+            <p:sp>
+              <p:nvSpPr>
+                <p:cNvPr id="69" name="TextBox 68">
+                  <a:extLst>
+                    <a:ext uri="{FF2B5EF4-FFF2-40B4-BE49-F238E27FC236}">
+                      <a16:creationId xmlns:a16="http://schemas.microsoft.com/office/drawing/2014/main" id="{F2714820-29A2-FCEB-0AD5-F6D5F9095C7A}"/>
+                    </a:ext>
+                  </a:extLst>
+                </p:cNvPr>
+                <p:cNvSpPr txBox="1"/>
+                <p:nvPr/>
+              </p:nvSpPr>
+              <p:spPr>
+                <a:xfrm>
+                  <a:off x="860838" y="1445439"/>
+                  <a:ext cx="728726" cy="400110"/>
+                </a:xfrm>
+                <a:prstGeom prst="rect">
+                  <a:avLst/>
+                </a:prstGeom>
+                <a:noFill/>
+              </p:spPr>
+              <p:txBody>
+                <a:bodyPr wrap="none" rtlCol="0">
+                  <a:spAutoFit/>
+                </a:bodyPr>
+                <a:lstStyle/>
+                <a:p>
+                  <a14:m>
+                    <m:oMathPara xmlns:m="http://schemas.openxmlformats.org/officeDocument/2006/math">
+                      <m:oMathParaPr>
+                        <m:jc m:val="centerGroup"/>
+                      </m:oMathParaPr>
+                      <m:oMath xmlns:m="http://schemas.openxmlformats.org/officeDocument/2006/math">
+                        <m:sSub>
+                          <m:sSubPr>
+                            <m:ctrlPr>
+                              <a:rPr lang="en-US" altLang="ko-KR" sz="2000" b="0" i="1" smtClean="0">
+                                <a:latin typeface="Cambria Math" panose="02040503050406030204" pitchFamily="18" charset="0"/>
+                                <a:cs typeface="Times New Roman" panose="02020603050405020304" pitchFamily="18" charset="0"/>
+                              </a:rPr>
+                            </m:ctrlPr>
+                          </m:sSubPr>
+                          <m:e>
+                            <m:r>
+                              <a:rPr lang="en-US" altLang="ko-KR" sz="2000" b="0" i="1" smtClean="0">
+                                <a:latin typeface="Cambria Math" panose="02040503050406030204" pitchFamily="18" charset="0"/>
+                                <a:cs typeface="Times New Roman" panose="02020603050405020304" pitchFamily="18" charset="0"/>
+                              </a:rPr>
+                              <m:t>𝐶</m:t>
+                            </m:r>
+                          </m:e>
+                          <m:sub>
+                            <m:r>
+                              <a:rPr lang="en-US" altLang="ko-KR" sz="2000" b="0" i="1" smtClean="0">
+                                <a:latin typeface="Cambria Math" panose="02040503050406030204" pitchFamily="18" charset="0"/>
+                                <a:cs typeface="Times New Roman" panose="02020603050405020304" pitchFamily="18" charset="0"/>
+                              </a:rPr>
+                              <m:t>𝑡</m:t>
+                            </m:r>
+                            <m:r>
+                              <a:rPr lang="en-US" altLang="ko-KR" sz="2000" b="0" i="1" smtClean="0">
+                                <a:latin typeface="Cambria Math" panose="02040503050406030204" pitchFamily="18" charset="0"/>
+                                <a:cs typeface="Times New Roman" panose="02020603050405020304" pitchFamily="18" charset="0"/>
+                              </a:rPr>
+                              <m:t>−1</m:t>
+                            </m:r>
+                          </m:sub>
+                        </m:sSub>
+                      </m:oMath>
+                    </m:oMathPara>
+                  </a14:m>
+                  <a:endParaRPr lang="ko-KR" altLang="en-US" sz="2000" dirty="0">
+                    <a:latin typeface="Times New Roman" panose="02020603050405020304" pitchFamily="18" charset="0"/>
+                    <a:cs typeface="Times New Roman" panose="02020603050405020304" pitchFamily="18" charset="0"/>
+                  </a:endParaRPr>
+                </a:p>
+              </p:txBody>
+            </p:sp>
+          </mc:Choice>
+          <mc:Fallback>
+            <p:sp>
+              <p:nvSpPr>
+                <p:cNvPr id="69" name="TextBox 68">
+                  <a:extLst>
+                    <a:ext uri="{FF2B5EF4-FFF2-40B4-BE49-F238E27FC236}">
+                      <a16:creationId xmlns:a16="http://schemas.microsoft.com/office/drawing/2014/main" id="{F2714820-29A2-FCEB-0AD5-F6D5F9095C7A}"/>
+                    </a:ext>
+                  </a:extLst>
+                </p:cNvPr>
+                <p:cNvSpPr txBox="1">
+                  <a:spLocks noRot="1" noChangeAspect="1" noMove="1" noResize="1" noEditPoints="1" noAdjustHandles="1" noChangeArrowheads="1" noChangeShapeType="1" noTextEdit="1"/>
+                </p:cNvSpPr>
+                <p:nvPr/>
+              </p:nvSpPr>
+              <p:spPr>
+                <a:xfrm>
+                  <a:off x="860838" y="1445439"/>
+                  <a:ext cx="728726" cy="400110"/>
+                </a:xfrm>
+                <a:prstGeom prst="rect">
+                  <a:avLst/>
+                </a:prstGeom>
+                <a:blipFill>
+                  <a:blip r:embed="rId3"/>
+                  <a:stretch>
+                    <a:fillRect b="-15517"/>
+                  </a:stretch>
+                </a:blipFill>
+              </p:spPr>
+              <p:txBody>
+                <a:bodyPr/>
+                <a:lstStyle/>
+                <a:p>
+                  <a:r>
+                    <a:rPr lang="ko-KR" altLang="en-US">
+                      <a:noFill/>
+                    </a:rPr>
+                    <a:t> </a:t>
+                  </a:r>
+                </a:p>
+              </p:txBody>
+            </p:sp>
+          </mc:Fallback>
+        </mc:AlternateContent>
+        <mc:AlternateContent xmlns:mc="http://schemas.openxmlformats.org/markup-compatibility/2006">
+          <mc:Choice xmlns:a14="http://schemas.microsoft.com/office/drawing/2010/main" Requires="a14">
+            <p:sp>
+              <p:nvSpPr>
+                <p:cNvPr id="70" name="TextBox 69">
+                  <a:extLst>
+                    <a:ext uri="{FF2B5EF4-FFF2-40B4-BE49-F238E27FC236}">
+                      <a16:creationId xmlns:a16="http://schemas.microsoft.com/office/drawing/2014/main" id="{F31CA9FE-B566-D4AD-0F02-B7798F02E0D7}"/>
+                    </a:ext>
+                  </a:extLst>
+                </p:cNvPr>
+                <p:cNvSpPr txBox="1"/>
+                <p:nvPr/>
+              </p:nvSpPr>
+              <p:spPr>
+                <a:xfrm>
+                  <a:off x="11565548" y="1438820"/>
+                  <a:ext cx="483466" cy="400110"/>
+                </a:xfrm>
+                <a:prstGeom prst="rect">
+                  <a:avLst/>
+                </a:prstGeom>
+                <a:noFill/>
+              </p:spPr>
+              <p:txBody>
+                <a:bodyPr wrap="none" rtlCol="0">
+                  <a:spAutoFit/>
+                </a:bodyPr>
+                <a:lstStyle/>
+                <a:p>
+                  <a14:m>
+                    <m:oMathPara xmlns:m="http://schemas.openxmlformats.org/officeDocument/2006/math">
+                      <m:oMathParaPr>
+                        <m:jc m:val="centerGroup"/>
+                      </m:oMathParaPr>
+                      <m:oMath xmlns:m="http://schemas.openxmlformats.org/officeDocument/2006/math">
+                        <m:sSub>
+                          <m:sSubPr>
+                            <m:ctrlPr>
+                              <a:rPr lang="en-US" altLang="ko-KR" sz="2000" b="0" i="1" smtClean="0">
+                                <a:latin typeface="Cambria Math" panose="02040503050406030204" pitchFamily="18" charset="0"/>
+                                <a:cs typeface="Times New Roman" panose="02020603050405020304" pitchFamily="18" charset="0"/>
+                              </a:rPr>
+                            </m:ctrlPr>
+                          </m:sSubPr>
+                          <m:e>
+                            <m:r>
+                              <a:rPr lang="en-US" altLang="ko-KR" sz="2000" b="0" i="1" smtClean="0">
+                                <a:latin typeface="Cambria Math" panose="02040503050406030204" pitchFamily="18" charset="0"/>
+                                <a:cs typeface="Times New Roman" panose="02020603050405020304" pitchFamily="18" charset="0"/>
+                              </a:rPr>
+                              <m:t>𝐶</m:t>
+                            </m:r>
+                          </m:e>
+                          <m:sub>
+                            <m:r>
+                              <a:rPr lang="en-US" altLang="ko-KR" sz="2000" b="0" i="1" smtClean="0">
+                                <a:latin typeface="Cambria Math" panose="02040503050406030204" pitchFamily="18" charset="0"/>
+                                <a:cs typeface="Times New Roman" panose="02020603050405020304" pitchFamily="18" charset="0"/>
+                              </a:rPr>
+                              <m:t>𝑡</m:t>
+                            </m:r>
+                          </m:sub>
+                        </m:sSub>
+                      </m:oMath>
+                    </m:oMathPara>
+                  </a14:m>
+                  <a:endParaRPr lang="ko-KR" altLang="en-US" sz="2000" dirty="0">
+                    <a:latin typeface="Times New Roman" panose="02020603050405020304" pitchFamily="18" charset="0"/>
+                    <a:cs typeface="Times New Roman" panose="02020603050405020304" pitchFamily="18" charset="0"/>
+                  </a:endParaRPr>
+                </a:p>
+              </p:txBody>
+            </p:sp>
+          </mc:Choice>
+          <mc:Fallback>
+            <p:sp>
+              <p:nvSpPr>
+                <p:cNvPr id="70" name="TextBox 69">
+                  <a:extLst>
+                    <a:ext uri="{FF2B5EF4-FFF2-40B4-BE49-F238E27FC236}">
+                      <a16:creationId xmlns:a16="http://schemas.microsoft.com/office/drawing/2014/main" id="{F31CA9FE-B566-D4AD-0F02-B7798F02E0D7}"/>
+                    </a:ext>
+                  </a:extLst>
+                </p:cNvPr>
+                <p:cNvSpPr txBox="1">
+                  <a:spLocks noRot="1" noChangeAspect="1" noMove="1" noResize="1" noEditPoints="1" noAdjustHandles="1" noChangeArrowheads="1" noChangeShapeType="1" noTextEdit="1"/>
+                </p:cNvSpPr>
+                <p:nvPr/>
+              </p:nvSpPr>
+              <p:spPr>
+                <a:xfrm>
+                  <a:off x="11565548" y="1438820"/>
+                  <a:ext cx="483466" cy="400110"/>
+                </a:xfrm>
+                <a:prstGeom prst="rect">
+                  <a:avLst/>
+                </a:prstGeom>
+                <a:blipFill>
+                  <a:blip r:embed="rId4"/>
+                  <a:stretch>
+                    <a:fillRect b="-15517"/>
+                  </a:stretch>
+                </a:blipFill>
+              </p:spPr>
+              <p:txBody>
+                <a:bodyPr/>
+                <a:lstStyle/>
+                <a:p>
+                  <a:r>
+                    <a:rPr lang="ko-KR" altLang="en-US">
+                      <a:noFill/>
+                    </a:rPr>
+                    <a:t> </a:t>
+                  </a:r>
+                </a:p>
+              </p:txBody>
+            </p:sp>
+          </mc:Fallback>
+        </mc:AlternateContent>
+        <mc:AlternateContent xmlns:mc="http://schemas.openxmlformats.org/markup-compatibility/2006">
+          <mc:Choice xmlns:a14="http://schemas.microsoft.com/office/drawing/2010/main" Requires="a14">
+            <p:sp>
+              <p:nvSpPr>
+                <p:cNvPr id="71" name="TextBox 70">
+                  <a:extLst>
+                    <a:ext uri="{FF2B5EF4-FFF2-40B4-BE49-F238E27FC236}">
+                      <a16:creationId xmlns:a16="http://schemas.microsoft.com/office/drawing/2014/main" id="{A4DA173A-8893-9F74-E915-2C81B430BC0B}"/>
+                    </a:ext>
+                  </a:extLst>
+                </p:cNvPr>
+                <p:cNvSpPr txBox="1"/>
+                <p:nvPr/>
+              </p:nvSpPr>
+              <p:spPr>
+                <a:xfrm>
+                  <a:off x="11666261" y="3346094"/>
+                  <a:ext cx="488852" cy="400110"/>
+                </a:xfrm>
+                <a:prstGeom prst="rect">
+                  <a:avLst/>
+                </a:prstGeom>
+                <a:noFill/>
+              </p:spPr>
+              <p:txBody>
+                <a:bodyPr wrap="none" rtlCol="0">
+                  <a:spAutoFit/>
+                </a:bodyPr>
+                <a:lstStyle/>
+                <a:p>
+                  <a14:m>
+                    <m:oMathPara xmlns:m="http://schemas.openxmlformats.org/officeDocument/2006/math">
+                      <m:oMathParaPr>
+                        <m:jc m:val="centerGroup"/>
+                      </m:oMathParaPr>
+                      <m:oMath xmlns:m="http://schemas.openxmlformats.org/officeDocument/2006/math">
+                        <m:sSub>
+                          <m:sSubPr>
+                            <m:ctrlPr>
+                              <a:rPr lang="en-US" altLang="ko-KR" sz="2000" b="0" i="1" smtClean="0">
+                                <a:latin typeface="Cambria Math" panose="02040503050406030204" pitchFamily="18" charset="0"/>
+                                <a:cs typeface="Times New Roman" panose="02020603050405020304" pitchFamily="18" charset="0"/>
+                              </a:rPr>
+                            </m:ctrlPr>
+                          </m:sSubPr>
+                          <m:e>
+                            <m:r>
+                              <a:rPr lang="en-US" altLang="ko-KR" sz="2000" b="0" i="1" smtClean="0">
+                                <a:latin typeface="Cambria Math" panose="02040503050406030204" pitchFamily="18" charset="0"/>
+                                <a:cs typeface="Times New Roman" panose="02020603050405020304" pitchFamily="18" charset="0"/>
+                              </a:rPr>
+                              <m:t>h</m:t>
+                            </m:r>
+                          </m:e>
+                          <m:sub>
+                            <m:r>
+                              <a:rPr lang="en-US" altLang="ko-KR" sz="2000" b="0" i="1" smtClean="0">
+                                <a:latin typeface="Cambria Math" panose="02040503050406030204" pitchFamily="18" charset="0"/>
+                                <a:cs typeface="Times New Roman" panose="02020603050405020304" pitchFamily="18" charset="0"/>
+                              </a:rPr>
+                              <m:t>𝑡</m:t>
+                            </m:r>
+                          </m:sub>
+                        </m:sSub>
+                      </m:oMath>
+                    </m:oMathPara>
+                  </a14:m>
+                  <a:endParaRPr lang="ko-KR" altLang="en-US" sz="2000" dirty="0">
+                    <a:latin typeface="Times New Roman" panose="02020603050405020304" pitchFamily="18" charset="0"/>
+                    <a:cs typeface="Times New Roman" panose="02020603050405020304" pitchFamily="18" charset="0"/>
+                  </a:endParaRPr>
+                </a:p>
+              </p:txBody>
+            </p:sp>
+          </mc:Choice>
+          <mc:Fallback>
+            <p:sp>
+              <p:nvSpPr>
+                <p:cNvPr id="71" name="TextBox 70">
+                  <a:extLst>
+                    <a:ext uri="{FF2B5EF4-FFF2-40B4-BE49-F238E27FC236}">
+                      <a16:creationId xmlns:a16="http://schemas.microsoft.com/office/drawing/2014/main" id="{A4DA173A-8893-9F74-E915-2C81B430BC0B}"/>
+                    </a:ext>
+                  </a:extLst>
+                </p:cNvPr>
+                <p:cNvSpPr txBox="1">
+                  <a:spLocks noRot="1" noChangeAspect="1" noMove="1" noResize="1" noEditPoints="1" noAdjustHandles="1" noChangeArrowheads="1" noChangeShapeType="1" noTextEdit="1"/>
+                </p:cNvSpPr>
+                <p:nvPr/>
+              </p:nvSpPr>
+              <p:spPr>
+                <a:xfrm>
+                  <a:off x="11666261" y="3346094"/>
+                  <a:ext cx="488852" cy="400110"/>
+                </a:xfrm>
+                <a:prstGeom prst="rect">
+                  <a:avLst/>
+                </a:prstGeom>
+                <a:blipFill>
+                  <a:blip r:embed="rId5"/>
+                  <a:stretch>
+                    <a:fillRect b="-15517"/>
+                  </a:stretch>
+                </a:blipFill>
+              </p:spPr>
+              <p:txBody>
+                <a:bodyPr/>
+                <a:lstStyle/>
+                <a:p>
+                  <a:r>
+                    <a:rPr lang="ko-KR" altLang="en-US">
+                      <a:noFill/>
+                    </a:rPr>
+                    <a:t> </a:t>
+                  </a:r>
+                </a:p>
+              </p:txBody>
+            </p:sp>
+          </mc:Fallback>
+        </mc:AlternateContent>
+        <mc:AlternateContent xmlns:mc="http://schemas.openxmlformats.org/markup-compatibility/2006">
+          <mc:Choice xmlns:a14="http://schemas.microsoft.com/office/drawing/2010/main" Requires="a14">
+            <p:sp>
+              <p:nvSpPr>
+                <p:cNvPr id="72" name="TextBox 71">
+                  <a:extLst>
+                    <a:ext uri="{FF2B5EF4-FFF2-40B4-BE49-F238E27FC236}">
+                      <a16:creationId xmlns:a16="http://schemas.microsoft.com/office/drawing/2014/main" id="{49D8EFB6-F147-A0B8-D8E2-62CB2ACD65BF}"/>
+                    </a:ext>
+                  </a:extLst>
+                </p:cNvPr>
+                <p:cNvSpPr txBox="1"/>
+                <p:nvPr/>
+              </p:nvSpPr>
+              <p:spPr>
+                <a:xfrm>
+                  <a:off x="10363714" y="38489"/>
+                  <a:ext cx="482696" cy="400110"/>
+                </a:xfrm>
+                <a:prstGeom prst="rect">
+                  <a:avLst/>
+                </a:prstGeom>
+                <a:noFill/>
+              </p:spPr>
+              <p:txBody>
+                <a:bodyPr wrap="none" rtlCol="0">
+                  <a:spAutoFit/>
+                </a:bodyPr>
+                <a:lstStyle/>
+                <a:p>
+                  <a14:m>
+                    <m:oMathPara xmlns:m="http://schemas.openxmlformats.org/officeDocument/2006/math">
+                      <m:oMathParaPr>
+                        <m:jc m:val="centerGroup"/>
+                      </m:oMathParaPr>
+                      <m:oMath xmlns:m="http://schemas.openxmlformats.org/officeDocument/2006/math">
+                        <m:sSub>
+                          <m:sSubPr>
+                            <m:ctrlPr>
+                              <a:rPr lang="en-US" altLang="ko-KR" sz="2000" b="0" i="1" smtClean="0">
+                                <a:latin typeface="Cambria Math" panose="02040503050406030204" pitchFamily="18" charset="0"/>
+                                <a:cs typeface="Times New Roman" panose="02020603050405020304" pitchFamily="18" charset="0"/>
+                              </a:rPr>
+                            </m:ctrlPr>
+                          </m:sSubPr>
+                          <m:e>
+                            <m:r>
+                              <a:rPr lang="en-US" altLang="ko-KR" sz="2000" b="0" i="1" smtClean="0">
+                                <a:latin typeface="Cambria Math" panose="02040503050406030204" pitchFamily="18" charset="0"/>
+                                <a:cs typeface="Times New Roman" panose="02020603050405020304" pitchFamily="18" charset="0"/>
+                              </a:rPr>
+                              <m:t>𝑦</m:t>
+                            </m:r>
+                          </m:e>
+                          <m:sub>
+                            <m:r>
+                              <a:rPr lang="en-US" altLang="ko-KR" sz="2000" b="0" i="1" smtClean="0">
+                                <a:latin typeface="Cambria Math" panose="02040503050406030204" pitchFamily="18" charset="0"/>
+                                <a:cs typeface="Times New Roman" panose="02020603050405020304" pitchFamily="18" charset="0"/>
+                              </a:rPr>
+                              <m:t>𝑡</m:t>
+                            </m:r>
+                          </m:sub>
+                        </m:sSub>
+                      </m:oMath>
+                    </m:oMathPara>
+                  </a14:m>
+                  <a:endParaRPr lang="ko-KR" altLang="en-US" sz="2000" dirty="0">
+                    <a:latin typeface="Times New Roman" panose="02020603050405020304" pitchFamily="18" charset="0"/>
+                    <a:cs typeface="Times New Roman" panose="02020603050405020304" pitchFamily="18" charset="0"/>
+                  </a:endParaRPr>
+                </a:p>
+              </p:txBody>
+            </p:sp>
+          </mc:Choice>
+          <mc:Fallback>
+            <p:sp>
+              <p:nvSpPr>
+                <p:cNvPr id="72" name="TextBox 71">
+                  <a:extLst>
+                    <a:ext uri="{FF2B5EF4-FFF2-40B4-BE49-F238E27FC236}">
+                      <a16:creationId xmlns:a16="http://schemas.microsoft.com/office/drawing/2014/main" id="{49D8EFB6-F147-A0B8-D8E2-62CB2ACD65BF}"/>
+                    </a:ext>
+                  </a:extLst>
+                </p:cNvPr>
+                <p:cNvSpPr txBox="1">
+                  <a:spLocks noRot="1" noChangeAspect="1" noMove="1" noResize="1" noEditPoints="1" noAdjustHandles="1" noChangeArrowheads="1" noChangeShapeType="1" noTextEdit="1"/>
+                </p:cNvSpPr>
+                <p:nvPr/>
+              </p:nvSpPr>
+              <p:spPr>
+                <a:xfrm>
+                  <a:off x="10363714" y="38489"/>
+                  <a:ext cx="482696" cy="400110"/>
+                </a:xfrm>
+                <a:prstGeom prst="rect">
+                  <a:avLst/>
+                </a:prstGeom>
+                <a:blipFill>
+                  <a:blip r:embed="rId6"/>
+                  <a:stretch>
+                    <a:fillRect b="-24561"/>
+                  </a:stretch>
+                </a:blipFill>
+              </p:spPr>
+              <p:txBody>
+                <a:bodyPr/>
+                <a:lstStyle/>
+                <a:p>
+                  <a:r>
+                    <a:rPr lang="ko-KR" altLang="en-US">
+                      <a:noFill/>
+                    </a:rPr>
+                    <a:t> </a:t>
+                  </a:r>
+                </a:p>
+              </p:txBody>
+            </p:sp>
+          </mc:Fallback>
+        </mc:AlternateContent>
+        <mc:AlternateContent xmlns:mc="http://schemas.openxmlformats.org/markup-compatibility/2006">
+          <mc:Choice xmlns:a14="http://schemas.microsoft.com/office/drawing/2010/main" Requires="a14">
+            <p:sp>
+              <p:nvSpPr>
+                <p:cNvPr id="73" name="TextBox 72">
+                  <a:extLst>
+                    <a:ext uri="{FF2B5EF4-FFF2-40B4-BE49-F238E27FC236}">
+                      <a16:creationId xmlns:a16="http://schemas.microsoft.com/office/drawing/2014/main" id="{2B44DE21-E268-A029-8AE1-CF3F0501D7EF}"/>
+                    </a:ext>
+                  </a:extLst>
+                </p:cNvPr>
+                <p:cNvSpPr txBox="1"/>
+                <p:nvPr/>
+              </p:nvSpPr>
+              <p:spPr>
+                <a:xfrm>
+                  <a:off x="711058" y="5640308"/>
+                  <a:ext cx="734111" cy="400110"/>
+                </a:xfrm>
+                <a:prstGeom prst="rect">
+                  <a:avLst/>
+                </a:prstGeom>
+                <a:noFill/>
+              </p:spPr>
+              <p:txBody>
+                <a:bodyPr wrap="none" rtlCol="0">
+                  <a:spAutoFit/>
+                </a:bodyPr>
+                <a:lstStyle/>
+                <a:p>
+                  <a14:m>
+                    <m:oMathPara xmlns:m="http://schemas.openxmlformats.org/officeDocument/2006/math">
+                      <m:oMathParaPr>
+                        <m:jc m:val="centerGroup"/>
+                      </m:oMathParaPr>
+                      <m:oMath xmlns:m="http://schemas.openxmlformats.org/officeDocument/2006/math">
+                        <m:sSub>
+                          <m:sSubPr>
+                            <m:ctrlPr>
+                              <a:rPr lang="en-US" altLang="ko-KR" sz="2000" b="0" i="1" smtClean="0">
+                                <a:latin typeface="Cambria Math" panose="02040503050406030204" pitchFamily="18" charset="0"/>
+                                <a:cs typeface="Times New Roman" panose="02020603050405020304" pitchFamily="18" charset="0"/>
+                              </a:rPr>
+                            </m:ctrlPr>
+                          </m:sSubPr>
+                          <m:e>
+                            <m:r>
+                              <a:rPr lang="en-US" altLang="ko-KR" sz="2000" b="0" i="1" smtClean="0">
+                                <a:latin typeface="Cambria Math" panose="02040503050406030204" pitchFamily="18" charset="0"/>
+                                <a:cs typeface="Times New Roman" panose="02020603050405020304" pitchFamily="18" charset="0"/>
+                              </a:rPr>
+                              <m:t>h</m:t>
+                            </m:r>
+                          </m:e>
+                          <m:sub>
+                            <m:r>
+                              <a:rPr lang="en-US" altLang="ko-KR" sz="2000" b="0" i="1" smtClean="0">
+                                <a:latin typeface="Cambria Math" panose="02040503050406030204" pitchFamily="18" charset="0"/>
+                                <a:cs typeface="Times New Roman" panose="02020603050405020304" pitchFamily="18" charset="0"/>
+                              </a:rPr>
+                              <m:t>𝑡</m:t>
+                            </m:r>
+                            <m:r>
+                              <a:rPr lang="en-US" altLang="ko-KR" sz="2000" b="0" i="1" smtClean="0">
+                                <a:latin typeface="Cambria Math" panose="02040503050406030204" pitchFamily="18" charset="0"/>
+                                <a:cs typeface="Times New Roman" panose="02020603050405020304" pitchFamily="18" charset="0"/>
+                              </a:rPr>
+                              <m:t>−1</m:t>
+                            </m:r>
+                          </m:sub>
+                        </m:sSub>
+                      </m:oMath>
+                    </m:oMathPara>
+                  </a14:m>
+                  <a:endParaRPr lang="ko-KR" altLang="en-US" sz="2000" dirty="0">
+                    <a:latin typeface="Times New Roman" panose="02020603050405020304" pitchFamily="18" charset="0"/>
+                    <a:cs typeface="Times New Roman" panose="02020603050405020304" pitchFamily="18" charset="0"/>
+                  </a:endParaRPr>
+                </a:p>
+              </p:txBody>
+            </p:sp>
+          </mc:Choice>
+          <mc:Fallback>
+            <p:sp>
+              <p:nvSpPr>
+                <p:cNvPr id="73" name="TextBox 72">
+                  <a:extLst>
+                    <a:ext uri="{FF2B5EF4-FFF2-40B4-BE49-F238E27FC236}">
+                      <a16:creationId xmlns:a16="http://schemas.microsoft.com/office/drawing/2014/main" id="{2B44DE21-E268-A029-8AE1-CF3F0501D7EF}"/>
+                    </a:ext>
+                  </a:extLst>
+                </p:cNvPr>
+                <p:cNvSpPr txBox="1">
+                  <a:spLocks noRot="1" noChangeAspect="1" noMove="1" noResize="1" noEditPoints="1" noAdjustHandles="1" noChangeArrowheads="1" noChangeShapeType="1" noTextEdit="1"/>
+                </p:cNvSpPr>
+                <p:nvPr/>
+              </p:nvSpPr>
+              <p:spPr>
+                <a:xfrm>
+                  <a:off x="711058" y="5640308"/>
+                  <a:ext cx="734111" cy="400110"/>
+                </a:xfrm>
+                <a:prstGeom prst="rect">
+                  <a:avLst/>
+                </a:prstGeom>
+                <a:blipFill>
+                  <a:blip r:embed="rId7"/>
+                  <a:stretch>
+                    <a:fillRect b="-15789"/>
+                  </a:stretch>
+                </a:blipFill>
+              </p:spPr>
+              <p:txBody>
+                <a:bodyPr/>
+                <a:lstStyle/>
+                <a:p>
+                  <a:r>
+                    <a:rPr lang="ko-KR" altLang="en-US">
+                      <a:noFill/>
+                    </a:rPr>
+                    <a:t> </a:t>
+                  </a:r>
+                </a:p>
+              </p:txBody>
+            </p:sp>
+          </mc:Fallback>
+        </mc:AlternateContent>
+        <mc:AlternateContent xmlns:mc="http://schemas.openxmlformats.org/markup-compatibility/2006">
+          <mc:Choice xmlns:a14="http://schemas.microsoft.com/office/drawing/2010/main" Requires="a14">
+            <p:sp>
+              <p:nvSpPr>
+                <p:cNvPr id="74" name="TextBox 73">
+                  <a:extLst>
+                    <a:ext uri="{FF2B5EF4-FFF2-40B4-BE49-F238E27FC236}">
+                      <a16:creationId xmlns:a16="http://schemas.microsoft.com/office/drawing/2014/main" id="{D1D55FDD-B08D-CF0C-40BD-02823AF438AD}"/>
+                    </a:ext>
+                  </a:extLst>
+                </p:cNvPr>
+                <p:cNvSpPr txBox="1"/>
+                <p:nvPr/>
+              </p:nvSpPr>
+              <p:spPr>
+                <a:xfrm>
+                  <a:off x="731681" y="5916250"/>
+                  <a:ext cx="725199" cy="400110"/>
+                </a:xfrm>
+                <a:prstGeom prst="rect">
+                  <a:avLst/>
+                </a:prstGeom>
+                <a:noFill/>
+              </p:spPr>
+              <p:txBody>
+                <a:bodyPr wrap="none" rtlCol="0">
+                  <a:spAutoFit/>
+                </a:bodyPr>
+                <a:lstStyle/>
+                <a:p>
+                  <a14:m>
+                    <m:oMathPara xmlns:m="http://schemas.openxmlformats.org/officeDocument/2006/math">
+                      <m:oMathParaPr>
+                        <m:jc m:val="centerGroup"/>
+                      </m:oMathParaPr>
+                      <m:oMath xmlns:m="http://schemas.openxmlformats.org/officeDocument/2006/math">
+                        <m:sSub>
+                          <m:sSubPr>
+                            <m:ctrlPr>
+                              <a:rPr lang="en-US" altLang="ko-KR" sz="2000" b="0" i="1" smtClean="0">
+                                <a:latin typeface="Cambria Math" panose="02040503050406030204" pitchFamily="18" charset="0"/>
+                                <a:cs typeface="Times New Roman" panose="02020603050405020304" pitchFamily="18" charset="0"/>
+                              </a:rPr>
+                            </m:ctrlPr>
+                          </m:sSubPr>
+                          <m:e>
+                            <m:r>
+                              <a:rPr lang="en-US" altLang="ko-KR" sz="2000" b="0" i="1" smtClean="0">
+                                <a:latin typeface="Cambria Math" panose="02040503050406030204" pitchFamily="18" charset="0"/>
+                                <a:cs typeface="Times New Roman" panose="02020603050405020304" pitchFamily="18" charset="0"/>
+                              </a:rPr>
+                              <m:t>𝑥</m:t>
+                            </m:r>
+                          </m:e>
+                          <m:sub>
+                            <m:r>
+                              <a:rPr lang="en-US" altLang="ko-KR" sz="2000" b="0" i="1" smtClean="0">
+                                <a:latin typeface="Cambria Math" panose="02040503050406030204" pitchFamily="18" charset="0"/>
+                                <a:cs typeface="Times New Roman" panose="02020603050405020304" pitchFamily="18" charset="0"/>
+                              </a:rPr>
+                              <m:t>𝑡</m:t>
+                            </m:r>
+                            <m:r>
+                              <a:rPr lang="en-US" altLang="ko-KR" sz="2000" b="0" i="1" smtClean="0">
+                                <a:latin typeface="Cambria Math" panose="02040503050406030204" pitchFamily="18" charset="0"/>
+                                <a:cs typeface="Times New Roman" panose="02020603050405020304" pitchFamily="18" charset="0"/>
+                              </a:rPr>
+                              <m:t>−1</m:t>
+                            </m:r>
+                          </m:sub>
+                        </m:sSub>
+                      </m:oMath>
+                    </m:oMathPara>
+                  </a14:m>
+                  <a:endParaRPr lang="ko-KR" altLang="en-US" sz="2000" dirty="0">
+                    <a:latin typeface="Times New Roman" panose="02020603050405020304" pitchFamily="18" charset="0"/>
+                    <a:cs typeface="Times New Roman" panose="02020603050405020304" pitchFamily="18" charset="0"/>
+                  </a:endParaRPr>
+                </a:p>
+              </p:txBody>
+            </p:sp>
+          </mc:Choice>
+          <mc:Fallback>
+            <p:sp>
+              <p:nvSpPr>
+                <p:cNvPr id="74" name="TextBox 73">
+                  <a:extLst>
+                    <a:ext uri="{FF2B5EF4-FFF2-40B4-BE49-F238E27FC236}">
+                      <a16:creationId xmlns:a16="http://schemas.microsoft.com/office/drawing/2014/main" id="{D1D55FDD-B08D-CF0C-40BD-02823AF438AD}"/>
+                    </a:ext>
+                  </a:extLst>
+                </p:cNvPr>
+                <p:cNvSpPr txBox="1">
+                  <a:spLocks noRot="1" noChangeAspect="1" noMove="1" noResize="1" noEditPoints="1" noAdjustHandles="1" noChangeArrowheads="1" noChangeShapeType="1" noTextEdit="1"/>
+                </p:cNvSpPr>
+                <p:nvPr/>
+              </p:nvSpPr>
+              <p:spPr>
+                <a:xfrm>
+                  <a:off x="731681" y="5916250"/>
+                  <a:ext cx="725199" cy="400110"/>
+                </a:xfrm>
+                <a:prstGeom prst="rect">
+                  <a:avLst/>
+                </a:prstGeom>
+                <a:blipFill>
+                  <a:blip r:embed="rId8"/>
+                  <a:stretch>
+                    <a:fillRect b="-15517"/>
+                  </a:stretch>
+                </a:blipFill>
+              </p:spPr>
+              <p:txBody>
+                <a:bodyPr/>
+                <a:lstStyle/>
+                <a:p>
+                  <a:r>
+                    <a:rPr lang="ko-KR" altLang="en-US">
+                      <a:noFill/>
+                    </a:rPr>
+                    <a:t> </a:t>
+                  </a:r>
+                </a:p>
+              </p:txBody>
+            </p:sp>
+          </mc:Fallback>
+        </mc:AlternateContent>
+      </p:grpSp>
+    </p:spTree>
+    <p:extLst>
+      <p:ext uri="{BB962C8B-B14F-4D97-AF65-F5344CB8AC3E}">
+        <p14:creationId xmlns:p14="http://schemas.microsoft.com/office/powerpoint/2010/main" val="1623067788"/>
+      </p:ext>
+    </p:extLst>
+  </p:cSld>
+  <p:clrMapOvr>
+    <a:masterClrMapping/>
+  </p:clrMapOvr>
+</p:sld>
+</file>
+
 <file path=ppt/theme/theme1.xml><?xml version="1.0" encoding="utf-8"?>
 <a:theme xmlns:a="http://schemas.openxmlformats.org/drawingml/2006/main" name="Office 테마">
   <a:themeElements>

--- a/졸업 논문/그림모음.pptx
+++ b/졸업 논문/그림모음.pptx
@@ -206,7 +206,7 @@
           <a:p>
             <a:fld id="{DF808D06-9E3F-44FB-93F2-5318620A4091}" type="datetimeFigureOut">
               <a:rPr lang="ko-KR" altLang="en-US" smtClean="0"/>
-              <a:t>2024-02-27</a:t>
+              <a:t>2024-03-14</a:t>
             </a:fld>
             <a:endParaRPr lang="ko-KR" altLang="en-US"/>
           </a:p>
@@ -788,7 +788,7 @@
           <a:p>
             <a:fld id="{1E28F0D3-E3FD-49FD-8E82-3F8837207BDD}" type="datetimeFigureOut">
               <a:rPr lang="ko-KR" altLang="en-US" smtClean="0"/>
-              <a:t>2024-02-27</a:t>
+              <a:t>2024-03-14</a:t>
             </a:fld>
             <a:endParaRPr lang="ko-KR" altLang="en-US"/>
           </a:p>
@@ -986,7 +986,7 @@
           <a:p>
             <a:fld id="{1E28F0D3-E3FD-49FD-8E82-3F8837207BDD}" type="datetimeFigureOut">
               <a:rPr lang="ko-KR" altLang="en-US" smtClean="0"/>
-              <a:t>2024-02-27</a:t>
+              <a:t>2024-03-14</a:t>
             </a:fld>
             <a:endParaRPr lang="ko-KR" altLang="en-US"/>
           </a:p>
@@ -1194,7 +1194,7 @@
           <a:p>
             <a:fld id="{1E28F0D3-E3FD-49FD-8E82-3F8837207BDD}" type="datetimeFigureOut">
               <a:rPr lang="ko-KR" altLang="en-US" smtClean="0"/>
-              <a:t>2024-02-27</a:t>
+              <a:t>2024-03-14</a:t>
             </a:fld>
             <a:endParaRPr lang="ko-KR" altLang="en-US"/>
           </a:p>
@@ -1392,7 +1392,7 @@
           <a:p>
             <a:fld id="{1E28F0D3-E3FD-49FD-8E82-3F8837207BDD}" type="datetimeFigureOut">
               <a:rPr lang="ko-KR" altLang="en-US" smtClean="0"/>
-              <a:t>2024-02-27</a:t>
+              <a:t>2024-03-14</a:t>
             </a:fld>
             <a:endParaRPr lang="ko-KR" altLang="en-US"/>
           </a:p>
@@ -1667,7 +1667,7 @@
           <a:p>
             <a:fld id="{1E28F0D3-E3FD-49FD-8E82-3F8837207BDD}" type="datetimeFigureOut">
               <a:rPr lang="ko-KR" altLang="en-US" smtClean="0"/>
-              <a:t>2024-02-27</a:t>
+              <a:t>2024-03-14</a:t>
             </a:fld>
             <a:endParaRPr lang="ko-KR" altLang="en-US"/>
           </a:p>
@@ -1932,7 +1932,7 @@
           <a:p>
             <a:fld id="{1E28F0D3-E3FD-49FD-8E82-3F8837207BDD}" type="datetimeFigureOut">
               <a:rPr lang="ko-KR" altLang="en-US" smtClean="0"/>
-              <a:t>2024-02-27</a:t>
+              <a:t>2024-03-14</a:t>
             </a:fld>
             <a:endParaRPr lang="ko-KR" altLang="en-US"/>
           </a:p>
@@ -2344,7 +2344,7 @@
           <a:p>
             <a:fld id="{1E28F0D3-E3FD-49FD-8E82-3F8837207BDD}" type="datetimeFigureOut">
               <a:rPr lang="ko-KR" altLang="en-US" smtClean="0"/>
-              <a:t>2024-02-27</a:t>
+              <a:t>2024-03-14</a:t>
             </a:fld>
             <a:endParaRPr lang="ko-KR" altLang="en-US"/>
           </a:p>
@@ -2485,7 +2485,7 @@
           <a:p>
             <a:fld id="{1E28F0D3-E3FD-49FD-8E82-3F8837207BDD}" type="datetimeFigureOut">
               <a:rPr lang="ko-KR" altLang="en-US" smtClean="0"/>
-              <a:t>2024-02-27</a:t>
+              <a:t>2024-03-14</a:t>
             </a:fld>
             <a:endParaRPr lang="ko-KR" altLang="en-US"/>
           </a:p>
@@ -2598,7 +2598,7 @@
           <a:p>
             <a:fld id="{1E28F0D3-E3FD-49FD-8E82-3F8837207BDD}" type="datetimeFigureOut">
               <a:rPr lang="ko-KR" altLang="en-US" smtClean="0"/>
-              <a:t>2024-02-27</a:t>
+              <a:t>2024-03-14</a:t>
             </a:fld>
             <a:endParaRPr lang="ko-KR" altLang="en-US"/>
           </a:p>
@@ -2909,7 +2909,7 @@
           <a:p>
             <a:fld id="{1E28F0D3-E3FD-49FD-8E82-3F8837207BDD}" type="datetimeFigureOut">
               <a:rPr lang="ko-KR" altLang="en-US" smtClean="0"/>
-              <a:t>2024-02-27</a:t>
+              <a:t>2024-03-14</a:t>
             </a:fld>
             <a:endParaRPr lang="ko-KR" altLang="en-US"/>
           </a:p>
@@ -3197,7 +3197,7 @@
           <a:p>
             <a:fld id="{1E28F0D3-E3FD-49FD-8E82-3F8837207BDD}" type="datetimeFigureOut">
               <a:rPr lang="ko-KR" altLang="en-US" smtClean="0"/>
-              <a:t>2024-02-27</a:t>
+              <a:t>2024-03-14</a:t>
             </a:fld>
             <a:endParaRPr lang="ko-KR" altLang="en-US"/>
           </a:p>
@@ -3438,7 +3438,7 @@
           <a:p>
             <a:fld id="{1E28F0D3-E3FD-49FD-8E82-3F8837207BDD}" type="datetimeFigureOut">
               <a:rPr lang="ko-KR" altLang="en-US" smtClean="0"/>
-              <a:t>2024-02-27</a:t>
+              <a:t>2024-03-14</a:t>
             </a:fld>
             <a:endParaRPr lang="ko-KR" altLang="en-US"/>
           </a:p>
@@ -12947,9 +12947,9 @@
         <p:grpSpPr>
           <a:xfrm>
             <a:off x="447675" y="0"/>
-            <a:ext cx="10288213" cy="5497210"/>
+            <a:ext cx="10288213" cy="5546964"/>
             <a:chOff x="711058" y="38489"/>
-            <a:chExt cx="11444055" cy="6277871"/>
+            <a:chExt cx="11444055" cy="6334691"/>
           </a:xfrm>
         </p:grpSpPr>
         <p:grpSp>
@@ -14888,8 +14888,8 @@
             </a:p>
           </p:txBody>
         </p:sp>
-        <mc:AlternateContent xmlns:mc="http://schemas.openxmlformats.org/markup-compatibility/2006">
-          <mc:Choice xmlns:a14="http://schemas.microsoft.com/office/drawing/2010/main" Requires="a14">
+        <mc:AlternateContent xmlns:mc="http://schemas.openxmlformats.org/markup-compatibility/2006" xmlns:a14="http://schemas.microsoft.com/office/drawing/2010/main">
+          <mc:Choice Requires="a14">
             <p:sp>
               <p:nvSpPr>
                 <p:cNvPr id="69" name="TextBox 68">
@@ -14918,6 +14918,7 @@
                 </a:bodyPr>
                 <a:lstStyle/>
                 <a:p>
+                  <a:pPr/>
                   <a14:m>
                     <m:oMathPara xmlns:m="http://schemas.openxmlformats.org/officeDocument/2006/math">
                       <m:oMathParaPr>
@@ -14970,7 +14971,7 @@
               </p:txBody>
             </p:sp>
           </mc:Choice>
-          <mc:Fallback>
+          <mc:Fallback xmlns="">
             <p:sp>
               <p:nvSpPr>
                 <p:cNvPr id="69" name="TextBox 68">
@@ -15015,8 +15016,8 @@
             </p:sp>
           </mc:Fallback>
         </mc:AlternateContent>
-        <mc:AlternateContent xmlns:mc="http://schemas.openxmlformats.org/markup-compatibility/2006">
-          <mc:Choice xmlns:a14="http://schemas.microsoft.com/office/drawing/2010/main" Requires="a14">
+        <mc:AlternateContent xmlns:mc="http://schemas.openxmlformats.org/markup-compatibility/2006" xmlns:a14="http://schemas.microsoft.com/office/drawing/2010/main">
+          <mc:Choice Requires="a14">
             <p:sp>
               <p:nvSpPr>
                 <p:cNvPr id="70" name="TextBox 69">
@@ -15045,6 +15046,7 @@
                 </a:bodyPr>
                 <a:lstStyle/>
                 <a:p>
+                  <a:pPr/>
                   <a14:m>
                     <m:oMathPara xmlns:m="http://schemas.openxmlformats.org/officeDocument/2006/math">
                       <m:oMathParaPr>
@@ -15090,7 +15092,7 @@
               </p:txBody>
             </p:sp>
           </mc:Choice>
-          <mc:Fallback>
+          <mc:Fallback xmlns="">
             <p:sp>
               <p:nvSpPr>
                 <p:cNvPr id="70" name="TextBox 69">
@@ -15135,8 +15137,8 @@
             </p:sp>
           </mc:Fallback>
         </mc:AlternateContent>
-        <mc:AlternateContent xmlns:mc="http://schemas.openxmlformats.org/markup-compatibility/2006">
-          <mc:Choice xmlns:a14="http://schemas.microsoft.com/office/drawing/2010/main" Requires="a14">
+        <mc:AlternateContent xmlns:mc="http://schemas.openxmlformats.org/markup-compatibility/2006" xmlns:a14="http://schemas.microsoft.com/office/drawing/2010/main">
+          <mc:Choice Requires="a14">
             <p:sp>
               <p:nvSpPr>
                 <p:cNvPr id="71" name="TextBox 70">
@@ -15165,6 +15167,7 @@
                 </a:bodyPr>
                 <a:lstStyle/>
                 <a:p>
+                  <a:pPr/>
                   <a14:m>
                     <m:oMathPara xmlns:m="http://schemas.openxmlformats.org/officeDocument/2006/math">
                       <m:oMathParaPr>
@@ -15210,7 +15213,7 @@
               </p:txBody>
             </p:sp>
           </mc:Choice>
-          <mc:Fallback>
+          <mc:Fallback xmlns="">
             <p:sp>
               <p:nvSpPr>
                 <p:cNvPr id="71" name="TextBox 70">
@@ -15255,8 +15258,8 @@
             </p:sp>
           </mc:Fallback>
         </mc:AlternateContent>
-        <mc:AlternateContent xmlns:mc="http://schemas.openxmlformats.org/markup-compatibility/2006">
-          <mc:Choice xmlns:a14="http://schemas.microsoft.com/office/drawing/2010/main" Requires="a14">
+        <mc:AlternateContent xmlns:mc="http://schemas.openxmlformats.org/markup-compatibility/2006" xmlns:a14="http://schemas.microsoft.com/office/drawing/2010/main">
+          <mc:Choice Requires="a14">
             <p:sp>
               <p:nvSpPr>
                 <p:cNvPr id="72" name="TextBox 71">
@@ -15285,6 +15288,7 @@
                 </a:bodyPr>
                 <a:lstStyle/>
                 <a:p>
+                  <a:pPr/>
                   <a14:m>
                     <m:oMathPara xmlns:m="http://schemas.openxmlformats.org/officeDocument/2006/math">
                       <m:oMathParaPr>
@@ -15330,7 +15334,7 @@
               </p:txBody>
             </p:sp>
           </mc:Choice>
-          <mc:Fallback>
+          <mc:Fallback xmlns="">
             <p:sp>
               <p:nvSpPr>
                 <p:cNvPr id="72" name="TextBox 71">
@@ -15375,8 +15379,8 @@
             </p:sp>
           </mc:Fallback>
         </mc:AlternateContent>
-        <mc:AlternateContent xmlns:mc="http://schemas.openxmlformats.org/markup-compatibility/2006">
-          <mc:Choice xmlns:a14="http://schemas.microsoft.com/office/drawing/2010/main" Requires="a14">
+        <mc:AlternateContent xmlns:mc="http://schemas.openxmlformats.org/markup-compatibility/2006" xmlns:a14="http://schemas.microsoft.com/office/drawing/2010/main">
+          <mc:Choice Requires="a14">
             <p:sp>
               <p:nvSpPr>
                 <p:cNvPr id="73" name="TextBox 72">
@@ -15405,6 +15409,7 @@
                 </a:bodyPr>
                 <a:lstStyle/>
                 <a:p>
+                  <a:pPr/>
                   <a14:m>
                     <m:oMathPara xmlns:m="http://schemas.openxmlformats.org/officeDocument/2006/math">
                       <m:oMathParaPr>
@@ -15457,7 +15462,7 @@
               </p:txBody>
             </p:sp>
           </mc:Choice>
-          <mc:Fallback>
+          <mc:Fallback xmlns="">
             <p:sp>
               <p:nvSpPr>
                 <p:cNvPr id="73" name="TextBox 72">
@@ -15519,7 +15524,7 @@
               <p:spPr>
                 <a:xfrm>
                   <a:off x="731681" y="5916250"/>
-                  <a:ext cx="725199" cy="400110"/>
+                  <a:ext cx="533858" cy="456930"/>
                 </a:xfrm>
                 <a:prstGeom prst="rect">
                   <a:avLst/>
@@ -15532,6 +15537,7 @@
                 </a:bodyPr>
                 <a:lstStyle/>
                 <a:p>
+                  <a:pPr/>
                   <a14:m>
                     <m:oMathPara xmlns:m="http://schemas.openxmlformats.org/officeDocument/2006/math">
                       <m:oMathParaPr>
@@ -15564,13 +15570,6 @@
                               </a:rPr>
                               <m:t>𝑡</m:t>
                             </m:r>
-                            <m:r>
-                              <a:rPr lang="en-US" altLang="ko-KR" sz="2000" b="0" i="1" smtClean="0">
-                                <a:latin typeface="Cambria Math" panose="02040503050406030204" pitchFamily="18" charset="0"/>
-                                <a:cs typeface="Times New Roman" panose="02020603050405020304" pitchFamily="18" charset="0"/>
-                              </a:rPr>
-                              <m:t>−1</m:t>
-                            </m:r>
                           </m:sub>
                         </m:sSub>
                       </m:oMath>
@@ -15602,7 +15601,7 @@
               <p:spPr>
                 <a:xfrm>
                   <a:off x="731681" y="5916250"/>
-                  <a:ext cx="725199" cy="400110"/>
+                  <a:ext cx="533858" cy="456930"/>
                 </a:xfrm>
                 <a:prstGeom prst="rect">
                   <a:avLst/>
@@ -15610,7 +15609,7 @@
                 <a:blipFill>
                   <a:blip r:embed="rId8"/>
                   <a:stretch>
-                    <a:fillRect b="-15517"/>
+                    <a:fillRect b="-1515"/>
                   </a:stretch>
                 </a:blipFill>
               </p:spPr>
